--- a/web期中報告.pptx
+++ b/web期中報告.pptx
@@ -4,6 +4,9 @@
   <p:sldMasterIdLst>
     <p:sldMasterId id="2147483672" r:id="rId1"/>
   </p:sldMasterIdLst>
+  <p:notesMasterIdLst>
+    <p:notesMasterId r:id="rId15"/>
+  </p:notesMasterIdLst>
   <p:sldIdLst>
     <p:sldId id="256" r:id="rId2"/>
     <p:sldId id="257" r:id="rId3"/>
@@ -17,6 +20,7 @@
     <p:sldId id="265" r:id="rId11"/>
     <p:sldId id="266" r:id="rId12"/>
     <p:sldId id="267" r:id="rId13"/>
+    <p:sldId id="268" r:id="rId14"/>
   </p:sldIdLst>
   <p:sldSz cx="9144000" cy="6858000" type="screen4x3"/>
   <p:notesSz cx="6858000" cy="9144000"/>
@@ -5928,6 +5932,13 @@
         </dgm:presLayoutVars>
       </dgm:prSet>
       <dgm:spPr/>
+      <dgm:t>
+        <a:bodyPr/>
+        <a:lstStyle/>
+        <a:p>
+          <a:endParaRPr lang="zh-TW" altLang="en-US"/>
+        </a:p>
+      </dgm:t>
     </dgm:pt>
     <dgm:pt modelId="{B414A97B-1DB2-4A94-A681-0AEB9E994E6D}" type="pres">
       <dgm:prSet presAssocID="{FC375DF6-9036-4E25-B254-C6CD6E0E49F0}" presName="centerShape" presStyleLbl="node0" presStyleIdx="0" presStyleCnt="1"/>
@@ -5943,6 +5954,13 @@
     <dgm:pt modelId="{DE35C80F-1575-49AB-8B05-0B70179D0251}" type="pres">
       <dgm:prSet presAssocID="{8C3E91E2-3137-46BD-AC0B-73C1033D3E1E}" presName="parTrans" presStyleLbl="bgSibTrans2D1" presStyleIdx="0" presStyleCnt="5"/>
       <dgm:spPr/>
+      <dgm:t>
+        <a:bodyPr/>
+        <a:lstStyle/>
+        <a:p>
+          <a:endParaRPr lang="zh-TW" altLang="en-US"/>
+        </a:p>
+      </dgm:t>
     </dgm:pt>
     <dgm:pt modelId="{F35C4D3D-C20A-4CE1-B141-0AD3DF2E74DF}" type="pres">
       <dgm:prSet presAssocID="{46DC0616-E59B-4513-828C-9B5BC5F10EB0}" presName="node" presStyleLbl="node1" presStyleIdx="0" presStyleCnt="5" custScaleX="203143">
@@ -5962,6 +5980,13 @@
     <dgm:pt modelId="{B92034AE-BE61-44B4-B16F-A57B5FBE0DBA}" type="pres">
       <dgm:prSet presAssocID="{E5D47C62-E04D-4E60-AC4E-C790096BADCB}" presName="parTrans" presStyleLbl="bgSibTrans2D1" presStyleIdx="1" presStyleCnt="5"/>
       <dgm:spPr/>
+      <dgm:t>
+        <a:bodyPr/>
+        <a:lstStyle/>
+        <a:p>
+          <a:endParaRPr lang="zh-TW" altLang="en-US"/>
+        </a:p>
+      </dgm:t>
     </dgm:pt>
     <dgm:pt modelId="{EB0C05AE-D531-47CB-B99C-356BECF70A3C}" type="pres">
       <dgm:prSet presAssocID="{1F60D347-018A-45F1-936A-797EB3F76014}" presName="node" presStyleLbl="node1" presStyleIdx="1" presStyleCnt="5" custScaleX="67962">
@@ -5970,10 +5995,24 @@
         </dgm:presLayoutVars>
       </dgm:prSet>
       <dgm:spPr/>
+      <dgm:t>
+        <a:bodyPr/>
+        <a:lstStyle/>
+        <a:p>
+          <a:endParaRPr lang="zh-TW" altLang="en-US"/>
+        </a:p>
+      </dgm:t>
     </dgm:pt>
     <dgm:pt modelId="{6D1F1714-32B9-40B0-9D27-6AACF97598A4}" type="pres">
       <dgm:prSet presAssocID="{17C20EB5-AF72-4C43-9440-6AF612FD9A4C}" presName="parTrans" presStyleLbl="bgSibTrans2D1" presStyleIdx="2" presStyleCnt="5"/>
       <dgm:spPr/>
+      <dgm:t>
+        <a:bodyPr/>
+        <a:lstStyle/>
+        <a:p>
+          <a:endParaRPr lang="zh-TW" altLang="en-US"/>
+        </a:p>
+      </dgm:t>
     </dgm:pt>
     <dgm:pt modelId="{2F7FCB29-08DE-44A3-9A2D-BAE3FA98226A}" type="pres">
       <dgm:prSet presAssocID="{781A4091-2074-4C4D-AF1F-3AA51655FE53}" presName="node" presStyleLbl="node1" presStyleIdx="2" presStyleCnt="5" custScaleX="60700">
@@ -5982,10 +6021,24 @@
         </dgm:presLayoutVars>
       </dgm:prSet>
       <dgm:spPr/>
+      <dgm:t>
+        <a:bodyPr/>
+        <a:lstStyle/>
+        <a:p>
+          <a:endParaRPr lang="zh-TW" altLang="en-US"/>
+        </a:p>
+      </dgm:t>
     </dgm:pt>
     <dgm:pt modelId="{61B99846-BA27-4EA9-B470-6DA01D2724E5}" type="pres">
       <dgm:prSet presAssocID="{1B6A8765-564C-4F10-9553-1DC802491D96}" presName="parTrans" presStyleLbl="bgSibTrans2D1" presStyleIdx="3" presStyleCnt="5"/>
       <dgm:spPr/>
+      <dgm:t>
+        <a:bodyPr/>
+        <a:lstStyle/>
+        <a:p>
+          <a:endParaRPr lang="zh-TW" altLang="en-US"/>
+        </a:p>
+      </dgm:t>
     </dgm:pt>
     <dgm:pt modelId="{A2D273D0-FC18-42A3-A508-53C02872F76E}" type="pres">
       <dgm:prSet presAssocID="{9B35CA89-622B-433C-A15F-7A5959B472C0}" presName="node" presStyleLbl="node1" presStyleIdx="3" presStyleCnt="5">
@@ -5994,10 +6047,24 @@
         </dgm:presLayoutVars>
       </dgm:prSet>
       <dgm:spPr/>
+      <dgm:t>
+        <a:bodyPr/>
+        <a:lstStyle/>
+        <a:p>
+          <a:endParaRPr lang="zh-TW" altLang="en-US"/>
+        </a:p>
+      </dgm:t>
     </dgm:pt>
     <dgm:pt modelId="{0C9160E2-6F1D-4E2C-A677-A5814DAECE41}" type="pres">
       <dgm:prSet presAssocID="{DD1B684E-804A-4FE7-95B8-2CAE36363E9F}" presName="parTrans" presStyleLbl="bgSibTrans2D1" presStyleIdx="4" presStyleCnt="5"/>
       <dgm:spPr/>
+      <dgm:t>
+        <a:bodyPr/>
+        <a:lstStyle/>
+        <a:p>
+          <a:endParaRPr lang="zh-TW" altLang="en-US"/>
+        </a:p>
+      </dgm:t>
     </dgm:pt>
     <dgm:pt modelId="{EF7B5A16-BBAB-4CCB-8462-4F284F2197F4}" type="pres">
       <dgm:prSet presAssocID="{273517AE-D373-420C-A834-2E5B134D19CF}" presName="node" presStyleLbl="node1" presStyleIdx="4" presStyleCnt="5" custScaleX="123584">
@@ -6006,6 +6073,13 @@
         </dgm:presLayoutVars>
       </dgm:prSet>
       <dgm:spPr/>
+      <dgm:t>
+        <a:bodyPr/>
+        <a:lstStyle/>
+        <a:p>
+          <a:endParaRPr lang="zh-TW" altLang="en-US"/>
+        </a:p>
+      </dgm:t>
     </dgm:pt>
   </dgm:ptLst>
   <dgm:cxnLst>
@@ -6338,6 +6412,13 @@
         </dgm:presLayoutVars>
       </dgm:prSet>
       <dgm:spPr/>
+      <dgm:t>
+        <a:bodyPr/>
+        <a:lstStyle/>
+        <a:p>
+          <a:endParaRPr lang="zh-TW" altLang="en-US"/>
+        </a:p>
+      </dgm:t>
     </dgm:pt>
     <dgm:pt modelId="{B414A97B-1DB2-4A94-A681-0AEB9E994E6D}" type="pres">
       <dgm:prSet presAssocID="{FC375DF6-9036-4E25-B254-C6CD6E0E49F0}" presName="centerShape" presStyleLbl="node0" presStyleIdx="0" presStyleCnt="1"/>
@@ -6353,6 +6434,13 @@
     <dgm:pt modelId="{B92034AE-BE61-44B4-B16F-A57B5FBE0DBA}" type="pres">
       <dgm:prSet presAssocID="{E5D47C62-E04D-4E60-AC4E-C790096BADCB}" presName="parTrans" presStyleLbl="bgSibTrans2D1" presStyleIdx="0" presStyleCnt="5"/>
       <dgm:spPr/>
+      <dgm:t>
+        <a:bodyPr/>
+        <a:lstStyle/>
+        <a:p>
+          <a:endParaRPr lang="zh-TW" altLang="en-US"/>
+        </a:p>
+      </dgm:t>
     </dgm:pt>
     <dgm:pt modelId="{EB0C05AE-D531-47CB-B99C-356BECF70A3C}" type="pres">
       <dgm:prSet presAssocID="{1F60D347-018A-45F1-936A-797EB3F76014}" presName="node" presStyleLbl="node1" presStyleIdx="0" presStyleCnt="5" custScaleX="67962">
@@ -6372,6 +6460,13 @@
     <dgm:pt modelId="{6D1F1714-32B9-40B0-9D27-6AACF97598A4}" type="pres">
       <dgm:prSet presAssocID="{17C20EB5-AF72-4C43-9440-6AF612FD9A4C}" presName="parTrans" presStyleLbl="bgSibTrans2D1" presStyleIdx="1" presStyleCnt="5"/>
       <dgm:spPr/>
+      <dgm:t>
+        <a:bodyPr/>
+        <a:lstStyle/>
+        <a:p>
+          <a:endParaRPr lang="zh-TW" altLang="en-US"/>
+        </a:p>
+      </dgm:t>
     </dgm:pt>
     <dgm:pt modelId="{2F7FCB29-08DE-44A3-9A2D-BAE3FA98226A}" type="pres">
       <dgm:prSet presAssocID="{781A4091-2074-4C4D-AF1F-3AA51655FE53}" presName="node" presStyleLbl="node1" presStyleIdx="1" presStyleCnt="5" custScaleX="82001">
@@ -6391,6 +6486,13 @@
     <dgm:pt modelId="{61B99846-BA27-4EA9-B470-6DA01D2724E5}" type="pres">
       <dgm:prSet presAssocID="{1B6A8765-564C-4F10-9553-1DC802491D96}" presName="parTrans" presStyleLbl="bgSibTrans2D1" presStyleIdx="2" presStyleCnt="5"/>
       <dgm:spPr/>
+      <dgm:t>
+        <a:bodyPr/>
+        <a:lstStyle/>
+        <a:p>
+          <a:endParaRPr lang="zh-TW" altLang="en-US"/>
+        </a:p>
+      </dgm:t>
     </dgm:pt>
     <dgm:pt modelId="{A2D273D0-FC18-42A3-A508-53C02872F76E}" type="pres">
       <dgm:prSet presAssocID="{9B35CA89-622B-433C-A15F-7A5959B472C0}" presName="node" presStyleLbl="node1" presStyleIdx="2" presStyleCnt="5">
@@ -6410,6 +6512,13 @@
     <dgm:pt modelId="{0C9160E2-6F1D-4E2C-A677-A5814DAECE41}" type="pres">
       <dgm:prSet presAssocID="{DD1B684E-804A-4FE7-95B8-2CAE36363E9F}" presName="parTrans" presStyleLbl="bgSibTrans2D1" presStyleIdx="3" presStyleCnt="5"/>
       <dgm:spPr/>
+      <dgm:t>
+        <a:bodyPr/>
+        <a:lstStyle/>
+        <a:p>
+          <a:endParaRPr lang="zh-TW" altLang="en-US"/>
+        </a:p>
+      </dgm:t>
     </dgm:pt>
     <dgm:pt modelId="{EF7B5A16-BBAB-4CCB-8462-4F284F2197F4}" type="pres">
       <dgm:prSet presAssocID="{273517AE-D373-420C-A834-2E5B134D19CF}" presName="node" presStyleLbl="node1" presStyleIdx="3" presStyleCnt="5" custScaleX="123584">
@@ -6429,6 +6538,13 @@
     <dgm:pt modelId="{5602A8F9-8E45-4806-B0F8-7FB208D7763E}" type="pres">
       <dgm:prSet presAssocID="{039DF844-7E91-4164-BC13-45B118646A9A}" presName="parTrans" presStyleLbl="bgSibTrans2D1" presStyleIdx="4" presStyleCnt="5"/>
       <dgm:spPr/>
+      <dgm:t>
+        <a:bodyPr/>
+        <a:lstStyle/>
+        <a:p>
+          <a:endParaRPr lang="zh-TW" altLang="en-US"/>
+        </a:p>
+      </dgm:t>
     </dgm:pt>
     <dgm:pt modelId="{0237B9C4-B1CD-440B-889F-4C4250BCC5A1}" type="pres">
       <dgm:prSet presAssocID="{64E141AE-A88C-49FF-B61D-231CCD63B7D0}" presName="node" presStyleLbl="node1" presStyleIdx="4" presStyleCnt="5">
@@ -6437,27 +6553,34 @@
         </dgm:presLayoutVars>
       </dgm:prSet>
       <dgm:spPr/>
+      <dgm:t>
+        <a:bodyPr/>
+        <a:lstStyle/>
+        <a:p>
+          <a:endParaRPr lang="zh-TW" altLang="en-US"/>
+        </a:p>
+      </dgm:t>
     </dgm:pt>
   </dgm:ptLst>
   <dgm:cxnLst>
-    <dgm:cxn modelId="{A8F7EC56-87E4-4E95-8B3F-7B9EC0CE343C}" type="presOf" srcId="{781A4091-2074-4C4D-AF1F-3AA51655FE53}" destId="{2F7FCB29-08DE-44A3-9A2D-BAE3FA98226A}" srcOrd="0" destOrd="0" presId="urn:microsoft.com/office/officeart/2005/8/layout/radial4"/>
-    <dgm:cxn modelId="{46933F1D-C222-40D5-8A7C-5AE73E1CD33E}" type="presOf" srcId="{273517AE-D373-420C-A834-2E5B134D19CF}" destId="{EF7B5A16-BBAB-4CCB-8462-4F284F2197F4}" srcOrd="0" destOrd="0" presId="urn:microsoft.com/office/officeart/2005/8/layout/radial4"/>
-    <dgm:cxn modelId="{8579EC4C-E956-42E8-97EB-F8028EDF568B}" type="presOf" srcId="{039DF844-7E91-4164-BC13-45B118646A9A}" destId="{5602A8F9-8E45-4806-B0F8-7FB208D7763E}" srcOrd="0" destOrd="0" presId="urn:microsoft.com/office/officeart/2005/8/layout/radial4"/>
-    <dgm:cxn modelId="{D0AC09CD-719D-449F-9D64-7C06627CF855}" srcId="{FC375DF6-9036-4E25-B254-C6CD6E0E49F0}" destId="{1F60D347-018A-45F1-936A-797EB3F76014}" srcOrd="0" destOrd="0" parTransId="{E5D47C62-E04D-4E60-AC4E-C790096BADCB}" sibTransId="{2EA73013-C36D-43DE-B56D-2174FC50E9EA}"/>
-    <dgm:cxn modelId="{6682FA3C-83A5-4D7D-AF68-7F74CD65AB9A}" type="presOf" srcId="{DD1B684E-804A-4FE7-95B8-2CAE36363E9F}" destId="{0C9160E2-6F1D-4E2C-A677-A5814DAECE41}" srcOrd="0" destOrd="0" presId="urn:microsoft.com/office/officeart/2005/8/layout/radial4"/>
-    <dgm:cxn modelId="{71F51A5A-8FD9-492F-9DB2-6E724BFB5E2B}" type="presOf" srcId="{1F60D347-018A-45F1-936A-797EB3F76014}" destId="{EB0C05AE-D531-47CB-B99C-356BECF70A3C}" srcOrd="0" destOrd="0" presId="urn:microsoft.com/office/officeart/2005/8/layout/radial4"/>
-    <dgm:cxn modelId="{CE4D8895-BB4A-4F46-A9E9-FA12D0154218}" srcId="{FC375DF6-9036-4E25-B254-C6CD6E0E49F0}" destId="{64E141AE-A88C-49FF-B61D-231CCD63B7D0}" srcOrd="4" destOrd="0" parTransId="{039DF844-7E91-4164-BC13-45B118646A9A}" sibTransId="{ECCA72ED-ABFC-43D2-87E9-D8620F1149E1}"/>
-    <dgm:cxn modelId="{67EEE6E7-A8A1-4905-921D-9B0C28BC8887}" type="presOf" srcId="{17C20EB5-AF72-4C43-9440-6AF612FD9A4C}" destId="{6D1F1714-32B9-40B0-9D27-6AACF97598A4}" srcOrd="0" destOrd="0" presId="urn:microsoft.com/office/officeart/2005/8/layout/radial4"/>
-    <dgm:cxn modelId="{7841EB98-5962-4F1D-92CB-29165F4033F6}" srcId="{FC375DF6-9036-4E25-B254-C6CD6E0E49F0}" destId="{9B35CA89-622B-433C-A15F-7A5959B472C0}" srcOrd="2" destOrd="0" parTransId="{1B6A8765-564C-4F10-9553-1DC802491D96}" sibTransId="{A27565A9-5E63-48D2-A1A5-DE8EB7651E29}"/>
+    <dgm:cxn modelId="{9348681D-533C-417C-9A83-606A1CD80B55}" type="presOf" srcId="{FC375DF6-9036-4E25-B254-C6CD6E0E49F0}" destId="{B414A97B-1DB2-4A94-A681-0AEB9E994E6D}" srcOrd="0" destOrd="0" presId="urn:microsoft.com/office/officeart/2005/8/layout/radial4"/>
     <dgm:cxn modelId="{15163D29-2C5B-4607-BC73-BD161DF9231F}" srcId="{FC375DF6-9036-4E25-B254-C6CD6E0E49F0}" destId="{781A4091-2074-4C4D-AF1F-3AA51655FE53}" srcOrd="1" destOrd="0" parTransId="{17C20EB5-AF72-4C43-9440-6AF612FD9A4C}" sibTransId="{40DCD1B7-97F3-43EA-A70B-D2F6B3F4FCC4}"/>
     <dgm:cxn modelId="{88AA378F-8F1B-4611-80E7-3803D6951FED}" srcId="{69C6B1DA-B3E6-412E-822D-F12BA498FB67}" destId="{FC375DF6-9036-4E25-B254-C6CD6E0E49F0}" srcOrd="0" destOrd="0" parTransId="{E6AC7280-49BA-4CE8-AEF5-BBC8291FD168}" sibTransId="{65F385E4-0320-452A-8142-1CFF5E676A36}"/>
+    <dgm:cxn modelId="{8579EC4C-E956-42E8-97EB-F8028EDF568B}" type="presOf" srcId="{039DF844-7E91-4164-BC13-45B118646A9A}" destId="{5602A8F9-8E45-4806-B0F8-7FB208D7763E}" srcOrd="0" destOrd="0" presId="urn:microsoft.com/office/officeart/2005/8/layout/radial4"/>
+    <dgm:cxn modelId="{7841EB98-5962-4F1D-92CB-29165F4033F6}" srcId="{FC375DF6-9036-4E25-B254-C6CD6E0E49F0}" destId="{9B35CA89-622B-433C-A15F-7A5959B472C0}" srcOrd="2" destOrd="0" parTransId="{1B6A8765-564C-4F10-9553-1DC802491D96}" sibTransId="{A27565A9-5E63-48D2-A1A5-DE8EB7651E29}"/>
+    <dgm:cxn modelId="{2533AAE7-E48F-429F-9A6C-91A5E8FD6D3F}" type="presOf" srcId="{9B35CA89-622B-433C-A15F-7A5959B472C0}" destId="{A2D273D0-FC18-42A3-A508-53C02872F76E}" srcOrd="0" destOrd="0" presId="urn:microsoft.com/office/officeart/2005/8/layout/radial4"/>
     <dgm:cxn modelId="{157A6AA6-B758-4CA2-99A3-D2BF4733B8BE}" type="presOf" srcId="{64E141AE-A88C-49FF-B61D-231CCD63B7D0}" destId="{0237B9C4-B1CD-440B-889F-4C4250BCC5A1}" srcOrd="0" destOrd="0" presId="urn:microsoft.com/office/officeart/2005/8/layout/radial4"/>
+    <dgm:cxn modelId="{46933F1D-C222-40D5-8A7C-5AE73E1CD33E}" type="presOf" srcId="{273517AE-D373-420C-A834-2E5B134D19CF}" destId="{EF7B5A16-BBAB-4CCB-8462-4F284F2197F4}" srcOrd="0" destOrd="0" presId="urn:microsoft.com/office/officeart/2005/8/layout/radial4"/>
+    <dgm:cxn modelId="{575F0280-E7A8-46C0-8C0E-FAFAB2174BDB}" type="presOf" srcId="{69C6B1DA-B3E6-412E-822D-F12BA498FB67}" destId="{E4F38BCB-FA0B-41DB-A262-06124949A8D3}" srcOrd="0" destOrd="0" presId="urn:microsoft.com/office/officeart/2005/8/layout/radial4"/>
     <dgm:cxn modelId="{DC7C74BB-402B-4864-BE8D-E3920CDEDA5D}" type="presOf" srcId="{E5D47C62-E04D-4E60-AC4E-C790096BADCB}" destId="{B92034AE-BE61-44B4-B16F-A57B5FBE0DBA}" srcOrd="0" destOrd="0" presId="urn:microsoft.com/office/officeart/2005/8/layout/radial4"/>
-    <dgm:cxn modelId="{575F0280-E7A8-46C0-8C0E-FAFAB2174BDB}" type="presOf" srcId="{69C6B1DA-B3E6-412E-822D-F12BA498FB67}" destId="{E4F38BCB-FA0B-41DB-A262-06124949A8D3}" srcOrd="0" destOrd="0" presId="urn:microsoft.com/office/officeart/2005/8/layout/radial4"/>
+    <dgm:cxn modelId="{D0AC09CD-719D-449F-9D64-7C06627CF855}" srcId="{FC375DF6-9036-4E25-B254-C6CD6E0E49F0}" destId="{1F60D347-018A-45F1-936A-797EB3F76014}" srcOrd="0" destOrd="0" parTransId="{E5D47C62-E04D-4E60-AC4E-C790096BADCB}" sibTransId="{2EA73013-C36D-43DE-B56D-2174FC50E9EA}"/>
+    <dgm:cxn modelId="{71F51A5A-8FD9-492F-9DB2-6E724BFB5E2B}" type="presOf" srcId="{1F60D347-018A-45F1-936A-797EB3F76014}" destId="{EB0C05AE-D531-47CB-B99C-356BECF70A3C}" srcOrd="0" destOrd="0" presId="urn:microsoft.com/office/officeart/2005/8/layout/radial4"/>
+    <dgm:cxn modelId="{67EEE6E7-A8A1-4905-921D-9B0C28BC8887}" type="presOf" srcId="{17C20EB5-AF72-4C43-9440-6AF612FD9A4C}" destId="{6D1F1714-32B9-40B0-9D27-6AACF97598A4}" srcOrd="0" destOrd="0" presId="urn:microsoft.com/office/officeart/2005/8/layout/radial4"/>
+    <dgm:cxn modelId="{A8F7EC56-87E4-4E95-8B3F-7B9EC0CE343C}" type="presOf" srcId="{781A4091-2074-4C4D-AF1F-3AA51655FE53}" destId="{2F7FCB29-08DE-44A3-9A2D-BAE3FA98226A}" srcOrd="0" destOrd="0" presId="urn:microsoft.com/office/officeart/2005/8/layout/radial4"/>
+    <dgm:cxn modelId="{6682FA3C-83A5-4D7D-AF68-7F74CD65AB9A}" type="presOf" srcId="{DD1B684E-804A-4FE7-95B8-2CAE36363E9F}" destId="{0C9160E2-6F1D-4E2C-A677-A5814DAECE41}" srcOrd="0" destOrd="0" presId="urn:microsoft.com/office/officeart/2005/8/layout/radial4"/>
+    <dgm:cxn modelId="{718AF872-25F9-43A3-8809-0F1021D96351}" type="presOf" srcId="{1B6A8765-564C-4F10-9553-1DC802491D96}" destId="{61B99846-BA27-4EA9-B470-6DA01D2724E5}" srcOrd="0" destOrd="0" presId="urn:microsoft.com/office/officeart/2005/8/layout/radial4"/>
+    <dgm:cxn modelId="{CE4D8895-BB4A-4F46-A9E9-FA12D0154218}" srcId="{FC375DF6-9036-4E25-B254-C6CD6E0E49F0}" destId="{64E141AE-A88C-49FF-B61D-231CCD63B7D0}" srcOrd="4" destOrd="0" parTransId="{039DF844-7E91-4164-BC13-45B118646A9A}" sibTransId="{ECCA72ED-ABFC-43D2-87E9-D8620F1149E1}"/>
     <dgm:cxn modelId="{0522047E-B926-4B99-AE52-8A05A4F5743B}" srcId="{FC375DF6-9036-4E25-B254-C6CD6E0E49F0}" destId="{273517AE-D373-420C-A834-2E5B134D19CF}" srcOrd="3" destOrd="0" parTransId="{DD1B684E-804A-4FE7-95B8-2CAE36363E9F}" sibTransId="{A6B42C75-C910-4AA3-8626-F36254E143EE}"/>
-    <dgm:cxn modelId="{718AF872-25F9-43A3-8809-0F1021D96351}" type="presOf" srcId="{1B6A8765-564C-4F10-9553-1DC802491D96}" destId="{61B99846-BA27-4EA9-B470-6DA01D2724E5}" srcOrd="0" destOrd="0" presId="urn:microsoft.com/office/officeart/2005/8/layout/radial4"/>
-    <dgm:cxn modelId="{9348681D-533C-417C-9A83-606A1CD80B55}" type="presOf" srcId="{FC375DF6-9036-4E25-B254-C6CD6E0E49F0}" destId="{B414A97B-1DB2-4A94-A681-0AEB9E994E6D}" srcOrd="0" destOrd="0" presId="urn:microsoft.com/office/officeart/2005/8/layout/radial4"/>
-    <dgm:cxn modelId="{2533AAE7-E48F-429F-9A6C-91A5E8FD6D3F}" type="presOf" srcId="{9B35CA89-622B-433C-A15F-7A5959B472C0}" destId="{A2D273D0-FC18-42A3-A508-53C02872F76E}" srcOrd="0" destOrd="0" presId="urn:microsoft.com/office/officeart/2005/8/layout/radial4"/>
     <dgm:cxn modelId="{4627B533-C1A1-4E6E-A10F-D24AFDF851AE}" type="presParOf" srcId="{E4F38BCB-FA0B-41DB-A262-06124949A8D3}" destId="{B414A97B-1DB2-4A94-A681-0AEB9E994E6D}" srcOrd="0" destOrd="0" presId="urn:microsoft.com/office/officeart/2005/8/layout/radial4"/>
     <dgm:cxn modelId="{57972EB3-4296-4D74-B843-0750C703172C}" type="presParOf" srcId="{E4F38BCB-FA0B-41DB-A262-06124949A8D3}" destId="{B92034AE-BE61-44B4-B16F-A57B5FBE0DBA}" srcOrd="1" destOrd="0" presId="urn:microsoft.com/office/officeart/2005/8/layout/radial4"/>
     <dgm:cxn modelId="{2C9078FE-07D8-46C6-97CD-1225C4B87B8E}" type="presParOf" srcId="{E4F38BCB-FA0B-41DB-A262-06124949A8D3}" destId="{EB0C05AE-D531-47CB-B99C-356BECF70A3C}" srcOrd="2" destOrd="0" presId="urn:microsoft.com/office/officeart/2005/8/layout/radial4"/>
@@ -6696,6 +6819,13 @@
         </dgm:presLayoutVars>
       </dgm:prSet>
       <dgm:spPr/>
+      <dgm:t>
+        <a:bodyPr/>
+        <a:lstStyle/>
+        <a:p>
+          <a:endParaRPr lang="zh-TW" altLang="en-US"/>
+        </a:p>
+      </dgm:t>
     </dgm:pt>
     <dgm:pt modelId="{B414A97B-1DB2-4A94-A681-0AEB9E994E6D}" type="pres">
       <dgm:prSet presAssocID="{FC375DF6-9036-4E25-B254-C6CD6E0E49F0}" presName="centerShape" presStyleLbl="node0" presStyleIdx="0" presStyleCnt="1"/>
@@ -6711,6 +6841,13 @@
     <dgm:pt modelId="{DE35C80F-1575-49AB-8B05-0B70179D0251}" type="pres">
       <dgm:prSet presAssocID="{8C3E91E2-3137-46BD-AC0B-73C1033D3E1E}" presName="parTrans" presStyleLbl="bgSibTrans2D1" presStyleIdx="0" presStyleCnt="3" custLinFactNeighborX="-19960" custLinFactNeighborY="86186"/>
       <dgm:spPr/>
+      <dgm:t>
+        <a:bodyPr/>
+        <a:lstStyle/>
+        <a:p>
+          <a:endParaRPr lang="zh-TW" altLang="en-US"/>
+        </a:p>
+      </dgm:t>
     </dgm:pt>
     <dgm:pt modelId="{F35C4D3D-C20A-4CE1-B141-0AD3DF2E74DF}" type="pres">
       <dgm:prSet presAssocID="{46DC0616-E59B-4513-828C-9B5BC5F10EB0}" presName="node" presStyleLbl="node1" presStyleIdx="0" presStyleCnt="3" custScaleX="126341">
@@ -6730,6 +6867,13 @@
     <dgm:pt modelId="{B92034AE-BE61-44B4-B16F-A57B5FBE0DBA}" type="pres">
       <dgm:prSet presAssocID="{E5D47C62-E04D-4E60-AC4E-C790096BADCB}" presName="parTrans" presStyleLbl="bgSibTrans2D1" presStyleIdx="1" presStyleCnt="3"/>
       <dgm:spPr/>
+      <dgm:t>
+        <a:bodyPr/>
+        <a:lstStyle/>
+        <a:p>
+          <a:endParaRPr lang="zh-TW" altLang="en-US"/>
+        </a:p>
+      </dgm:t>
     </dgm:pt>
     <dgm:pt modelId="{EB0C05AE-D531-47CB-B99C-356BECF70A3C}" type="pres">
       <dgm:prSet presAssocID="{1F60D347-018A-45F1-936A-797EB3F76014}" presName="node" presStyleLbl="node1" presStyleIdx="1" presStyleCnt="3" custScaleX="108489">
@@ -6749,6 +6893,13 @@
     <dgm:pt modelId="{6D1F1714-32B9-40B0-9D27-6AACF97598A4}" type="pres">
       <dgm:prSet presAssocID="{17C20EB5-AF72-4C43-9440-6AF612FD9A4C}" presName="parTrans" presStyleLbl="bgSibTrans2D1" presStyleIdx="2" presStyleCnt="3"/>
       <dgm:spPr/>
+      <dgm:t>
+        <a:bodyPr/>
+        <a:lstStyle/>
+        <a:p>
+          <a:endParaRPr lang="zh-TW" altLang="en-US"/>
+        </a:p>
+      </dgm:t>
     </dgm:pt>
     <dgm:pt modelId="{2F7FCB29-08DE-44A3-9A2D-BAE3FA98226A}" type="pres">
       <dgm:prSet presAssocID="{781A4091-2074-4C4D-AF1F-3AA51655FE53}" presName="node" presStyleLbl="node1" presStyleIdx="2" presStyleCnt="3" custScaleX="100332" custRadScaleRad="111052" custRadScaleInc="6532">
@@ -6767,18 +6918,18 @@
     </dgm:pt>
   </dgm:ptLst>
   <dgm:cxnLst>
+    <dgm:cxn modelId="{E69020E1-84E3-4882-8FD6-6A68B9CB4B4E}" type="presOf" srcId="{781A4091-2074-4C4D-AF1F-3AA51655FE53}" destId="{2F7FCB29-08DE-44A3-9A2D-BAE3FA98226A}" srcOrd="0" destOrd="0" presId="urn:microsoft.com/office/officeart/2005/8/layout/radial4"/>
+    <dgm:cxn modelId="{B2E4C053-DCE3-47B7-814A-AF359A0583EF}" type="presOf" srcId="{8C3E91E2-3137-46BD-AC0B-73C1033D3E1E}" destId="{DE35C80F-1575-49AB-8B05-0B70179D0251}" srcOrd="0" destOrd="0" presId="urn:microsoft.com/office/officeart/2005/8/layout/radial4"/>
+    <dgm:cxn modelId="{DF6B40EC-1A72-4279-85D2-6312FB2A412A}" type="presOf" srcId="{1F60D347-018A-45F1-936A-797EB3F76014}" destId="{EB0C05AE-D531-47CB-B99C-356BECF70A3C}" srcOrd="0" destOrd="0" presId="urn:microsoft.com/office/officeart/2005/8/layout/radial4"/>
+    <dgm:cxn modelId="{01E44797-7E33-498E-9D8B-DAC6A9CD81D3}" type="presOf" srcId="{E5D47C62-E04D-4E60-AC4E-C790096BADCB}" destId="{B92034AE-BE61-44B4-B16F-A57B5FBE0DBA}" srcOrd="0" destOrd="0" presId="urn:microsoft.com/office/officeart/2005/8/layout/radial4"/>
+    <dgm:cxn modelId="{D0AC09CD-719D-449F-9D64-7C06627CF855}" srcId="{FC375DF6-9036-4E25-B254-C6CD6E0E49F0}" destId="{1F60D347-018A-45F1-936A-797EB3F76014}" srcOrd="1" destOrd="0" parTransId="{E5D47C62-E04D-4E60-AC4E-C790096BADCB}" sibTransId="{2EA73013-C36D-43DE-B56D-2174FC50E9EA}"/>
     <dgm:cxn modelId="{15163D29-2C5B-4607-BC73-BD161DF9231F}" srcId="{FC375DF6-9036-4E25-B254-C6CD6E0E49F0}" destId="{781A4091-2074-4C4D-AF1F-3AA51655FE53}" srcOrd="2" destOrd="0" parTransId="{17C20EB5-AF72-4C43-9440-6AF612FD9A4C}" sibTransId="{40DCD1B7-97F3-43EA-A70B-D2F6B3F4FCC4}"/>
+    <dgm:cxn modelId="{EC5CAE7D-F9C8-40C5-853C-BC9F95853A20}" type="presOf" srcId="{69C6B1DA-B3E6-412E-822D-F12BA498FB67}" destId="{E4F38BCB-FA0B-41DB-A262-06124949A8D3}" srcOrd="0" destOrd="0" presId="urn:microsoft.com/office/officeart/2005/8/layout/radial4"/>
+    <dgm:cxn modelId="{D3AD0294-BF17-480E-AC08-F0381B6D15CB}" srcId="{FC375DF6-9036-4E25-B254-C6CD6E0E49F0}" destId="{46DC0616-E59B-4513-828C-9B5BC5F10EB0}" srcOrd="0" destOrd="0" parTransId="{8C3E91E2-3137-46BD-AC0B-73C1033D3E1E}" sibTransId="{B9855B81-2C38-49E1-B454-4DA753E56C40}"/>
     <dgm:cxn modelId="{AADC90F3-3A18-482B-9BCC-EE252F75A776}" type="presOf" srcId="{FC375DF6-9036-4E25-B254-C6CD6E0E49F0}" destId="{B414A97B-1DB2-4A94-A681-0AEB9E994E6D}" srcOrd="0" destOrd="0" presId="urn:microsoft.com/office/officeart/2005/8/layout/radial4"/>
-    <dgm:cxn modelId="{D3AD0294-BF17-480E-AC08-F0381B6D15CB}" srcId="{FC375DF6-9036-4E25-B254-C6CD6E0E49F0}" destId="{46DC0616-E59B-4513-828C-9B5BC5F10EB0}" srcOrd="0" destOrd="0" parTransId="{8C3E91E2-3137-46BD-AC0B-73C1033D3E1E}" sibTransId="{B9855B81-2C38-49E1-B454-4DA753E56C40}"/>
-    <dgm:cxn modelId="{EC5CAE7D-F9C8-40C5-853C-BC9F95853A20}" type="presOf" srcId="{69C6B1DA-B3E6-412E-822D-F12BA498FB67}" destId="{E4F38BCB-FA0B-41DB-A262-06124949A8D3}" srcOrd="0" destOrd="0" presId="urn:microsoft.com/office/officeart/2005/8/layout/radial4"/>
-    <dgm:cxn modelId="{01E44797-7E33-498E-9D8B-DAC6A9CD81D3}" type="presOf" srcId="{E5D47C62-E04D-4E60-AC4E-C790096BADCB}" destId="{B92034AE-BE61-44B4-B16F-A57B5FBE0DBA}" srcOrd="0" destOrd="0" presId="urn:microsoft.com/office/officeart/2005/8/layout/radial4"/>
-    <dgm:cxn modelId="{DF6B40EC-1A72-4279-85D2-6312FB2A412A}" type="presOf" srcId="{1F60D347-018A-45F1-936A-797EB3F76014}" destId="{EB0C05AE-D531-47CB-B99C-356BECF70A3C}" srcOrd="0" destOrd="0" presId="urn:microsoft.com/office/officeart/2005/8/layout/radial4"/>
-    <dgm:cxn modelId="{E69020E1-84E3-4882-8FD6-6A68B9CB4B4E}" type="presOf" srcId="{781A4091-2074-4C4D-AF1F-3AA51655FE53}" destId="{2F7FCB29-08DE-44A3-9A2D-BAE3FA98226A}" srcOrd="0" destOrd="0" presId="urn:microsoft.com/office/officeart/2005/8/layout/radial4"/>
+    <dgm:cxn modelId="{D73628FB-1375-421B-B472-B4EB3748478B}" type="presOf" srcId="{46DC0616-E59B-4513-828C-9B5BC5F10EB0}" destId="{F35C4D3D-C20A-4CE1-B141-0AD3DF2E74DF}" srcOrd="0" destOrd="0" presId="urn:microsoft.com/office/officeart/2005/8/layout/radial4"/>
     <dgm:cxn modelId="{9B46EB1E-820E-49F4-A76D-B85D73B42B31}" type="presOf" srcId="{17C20EB5-AF72-4C43-9440-6AF612FD9A4C}" destId="{6D1F1714-32B9-40B0-9D27-6AACF97598A4}" srcOrd="0" destOrd="0" presId="urn:microsoft.com/office/officeart/2005/8/layout/radial4"/>
     <dgm:cxn modelId="{88AA378F-8F1B-4611-80E7-3803D6951FED}" srcId="{69C6B1DA-B3E6-412E-822D-F12BA498FB67}" destId="{FC375DF6-9036-4E25-B254-C6CD6E0E49F0}" srcOrd="0" destOrd="0" parTransId="{E6AC7280-49BA-4CE8-AEF5-BBC8291FD168}" sibTransId="{65F385E4-0320-452A-8142-1CFF5E676A36}"/>
-    <dgm:cxn modelId="{D0AC09CD-719D-449F-9D64-7C06627CF855}" srcId="{FC375DF6-9036-4E25-B254-C6CD6E0E49F0}" destId="{1F60D347-018A-45F1-936A-797EB3F76014}" srcOrd="1" destOrd="0" parTransId="{E5D47C62-E04D-4E60-AC4E-C790096BADCB}" sibTransId="{2EA73013-C36D-43DE-B56D-2174FC50E9EA}"/>
-    <dgm:cxn modelId="{D73628FB-1375-421B-B472-B4EB3748478B}" type="presOf" srcId="{46DC0616-E59B-4513-828C-9B5BC5F10EB0}" destId="{F35C4D3D-C20A-4CE1-B141-0AD3DF2E74DF}" srcOrd="0" destOrd="0" presId="urn:microsoft.com/office/officeart/2005/8/layout/radial4"/>
-    <dgm:cxn modelId="{B2E4C053-DCE3-47B7-814A-AF359A0583EF}" type="presOf" srcId="{8C3E91E2-3137-46BD-AC0B-73C1033D3E1E}" destId="{DE35C80F-1575-49AB-8B05-0B70179D0251}" srcOrd="0" destOrd="0" presId="urn:microsoft.com/office/officeart/2005/8/layout/radial4"/>
     <dgm:cxn modelId="{01BE717D-9166-41D0-B54C-CF655B223919}" type="presParOf" srcId="{E4F38BCB-FA0B-41DB-A262-06124949A8D3}" destId="{B414A97B-1DB2-4A94-A681-0AEB9E994E6D}" srcOrd="0" destOrd="0" presId="urn:microsoft.com/office/officeart/2005/8/layout/radial4"/>
     <dgm:cxn modelId="{411031A8-8980-46CB-B129-AEC2A9A61BB6}" type="presParOf" srcId="{E4F38BCB-FA0B-41DB-A262-06124949A8D3}" destId="{DE35C80F-1575-49AB-8B05-0B70179D0251}" srcOrd="1" destOrd="0" presId="urn:microsoft.com/office/officeart/2005/8/layout/radial4"/>
     <dgm:cxn modelId="{6F6A5DE4-69CB-4312-9F22-DE5D4B9E85E5}" type="presParOf" srcId="{E4F38BCB-FA0B-41DB-A262-06124949A8D3}" destId="{F35C4D3D-C20A-4CE1-B141-0AD3DF2E74DF}" srcOrd="2" destOrd="0" presId="urn:microsoft.com/office/officeart/2005/8/layout/radial4"/>
@@ -7086,6 +7237,13 @@
         </dgm:presLayoutVars>
       </dgm:prSet>
       <dgm:spPr/>
+      <dgm:t>
+        <a:bodyPr/>
+        <a:lstStyle/>
+        <a:p>
+          <a:endParaRPr lang="zh-TW" altLang="en-US"/>
+        </a:p>
+      </dgm:t>
     </dgm:pt>
     <dgm:pt modelId="{B414A97B-1DB2-4A94-A681-0AEB9E994E6D}" type="pres">
       <dgm:prSet presAssocID="{FC375DF6-9036-4E25-B254-C6CD6E0E49F0}" presName="centerShape" presStyleLbl="node0" presStyleIdx="0" presStyleCnt="1"/>
@@ -7101,6 +7259,13 @@
     <dgm:pt modelId="{B92034AE-BE61-44B4-B16F-A57B5FBE0DBA}" type="pres">
       <dgm:prSet presAssocID="{E5D47C62-E04D-4E60-AC4E-C790096BADCB}" presName="parTrans" presStyleLbl="bgSibTrans2D1" presStyleIdx="0" presStyleCnt="5"/>
       <dgm:spPr/>
+      <dgm:t>
+        <a:bodyPr/>
+        <a:lstStyle/>
+        <a:p>
+          <a:endParaRPr lang="zh-TW" altLang="en-US"/>
+        </a:p>
+      </dgm:t>
     </dgm:pt>
     <dgm:pt modelId="{EB0C05AE-D531-47CB-B99C-356BECF70A3C}" type="pres">
       <dgm:prSet presAssocID="{1F60D347-018A-45F1-936A-797EB3F76014}" presName="node" presStyleLbl="node1" presStyleIdx="0" presStyleCnt="5" custScaleX="67962">
@@ -7120,6 +7285,13 @@
     <dgm:pt modelId="{6D1F1714-32B9-40B0-9D27-6AACF97598A4}" type="pres">
       <dgm:prSet presAssocID="{17C20EB5-AF72-4C43-9440-6AF612FD9A4C}" presName="parTrans" presStyleLbl="bgSibTrans2D1" presStyleIdx="1" presStyleCnt="5"/>
       <dgm:spPr/>
+      <dgm:t>
+        <a:bodyPr/>
+        <a:lstStyle/>
+        <a:p>
+          <a:endParaRPr lang="zh-TW" altLang="en-US"/>
+        </a:p>
+      </dgm:t>
     </dgm:pt>
     <dgm:pt modelId="{2F7FCB29-08DE-44A3-9A2D-BAE3FA98226A}" type="pres">
       <dgm:prSet presAssocID="{781A4091-2074-4C4D-AF1F-3AA51655FE53}" presName="node" presStyleLbl="node1" presStyleIdx="1" presStyleCnt="5" custScaleX="82001">
@@ -7137,8 +7309,15 @@
       </dgm:t>
     </dgm:pt>
     <dgm:pt modelId="{61B99846-BA27-4EA9-B470-6DA01D2724E5}" type="pres">
-      <dgm:prSet presAssocID="{1B6A8765-564C-4F10-9553-1DC802491D96}" presName="parTrans" presStyleLbl="bgSibTrans2D1" presStyleIdx="2" presStyleCnt="5"/>
-      <dgm:spPr/>
+      <dgm:prSet presAssocID="{1B6A8765-564C-4F10-9553-1DC802491D96}" presName="parTrans" presStyleLbl="bgSibTrans2D1" presStyleIdx="2" presStyleCnt="5" custLinFactNeighborX="633" custLinFactNeighborY="20786"/>
+      <dgm:spPr/>
+      <dgm:t>
+        <a:bodyPr/>
+        <a:lstStyle/>
+        <a:p>
+          <a:endParaRPr lang="zh-TW" altLang="en-US"/>
+        </a:p>
+      </dgm:t>
     </dgm:pt>
     <dgm:pt modelId="{A2D273D0-FC18-42A3-A508-53C02872F76E}" type="pres">
       <dgm:prSet presAssocID="{9B35CA89-622B-433C-A15F-7A5959B472C0}" presName="node" presStyleLbl="node1" presStyleIdx="2" presStyleCnt="5">
@@ -7158,6 +7337,13 @@
     <dgm:pt modelId="{0C9160E2-6F1D-4E2C-A677-A5814DAECE41}" type="pres">
       <dgm:prSet presAssocID="{DD1B684E-804A-4FE7-95B8-2CAE36363E9F}" presName="parTrans" presStyleLbl="bgSibTrans2D1" presStyleIdx="3" presStyleCnt="5"/>
       <dgm:spPr/>
+      <dgm:t>
+        <a:bodyPr/>
+        <a:lstStyle/>
+        <a:p>
+          <a:endParaRPr lang="zh-TW" altLang="en-US"/>
+        </a:p>
+      </dgm:t>
     </dgm:pt>
     <dgm:pt modelId="{EF7B5A16-BBAB-4CCB-8462-4F284F2197F4}" type="pres">
       <dgm:prSet presAssocID="{273517AE-D373-420C-A834-2E5B134D19CF}" presName="node" presStyleLbl="node1" presStyleIdx="3" presStyleCnt="5" custScaleX="123584">
@@ -7177,6 +7363,13 @@
     <dgm:pt modelId="{5602A8F9-8E45-4806-B0F8-7FB208D7763E}" type="pres">
       <dgm:prSet presAssocID="{039DF844-7E91-4164-BC13-45B118646A9A}" presName="parTrans" presStyleLbl="bgSibTrans2D1" presStyleIdx="4" presStyleCnt="5"/>
       <dgm:spPr/>
+      <dgm:t>
+        <a:bodyPr/>
+        <a:lstStyle/>
+        <a:p>
+          <a:endParaRPr lang="zh-TW" altLang="en-US"/>
+        </a:p>
+      </dgm:t>
     </dgm:pt>
     <dgm:pt modelId="{0237B9C4-B1CD-440B-889F-4C4250BCC5A1}" type="pres">
       <dgm:prSet presAssocID="{64E141AE-A88C-49FF-B61D-231CCD63B7D0}" presName="node" presStyleLbl="node1" presStyleIdx="4" presStyleCnt="5">
@@ -7185,6 +7378,13 @@
         </dgm:presLayoutVars>
       </dgm:prSet>
       <dgm:spPr/>
+      <dgm:t>
+        <a:bodyPr/>
+        <a:lstStyle/>
+        <a:p>
+          <a:endParaRPr lang="zh-TW" altLang="en-US"/>
+        </a:p>
+      </dgm:t>
     </dgm:pt>
   </dgm:ptLst>
   <dgm:cxnLst>
@@ -7398,7 +7598,7 @@
         <a:lstStyle/>
         <a:p>
           <a:r>
-            <a:rPr lang="zh-TW" altLang="en-US" sz="1200">
+            <a:rPr lang="zh-TW" altLang="en-US" sz="1200" dirty="0">
               <a:latin typeface="微軟正黑體" panose="020B0604030504040204" pitchFamily="34" charset="-120"/>
               <a:ea typeface="微軟正黑體" panose="020B0604030504040204" pitchFamily="34" charset="-120"/>
             </a:rPr>
@@ -7488,7 +7688,7 @@
         <a:lstStyle/>
         <a:p>
           <a:r>
-            <a:rPr lang="zh-TW" altLang="en-US" sz="1200">
+            <a:rPr lang="zh-TW" altLang="en-US" sz="1200" dirty="0">
               <a:latin typeface="微軟正黑體" panose="020B0604030504040204" pitchFamily="34" charset="-120"/>
               <a:ea typeface="微軟正黑體" panose="020B0604030504040204" pitchFamily="34" charset="-120"/>
             </a:rPr>
@@ -7533,7 +7733,7 @@
         <a:lstStyle/>
         <a:p>
           <a:r>
-            <a:rPr lang="zh-TW" altLang="en-US" sz="1200">
+            <a:rPr lang="zh-TW" altLang="en-US" sz="1200" dirty="0">
               <a:latin typeface="微軟正黑體" panose="020B0604030504040204" pitchFamily="34" charset="-120"/>
               <a:ea typeface="微軟正黑體" panose="020B0604030504040204" pitchFamily="34" charset="-120"/>
             </a:rPr>
@@ -7578,7 +7778,7 @@
         <a:lstStyle/>
         <a:p>
           <a:r>
-            <a:rPr lang="zh-TW" altLang="en-US" sz="1200">
+            <a:rPr lang="zh-TW" altLang="en-US" sz="1200" dirty="0">
               <a:latin typeface="微軟正黑體" panose="020B0604030504040204" pitchFamily="34" charset="-120"/>
               <a:ea typeface="微軟正黑體" panose="020B0604030504040204" pitchFamily="34" charset="-120"/>
             </a:rPr>
@@ -7949,7 +8149,7 @@
         <a:lstStyle/>
         <a:p>
           <a:r>
-            <a:rPr lang="zh-TW" altLang="en-US" sz="1200">
+            <a:rPr lang="zh-TW" altLang="en-US" sz="1200" dirty="0">
               <a:latin typeface="微軟正黑體" panose="020B0604030504040204" pitchFamily="34" charset="-120"/>
               <a:ea typeface="微軟正黑體" panose="020B0604030504040204" pitchFamily="34" charset="-120"/>
             </a:rPr>
@@ -8053,7 +8253,7 @@
         <a:lstStyle/>
         <a:p>
           <a:r>
-            <a:rPr lang="zh-TW" altLang="en-US" sz="1200">
+            <a:rPr lang="zh-TW" altLang="en-US" sz="1200" dirty="0">
               <a:latin typeface="微軟正黑體" panose="020B0604030504040204" pitchFamily="34" charset="-120"/>
               <a:ea typeface="微軟正黑體" panose="020B0604030504040204" pitchFamily="34" charset="-120"/>
             </a:rPr>
@@ -8609,7 +8809,7 @@
       <dgm:spPr/>
     </dgm:pt>
     <dgm:pt modelId="{92A01BC4-C7D3-4D97-8F9E-70161BEA9773}" type="pres">
-      <dgm:prSet presAssocID="{87787ACE-5CC7-4021-8D10-80F1BA3C395F}" presName="LevelTwoTextNode" presStyleLbl="node2" presStyleIdx="2" presStyleCnt="7" custLinFactY="-42534" custLinFactNeighborX="93295" custLinFactNeighborY="-100000">
+      <dgm:prSet presAssocID="{87787ACE-5CC7-4021-8D10-80F1BA3C395F}" presName="LevelTwoTextNode" presStyleLbl="node2" presStyleIdx="2" presStyleCnt="7" custLinFactY="-100000" custLinFactNeighborX="93295" custLinFactNeighborY="-136540">
         <dgm:presLayoutVars>
           <dgm:chPref val="3"/>
         </dgm:presLayoutVars>
@@ -8654,7 +8854,7 @@
       <dgm:spPr/>
     </dgm:pt>
     <dgm:pt modelId="{340F566F-6FB8-4191-A03A-4AF20AE77B9B}" type="pres">
-      <dgm:prSet presAssocID="{0389AF13-84D8-4BA5-8784-7F1F3937A9ED}" presName="LevelTwoTextNode" presStyleLbl="node3" presStyleIdx="5" presStyleCnt="13" custLinFactY="-42534" custLinFactNeighborX="93295" custLinFactNeighborY="-100000">
+      <dgm:prSet presAssocID="{0389AF13-84D8-4BA5-8784-7F1F3937A9ED}" presName="LevelTwoTextNode" presStyleLbl="node3" presStyleIdx="5" presStyleCnt="13" custLinFactY="-100000" custLinFactNeighborX="93287" custLinFactNeighborY="-136540">
         <dgm:presLayoutVars>
           <dgm:chPref val="3"/>
         </dgm:presLayoutVars>
@@ -8699,7 +8899,7 @@
       <dgm:spPr/>
     </dgm:pt>
     <dgm:pt modelId="{96FA0196-0B2D-4137-A790-DD1673C46F35}" type="pres">
-      <dgm:prSet presAssocID="{495DAF6C-1519-4D8D-868D-0AFA059B1505}" presName="LevelTwoTextNode" presStyleLbl="node3" presStyleIdx="6" presStyleCnt="13" custLinFactY="-42534" custLinFactNeighborX="93295" custLinFactNeighborY="-100000">
+      <dgm:prSet presAssocID="{495DAF6C-1519-4D8D-868D-0AFA059B1505}" presName="LevelTwoTextNode" presStyleLbl="node3" presStyleIdx="6" presStyleCnt="13" custLinFactY="-100000" custLinFactNeighborX="93287" custLinFactNeighborY="-136540">
         <dgm:presLayoutVars>
           <dgm:chPref val="3"/>
         </dgm:presLayoutVars>
@@ -8744,7 +8944,7 @@
       <dgm:spPr/>
     </dgm:pt>
     <dgm:pt modelId="{2565E88F-ED17-4BE6-A286-814686EEAA58}" type="pres">
-      <dgm:prSet presAssocID="{4C7291A8-D928-43AF-B680-6D4EB5AE38AA}" presName="LevelTwoTextNode" presStyleLbl="node3" presStyleIdx="7" presStyleCnt="13" custLinFactY="-42534" custLinFactNeighborX="93295" custLinFactNeighborY="-100000">
+      <dgm:prSet presAssocID="{4C7291A8-D928-43AF-B680-6D4EB5AE38AA}" presName="LevelTwoTextNode" presStyleLbl="node3" presStyleIdx="7" presStyleCnt="13" custLinFactY="-100000" custLinFactNeighborX="93287" custLinFactNeighborY="-136540">
         <dgm:presLayoutVars>
           <dgm:chPref val="3"/>
         </dgm:presLayoutVars>
@@ -8789,7 +8989,7 @@
       <dgm:spPr/>
     </dgm:pt>
     <dgm:pt modelId="{6EE0ADE5-E0CD-43CA-92E9-05AE1C176E44}" type="pres">
-      <dgm:prSet presAssocID="{7354CCEA-1D8B-4F2E-B935-BBCEAD4D6339}" presName="LevelTwoTextNode" presStyleLbl="node3" presStyleIdx="8" presStyleCnt="13" custLinFactY="-42534" custLinFactNeighborX="93295" custLinFactNeighborY="-100000">
+      <dgm:prSet presAssocID="{7354CCEA-1D8B-4F2E-B935-BBCEAD4D6339}" presName="LevelTwoTextNode" presStyleLbl="node3" presStyleIdx="8" presStyleCnt="13" custLinFactY="-100000" custLinFactNeighborX="93287" custLinFactNeighborY="-136540">
         <dgm:presLayoutVars>
           <dgm:chPref val="3"/>
         </dgm:presLayoutVars>
@@ -8834,7 +9034,7 @@
       <dgm:spPr/>
     </dgm:pt>
     <dgm:pt modelId="{4A1246BE-B9B4-40C2-8101-9DE77AE4353C}" type="pres">
-      <dgm:prSet presAssocID="{9778FFA4-B492-442E-BAD1-71F8CEA53C1D}" presName="LevelTwoTextNode" presStyleLbl="node3" presStyleIdx="9" presStyleCnt="13" custLinFactY="-42534" custLinFactNeighborX="93295" custLinFactNeighborY="-100000">
+      <dgm:prSet presAssocID="{9778FFA4-B492-442E-BAD1-71F8CEA53C1D}" presName="LevelTwoTextNode" presStyleLbl="node3" presStyleIdx="9" presStyleCnt="13" custLinFactY="-100000" custLinFactNeighborX="93287" custLinFactNeighborY="-136540">
         <dgm:presLayoutVars>
           <dgm:chPref val="3"/>
         </dgm:presLayoutVars>
@@ -8879,7 +9079,7 @@
       <dgm:spPr/>
     </dgm:pt>
     <dgm:pt modelId="{708F0C8E-E961-4129-8F68-B1C0D0A4A31C}" type="pres">
-      <dgm:prSet presAssocID="{6132341A-EB2B-4856-B951-7C80A3FB7F02}" presName="LevelTwoTextNode" presStyleLbl="node2" presStyleIdx="3" presStyleCnt="7" custScaleX="123538" custLinFactNeighborX="59605" custLinFactNeighborY="-62197">
+      <dgm:prSet presAssocID="{6132341A-EB2B-4856-B951-7C80A3FB7F02}" presName="LevelTwoTextNode" presStyleLbl="node2" presStyleIdx="3" presStyleCnt="7" custScaleX="123538" custLinFactY="-100000" custLinFactNeighborX="59605" custLinFactNeighborY="-125484">
         <dgm:presLayoutVars>
           <dgm:chPref val="3"/>
         </dgm:presLayoutVars>
@@ -8924,7 +9124,7 @@
       <dgm:spPr/>
     </dgm:pt>
     <dgm:pt modelId="{2AF5E555-51EE-4919-8F64-85B2487C9400}" type="pres">
-      <dgm:prSet presAssocID="{7D17527F-39D2-4380-9E6E-BA5A641B0F5B}" presName="LevelTwoTextNode" presStyleLbl="node2" presStyleIdx="4" presStyleCnt="7" custLinFactNeighborX="62197" custLinFactNeighborY="-57014">
+      <dgm:prSet presAssocID="{7D17527F-39D2-4380-9E6E-BA5A641B0F5B}" presName="LevelTwoTextNode" presStyleLbl="node2" presStyleIdx="4" presStyleCnt="7" custLinFactY="-100000" custLinFactNeighborX="62197" custLinFactNeighborY="-120301">
         <dgm:presLayoutVars>
           <dgm:chPref val="3"/>
         </dgm:presLayoutVars>
@@ -8969,7 +9169,7 @@
       <dgm:spPr/>
     </dgm:pt>
     <dgm:pt modelId="{08C122BC-E676-4C1F-8875-337EC6A52306}" type="pres">
-      <dgm:prSet presAssocID="{3920A3B1-F799-4EA5-AF2F-8AEFBC6EE5D3}" presName="LevelTwoTextNode" presStyleLbl="node2" presStyleIdx="5" presStyleCnt="7" custLinFactNeighborX="62197" custLinFactNeighborY="-57014">
+      <dgm:prSet presAssocID="{3920A3B1-F799-4EA5-AF2F-8AEFBC6EE5D3}" presName="LevelTwoTextNode" presStyleLbl="node2" presStyleIdx="5" presStyleCnt="7" custLinFactY="-100000" custLinFactNeighborX="62197" custLinFactNeighborY="-120301">
         <dgm:presLayoutVars>
           <dgm:chPref val="3"/>
         </dgm:presLayoutVars>
@@ -9014,7 +9214,7 @@
       <dgm:spPr/>
     </dgm:pt>
     <dgm:pt modelId="{CD60D6AB-4044-4A46-A5F7-FCD2394DBD13}" type="pres">
-      <dgm:prSet presAssocID="{E2C1458E-557A-4428-8FE3-E4CD35270DE7}" presName="LevelTwoTextNode" presStyleLbl="node2" presStyleIdx="6" presStyleCnt="7" custLinFactX="20531" custLinFactNeighborX="100000" custLinFactNeighborY="-64852">
+      <dgm:prSet presAssocID="{E2C1458E-557A-4428-8FE3-E4CD35270DE7}" presName="LevelTwoTextNode" presStyleLbl="node2" presStyleIdx="6" presStyleCnt="7" custLinFactY="-100000" custLinFactNeighborX="90522" custLinFactNeighborY="-114428">
         <dgm:presLayoutVars>
           <dgm:chPref val="3"/>
         </dgm:presLayoutVars>
@@ -9059,7 +9259,7 @@
       <dgm:spPr/>
     </dgm:pt>
     <dgm:pt modelId="{944372C6-B2FF-43EF-8291-2C7825362B5A}" type="pres">
-      <dgm:prSet presAssocID="{F4CDA0E4-2EE0-4EF4-B52F-5B284DCB4ED0}" presName="LevelTwoTextNode" presStyleLbl="node3" presStyleIdx="10" presStyleCnt="13" custScaleX="108214" custLinFactX="20531" custLinFactNeighborX="100000" custLinFactNeighborY="-64852">
+      <dgm:prSet presAssocID="{F4CDA0E4-2EE0-4EF4-B52F-5B284DCB4ED0}" presName="LevelTwoTextNode" presStyleLbl="node3" presStyleIdx="10" presStyleCnt="13" custScaleX="108214" custLinFactY="-100000" custLinFactNeighborX="79875" custLinFactNeighborY="-112719">
         <dgm:presLayoutVars>
           <dgm:chPref val="3"/>
         </dgm:presLayoutVars>
@@ -9104,7 +9304,7 @@
       <dgm:spPr/>
     </dgm:pt>
     <dgm:pt modelId="{EF115853-C335-4E89-95FF-7D618D1563EF}" type="pres">
-      <dgm:prSet presAssocID="{5B8BFC3A-F4F4-4625-BEC3-81AC339B8598}" presName="LevelTwoTextNode" presStyleLbl="node3" presStyleIdx="11" presStyleCnt="13" custLinFactX="20531" custLinFactNeighborX="100000" custLinFactNeighborY="-64852">
+      <dgm:prSet presAssocID="{5B8BFC3A-F4F4-4625-BEC3-81AC339B8598}" presName="LevelTwoTextNode" presStyleLbl="node3" presStyleIdx="11" presStyleCnt="13" custLinFactY="-100000" custLinFactNeighborX="88089" custLinFactNeighborY="-112719">
         <dgm:presLayoutVars>
           <dgm:chPref val="3"/>
         </dgm:presLayoutVars>
@@ -9149,7 +9349,7 @@
       <dgm:spPr/>
     </dgm:pt>
     <dgm:pt modelId="{A104B2A0-FE43-4762-BD31-C25C73F4D274}" type="pres">
-      <dgm:prSet presAssocID="{81D09BED-3F22-478A-9C4D-086E7145803B}" presName="LevelTwoTextNode" presStyleLbl="node3" presStyleIdx="12" presStyleCnt="13" custLinFactX="20531" custLinFactNeighborX="100000" custLinFactNeighborY="-64852">
+      <dgm:prSet presAssocID="{81D09BED-3F22-478A-9C4D-086E7145803B}" presName="LevelTwoTextNode" presStyleLbl="node3" presStyleIdx="12" presStyleCnt="13" custLinFactY="-100000" custLinFactNeighborX="88089" custLinFactNeighborY="-112719">
         <dgm:presLayoutVars>
           <dgm:chPref val="3"/>
         </dgm:presLayoutVars>
@@ -9169,89 +9369,89 @@
     </dgm:pt>
   </dgm:ptLst>
   <dgm:cxnLst>
-    <dgm:cxn modelId="{D3CBCDC2-DED9-4705-92AC-14E95BD1329D}" srcId="{87787ACE-5CC7-4021-8D10-80F1BA3C395F}" destId="{495DAF6C-1519-4D8D-868D-0AFA059B1505}" srcOrd="1" destOrd="0" parTransId="{C46EB0C3-030A-4635-B903-546D55A4D20A}" sibTransId="{2FF38450-8EBB-4721-91ED-90D60C1B4CED}"/>
-    <dgm:cxn modelId="{FD24C9C9-797E-4133-8A16-3E7C4EF78CA8}" type="presOf" srcId="{0FD93B7E-3368-4831-B5B1-93445253C2A4}" destId="{681CD0DE-D222-4AAA-9ED7-551B0A1F7587}" srcOrd="1" destOrd="0" presId="urn:microsoft.com/office/officeart/2005/8/layout/hierarchy2"/>
-    <dgm:cxn modelId="{134EBE33-D0A8-4E81-9E18-B3F835B14D0E}" srcId="{4DC4D196-393A-48C7-B43D-1B032025DA9C}" destId="{7D17527F-39D2-4380-9E6E-BA5A641B0F5B}" srcOrd="4" destOrd="0" parTransId="{D2D49D43-2ECF-4335-9EE4-0C89012EFF11}" sibTransId="{948BB660-3F85-4491-9C5C-E4408449F799}"/>
-    <dgm:cxn modelId="{B24A7170-3454-4A7C-9DB3-B51B31A4C2F4}" srcId="{4DC4D196-393A-48C7-B43D-1B032025DA9C}" destId="{41F23631-16AD-403D-8531-4B6CEE5E513C}" srcOrd="1" destOrd="0" parTransId="{F3E17BA4-510A-425D-9C30-5702F62D17C5}" sibTransId="{40A94126-769E-406D-8AA9-9AD8E11E43C5}"/>
-    <dgm:cxn modelId="{13B6C72B-BCEF-438A-83CA-A6EA17BB80E5}" srcId="{997E0AC0-E5A8-4877-BD3B-F0FCCBF6E190}" destId="{B62E62B7-B93B-4AED-936E-ED3717990A33}" srcOrd="3" destOrd="0" parTransId="{5F00BA3D-3463-4AD3-BA0A-E021894018EC}" sibTransId="{3FBC6F20-D815-4CC9-8E5B-23777C7EAB11}"/>
-    <dgm:cxn modelId="{0F6A1492-C05F-4132-8268-834DEAD689FF}" type="presOf" srcId="{5F00BA3D-3463-4AD3-BA0A-E021894018EC}" destId="{479EBA34-6323-429F-8047-35BBDF701E73}" srcOrd="1" destOrd="0" presId="urn:microsoft.com/office/officeart/2005/8/layout/hierarchy2"/>
-    <dgm:cxn modelId="{BAB23172-7847-4FE7-AB38-7FEA6EA60DE2}" type="presOf" srcId="{2A1A628D-BE7B-447B-99D1-9F0DABB47D87}" destId="{C6C0C3EB-8340-4D85-8863-AE495310C169}" srcOrd="1" destOrd="0" presId="urn:microsoft.com/office/officeart/2005/8/layout/hierarchy2"/>
-    <dgm:cxn modelId="{49880C67-B461-4F14-BA12-F1B9693F7809}" type="presOf" srcId="{D2D49D43-2ECF-4335-9EE4-0C89012EFF11}" destId="{F61CBF2C-8CA0-4055-8008-4524493E83FB}" srcOrd="1" destOrd="0" presId="urn:microsoft.com/office/officeart/2005/8/layout/hierarchy2"/>
-    <dgm:cxn modelId="{96F29B28-2DAA-4954-BF5C-6226F41B3509}" srcId="{E2C1458E-557A-4428-8FE3-E4CD35270DE7}" destId="{5B8BFC3A-F4F4-4625-BEC3-81AC339B8598}" srcOrd="1" destOrd="0" parTransId="{0FD93B7E-3368-4831-B5B1-93445253C2A4}" sibTransId="{A7420E6E-0773-4B98-A1AD-C5529CE9F277}"/>
-    <dgm:cxn modelId="{F0CC24F4-2A2B-4487-B011-EDC10B95EA76}" srcId="{87787ACE-5CC7-4021-8D10-80F1BA3C395F}" destId="{0389AF13-84D8-4BA5-8784-7F1F3937A9ED}" srcOrd="0" destOrd="0" parTransId="{0A647289-15B0-4607-BB7A-BB32EB10E40E}" sibTransId="{1F2FD245-72E5-4965-B932-6F620B989ED6}"/>
-    <dgm:cxn modelId="{E4222CE1-E2FA-4791-891D-B72FE9A82B3B}" type="presOf" srcId="{997E0AC0-E5A8-4877-BD3B-F0FCCBF6E190}" destId="{34C3BED3-6D65-4B5F-BB24-EBD2D8EFB173}" srcOrd="0" destOrd="0" presId="urn:microsoft.com/office/officeart/2005/8/layout/hierarchy2"/>
-    <dgm:cxn modelId="{4E1080A5-3E25-44A2-9A4D-9DA83B74FFF0}" type="presOf" srcId="{C46EB0C3-030A-4635-B903-546D55A4D20A}" destId="{51A037E4-4A25-46B6-9F53-31264CAB34DF}" srcOrd="1" destOrd="0" presId="urn:microsoft.com/office/officeart/2005/8/layout/hierarchy2"/>
-    <dgm:cxn modelId="{181EE7A9-C748-4D9C-8F4D-C265E4CE8C47}" type="presOf" srcId="{F551F941-04E7-417F-9984-6760A55F7C68}" destId="{AC67C5EF-091A-43DF-9D6F-D1F3A28D703D}" srcOrd="0" destOrd="0" presId="urn:microsoft.com/office/officeart/2005/8/layout/hierarchy2"/>
-    <dgm:cxn modelId="{655644D6-B257-4B88-A7B6-13DEA548944E}" type="presOf" srcId="{F3E17BA4-510A-425D-9C30-5702F62D17C5}" destId="{BB6C7B9D-A2AC-4AFA-A5EF-11B4CC0F6267}" srcOrd="1" destOrd="0" presId="urn:microsoft.com/office/officeart/2005/8/layout/hierarchy2"/>
-    <dgm:cxn modelId="{97822BB8-1DD8-4B26-9628-8F70CA4D52F2}" srcId="{997E0AC0-E5A8-4877-BD3B-F0FCCBF6E190}" destId="{F551F941-04E7-417F-9984-6760A55F7C68}" srcOrd="4" destOrd="0" parTransId="{E1A0A531-010C-4D9A-82E0-30DEE6060DC8}" sibTransId="{379DD6FB-C8CC-442A-8BF8-1CCC0A917675}"/>
-    <dgm:cxn modelId="{11CDE6F5-D483-4637-AC9C-9477DE9A6B86}" type="presOf" srcId="{5F00BA3D-3463-4AD3-BA0A-E021894018EC}" destId="{8BB91DFE-442B-4979-9A13-0A3B4F48D185}" srcOrd="0" destOrd="0" presId="urn:microsoft.com/office/officeart/2005/8/layout/hierarchy2"/>
-    <dgm:cxn modelId="{C83129AD-CDEE-4D3E-B56F-C201348D3F99}" srcId="{7D5C38BC-3A32-44A4-8748-946C33196FA4}" destId="{4DC4D196-393A-48C7-B43D-1B032025DA9C}" srcOrd="0" destOrd="0" parTransId="{FEF927A7-41EF-4106-AB83-D8FA492EAE2A}" sibTransId="{06030C82-65E6-453D-A9E7-E4265BAB5C00}"/>
-    <dgm:cxn modelId="{3007B9D9-1108-42F6-B3B6-F1A78305C73E}" type="presOf" srcId="{F3E17BA4-510A-425D-9C30-5702F62D17C5}" destId="{6A895F50-C0E1-44F4-A772-9B638F156EE0}" srcOrd="0" destOrd="0" presId="urn:microsoft.com/office/officeart/2005/8/layout/hierarchy2"/>
-    <dgm:cxn modelId="{CB954A17-79A3-458B-8FD2-12F23A155BB6}" type="presOf" srcId="{17B5BE82-3A7E-466A-B0BA-17ED2B51849B}" destId="{02F7ED1A-8432-4631-802F-C7BCE66E1549}" srcOrd="0" destOrd="0" presId="urn:microsoft.com/office/officeart/2005/8/layout/hierarchy2"/>
-    <dgm:cxn modelId="{A5037638-604C-4B9B-8068-BC8415DA7E5A}" type="presOf" srcId="{3920A3B1-F799-4EA5-AF2F-8AEFBC6EE5D3}" destId="{08C122BC-E676-4C1F-8875-337EC6A52306}" srcOrd="0" destOrd="0" presId="urn:microsoft.com/office/officeart/2005/8/layout/hierarchy2"/>
-    <dgm:cxn modelId="{3FC822C4-21BB-42B5-BF1C-058B0CF04CEB}" type="presOf" srcId="{713D3353-2F7F-4B09-A0B3-14C1468E31E5}" destId="{7FF95F9E-127D-4850-91C4-072A75E1BAF4}" srcOrd="0" destOrd="0" presId="urn:microsoft.com/office/officeart/2005/8/layout/hierarchy2"/>
-    <dgm:cxn modelId="{D8485EDA-EA1F-4153-B727-E45467CDEF17}" type="presOf" srcId="{177CB8FB-E3DE-4361-84F6-91CD3BBF1DD1}" destId="{6B4915C8-91F0-410A-A9CE-454A24F33AC4}" srcOrd="0" destOrd="0" presId="urn:microsoft.com/office/officeart/2005/8/layout/hierarchy2"/>
-    <dgm:cxn modelId="{E0D81493-5A07-4625-8042-BBDD9BA08864}" type="presOf" srcId="{B62E62B7-B93B-4AED-936E-ED3717990A33}" destId="{6DBE95F5-D9E5-416A-A870-BC56199E0637}" srcOrd="0" destOrd="0" presId="urn:microsoft.com/office/officeart/2005/8/layout/hierarchy2"/>
-    <dgm:cxn modelId="{D7E4FF6E-2557-44F9-AB19-B62680E4DA8F}" type="presOf" srcId="{0298E798-5387-4D0F-BB2A-33F34F3ADA58}" destId="{DDB10AF8-E5AC-41A1-91DD-E51E3E79D902}" srcOrd="1" destOrd="0" presId="urn:microsoft.com/office/officeart/2005/8/layout/hierarchy2"/>
-    <dgm:cxn modelId="{03992D00-9084-47F3-AB37-51AF71626ECE}" type="presOf" srcId="{4C7291A8-D928-43AF-B680-6D4EB5AE38AA}" destId="{2565E88F-ED17-4BE6-A286-814686EEAA58}" srcOrd="0" destOrd="0" presId="urn:microsoft.com/office/officeart/2005/8/layout/hierarchy2"/>
-    <dgm:cxn modelId="{EA17B51A-D54F-4650-B369-893CC2F4C570}" type="presOf" srcId="{0FD93B7E-3368-4831-B5B1-93445253C2A4}" destId="{A0DC171E-F0A2-4EF1-8225-855176F98583}" srcOrd="0" destOrd="0" presId="urn:microsoft.com/office/officeart/2005/8/layout/hierarchy2"/>
-    <dgm:cxn modelId="{1B4E7DAF-F34D-4E32-9BCF-2082FDA98EF0}" srcId="{87787ACE-5CC7-4021-8D10-80F1BA3C395F}" destId="{9778FFA4-B492-442E-BAD1-71F8CEA53C1D}" srcOrd="4" destOrd="0" parTransId="{2A1A628D-BE7B-447B-99D1-9F0DABB47D87}" sibTransId="{364CC77E-CCF6-44A3-A964-3B332038901E}"/>
-    <dgm:cxn modelId="{7172F713-39EB-4B31-90CE-08014EE85614}" srcId="{997E0AC0-E5A8-4877-BD3B-F0FCCBF6E190}" destId="{B65CD7F7-E837-4F6A-94B2-A7D0A863FA25}" srcOrd="1" destOrd="0" parTransId="{ECE4E2A7-EEB7-4E3C-A618-8C2519FF873E}" sibTransId="{C29E4FEF-737E-4D18-8B08-D10FE40951CA}"/>
-    <dgm:cxn modelId="{3C0ED0F3-E5C4-4986-93D1-CEA0B4BD9994}" type="presOf" srcId="{4DB8DA87-278B-4043-8CBC-53C13BB7A3A6}" destId="{CBC6017F-5D58-4E15-82B0-970822DF54BF}" srcOrd="1" destOrd="0" presId="urn:microsoft.com/office/officeart/2005/8/layout/hierarchy2"/>
-    <dgm:cxn modelId="{13CCA2A4-C35F-4198-840C-7A5E023EA511}" type="presOf" srcId="{234F56BC-6E99-4422-85E1-E187899BCDE6}" destId="{BF143199-5753-4E58-93A6-ABFBB887968B}" srcOrd="0" destOrd="0" presId="urn:microsoft.com/office/officeart/2005/8/layout/hierarchy2"/>
-    <dgm:cxn modelId="{06BD23E5-8507-42E6-B1DF-21CDE970C02E}" type="presOf" srcId="{53FF5F3D-BA50-4B61-A540-2FFEF12020E1}" destId="{108DFC25-4E89-43D5-B1EE-8565601B52D5}" srcOrd="1" destOrd="0" presId="urn:microsoft.com/office/officeart/2005/8/layout/hierarchy2"/>
-    <dgm:cxn modelId="{68F01C8F-4717-419A-8D1D-FFEFD3E9E136}" type="presOf" srcId="{7D17527F-39D2-4380-9E6E-BA5A641B0F5B}" destId="{2AF5E555-51EE-4919-8F64-85B2487C9400}" srcOrd="0" destOrd="0" presId="urn:microsoft.com/office/officeart/2005/8/layout/hierarchy2"/>
-    <dgm:cxn modelId="{B7FB6533-5A8F-463C-9319-2DFE669543C4}" srcId="{4DC4D196-393A-48C7-B43D-1B032025DA9C}" destId="{3920A3B1-F799-4EA5-AF2F-8AEFBC6EE5D3}" srcOrd="5" destOrd="0" parTransId="{724DE95A-A58B-4F73-BA05-A2138805D802}" sibTransId="{F9983A22-CD22-42C4-B22C-D6636D30F52B}"/>
-    <dgm:cxn modelId="{0E619B93-9FCD-4B76-A0CC-691FB05A3640}" type="presOf" srcId="{9778FFA4-B492-442E-BAD1-71F8CEA53C1D}" destId="{4A1246BE-B9B4-40C2-8101-9DE77AE4353C}" srcOrd="0" destOrd="0" presId="urn:microsoft.com/office/officeart/2005/8/layout/hierarchy2"/>
-    <dgm:cxn modelId="{175F8CB7-CE07-4F82-88EE-4FCAFB2812EE}" srcId="{87787ACE-5CC7-4021-8D10-80F1BA3C395F}" destId="{4C7291A8-D928-43AF-B680-6D4EB5AE38AA}" srcOrd="2" destOrd="0" parTransId="{234F56BC-6E99-4422-85E1-E187899BCDE6}" sibTransId="{B561639C-4DC9-4649-8678-B9EB24D07DE6}"/>
-    <dgm:cxn modelId="{12B450CC-320C-4553-8AB7-8C5B8A6FB460}" type="presOf" srcId="{4DB8DA87-278B-4043-8CBC-53C13BB7A3A6}" destId="{7DCC2A3F-45C9-4DC2-A222-DE76A94ECBE5}" srcOrd="0" destOrd="0" presId="urn:microsoft.com/office/officeart/2005/8/layout/hierarchy2"/>
-    <dgm:cxn modelId="{AAC4987C-5EFD-45F2-825B-709EA1926B07}" type="presOf" srcId="{5C3A5136-8029-4383-A880-33BD30D941F1}" destId="{7A8A23B8-98A4-4F3E-93A7-02F15C14F33E}" srcOrd="0" destOrd="0" presId="urn:microsoft.com/office/officeart/2005/8/layout/hierarchy2"/>
-    <dgm:cxn modelId="{16618758-E881-43EA-8A11-467DEDAA7A15}" type="presOf" srcId="{4F31F576-0972-495A-BDB9-37C7919EEA2C}" destId="{FB796A58-DCC7-425C-B11C-9F8D227F5866}" srcOrd="0" destOrd="0" presId="urn:microsoft.com/office/officeart/2005/8/layout/hierarchy2"/>
-    <dgm:cxn modelId="{2A7E61B3-DEEE-4539-BD9F-639890160826}" type="presOf" srcId="{BD6AE91C-69C2-4C2F-83A9-B6EB63A6734F}" destId="{FC6152B3-30F4-4F72-9C27-4FB5599C54F7}" srcOrd="1" destOrd="0" presId="urn:microsoft.com/office/officeart/2005/8/layout/hierarchy2"/>
-    <dgm:cxn modelId="{61AA4648-1B0D-4B1B-BB1B-7A1B722AF1A5}" type="presOf" srcId="{17B5BE82-3A7E-466A-B0BA-17ED2B51849B}" destId="{E7440830-D9DC-43C9-BF9F-7C8584F9DBA1}" srcOrd="1" destOrd="0" presId="urn:microsoft.com/office/officeart/2005/8/layout/hierarchy2"/>
-    <dgm:cxn modelId="{B549D844-ED03-419C-9556-ABFAE6F6580F}" srcId="{997E0AC0-E5A8-4877-BD3B-F0FCCBF6E190}" destId="{177CB8FB-E3DE-4361-84F6-91CD3BBF1DD1}" srcOrd="2" destOrd="0" parTransId="{0298E798-5387-4D0F-BB2A-33F34F3ADA58}" sibTransId="{10BE3938-4C62-495B-84A3-16CD6668153B}"/>
-    <dgm:cxn modelId="{C76946BF-0B69-4E38-B70A-13F366E51597}" srcId="{997E0AC0-E5A8-4877-BD3B-F0FCCBF6E190}" destId="{713D3353-2F7F-4B09-A0B3-14C1468E31E5}" srcOrd="0" destOrd="0" parTransId="{6D76E56E-F07C-4A8B-822B-759429B9ABF4}" sibTransId="{CFB0B17F-075B-4C69-8A28-86F6E266CA96}"/>
-    <dgm:cxn modelId="{CCF76F0E-772E-4B93-93DE-99B637E1C2AD}" type="presOf" srcId="{C46EB0C3-030A-4635-B903-546D55A4D20A}" destId="{AB56E087-943A-4BF2-A497-250D3AE2CF65}" srcOrd="0" destOrd="0" presId="urn:microsoft.com/office/officeart/2005/8/layout/hierarchy2"/>
-    <dgm:cxn modelId="{FD02CDA3-0DAB-43F8-BAE4-114F918821ED}" type="presOf" srcId="{F4CDA0E4-2EE0-4EF4-B52F-5B284DCB4ED0}" destId="{944372C6-B2FF-43EF-8291-2C7825362B5A}" srcOrd="0" destOrd="0" presId="urn:microsoft.com/office/officeart/2005/8/layout/hierarchy2"/>
-    <dgm:cxn modelId="{1DDD8FDB-E41A-4287-BDAA-46CE2DBD3C31}" type="presOf" srcId="{ECE4E2A7-EEB7-4E3C-A618-8C2519FF873E}" destId="{311F6A07-FE90-403F-8B4A-80081062BB69}" srcOrd="0" destOrd="0" presId="urn:microsoft.com/office/officeart/2005/8/layout/hierarchy2"/>
-    <dgm:cxn modelId="{4A9DC7E3-BC72-4541-AFE9-2E7585E0709C}" type="presOf" srcId="{234F56BC-6E99-4422-85E1-E187899BCDE6}" destId="{1866FB9A-7258-4DC9-AA2F-0FCC1BC2525B}" srcOrd="1" destOrd="0" presId="urn:microsoft.com/office/officeart/2005/8/layout/hierarchy2"/>
     <dgm:cxn modelId="{CF5A29C2-9C2C-45C6-BF15-9596E3E3325C}" srcId="{E2C1458E-557A-4428-8FE3-E4CD35270DE7}" destId="{F4CDA0E4-2EE0-4EF4-B52F-5B284DCB4ED0}" srcOrd="0" destOrd="0" parTransId="{17B5BE82-3A7E-466A-B0BA-17ED2B51849B}" sibTransId="{D3D30A0A-DE94-459C-8FC5-B38237A918A5}"/>
     <dgm:cxn modelId="{65E3054B-59DD-4F2B-92EF-0BD998334DAD}" type="presOf" srcId="{6D76E56E-F07C-4A8B-822B-759429B9ABF4}" destId="{C6AAB893-3933-4AF1-82E3-28FEAA66B1ED}" srcOrd="1" destOrd="0" presId="urn:microsoft.com/office/officeart/2005/8/layout/hierarchy2"/>
+    <dgm:cxn modelId="{8CC60E9A-ED51-4CA1-B58D-CB528E488280}" type="presOf" srcId="{0A647289-15B0-4607-BB7A-BB32EB10E40E}" destId="{F8136FCA-63D4-4888-8C22-1A09D060ABDA}" srcOrd="1" destOrd="0" presId="urn:microsoft.com/office/officeart/2005/8/layout/hierarchy2"/>
+    <dgm:cxn modelId="{FD24C9C9-797E-4133-8A16-3E7C4EF78CA8}" type="presOf" srcId="{0FD93B7E-3368-4831-B5B1-93445253C2A4}" destId="{681CD0DE-D222-4AAA-9ED7-551B0A1F7587}" srcOrd="1" destOrd="0" presId="urn:microsoft.com/office/officeart/2005/8/layout/hierarchy2"/>
+    <dgm:cxn modelId="{97822BB8-1DD8-4B26-9628-8F70CA4D52F2}" srcId="{997E0AC0-E5A8-4877-BD3B-F0FCCBF6E190}" destId="{F551F941-04E7-417F-9984-6760A55F7C68}" srcOrd="4" destOrd="0" parTransId="{E1A0A531-010C-4D9A-82E0-30DEE6060DC8}" sibTransId="{379DD6FB-C8CC-442A-8BF8-1CCC0A917675}"/>
+    <dgm:cxn modelId="{06BD23E5-8507-42E6-B1DF-21CDE970C02E}" type="presOf" srcId="{53FF5F3D-BA50-4B61-A540-2FFEF12020E1}" destId="{108DFC25-4E89-43D5-B1EE-8565601B52D5}" srcOrd="1" destOrd="0" presId="urn:microsoft.com/office/officeart/2005/8/layout/hierarchy2"/>
+    <dgm:cxn modelId="{181EE7A9-C748-4D9C-8F4D-C265E4CE8C47}" type="presOf" srcId="{F551F941-04E7-417F-9984-6760A55F7C68}" destId="{AC67C5EF-091A-43DF-9D6F-D1F3A28D703D}" srcOrd="0" destOrd="0" presId="urn:microsoft.com/office/officeart/2005/8/layout/hierarchy2"/>
+    <dgm:cxn modelId="{AAC4987C-5EFD-45F2-825B-709EA1926B07}" type="presOf" srcId="{5C3A5136-8029-4383-A880-33BD30D941F1}" destId="{7A8A23B8-98A4-4F3E-93A7-02F15C14F33E}" srcOrd="0" destOrd="0" presId="urn:microsoft.com/office/officeart/2005/8/layout/hierarchy2"/>
+    <dgm:cxn modelId="{AA95ADD9-39C7-429D-ABDC-60B55682FC18}" type="presOf" srcId="{41F23631-16AD-403D-8531-4B6CEE5E513C}" destId="{7714C038-3051-4836-803A-E8A204E45EA8}" srcOrd="0" destOrd="0" presId="urn:microsoft.com/office/officeart/2005/8/layout/hierarchy2"/>
+    <dgm:cxn modelId="{6819B8DA-1CDD-4B97-95CF-E246836E8BBF}" type="presOf" srcId="{2A1A628D-BE7B-447B-99D1-9F0DABB47D87}" destId="{ACF152FB-EEEC-4CA7-9F4B-DBB555512E0D}" srcOrd="0" destOrd="0" presId="urn:microsoft.com/office/officeart/2005/8/layout/hierarchy2"/>
+    <dgm:cxn modelId="{134EBE33-D0A8-4E81-9E18-B3F835B14D0E}" srcId="{4DC4D196-393A-48C7-B43D-1B032025DA9C}" destId="{7D17527F-39D2-4380-9E6E-BA5A641B0F5B}" srcOrd="4" destOrd="0" parTransId="{D2D49D43-2ECF-4335-9EE4-0C89012EFF11}" sibTransId="{948BB660-3F85-4491-9C5C-E4408449F799}"/>
+    <dgm:cxn modelId="{3FC822C4-21BB-42B5-BF1C-058B0CF04CEB}" type="presOf" srcId="{713D3353-2F7F-4B09-A0B3-14C1468E31E5}" destId="{7FF95F9E-127D-4850-91C4-072A75E1BAF4}" srcOrd="0" destOrd="0" presId="urn:microsoft.com/office/officeart/2005/8/layout/hierarchy2"/>
+    <dgm:cxn modelId="{2864018B-EBED-4502-85B7-B5D3538B0B68}" srcId="{4DC4D196-393A-48C7-B43D-1B032025DA9C}" destId="{87787ACE-5CC7-4021-8D10-80F1BA3C395F}" srcOrd="2" destOrd="0" parTransId="{BD6AE91C-69C2-4C2F-83A9-B6EB63A6734F}" sibTransId="{FD588B2E-82E2-4E9F-9231-DF0DEB984E64}"/>
+    <dgm:cxn modelId="{C73071A8-B4A1-4E3E-80CD-5481B3889AE7}" srcId="{4DC4D196-393A-48C7-B43D-1B032025DA9C}" destId="{6132341A-EB2B-4856-B951-7C80A3FB7F02}" srcOrd="3" destOrd="0" parTransId="{5C3A5136-8029-4383-A880-33BD30D941F1}" sibTransId="{373D6222-E76D-479F-AE8A-61F21F50A381}"/>
+    <dgm:cxn modelId="{F0CC24F4-2A2B-4487-B011-EDC10B95EA76}" srcId="{87787ACE-5CC7-4021-8D10-80F1BA3C395F}" destId="{0389AF13-84D8-4BA5-8784-7F1F3937A9ED}" srcOrd="0" destOrd="0" parTransId="{0A647289-15B0-4607-BB7A-BB32EB10E40E}" sibTransId="{1F2FD245-72E5-4965-B932-6F620B989ED6}"/>
+    <dgm:cxn modelId="{01E23F17-BC4D-4852-B952-49F8F70F1EF3}" type="presOf" srcId="{87787ACE-5CC7-4021-8D10-80F1BA3C395F}" destId="{92A01BC4-C7D3-4D97-8F9E-70161BEA9773}" srcOrd="0" destOrd="0" presId="urn:microsoft.com/office/officeart/2005/8/layout/hierarchy2"/>
+    <dgm:cxn modelId="{64F4D40E-2D3A-4027-8A79-84753D35CD01}" type="presOf" srcId="{D2D49D43-2ECF-4335-9EE4-0C89012EFF11}" destId="{FAA556BE-F0BB-4207-9803-F9479E338F23}" srcOrd="0" destOrd="0" presId="urn:microsoft.com/office/officeart/2005/8/layout/hierarchy2"/>
+    <dgm:cxn modelId="{9E2D99B0-3CDE-4A22-8272-6A6F08D384D2}" type="presOf" srcId="{495DAF6C-1519-4D8D-868D-0AFA059B1505}" destId="{96FA0196-0B2D-4137-A790-DD1673C46F35}" srcOrd="0" destOrd="0" presId="urn:microsoft.com/office/officeart/2005/8/layout/hierarchy2"/>
+    <dgm:cxn modelId="{03992D00-9084-47F3-AB37-51AF71626ECE}" type="presOf" srcId="{4C7291A8-D928-43AF-B680-6D4EB5AE38AA}" destId="{2565E88F-ED17-4BE6-A286-814686EEAA58}" srcOrd="0" destOrd="0" presId="urn:microsoft.com/office/officeart/2005/8/layout/hierarchy2"/>
+    <dgm:cxn modelId="{1B4E7DAF-F34D-4E32-9BCF-2082FDA98EF0}" srcId="{87787ACE-5CC7-4021-8D10-80F1BA3C395F}" destId="{9778FFA4-B492-442E-BAD1-71F8CEA53C1D}" srcOrd="4" destOrd="0" parTransId="{2A1A628D-BE7B-447B-99D1-9F0DABB47D87}" sibTransId="{364CC77E-CCF6-44A3-A964-3B332038901E}"/>
+    <dgm:cxn modelId="{EF453431-EDDC-4056-AD79-D3D3A373F688}" srcId="{87787ACE-5CC7-4021-8D10-80F1BA3C395F}" destId="{7354CCEA-1D8B-4F2E-B935-BBCEAD4D6339}" srcOrd="3" destOrd="0" parTransId="{4F31F576-0972-495A-BDB9-37C7919EEA2C}" sibTransId="{DDF8698B-F532-41EE-BF96-DF997CF9DA55}"/>
+    <dgm:cxn modelId="{C76946BF-0B69-4E38-B70A-13F366E51597}" srcId="{997E0AC0-E5A8-4877-BD3B-F0FCCBF6E190}" destId="{713D3353-2F7F-4B09-A0B3-14C1468E31E5}" srcOrd="0" destOrd="0" parTransId="{6D76E56E-F07C-4A8B-822B-759429B9ABF4}" sibTransId="{CFB0B17F-075B-4C69-8A28-86F6E266CA96}"/>
+    <dgm:cxn modelId="{2183F1C7-BE07-4EF7-934B-48AAABE35A12}" type="presOf" srcId="{6D76E56E-F07C-4A8B-822B-759429B9ABF4}" destId="{D40B0AD2-F161-462B-AEC2-FC579BDBB1F6}" srcOrd="0" destOrd="0" presId="urn:microsoft.com/office/officeart/2005/8/layout/hierarchy2"/>
+    <dgm:cxn modelId="{13B6C72B-BCEF-438A-83CA-A6EA17BB80E5}" srcId="{997E0AC0-E5A8-4877-BD3B-F0FCCBF6E190}" destId="{B62E62B7-B93B-4AED-936E-ED3717990A33}" srcOrd="3" destOrd="0" parTransId="{5F00BA3D-3463-4AD3-BA0A-E021894018EC}" sibTransId="{3FBC6F20-D815-4CC9-8E5B-23777C7EAB11}"/>
+    <dgm:cxn modelId="{E4222CE1-E2FA-4791-891D-B72FE9A82B3B}" type="presOf" srcId="{997E0AC0-E5A8-4877-BD3B-F0FCCBF6E190}" destId="{34C3BED3-6D65-4B5F-BB24-EBD2D8EFB173}" srcOrd="0" destOrd="0" presId="urn:microsoft.com/office/officeart/2005/8/layout/hierarchy2"/>
+    <dgm:cxn modelId="{2AE5A1B3-7E4E-4685-9C5C-EB00F92C65B9}" type="presOf" srcId="{492DE36E-0A69-4059-A75A-C2D0C8ADAC9D}" destId="{73D57F50-EE82-4EA5-8802-FA0B91436EC9}" srcOrd="0" destOrd="0" presId="urn:microsoft.com/office/officeart/2005/8/layout/hierarchy2"/>
+    <dgm:cxn modelId="{DF9F37A5-0A34-4BA2-9FCC-8A755A22675D}" srcId="{4DC4D196-393A-48C7-B43D-1B032025DA9C}" destId="{E2C1458E-557A-4428-8FE3-E4CD35270DE7}" srcOrd="6" destOrd="0" parTransId="{53FF5F3D-BA50-4B61-A540-2FFEF12020E1}" sibTransId="{405E4D45-C5F6-4921-ACC1-B105011BBCE5}"/>
+    <dgm:cxn modelId="{B549D844-ED03-419C-9556-ABFAE6F6580F}" srcId="{997E0AC0-E5A8-4877-BD3B-F0FCCBF6E190}" destId="{177CB8FB-E3DE-4361-84F6-91CD3BBF1DD1}" srcOrd="2" destOrd="0" parTransId="{0298E798-5387-4D0F-BB2A-33F34F3ADA58}" sibTransId="{10BE3938-4C62-495B-84A3-16CD6668153B}"/>
+    <dgm:cxn modelId="{BAB23172-7847-4FE7-AB38-7FEA6EA60DE2}" type="presOf" srcId="{2A1A628D-BE7B-447B-99D1-9F0DABB47D87}" destId="{C6C0C3EB-8340-4D85-8863-AE495310C169}" srcOrd="1" destOrd="0" presId="urn:microsoft.com/office/officeart/2005/8/layout/hierarchy2"/>
+    <dgm:cxn modelId="{74EE9714-A9E2-4314-B0E8-9C7AF4D8F999}" type="presOf" srcId="{0A647289-15B0-4607-BB7A-BB32EB10E40E}" destId="{597DCE8D-40EC-427A-9ABC-90BF63F93554}" srcOrd="0" destOrd="0" presId="urn:microsoft.com/office/officeart/2005/8/layout/hierarchy2"/>
+    <dgm:cxn modelId="{1892AD20-C7EB-4C6A-B516-56DED354BF0E}" type="presOf" srcId="{4DC4D196-393A-48C7-B43D-1B032025DA9C}" destId="{B45A4ADE-8079-467D-8B40-5D122F44A729}" srcOrd="0" destOrd="0" presId="urn:microsoft.com/office/officeart/2005/8/layout/hierarchy2"/>
+    <dgm:cxn modelId="{0D81D331-8227-4E94-9AA2-FE8DB583E05C}" type="presOf" srcId="{7D5C38BC-3A32-44A4-8748-946C33196FA4}" destId="{E250CD24-53A6-4C85-869B-34D7CE10C895}" srcOrd="0" destOrd="0" presId="urn:microsoft.com/office/officeart/2005/8/layout/hierarchy2"/>
+    <dgm:cxn modelId="{3C0ED0F3-E5C4-4986-93D1-CEA0B4BD9994}" type="presOf" srcId="{4DB8DA87-278B-4043-8CBC-53C13BB7A3A6}" destId="{CBC6017F-5D58-4E15-82B0-970822DF54BF}" srcOrd="1" destOrd="0" presId="urn:microsoft.com/office/officeart/2005/8/layout/hierarchy2"/>
+    <dgm:cxn modelId="{9CD416EE-09F0-4A52-8E5E-47DCA77F84DA}" srcId="{E2C1458E-557A-4428-8FE3-E4CD35270DE7}" destId="{81D09BED-3F22-478A-9C4D-086E7145803B}" srcOrd="2" destOrd="0" parTransId="{492DE36E-0A69-4059-A75A-C2D0C8ADAC9D}" sibTransId="{78D0D86B-C795-4ABA-B1DA-FEA5A1F9A44B}"/>
+    <dgm:cxn modelId="{655644D6-B257-4B88-A7B6-13DEA548944E}" type="presOf" srcId="{F3E17BA4-510A-425D-9C30-5702F62D17C5}" destId="{BB6C7B9D-A2AC-4AFA-A5EF-11B4CC0F6267}" srcOrd="1" destOrd="0" presId="urn:microsoft.com/office/officeart/2005/8/layout/hierarchy2"/>
+    <dgm:cxn modelId="{92F01F77-7672-437E-A736-2A85E19AA359}" type="presOf" srcId="{ECE4E2A7-EEB7-4E3C-A618-8C2519FF873E}" destId="{7F90AE43-A03E-4A80-9514-8DD85AE08725}" srcOrd="1" destOrd="0" presId="urn:microsoft.com/office/officeart/2005/8/layout/hierarchy2"/>
+    <dgm:cxn modelId="{FD02CDA3-0DAB-43F8-BAE4-114F918821ED}" type="presOf" srcId="{F4CDA0E4-2EE0-4EF4-B52F-5B284DCB4ED0}" destId="{944372C6-B2FF-43EF-8291-2C7825362B5A}" srcOrd="0" destOrd="0" presId="urn:microsoft.com/office/officeart/2005/8/layout/hierarchy2"/>
+    <dgm:cxn modelId="{16618758-E881-43EA-8A11-467DEDAA7A15}" type="presOf" srcId="{4F31F576-0972-495A-BDB9-37C7919EEA2C}" destId="{FB796A58-DCC7-425C-B11C-9F8D227F5866}" srcOrd="0" destOrd="0" presId="urn:microsoft.com/office/officeart/2005/8/layout/hierarchy2"/>
+    <dgm:cxn modelId="{0E619B93-9FCD-4B76-A0CC-691FB05A3640}" type="presOf" srcId="{9778FFA4-B492-442E-BAD1-71F8CEA53C1D}" destId="{4A1246BE-B9B4-40C2-8101-9DE77AE4353C}" srcOrd="0" destOrd="0" presId="urn:microsoft.com/office/officeart/2005/8/layout/hierarchy2"/>
+    <dgm:cxn modelId="{D7E4FF6E-2557-44F9-AB19-B62680E4DA8F}" type="presOf" srcId="{0298E798-5387-4D0F-BB2A-33F34F3ADA58}" destId="{DDB10AF8-E5AC-41A1-91DD-E51E3E79D902}" srcOrd="1" destOrd="0" presId="urn:microsoft.com/office/officeart/2005/8/layout/hierarchy2"/>
+    <dgm:cxn modelId="{D8485EDA-EA1F-4153-B727-E45467CDEF17}" type="presOf" srcId="{177CB8FB-E3DE-4361-84F6-91CD3BBF1DD1}" destId="{6B4915C8-91F0-410A-A9CE-454A24F33AC4}" srcOrd="0" destOrd="0" presId="urn:microsoft.com/office/officeart/2005/8/layout/hierarchy2"/>
+    <dgm:cxn modelId="{CD4063DC-880F-411E-BDDF-A3B0ECDACB7A}" type="presOf" srcId="{81D09BED-3F22-478A-9C4D-086E7145803B}" destId="{A104B2A0-FE43-4762-BD31-C25C73F4D274}" srcOrd="0" destOrd="0" presId="urn:microsoft.com/office/officeart/2005/8/layout/hierarchy2"/>
+    <dgm:cxn modelId="{EFD472BD-C997-4B61-BBAC-4B42CA82EFAC}" type="presOf" srcId="{724DE95A-A58B-4F73-BA05-A2138805D802}" destId="{B22319FE-242D-49D4-9F29-F47D0A77BC47}" srcOrd="1" destOrd="0" presId="urn:microsoft.com/office/officeart/2005/8/layout/hierarchy2"/>
+    <dgm:cxn modelId="{4A9DC7E3-BC72-4541-AFE9-2E7585E0709C}" type="presOf" srcId="{234F56BC-6E99-4422-85E1-E187899BCDE6}" destId="{1866FB9A-7258-4DC9-AA2F-0FCC1BC2525B}" srcOrd="1" destOrd="0" presId="urn:microsoft.com/office/officeart/2005/8/layout/hierarchy2"/>
+    <dgm:cxn modelId="{43B906CD-34C5-426F-AD8F-82133DCC747B}" type="presOf" srcId="{E2C1458E-557A-4428-8FE3-E4CD35270DE7}" destId="{CD60D6AB-4044-4A46-A5F7-FCD2394DBD13}" srcOrd="0" destOrd="0" presId="urn:microsoft.com/office/officeart/2005/8/layout/hierarchy2"/>
+    <dgm:cxn modelId="{18C0C0AD-C9CC-4984-8149-398CB7867426}" type="presOf" srcId="{B65CD7F7-E837-4F6A-94B2-A7D0A863FA25}" destId="{0F86196B-102C-43B5-B834-D20D54798A19}" srcOrd="0" destOrd="0" presId="urn:microsoft.com/office/officeart/2005/8/layout/hierarchy2"/>
+    <dgm:cxn modelId="{FC4FEE0B-705A-45BD-8E8E-0E65D447AE29}" type="presOf" srcId="{E1A0A531-010C-4D9A-82E0-30DEE6060DC8}" destId="{7FF07369-A7D2-4156-AFE4-845CD72CFF04}" srcOrd="1" destOrd="0" presId="urn:microsoft.com/office/officeart/2005/8/layout/hierarchy2"/>
+    <dgm:cxn modelId="{F2A04F7D-E140-4503-A10D-4D570FE204AA}" type="presOf" srcId="{724DE95A-A58B-4F73-BA05-A2138805D802}" destId="{E1487F4F-6C88-4F6F-96D4-F9982A78BF68}" srcOrd="0" destOrd="0" presId="urn:microsoft.com/office/officeart/2005/8/layout/hierarchy2"/>
     <dgm:cxn modelId="{B905B970-FC8E-4DFE-8D8F-6B8B99F2C265}" type="presOf" srcId="{492DE36E-0A69-4059-A75A-C2D0C8ADAC9D}" destId="{E1D477A5-5D79-4CA7-9211-04E713C5C7FB}" srcOrd="1" destOrd="0" presId="urn:microsoft.com/office/officeart/2005/8/layout/hierarchy2"/>
-    <dgm:cxn modelId="{CD4063DC-880F-411E-BDDF-A3B0ECDACB7A}" type="presOf" srcId="{81D09BED-3F22-478A-9C4D-086E7145803B}" destId="{A104B2A0-FE43-4762-BD31-C25C73F4D274}" srcOrd="0" destOrd="0" presId="urn:microsoft.com/office/officeart/2005/8/layout/hierarchy2"/>
-    <dgm:cxn modelId="{43B906CD-34C5-426F-AD8F-82133DCC747B}" type="presOf" srcId="{E2C1458E-557A-4428-8FE3-E4CD35270DE7}" destId="{CD60D6AB-4044-4A46-A5F7-FCD2394DBD13}" srcOrd="0" destOrd="0" presId="urn:microsoft.com/office/officeart/2005/8/layout/hierarchy2"/>
+    <dgm:cxn modelId="{49880C67-B461-4F14-BA12-F1B9693F7809}" type="presOf" srcId="{D2D49D43-2ECF-4335-9EE4-0C89012EFF11}" destId="{F61CBF2C-8CA0-4055-8008-4524493E83FB}" srcOrd="1" destOrd="0" presId="urn:microsoft.com/office/officeart/2005/8/layout/hierarchy2"/>
+    <dgm:cxn modelId="{12B450CC-320C-4553-8AB7-8C5B8A6FB460}" type="presOf" srcId="{4DB8DA87-278B-4043-8CBC-53C13BB7A3A6}" destId="{7DCC2A3F-45C9-4DC2-A222-DE76A94ECBE5}" srcOrd="0" destOrd="0" presId="urn:microsoft.com/office/officeart/2005/8/layout/hierarchy2"/>
+    <dgm:cxn modelId="{A5037638-604C-4B9B-8068-BC8415DA7E5A}" type="presOf" srcId="{3920A3B1-F799-4EA5-AF2F-8AEFBC6EE5D3}" destId="{08C122BC-E676-4C1F-8875-337EC6A52306}" srcOrd="0" destOrd="0" presId="urn:microsoft.com/office/officeart/2005/8/layout/hierarchy2"/>
+    <dgm:cxn modelId="{E310C4AE-0A5D-4F12-B63A-13EFB3EC6236}" type="presOf" srcId="{7354CCEA-1D8B-4F2E-B935-BBCEAD4D6339}" destId="{6EE0ADE5-E0CD-43CA-92E9-05AE1C176E44}" srcOrd="0" destOrd="0" presId="urn:microsoft.com/office/officeart/2005/8/layout/hierarchy2"/>
+    <dgm:cxn modelId="{0F6A1492-C05F-4132-8268-834DEAD689FF}" type="presOf" srcId="{5F00BA3D-3463-4AD3-BA0A-E021894018EC}" destId="{479EBA34-6323-429F-8047-35BBDF701E73}" srcOrd="1" destOrd="0" presId="urn:microsoft.com/office/officeart/2005/8/layout/hierarchy2"/>
+    <dgm:cxn modelId="{7172F713-39EB-4B31-90CE-08014EE85614}" srcId="{997E0AC0-E5A8-4877-BD3B-F0FCCBF6E190}" destId="{B65CD7F7-E837-4F6A-94B2-A7D0A863FA25}" srcOrd="1" destOrd="0" parTransId="{ECE4E2A7-EEB7-4E3C-A618-8C2519FF873E}" sibTransId="{C29E4FEF-737E-4D18-8B08-D10FE40951CA}"/>
+    <dgm:cxn modelId="{E0D81493-5A07-4625-8042-BBDD9BA08864}" type="presOf" srcId="{B62E62B7-B93B-4AED-936E-ED3717990A33}" destId="{6DBE95F5-D9E5-416A-A870-BC56199E0637}" srcOrd="0" destOrd="0" presId="urn:microsoft.com/office/officeart/2005/8/layout/hierarchy2"/>
+    <dgm:cxn modelId="{C83129AD-CDEE-4D3E-B56F-C201348D3F99}" srcId="{7D5C38BC-3A32-44A4-8748-946C33196FA4}" destId="{4DC4D196-393A-48C7-B43D-1B032025DA9C}" srcOrd="0" destOrd="0" parTransId="{FEF927A7-41EF-4106-AB83-D8FA492EAE2A}" sibTransId="{06030C82-65E6-453D-A9E7-E4265BAB5C00}"/>
+    <dgm:cxn modelId="{CB954A17-79A3-458B-8FD2-12F23A155BB6}" type="presOf" srcId="{17B5BE82-3A7E-466A-B0BA-17ED2B51849B}" destId="{02F7ED1A-8432-4631-802F-C7BCE66E1549}" srcOrd="0" destOrd="0" presId="urn:microsoft.com/office/officeart/2005/8/layout/hierarchy2"/>
+    <dgm:cxn modelId="{61AA4648-1B0D-4B1B-BB1B-7A1B722AF1A5}" type="presOf" srcId="{17B5BE82-3A7E-466A-B0BA-17ED2B51849B}" destId="{E7440830-D9DC-43C9-BF9F-7C8584F9DBA1}" srcOrd="1" destOrd="0" presId="urn:microsoft.com/office/officeart/2005/8/layout/hierarchy2"/>
+    <dgm:cxn modelId="{68F01C8F-4717-419A-8D1D-FFEFD3E9E136}" type="presOf" srcId="{7D17527F-39D2-4380-9E6E-BA5A641B0F5B}" destId="{2AF5E555-51EE-4919-8F64-85B2487C9400}" srcOrd="0" destOrd="0" presId="urn:microsoft.com/office/officeart/2005/8/layout/hierarchy2"/>
+    <dgm:cxn modelId="{242CE023-68B1-4201-A247-784F474D7083}" type="presOf" srcId="{53FF5F3D-BA50-4B61-A540-2FFEF12020E1}" destId="{0A8FD38A-F291-487D-9D65-A2424C6763FD}" srcOrd="0" destOrd="0" presId="urn:microsoft.com/office/officeart/2005/8/layout/hierarchy2"/>
+    <dgm:cxn modelId="{0EDA5718-4101-47D0-9353-26D9FB268F34}" type="presOf" srcId="{0389AF13-84D8-4BA5-8784-7F1F3937A9ED}" destId="{340F566F-6FB8-4191-A03A-4AF20AE77B9B}" srcOrd="0" destOrd="0" presId="urn:microsoft.com/office/officeart/2005/8/layout/hierarchy2"/>
+    <dgm:cxn modelId="{4E1080A5-3E25-44A2-9A4D-9DA83B74FFF0}" type="presOf" srcId="{C46EB0C3-030A-4635-B903-546D55A4D20A}" destId="{51A037E4-4A25-46B6-9F53-31264CAB34DF}" srcOrd="1" destOrd="0" presId="urn:microsoft.com/office/officeart/2005/8/layout/hierarchy2"/>
+    <dgm:cxn modelId="{D3CBCDC2-DED9-4705-92AC-14E95BD1329D}" srcId="{87787ACE-5CC7-4021-8D10-80F1BA3C395F}" destId="{495DAF6C-1519-4D8D-868D-0AFA059B1505}" srcOrd="1" destOrd="0" parTransId="{C46EB0C3-030A-4635-B903-546D55A4D20A}" sibTransId="{2FF38450-8EBB-4721-91ED-90D60C1B4CED}"/>
     <dgm:cxn modelId="{E0E2D100-06A9-47AA-BDB4-668C2C39E559}" type="presOf" srcId="{4F31F576-0972-495A-BDB9-37C7919EEA2C}" destId="{F7AE08D8-2A69-407F-8676-0FF8467957DA}" srcOrd="1" destOrd="0" presId="urn:microsoft.com/office/officeart/2005/8/layout/hierarchy2"/>
-    <dgm:cxn modelId="{F2A04F7D-E140-4503-A10D-4D570FE204AA}" type="presOf" srcId="{724DE95A-A58B-4F73-BA05-A2138805D802}" destId="{E1487F4F-6C88-4F6F-96D4-F9982A78BF68}" srcOrd="0" destOrd="0" presId="urn:microsoft.com/office/officeart/2005/8/layout/hierarchy2"/>
-    <dgm:cxn modelId="{0D81D331-8227-4E94-9AA2-FE8DB583E05C}" type="presOf" srcId="{7D5C38BC-3A32-44A4-8748-946C33196FA4}" destId="{E250CD24-53A6-4C85-869B-34D7CE10C895}" srcOrd="0" destOrd="0" presId="urn:microsoft.com/office/officeart/2005/8/layout/hierarchy2"/>
-    <dgm:cxn modelId="{EFD472BD-C997-4B61-BBAC-4B42CA82EFAC}" type="presOf" srcId="{724DE95A-A58B-4F73-BA05-A2138805D802}" destId="{B22319FE-242D-49D4-9F29-F47D0A77BC47}" srcOrd="1" destOrd="0" presId="urn:microsoft.com/office/officeart/2005/8/layout/hierarchy2"/>
-    <dgm:cxn modelId="{01E23F17-BC4D-4852-B952-49F8F70F1EF3}" type="presOf" srcId="{87787ACE-5CC7-4021-8D10-80F1BA3C395F}" destId="{92A01BC4-C7D3-4D97-8F9E-70161BEA9773}" srcOrd="0" destOrd="0" presId="urn:microsoft.com/office/officeart/2005/8/layout/hierarchy2"/>
-    <dgm:cxn modelId="{74EE9714-A9E2-4314-B0E8-9C7AF4D8F999}" type="presOf" srcId="{0A647289-15B0-4607-BB7A-BB32EB10E40E}" destId="{597DCE8D-40EC-427A-9ABC-90BF63F93554}" srcOrd="0" destOrd="0" presId="urn:microsoft.com/office/officeart/2005/8/layout/hierarchy2"/>
+    <dgm:cxn modelId="{B24A7170-3454-4A7C-9DB3-B51B31A4C2F4}" srcId="{4DC4D196-393A-48C7-B43D-1B032025DA9C}" destId="{41F23631-16AD-403D-8531-4B6CEE5E513C}" srcOrd="1" destOrd="0" parTransId="{F3E17BA4-510A-425D-9C30-5702F62D17C5}" sibTransId="{40A94126-769E-406D-8AA9-9AD8E11E43C5}"/>
+    <dgm:cxn modelId="{DFF502E1-D3D7-48CD-9B30-D5B9A23EF51B}" type="presOf" srcId="{BD6AE91C-69C2-4C2F-83A9-B6EB63A6734F}" destId="{18ED83EC-B25D-4713-B1B2-58B519CF30C7}" srcOrd="0" destOrd="0" presId="urn:microsoft.com/office/officeart/2005/8/layout/hierarchy2"/>
+    <dgm:cxn modelId="{AB74E702-2660-4BC3-A6BB-9AF171860CB1}" type="presOf" srcId="{E1A0A531-010C-4D9A-82E0-30DEE6060DC8}" destId="{A4318008-F778-4978-B7F3-352C36959FA5}" srcOrd="0" destOrd="0" presId="urn:microsoft.com/office/officeart/2005/8/layout/hierarchy2"/>
+    <dgm:cxn modelId="{96F29B28-2DAA-4954-BF5C-6226F41B3509}" srcId="{E2C1458E-557A-4428-8FE3-E4CD35270DE7}" destId="{5B8BFC3A-F4F4-4625-BEC3-81AC339B8598}" srcOrd="1" destOrd="0" parTransId="{0FD93B7E-3368-4831-B5B1-93445253C2A4}" sibTransId="{A7420E6E-0773-4B98-A1AD-C5529CE9F277}"/>
     <dgm:cxn modelId="{5D2BCB7F-FC52-4FBD-A60D-26CF078514E3}" type="presOf" srcId="{6132341A-EB2B-4856-B951-7C80A3FB7F02}" destId="{708F0C8E-E961-4129-8F68-B1C0D0A4A31C}" srcOrd="0" destOrd="0" presId="urn:microsoft.com/office/officeart/2005/8/layout/hierarchy2"/>
-    <dgm:cxn modelId="{2AE5A1B3-7E4E-4685-9C5C-EB00F92C65B9}" type="presOf" srcId="{492DE36E-0A69-4059-A75A-C2D0C8ADAC9D}" destId="{73D57F50-EE82-4EA5-8802-FA0B91436EC9}" srcOrd="0" destOrd="0" presId="urn:microsoft.com/office/officeart/2005/8/layout/hierarchy2"/>
-    <dgm:cxn modelId="{9E2D99B0-3CDE-4A22-8272-6A6F08D384D2}" type="presOf" srcId="{495DAF6C-1519-4D8D-868D-0AFA059B1505}" destId="{96FA0196-0B2D-4137-A790-DD1673C46F35}" srcOrd="0" destOrd="0" presId="urn:microsoft.com/office/officeart/2005/8/layout/hierarchy2"/>
+    <dgm:cxn modelId="{CCF76F0E-772E-4B93-93DE-99B637E1C2AD}" type="presOf" srcId="{C46EB0C3-030A-4635-B903-546D55A4D20A}" destId="{AB56E087-943A-4BF2-A497-250D3AE2CF65}" srcOrd="0" destOrd="0" presId="urn:microsoft.com/office/officeart/2005/8/layout/hierarchy2"/>
+    <dgm:cxn modelId="{1DDD8FDB-E41A-4287-BDAA-46CE2DBD3C31}" type="presOf" srcId="{ECE4E2A7-EEB7-4E3C-A618-8C2519FF873E}" destId="{311F6A07-FE90-403F-8B4A-80081062BB69}" srcOrd="0" destOrd="0" presId="urn:microsoft.com/office/officeart/2005/8/layout/hierarchy2"/>
+    <dgm:cxn modelId="{B7FB6533-5A8F-463C-9319-2DFE669543C4}" srcId="{4DC4D196-393A-48C7-B43D-1B032025DA9C}" destId="{3920A3B1-F799-4EA5-AF2F-8AEFBC6EE5D3}" srcOrd="5" destOrd="0" parTransId="{724DE95A-A58B-4F73-BA05-A2138805D802}" sibTransId="{F9983A22-CD22-42C4-B22C-D6636D30F52B}"/>
+    <dgm:cxn modelId="{13CCA2A4-C35F-4198-840C-7A5E023EA511}" type="presOf" srcId="{234F56BC-6E99-4422-85E1-E187899BCDE6}" destId="{BF143199-5753-4E58-93A6-ABFBB887968B}" srcOrd="0" destOrd="0" presId="urn:microsoft.com/office/officeart/2005/8/layout/hierarchy2"/>
+    <dgm:cxn modelId="{11CDE6F5-D483-4637-AC9C-9477DE9A6B86}" type="presOf" srcId="{5F00BA3D-3463-4AD3-BA0A-E021894018EC}" destId="{8BB91DFE-442B-4979-9A13-0A3B4F48D185}" srcOrd="0" destOrd="0" presId="urn:microsoft.com/office/officeart/2005/8/layout/hierarchy2"/>
+    <dgm:cxn modelId="{3007B9D9-1108-42F6-B3B6-F1A78305C73E}" type="presOf" srcId="{F3E17BA4-510A-425D-9C30-5702F62D17C5}" destId="{6A895F50-C0E1-44F4-A772-9B638F156EE0}" srcOrd="0" destOrd="0" presId="urn:microsoft.com/office/officeart/2005/8/layout/hierarchy2"/>
+    <dgm:cxn modelId="{2A7E61B3-DEEE-4539-BD9F-639890160826}" type="presOf" srcId="{BD6AE91C-69C2-4C2F-83A9-B6EB63A6734F}" destId="{FC6152B3-30F4-4F72-9C27-4FB5599C54F7}" srcOrd="1" destOrd="0" presId="urn:microsoft.com/office/officeart/2005/8/layout/hierarchy2"/>
+    <dgm:cxn modelId="{CB574403-59EF-454F-9637-81ED3A74C696}" type="presOf" srcId="{5C3A5136-8029-4383-A880-33BD30D941F1}" destId="{CF4C3C52-0D96-4A1A-9C0D-75700F59F9EA}" srcOrd="1" destOrd="0" presId="urn:microsoft.com/office/officeart/2005/8/layout/hierarchy2"/>
+    <dgm:cxn modelId="{EA17B51A-D54F-4650-B369-893CC2F4C570}" type="presOf" srcId="{0FD93B7E-3368-4831-B5B1-93445253C2A4}" destId="{A0DC171E-F0A2-4EF1-8225-855176F98583}" srcOrd="0" destOrd="0" presId="urn:microsoft.com/office/officeart/2005/8/layout/hierarchy2"/>
+    <dgm:cxn modelId="{AD3FDA95-EFFD-4531-8F79-085AA2203C42}" type="presOf" srcId="{0298E798-5387-4D0F-BB2A-33F34F3ADA58}" destId="{5F470B6B-DBFC-45DC-88F1-F7BB0851713D}" srcOrd="0" destOrd="0" presId="urn:microsoft.com/office/officeart/2005/8/layout/hierarchy2"/>
+    <dgm:cxn modelId="{1602B888-E3B0-4127-865D-0FA74A42C1F3}" type="presOf" srcId="{5B8BFC3A-F4F4-4625-BEC3-81AC339B8598}" destId="{EF115853-C335-4E89-95FF-7D618D1563EF}" srcOrd="0" destOrd="0" presId="urn:microsoft.com/office/officeart/2005/8/layout/hierarchy2"/>
     <dgm:cxn modelId="{D71B953E-48E5-4CA8-8BB4-8CDE794EEECB}" srcId="{4DC4D196-393A-48C7-B43D-1B032025DA9C}" destId="{997E0AC0-E5A8-4877-BD3B-F0FCCBF6E190}" srcOrd="0" destOrd="0" parTransId="{4DB8DA87-278B-4043-8CBC-53C13BB7A3A6}" sibTransId="{4D2BC234-988F-4315-A5E4-048D959D0800}"/>
-    <dgm:cxn modelId="{FC4FEE0B-705A-45BD-8E8E-0E65D447AE29}" type="presOf" srcId="{E1A0A531-010C-4D9A-82E0-30DEE6060DC8}" destId="{7FF07369-A7D2-4156-AFE4-845CD72CFF04}" srcOrd="1" destOrd="0" presId="urn:microsoft.com/office/officeart/2005/8/layout/hierarchy2"/>
-    <dgm:cxn modelId="{6819B8DA-1CDD-4B97-95CF-E246836E8BBF}" type="presOf" srcId="{2A1A628D-BE7B-447B-99D1-9F0DABB47D87}" destId="{ACF152FB-EEEC-4CA7-9F4B-DBB555512E0D}" srcOrd="0" destOrd="0" presId="urn:microsoft.com/office/officeart/2005/8/layout/hierarchy2"/>
-    <dgm:cxn modelId="{1892AD20-C7EB-4C6A-B516-56DED354BF0E}" type="presOf" srcId="{4DC4D196-393A-48C7-B43D-1B032025DA9C}" destId="{B45A4ADE-8079-467D-8B40-5D122F44A729}" srcOrd="0" destOrd="0" presId="urn:microsoft.com/office/officeart/2005/8/layout/hierarchy2"/>
-    <dgm:cxn modelId="{AA95ADD9-39C7-429D-ABDC-60B55682FC18}" type="presOf" srcId="{41F23631-16AD-403D-8531-4B6CEE5E513C}" destId="{7714C038-3051-4836-803A-E8A204E45EA8}" srcOrd="0" destOrd="0" presId="urn:microsoft.com/office/officeart/2005/8/layout/hierarchy2"/>
-    <dgm:cxn modelId="{DF9F37A5-0A34-4BA2-9FCC-8A755A22675D}" srcId="{4DC4D196-393A-48C7-B43D-1B032025DA9C}" destId="{E2C1458E-557A-4428-8FE3-E4CD35270DE7}" srcOrd="6" destOrd="0" parTransId="{53FF5F3D-BA50-4B61-A540-2FFEF12020E1}" sibTransId="{405E4D45-C5F6-4921-ACC1-B105011BBCE5}"/>
-    <dgm:cxn modelId="{18C0C0AD-C9CC-4984-8149-398CB7867426}" type="presOf" srcId="{B65CD7F7-E837-4F6A-94B2-A7D0A863FA25}" destId="{0F86196B-102C-43B5-B834-D20D54798A19}" srcOrd="0" destOrd="0" presId="urn:microsoft.com/office/officeart/2005/8/layout/hierarchy2"/>
-    <dgm:cxn modelId="{242CE023-68B1-4201-A247-784F474D7083}" type="presOf" srcId="{53FF5F3D-BA50-4B61-A540-2FFEF12020E1}" destId="{0A8FD38A-F291-487D-9D65-A2424C6763FD}" srcOrd="0" destOrd="0" presId="urn:microsoft.com/office/officeart/2005/8/layout/hierarchy2"/>
-    <dgm:cxn modelId="{64F4D40E-2D3A-4027-8A79-84753D35CD01}" type="presOf" srcId="{D2D49D43-2ECF-4335-9EE4-0C89012EFF11}" destId="{FAA556BE-F0BB-4207-9803-F9479E338F23}" srcOrd="0" destOrd="0" presId="urn:microsoft.com/office/officeart/2005/8/layout/hierarchy2"/>
-    <dgm:cxn modelId="{AD3FDA95-EFFD-4531-8F79-085AA2203C42}" type="presOf" srcId="{0298E798-5387-4D0F-BB2A-33F34F3ADA58}" destId="{5F470B6B-DBFC-45DC-88F1-F7BB0851713D}" srcOrd="0" destOrd="0" presId="urn:microsoft.com/office/officeart/2005/8/layout/hierarchy2"/>
-    <dgm:cxn modelId="{E310C4AE-0A5D-4F12-B63A-13EFB3EC6236}" type="presOf" srcId="{7354CCEA-1D8B-4F2E-B935-BBCEAD4D6339}" destId="{6EE0ADE5-E0CD-43CA-92E9-05AE1C176E44}" srcOrd="0" destOrd="0" presId="urn:microsoft.com/office/officeart/2005/8/layout/hierarchy2"/>
-    <dgm:cxn modelId="{9CD416EE-09F0-4A52-8E5E-47DCA77F84DA}" srcId="{E2C1458E-557A-4428-8FE3-E4CD35270DE7}" destId="{81D09BED-3F22-478A-9C4D-086E7145803B}" srcOrd="2" destOrd="0" parTransId="{492DE36E-0A69-4059-A75A-C2D0C8ADAC9D}" sibTransId="{78D0D86B-C795-4ABA-B1DA-FEA5A1F9A44B}"/>
-    <dgm:cxn modelId="{CB574403-59EF-454F-9637-81ED3A74C696}" type="presOf" srcId="{5C3A5136-8029-4383-A880-33BD30D941F1}" destId="{CF4C3C52-0D96-4A1A-9C0D-75700F59F9EA}" srcOrd="1" destOrd="0" presId="urn:microsoft.com/office/officeart/2005/8/layout/hierarchy2"/>
-    <dgm:cxn modelId="{AB74E702-2660-4BC3-A6BB-9AF171860CB1}" type="presOf" srcId="{E1A0A531-010C-4D9A-82E0-30DEE6060DC8}" destId="{A4318008-F778-4978-B7F3-352C36959FA5}" srcOrd="0" destOrd="0" presId="urn:microsoft.com/office/officeart/2005/8/layout/hierarchy2"/>
-    <dgm:cxn modelId="{92F01F77-7672-437E-A736-2A85E19AA359}" type="presOf" srcId="{ECE4E2A7-EEB7-4E3C-A618-8C2519FF873E}" destId="{7F90AE43-A03E-4A80-9514-8DD85AE08725}" srcOrd="1" destOrd="0" presId="urn:microsoft.com/office/officeart/2005/8/layout/hierarchy2"/>
-    <dgm:cxn modelId="{EF453431-EDDC-4056-AD79-D3D3A373F688}" srcId="{87787ACE-5CC7-4021-8D10-80F1BA3C395F}" destId="{7354CCEA-1D8B-4F2E-B935-BBCEAD4D6339}" srcOrd="3" destOrd="0" parTransId="{4F31F576-0972-495A-BDB9-37C7919EEA2C}" sibTransId="{DDF8698B-F532-41EE-BF96-DF997CF9DA55}"/>
-    <dgm:cxn modelId="{1602B888-E3B0-4127-865D-0FA74A42C1F3}" type="presOf" srcId="{5B8BFC3A-F4F4-4625-BEC3-81AC339B8598}" destId="{EF115853-C335-4E89-95FF-7D618D1563EF}" srcOrd="0" destOrd="0" presId="urn:microsoft.com/office/officeart/2005/8/layout/hierarchy2"/>
-    <dgm:cxn modelId="{0EDA5718-4101-47D0-9353-26D9FB268F34}" type="presOf" srcId="{0389AF13-84D8-4BA5-8784-7F1F3937A9ED}" destId="{340F566F-6FB8-4191-A03A-4AF20AE77B9B}" srcOrd="0" destOrd="0" presId="urn:microsoft.com/office/officeart/2005/8/layout/hierarchy2"/>
-    <dgm:cxn modelId="{C73071A8-B4A1-4E3E-80CD-5481B3889AE7}" srcId="{4DC4D196-393A-48C7-B43D-1B032025DA9C}" destId="{6132341A-EB2B-4856-B951-7C80A3FB7F02}" srcOrd="3" destOrd="0" parTransId="{5C3A5136-8029-4383-A880-33BD30D941F1}" sibTransId="{373D6222-E76D-479F-AE8A-61F21F50A381}"/>
-    <dgm:cxn modelId="{DFF502E1-D3D7-48CD-9B30-D5B9A23EF51B}" type="presOf" srcId="{BD6AE91C-69C2-4C2F-83A9-B6EB63A6734F}" destId="{18ED83EC-B25D-4713-B1B2-58B519CF30C7}" srcOrd="0" destOrd="0" presId="urn:microsoft.com/office/officeart/2005/8/layout/hierarchy2"/>
-    <dgm:cxn modelId="{8CC60E9A-ED51-4CA1-B58D-CB528E488280}" type="presOf" srcId="{0A647289-15B0-4607-BB7A-BB32EB10E40E}" destId="{F8136FCA-63D4-4888-8C22-1A09D060ABDA}" srcOrd="1" destOrd="0" presId="urn:microsoft.com/office/officeart/2005/8/layout/hierarchy2"/>
-    <dgm:cxn modelId="{2864018B-EBED-4502-85B7-B5D3538B0B68}" srcId="{4DC4D196-393A-48C7-B43D-1B032025DA9C}" destId="{87787ACE-5CC7-4021-8D10-80F1BA3C395F}" srcOrd="2" destOrd="0" parTransId="{BD6AE91C-69C2-4C2F-83A9-B6EB63A6734F}" sibTransId="{FD588B2E-82E2-4E9F-9231-DF0DEB984E64}"/>
-    <dgm:cxn modelId="{2183F1C7-BE07-4EF7-934B-48AAABE35A12}" type="presOf" srcId="{6D76E56E-F07C-4A8B-822B-759429B9ABF4}" destId="{D40B0AD2-F161-462B-AEC2-FC579BDBB1F6}" srcOrd="0" destOrd="0" presId="urn:microsoft.com/office/officeart/2005/8/layout/hierarchy2"/>
+    <dgm:cxn modelId="{175F8CB7-CE07-4F82-88EE-4FCAFB2812EE}" srcId="{87787ACE-5CC7-4021-8D10-80F1BA3C395F}" destId="{4C7291A8-D928-43AF-B680-6D4EB5AE38AA}" srcOrd="2" destOrd="0" parTransId="{234F56BC-6E99-4422-85E1-E187899BCDE6}" sibTransId="{B561639C-4DC9-4649-8678-B9EB24D07DE6}"/>
     <dgm:cxn modelId="{30C4093D-F794-4B9F-9A5A-C322B92A67A1}" type="presParOf" srcId="{E250CD24-53A6-4C85-869B-34D7CE10C895}" destId="{D1CA331B-7768-4F7C-A69A-21B42915ED55}" srcOrd="0" destOrd="0" presId="urn:microsoft.com/office/officeart/2005/8/layout/hierarchy2"/>
     <dgm:cxn modelId="{3E4E1790-70A6-45A3-848D-00D948460746}" type="presParOf" srcId="{D1CA331B-7768-4F7C-A69A-21B42915ED55}" destId="{B45A4ADE-8079-467D-8B40-5D122F44A729}" srcOrd="0" destOrd="0" presId="urn:microsoft.com/office/officeart/2005/8/layout/hierarchy2"/>
     <dgm:cxn modelId="{AE9699BC-73E3-4E05-9428-87A13CDB6453}" type="presParOf" srcId="{D1CA331B-7768-4F7C-A69A-21B42915ED55}" destId="{119767A0-635A-41F5-8649-E79975151CBC}" srcOrd="1" destOrd="0" presId="urn:microsoft.com/office/officeart/2005/8/layout/hierarchy2"/>
@@ -10312,45 +10512,45 @@
     </dgm:pt>
   </dgm:ptLst>
   <dgm:cxnLst>
+    <dgm:cxn modelId="{3D681438-238D-4A8D-8ADD-6FD40893E29B}" type="presOf" srcId="{14E35A07-0324-4821-9352-8D7209640E97}" destId="{2E89671D-11DB-4B81-A220-11C85D74CE66}" srcOrd="1" destOrd="0" presId="urn:microsoft.com/office/officeart/2005/8/layout/hierarchy2"/>
+    <dgm:cxn modelId="{8E3DE71F-DC2F-48B5-9AC0-8705CAFB34A8}" type="presOf" srcId="{486A8E2A-3C08-40C4-99E4-961AFCFD385F}" destId="{083CCC71-A679-4C0E-98FC-8CC0A794BA1D}" srcOrd="0" destOrd="0" presId="urn:microsoft.com/office/officeart/2005/8/layout/hierarchy2"/>
+    <dgm:cxn modelId="{FA9643D8-AD03-4626-BAF7-A493341453C0}" type="presOf" srcId="{8AD2F4B1-25D7-445F-82A2-0282815DF10A}" destId="{790D4B80-4025-459E-95ED-4169D4252A65}" srcOrd="0" destOrd="0" presId="urn:microsoft.com/office/officeart/2005/8/layout/hierarchy2"/>
+    <dgm:cxn modelId="{A8FB168E-9F31-436C-B0F1-51A07B8FEECA}" srcId="{F209736A-B97E-485E-B8D4-900B3EDDE744}" destId="{AEFE9FA7-AEA0-4A2B-B3A7-76DC568E9589}" srcOrd="6" destOrd="0" parTransId="{1EBF6974-D294-418F-8501-ECEC35C6CB01}" sibTransId="{C489AB8E-12C0-4D9A-B85F-0782CC62B01F}"/>
     <dgm:cxn modelId="{2442BAE6-E536-4670-A847-1318B26357C9}" type="presOf" srcId="{0CA38FFC-F39E-4D3F-AF9E-D3D753FB5110}" destId="{60E2646D-2CCA-4A90-842B-9AAE01279826}" srcOrd="1" destOrd="0" presId="urn:microsoft.com/office/officeart/2005/8/layout/hierarchy2"/>
+    <dgm:cxn modelId="{D624FF9E-8AA4-480D-B175-35F1EC10AADE}" type="presOf" srcId="{82B0A1A4-9E88-4742-A939-F71071E76AAB}" destId="{20C6105C-13E6-417C-9554-400674595A7A}" srcOrd="0" destOrd="0" presId="urn:microsoft.com/office/officeart/2005/8/layout/hierarchy2"/>
+    <dgm:cxn modelId="{B2F3483D-A12C-44B0-8DDD-FF3C853F2E4B}" srcId="{F209736A-B97E-485E-B8D4-900B3EDDE744}" destId="{A520A4D8-35AC-4503-9DE8-347E5DC69247}" srcOrd="3" destOrd="0" parTransId="{E7C9367A-4FD7-47B4-B8DB-4B5535DD3B0F}" sibTransId="{1CAF0D0E-8EBA-4361-ADC6-F7B3BD60D8A3}"/>
+    <dgm:cxn modelId="{8E308E49-29BA-45DD-93F7-10DB02CC4DA5}" type="presOf" srcId="{1918A0CA-2700-433C-B9F3-1A88168A1433}" destId="{4DC79DEA-4573-42B2-BDE1-886AB7783472}" srcOrd="0" destOrd="0" presId="urn:microsoft.com/office/officeart/2005/8/layout/hierarchy2"/>
+    <dgm:cxn modelId="{891EC426-44E3-48DE-8ACC-C0F0D9988F8F}" type="presOf" srcId="{F209736A-B97E-485E-B8D4-900B3EDDE744}" destId="{C6469C6F-519C-4867-A79F-CB091E85B00F}" srcOrd="0" destOrd="0" presId="urn:microsoft.com/office/officeart/2005/8/layout/hierarchy2"/>
+    <dgm:cxn modelId="{8CC33A0D-29B8-4B0B-9387-BDCCF600539A}" type="presOf" srcId="{14E35A07-0324-4821-9352-8D7209640E97}" destId="{598E2432-353D-4BDD-BA1A-98A0E98D35A8}" srcOrd="0" destOrd="0" presId="urn:microsoft.com/office/officeart/2005/8/layout/hierarchy2"/>
+    <dgm:cxn modelId="{6742CB10-60CC-41C2-B7CE-A22C28832A6C}" type="presOf" srcId="{1EBF6974-D294-418F-8501-ECEC35C6CB01}" destId="{A6735FDE-248C-41CE-A41D-F43814CD0128}" srcOrd="0" destOrd="0" presId="urn:microsoft.com/office/officeart/2005/8/layout/hierarchy2"/>
+    <dgm:cxn modelId="{E1EE27C6-C742-4E6B-A4B2-DF08E6FE33A3}" srcId="{F209736A-B97E-485E-B8D4-900B3EDDE744}" destId="{1918A0CA-2700-433C-B9F3-1A88168A1433}" srcOrd="0" destOrd="0" parTransId="{6D8BAF68-1EA0-457E-AB78-840BA40ACDA4}" sibTransId="{EEB4DE8C-4DCE-43E7-AD29-ED656E1F31C2}"/>
+    <dgm:cxn modelId="{4F6EF5F4-A1D6-44BF-834B-77E9A1A90292}" srcId="{F209736A-B97E-485E-B8D4-900B3EDDE744}" destId="{486A8E2A-3C08-40C4-99E4-961AFCFD385F}" srcOrd="1" destOrd="0" parTransId="{6CB9B45E-C528-47EA-B20D-9C181571732A}" sibTransId="{2D4BEECD-0EF1-4809-9E81-2D0FBB86BCE9}"/>
+    <dgm:cxn modelId="{0F3C3D7A-08DC-4FD8-BBD3-C4ABFBD780C3}" type="presOf" srcId="{3AD03B24-F32E-48D2-9DAE-487A9522A6B1}" destId="{FC396F39-6A23-4063-90E0-BC949059AB1B}" srcOrd="0" destOrd="0" presId="urn:microsoft.com/office/officeart/2005/8/layout/hierarchy2"/>
+    <dgm:cxn modelId="{3D402624-52A5-45FC-BF79-87F8B719C45A}" type="presOf" srcId="{0CA38FFC-F39E-4D3F-AF9E-D3D753FB5110}" destId="{879E82BE-8BFC-46C4-8327-0C093079F95B}" srcOrd="0" destOrd="0" presId="urn:microsoft.com/office/officeart/2005/8/layout/hierarchy2"/>
+    <dgm:cxn modelId="{7DF62B45-3064-4938-BD64-9CA4A8AF60CB}" type="presOf" srcId="{6D8BAF68-1EA0-457E-AB78-840BA40ACDA4}" destId="{F49C342C-91B1-4736-9C09-A62322382EE5}" srcOrd="1" destOrd="0" presId="urn:microsoft.com/office/officeart/2005/8/layout/hierarchy2"/>
+    <dgm:cxn modelId="{5D3519B3-CEB5-491F-819E-8EF01CB4E9EB}" type="presOf" srcId="{6CB9B45E-C528-47EA-B20D-9C181571732A}" destId="{5A3AEF4B-D919-46D1-B10F-00AFC9073038}" srcOrd="1" destOrd="0" presId="urn:microsoft.com/office/officeart/2005/8/layout/hierarchy2"/>
+    <dgm:cxn modelId="{246A1F6C-B9FD-4C37-9C81-0098B263BD34}" srcId="{F209736A-B97E-485E-B8D4-900B3EDDE744}" destId="{F7F78547-6FAC-47AF-9D21-76AC86053267}" srcOrd="2" destOrd="0" parTransId="{B693E15B-9E55-4F1F-B1AE-AB729F927AA8}" sibTransId="{0A87EEA4-230A-4AA7-8DE1-6F251E50BF59}"/>
+    <dgm:cxn modelId="{617AAB83-7D97-4BCA-B880-BE2DF2AD9E25}" type="presOf" srcId="{AEFE9FA7-AEA0-4A2B-B3A7-76DC568E9589}" destId="{23B93C5C-66A0-4738-A022-A8C9E5A15FC0}" srcOrd="0" destOrd="0" presId="urn:microsoft.com/office/officeart/2005/8/layout/hierarchy2"/>
+    <dgm:cxn modelId="{28835935-F4B2-4FF4-9E27-A09F10BFC9CC}" type="presOf" srcId="{3AD03B24-F32E-48D2-9DAE-487A9522A6B1}" destId="{F856D3E7-9E5B-4A4E-942A-0C28075128A7}" srcOrd="1" destOrd="0" presId="urn:microsoft.com/office/officeart/2005/8/layout/hierarchy2"/>
+    <dgm:cxn modelId="{62E38B98-9C67-4AFA-A9ED-66597E5DEEB0}" type="presOf" srcId="{74E0583B-BE6A-44C9-9953-6539E91EF451}" destId="{2D0A7AE6-2833-4104-8EEA-2299E7339187}" srcOrd="1" destOrd="0" presId="urn:microsoft.com/office/officeart/2005/8/layout/hierarchy2"/>
+    <dgm:cxn modelId="{52E35DE0-6538-4AB0-937C-6EE0F7D58289}" type="presOf" srcId="{E7C9367A-4FD7-47B4-B8DB-4B5535DD3B0F}" destId="{AC585887-3E2A-4679-A59C-1AD742B41A11}" srcOrd="0" destOrd="0" presId="urn:microsoft.com/office/officeart/2005/8/layout/hierarchy2"/>
     <dgm:cxn modelId="{EC2B1D24-F8F0-4008-AE53-13631FB3020E}" srcId="{4DC4D196-393A-48C7-B43D-1B032025DA9C}" destId="{F209736A-B97E-485E-B8D4-900B3EDDE744}" srcOrd="0" destOrd="0" parTransId="{74E0583B-BE6A-44C9-9953-6539E91EF451}" sibTransId="{735549BF-4DF1-45A8-A0D3-0648DEBAE5BD}"/>
-    <dgm:cxn modelId="{FA9643D8-AD03-4626-BAF7-A493341453C0}" type="presOf" srcId="{8AD2F4B1-25D7-445F-82A2-0282815DF10A}" destId="{790D4B80-4025-459E-95ED-4169D4252A65}" srcOrd="0" destOrd="0" presId="urn:microsoft.com/office/officeart/2005/8/layout/hierarchy2"/>
+    <dgm:cxn modelId="{29F4DE10-9610-4B7C-9278-90B3B033DF4B}" type="presOf" srcId="{74E0583B-BE6A-44C9-9953-6539E91EF451}" destId="{E956FEB8-DF5D-4954-B5E3-E1EECE4F5554}" srcOrd="0" destOrd="0" presId="urn:microsoft.com/office/officeart/2005/8/layout/hierarchy2"/>
+    <dgm:cxn modelId="{204A8ECB-40D4-4541-8817-F94FFAA4E684}" type="presOf" srcId="{1EBF6974-D294-418F-8501-ECEC35C6CB01}" destId="{F7FD114C-B87B-4196-9F55-BF2BDA626BD7}" srcOrd="1" destOrd="0" presId="urn:microsoft.com/office/officeart/2005/8/layout/hierarchy2"/>
+    <dgm:cxn modelId="{5B80AD84-EA16-43E6-996E-7620FB9F4D1C}" type="presOf" srcId="{4DC4D196-393A-48C7-B43D-1B032025DA9C}" destId="{B45A4ADE-8079-467D-8B40-5D122F44A729}" srcOrd="0" destOrd="0" presId="urn:microsoft.com/office/officeart/2005/8/layout/hierarchy2"/>
+    <dgm:cxn modelId="{0FD2AEF0-B80A-4FAD-AA96-22B78EA7B85F}" srcId="{F209736A-B97E-485E-B8D4-900B3EDDE744}" destId="{7E9784FB-EB66-4143-A82E-2D4F183823A8}" srcOrd="5" destOrd="0" parTransId="{0CA38FFC-F39E-4D3F-AF9E-D3D753FB5110}" sibTransId="{FEE9BD6B-6C61-4186-8CD7-740830013BA8}"/>
+    <dgm:cxn modelId="{C83129AD-CDEE-4D3E-B56F-C201348D3F99}" srcId="{7D5C38BC-3A32-44A4-8748-946C33196FA4}" destId="{4DC4D196-393A-48C7-B43D-1B032025DA9C}" srcOrd="0" destOrd="0" parTransId="{FEF927A7-41EF-4106-AB83-D8FA492EAE2A}" sibTransId="{06030C82-65E6-453D-A9E7-E4265BAB5C00}"/>
+    <dgm:cxn modelId="{695EC112-EDBF-43BE-B8AF-A0EB3FA0A471}" type="presOf" srcId="{B693E15B-9E55-4F1F-B1AE-AB729F927AA8}" destId="{4A31F74D-9479-4985-9C2B-5AE1FAA56EB3}" srcOrd="1" destOrd="0" presId="urn:microsoft.com/office/officeart/2005/8/layout/hierarchy2"/>
+    <dgm:cxn modelId="{9F780221-9AA5-4ADA-8388-7F768B0092FF}" type="presOf" srcId="{B693E15B-9E55-4F1F-B1AE-AB729F927AA8}" destId="{6A97F275-4B83-4D80-898F-BEAC6B42B58E}" srcOrd="0" destOrd="0" presId="urn:microsoft.com/office/officeart/2005/8/layout/hierarchy2"/>
     <dgm:cxn modelId="{4F4765E7-8D14-4CBD-8CF6-C5EFBE38E5BE}" srcId="{F209736A-B97E-485E-B8D4-900B3EDDE744}" destId="{8AD2F4B1-25D7-445F-82A2-0282815DF10A}" srcOrd="7" destOrd="0" parTransId="{3AD03B24-F32E-48D2-9DAE-487A9522A6B1}" sibTransId="{40316030-FA52-40EB-A849-831E0E2904EE}"/>
+    <dgm:cxn modelId="{D4F2B6A9-5DFD-4E2B-9E6D-6418E3F55C59}" type="presOf" srcId="{7D5C38BC-3A32-44A4-8748-946C33196FA4}" destId="{E250CD24-53A6-4C85-869B-34D7CE10C895}" srcOrd="0" destOrd="0" presId="urn:microsoft.com/office/officeart/2005/8/layout/hierarchy2"/>
+    <dgm:cxn modelId="{7961DA90-A59C-407A-A20D-9AE6D18629C4}" type="presOf" srcId="{F7F78547-6FAC-47AF-9D21-76AC86053267}" destId="{EFE520E4-9334-49DF-B12C-29703E009209}" srcOrd="0" destOrd="0" presId="urn:microsoft.com/office/officeart/2005/8/layout/hierarchy2"/>
+    <dgm:cxn modelId="{D2BAE5EB-F72D-4D16-AE66-BEACA650BD4C}" srcId="{F209736A-B97E-485E-B8D4-900B3EDDE744}" destId="{82B0A1A4-9E88-4742-A939-F71071E76AAB}" srcOrd="4" destOrd="0" parTransId="{14E35A07-0324-4821-9352-8D7209640E97}" sibTransId="{B923A610-C3E6-46B9-B098-2E51EC423ED2}"/>
+    <dgm:cxn modelId="{21CFBB87-4906-4CF8-901A-A87DE74F81DB}" type="presOf" srcId="{7E9784FB-EB66-4143-A82E-2D4F183823A8}" destId="{0CD1542C-032E-41B0-B905-C4768B045BA8}" srcOrd="0" destOrd="0" presId="urn:microsoft.com/office/officeart/2005/8/layout/hierarchy2"/>
     <dgm:cxn modelId="{CE00B50B-9EB2-442D-974E-386977DF7173}" type="presOf" srcId="{6D8BAF68-1EA0-457E-AB78-840BA40ACDA4}" destId="{50CB917B-E19B-4792-BD54-8E527B8A3D43}" srcOrd="0" destOrd="0" presId="urn:microsoft.com/office/officeart/2005/8/layout/hierarchy2"/>
-    <dgm:cxn modelId="{891EC426-44E3-48DE-8ACC-C0F0D9988F8F}" type="presOf" srcId="{F209736A-B97E-485E-B8D4-900B3EDDE744}" destId="{C6469C6F-519C-4867-A79F-CB091E85B00F}" srcOrd="0" destOrd="0" presId="urn:microsoft.com/office/officeart/2005/8/layout/hierarchy2"/>
-    <dgm:cxn modelId="{0FD2AEF0-B80A-4FAD-AA96-22B78EA7B85F}" srcId="{F209736A-B97E-485E-B8D4-900B3EDDE744}" destId="{7E9784FB-EB66-4143-A82E-2D4F183823A8}" srcOrd="5" destOrd="0" parTransId="{0CA38FFC-F39E-4D3F-AF9E-D3D753FB5110}" sibTransId="{FEE9BD6B-6C61-4186-8CD7-740830013BA8}"/>
+    <dgm:cxn modelId="{C9A87CCD-9DF8-4BC5-8DFD-2BAA05D36136}" type="presOf" srcId="{A520A4D8-35AC-4503-9DE8-347E5DC69247}" destId="{EDE3F5E9-0736-4A3A-8412-7F41FE2FC5DF}" srcOrd="0" destOrd="0" presId="urn:microsoft.com/office/officeart/2005/8/layout/hierarchy2"/>
     <dgm:cxn modelId="{99A0AF3B-070C-42DF-B45D-4BBA711AFF1A}" type="presOf" srcId="{E7C9367A-4FD7-47B4-B8DB-4B5535DD3B0F}" destId="{597BAA34-E009-4A50-B9B3-0E2574FC36CA}" srcOrd="1" destOrd="0" presId="urn:microsoft.com/office/officeart/2005/8/layout/hierarchy2"/>
-    <dgm:cxn modelId="{4F6EF5F4-A1D6-44BF-834B-77E9A1A90292}" srcId="{F209736A-B97E-485E-B8D4-900B3EDDE744}" destId="{486A8E2A-3C08-40C4-99E4-961AFCFD385F}" srcOrd="1" destOrd="0" parTransId="{6CB9B45E-C528-47EA-B20D-9C181571732A}" sibTransId="{2D4BEECD-0EF1-4809-9E81-2D0FBB86BCE9}"/>
-    <dgm:cxn modelId="{A8FB168E-9F31-436C-B0F1-51A07B8FEECA}" srcId="{F209736A-B97E-485E-B8D4-900B3EDDE744}" destId="{AEFE9FA7-AEA0-4A2B-B3A7-76DC568E9589}" srcOrd="6" destOrd="0" parTransId="{1EBF6974-D294-418F-8501-ECEC35C6CB01}" sibTransId="{C489AB8E-12C0-4D9A-B85F-0782CC62B01F}"/>
-    <dgm:cxn modelId="{7DF62B45-3064-4938-BD64-9CA4A8AF60CB}" type="presOf" srcId="{6D8BAF68-1EA0-457E-AB78-840BA40ACDA4}" destId="{F49C342C-91B1-4736-9C09-A62322382EE5}" srcOrd="1" destOrd="0" presId="urn:microsoft.com/office/officeart/2005/8/layout/hierarchy2"/>
-    <dgm:cxn modelId="{D2BAE5EB-F72D-4D16-AE66-BEACA650BD4C}" srcId="{F209736A-B97E-485E-B8D4-900B3EDDE744}" destId="{82B0A1A4-9E88-4742-A939-F71071E76AAB}" srcOrd="4" destOrd="0" parTransId="{14E35A07-0324-4821-9352-8D7209640E97}" sibTransId="{B923A610-C3E6-46B9-B098-2E51EC423ED2}"/>
-    <dgm:cxn modelId="{C83129AD-CDEE-4D3E-B56F-C201348D3F99}" srcId="{7D5C38BC-3A32-44A4-8748-946C33196FA4}" destId="{4DC4D196-393A-48C7-B43D-1B032025DA9C}" srcOrd="0" destOrd="0" parTransId="{FEF927A7-41EF-4106-AB83-D8FA492EAE2A}" sibTransId="{06030C82-65E6-453D-A9E7-E4265BAB5C00}"/>
-    <dgm:cxn modelId="{28835935-F4B2-4FF4-9E27-A09F10BFC9CC}" type="presOf" srcId="{3AD03B24-F32E-48D2-9DAE-487A9522A6B1}" destId="{F856D3E7-9E5B-4A4E-942A-0C28075128A7}" srcOrd="1" destOrd="0" presId="urn:microsoft.com/office/officeart/2005/8/layout/hierarchy2"/>
-    <dgm:cxn modelId="{6742CB10-60CC-41C2-B7CE-A22C28832A6C}" type="presOf" srcId="{1EBF6974-D294-418F-8501-ECEC35C6CB01}" destId="{A6735FDE-248C-41CE-A41D-F43814CD0128}" srcOrd="0" destOrd="0" presId="urn:microsoft.com/office/officeart/2005/8/layout/hierarchy2"/>
-    <dgm:cxn modelId="{21CFBB87-4906-4CF8-901A-A87DE74F81DB}" type="presOf" srcId="{7E9784FB-EB66-4143-A82E-2D4F183823A8}" destId="{0CD1542C-032E-41B0-B905-C4768B045BA8}" srcOrd="0" destOrd="0" presId="urn:microsoft.com/office/officeart/2005/8/layout/hierarchy2"/>
-    <dgm:cxn modelId="{E1EE27C6-C742-4E6B-A4B2-DF08E6FE33A3}" srcId="{F209736A-B97E-485E-B8D4-900B3EDDE744}" destId="{1918A0CA-2700-433C-B9F3-1A88168A1433}" srcOrd="0" destOrd="0" parTransId="{6D8BAF68-1EA0-457E-AB78-840BA40ACDA4}" sibTransId="{EEB4DE8C-4DCE-43E7-AD29-ED656E1F31C2}"/>
-    <dgm:cxn modelId="{D4F2B6A9-5DFD-4E2B-9E6D-6418E3F55C59}" type="presOf" srcId="{7D5C38BC-3A32-44A4-8748-946C33196FA4}" destId="{E250CD24-53A6-4C85-869B-34D7CE10C895}" srcOrd="0" destOrd="0" presId="urn:microsoft.com/office/officeart/2005/8/layout/hierarchy2"/>
-    <dgm:cxn modelId="{62E38B98-9C67-4AFA-A9ED-66597E5DEEB0}" type="presOf" srcId="{74E0583B-BE6A-44C9-9953-6539E91EF451}" destId="{2D0A7AE6-2833-4104-8EEA-2299E7339187}" srcOrd="1" destOrd="0" presId="urn:microsoft.com/office/officeart/2005/8/layout/hierarchy2"/>
-    <dgm:cxn modelId="{3D402624-52A5-45FC-BF79-87F8B719C45A}" type="presOf" srcId="{0CA38FFC-F39E-4D3F-AF9E-D3D753FB5110}" destId="{879E82BE-8BFC-46C4-8327-0C093079F95B}" srcOrd="0" destOrd="0" presId="urn:microsoft.com/office/officeart/2005/8/layout/hierarchy2"/>
-    <dgm:cxn modelId="{695EC112-EDBF-43BE-B8AF-A0EB3FA0A471}" type="presOf" srcId="{B693E15B-9E55-4F1F-B1AE-AB729F927AA8}" destId="{4A31F74D-9479-4985-9C2B-5AE1FAA56EB3}" srcOrd="1" destOrd="0" presId="urn:microsoft.com/office/officeart/2005/8/layout/hierarchy2"/>
-    <dgm:cxn modelId="{29F4DE10-9610-4B7C-9278-90B3B033DF4B}" type="presOf" srcId="{74E0583B-BE6A-44C9-9953-6539E91EF451}" destId="{E956FEB8-DF5D-4954-B5E3-E1EECE4F5554}" srcOrd="0" destOrd="0" presId="urn:microsoft.com/office/officeart/2005/8/layout/hierarchy2"/>
-    <dgm:cxn modelId="{7961DA90-A59C-407A-A20D-9AE6D18629C4}" type="presOf" srcId="{F7F78547-6FAC-47AF-9D21-76AC86053267}" destId="{EFE520E4-9334-49DF-B12C-29703E009209}" srcOrd="0" destOrd="0" presId="urn:microsoft.com/office/officeart/2005/8/layout/hierarchy2"/>
-    <dgm:cxn modelId="{8E308E49-29BA-45DD-93F7-10DB02CC4DA5}" type="presOf" srcId="{1918A0CA-2700-433C-B9F3-1A88168A1433}" destId="{4DC79DEA-4573-42B2-BDE1-886AB7783472}" srcOrd="0" destOrd="0" presId="urn:microsoft.com/office/officeart/2005/8/layout/hierarchy2"/>
-    <dgm:cxn modelId="{B2F3483D-A12C-44B0-8DDD-FF3C853F2E4B}" srcId="{F209736A-B97E-485E-B8D4-900B3EDDE744}" destId="{A520A4D8-35AC-4503-9DE8-347E5DC69247}" srcOrd="3" destOrd="0" parTransId="{E7C9367A-4FD7-47B4-B8DB-4B5535DD3B0F}" sibTransId="{1CAF0D0E-8EBA-4361-ADC6-F7B3BD60D8A3}"/>
-    <dgm:cxn modelId="{C9A87CCD-9DF8-4BC5-8DFD-2BAA05D36136}" type="presOf" srcId="{A520A4D8-35AC-4503-9DE8-347E5DC69247}" destId="{EDE3F5E9-0736-4A3A-8412-7F41FE2FC5DF}" srcOrd="0" destOrd="0" presId="urn:microsoft.com/office/officeart/2005/8/layout/hierarchy2"/>
     <dgm:cxn modelId="{691A1991-AEB8-46BC-AB7B-F6F2E63426B4}" type="presOf" srcId="{6CB9B45E-C528-47EA-B20D-9C181571732A}" destId="{9A7C032E-376E-40F6-A2E7-BBB646E032D9}" srcOrd="0" destOrd="0" presId="urn:microsoft.com/office/officeart/2005/8/layout/hierarchy2"/>
-    <dgm:cxn modelId="{246A1F6C-B9FD-4C37-9C81-0098B263BD34}" srcId="{F209736A-B97E-485E-B8D4-900B3EDDE744}" destId="{F7F78547-6FAC-47AF-9D21-76AC86053267}" srcOrd="2" destOrd="0" parTransId="{B693E15B-9E55-4F1F-B1AE-AB729F927AA8}" sibTransId="{0A87EEA4-230A-4AA7-8DE1-6F251E50BF59}"/>
-    <dgm:cxn modelId="{52E35DE0-6538-4AB0-937C-6EE0F7D58289}" type="presOf" srcId="{E7C9367A-4FD7-47B4-B8DB-4B5535DD3B0F}" destId="{AC585887-3E2A-4679-A59C-1AD742B41A11}" srcOrd="0" destOrd="0" presId="urn:microsoft.com/office/officeart/2005/8/layout/hierarchy2"/>
-    <dgm:cxn modelId="{617AAB83-7D97-4BCA-B880-BE2DF2AD9E25}" type="presOf" srcId="{AEFE9FA7-AEA0-4A2B-B3A7-76DC568E9589}" destId="{23B93C5C-66A0-4738-A022-A8C9E5A15FC0}" srcOrd="0" destOrd="0" presId="urn:microsoft.com/office/officeart/2005/8/layout/hierarchy2"/>
-    <dgm:cxn modelId="{9F780221-9AA5-4ADA-8388-7F768B0092FF}" type="presOf" srcId="{B693E15B-9E55-4F1F-B1AE-AB729F927AA8}" destId="{6A97F275-4B83-4D80-898F-BEAC6B42B58E}" srcOrd="0" destOrd="0" presId="urn:microsoft.com/office/officeart/2005/8/layout/hierarchy2"/>
-    <dgm:cxn modelId="{5B80AD84-EA16-43E6-996E-7620FB9F4D1C}" type="presOf" srcId="{4DC4D196-393A-48C7-B43D-1B032025DA9C}" destId="{B45A4ADE-8079-467D-8B40-5D122F44A729}" srcOrd="0" destOrd="0" presId="urn:microsoft.com/office/officeart/2005/8/layout/hierarchy2"/>
-    <dgm:cxn modelId="{0F3C3D7A-08DC-4FD8-BBD3-C4ABFBD780C3}" type="presOf" srcId="{3AD03B24-F32E-48D2-9DAE-487A9522A6B1}" destId="{FC396F39-6A23-4063-90E0-BC949059AB1B}" srcOrd="0" destOrd="0" presId="urn:microsoft.com/office/officeart/2005/8/layout/hierarchy2"/>
-    <dgm:cxn modelId="{D624FF9E-8AA4-480D-B175-35F1EC10AADE}" type="presOf" srcId="{82B0A1A4-9E88-4742-A939-F71071E76AAB}" destId="{20C6105C-13E6-417C-9554-400674595A7A}" srcOrd="0" destOrd="0" presId="urn:microsoft.com/office/officeart/2005/8/layout/hierarchy2"/>
-    <dgm:cxn modelId="{3D681438-238D-4A8D-8ADD-6FD40893E29B}" type="presOf" srcId="{14E35A07-0324-4821-9352-8D7209640E97}" destId="{2E89671D-11DB-4B81-A220-11C85D74CE66}" srcOrd="1" destOrd="0" presId="urn:microsoft.com/office/officeart/2005/8/layout/hierarchy2"/>
-    <dgm:cxn modelId="{5D3519B3-CEB5-491F-819E-8EF01CB4E9EB}" type="presOf" srcId="{6CB9B45E-C528-47EA-B20D-9C181571732A}" destId="{5A3AEF4B-D919-46D1-B10F-00AFC9073038}" srcOrd="1" destOrd="0" presId="urn:microsoft.com/office/officeart/2005/8/layout/hierarchy2"/>
-    <dgm:cxn modelId="{8CC33A0D-29B8-4B0B-9387-BDCCF600539A}" type="presOf" srcId="{14E35A07-0324-4821-9352-8D7209640E97}" destId="{598E2432-353D-4BDD-BA1A-98A0E98D35A8}" srcOrd="0" destOrd="0" presId="urn:microsoft.com/office/officeart/2005/8/layout/hierarchy2"/>
-    <dgm:cxn modelId="{8E3DE71F-DC2F-48B5-9AC0-8705CAFB34A8}" type="presOf" srcId="{486A8E2A-3C08-40C4-99E4-961AFCFD385F}" destId="{083CCC71-A679-4C0E-98FC-8CC0A794BA1D}" srcOrd="0" destOrd="0" presId="urn:microsoft.com/office/officeart/2005/8/layout/hierarchy2"/>
-    <dgm:cxn modelId="{204A8ECB-40D4-4541-8817-F94FFAA4E684}" type="presOf" srcId="{1EBF6974-D294-418F-8501-ECEC35C6CB01}" destId="{F7FD114C-B87B-4196-9F55-BF2BDA626BD7}" srcOrd="1" destOrd="0" presId="urn:microsoft.com/office/officeart/2005/8/layout/hierarchy2"/>
     <dgm:cxn modelId="{D71065DF-2C4B-4D32-80E6-D29AAA6D393D}" type="presParOf" srcId="{E250CD24-53A6-4C85-869B-34D7CE10C895}" destId="{D1CA331B-7768-4F7C-A69A-21B42915ED55}" srcOrd="0" destOrd="0" presId="urn:microsoft.com/office/officeart/2005/8/layout/hierarchy2"/>
     <dgm:cxn modelId="{5BB78FD6-DCDC-4699-B95D-9C198E59120C}" type="presParOf" srcId="{D1CA331B-7768-4F7C-A69A-21B42915ED55}" destId="{B45A4ADE-8079-467D-8B40-5D122F44A729}" srcOrd="0" destOrd="0" presId="urn:microsoft.com/office/officeart/2005/8/layout/hierarchy2"/>
     <dgm:cxn modelId="{C1604ED0-BF21-42E3-8054-91913E26BF3C}" type="presParOf" srcId="{D1CA331B-7768-4F7C-A69A-21B42915ED55}" destId="{119767A0-635A-41F5-8649-E79975151CBC}" srcOrd="1" destOrd="0" presId="urn:microsoft.com/office/officeart/2005/8/layout/hierarchy2"/>
@@ -10432,7 +10632,7 @@
         <a:lstStyle/>
         <a:p>
           <a:r>
-            <a:rPr lang="zh-TW" altLang="en-US" sz="1200">
+            <a:rPr lang="zh-TW" altLang="en-US" sz="1400" dirty="0">
               <a:latin typeface="微軟正黑體" panose="020B0604030504040204" pitchFamily="34" charset="-120"/>
               <a:ea typeface="微軟正黑體" panose="020B0604030504040204" pitchFamily="34" charset="-120"/>
             </a:rPr>
@@ -10477,7 +10677,7 @@
         <a:lstStyle/>
         <a:p>
           <a:r>
-            <a:rPr lang="zh-TW" altLang="en-US" sz="1200" dirty="0">
+            <a:rPr lang="zh-TW" altLang="en-US" sz="1400" dirty="0">
               <a:latin typeface="微軟正黑體" panose="020B0604030504040204" pitchFamily="34" charset="-120"/>
               <a:ea typeface="微軟正黑體" panose="020B0604030504040204" pitchFamily="34" charset="-120"/>
             </a:rPr>
@@ -10493,6 +10693,20 @@
         <a:bodyPr/>
         <a:lstStyle/>
         <a:p>
+          <a:endParaRPr lang="zh-TW" altLang="en-US" sz="1400">
+            <a:latin typeface="微軟正黑體" panose="020B0604030504040204" pitchFamily="34" charset="-120"/>
+            <a:ea typeface="微軟正黑體" panose="020B0604030504040204" pitchFamily="34" charset="-120"/>
+          </a:endParaRPr>
+        </a:p>
+      </dgm:t>
+    </dgm:pt>
+    <dgm:pt modelId="{FDC2CAEE-82DB-4F0B-9792-23A67EBF5A03}" type="sibTrans" cxnId="{2F91918E-DCFE-4259-8BE4-B675D0157F83}">
+      <dgm:prSet/>
+      <dgm:spPr/>
+      <dgm:t>
+        <a:bodyPr/>
+        <a:lstStyle/>
+        <a:p>
           <a:endParaRPr lang="zh-TW" altLang="en-US" sz="1200">
             <a:latin typeface="微軟正黑體" panose="020B0604030504040204" pitchFamily="34" charset="-120"/>
             <a:ea typeface="微軟正黑體" panose="020B0604030504040204" pitchFamily="34" charset="-120"/>
@@ -10500,29 +10714,15 @@
         </a:p>
       </dgm:t>
     </dgm:pt>
-    <dgm:pt modelId="{FDC2CAEE-82DB-4F0B-9792-23A67EBF5A03}" type="sibTrans" cxnId="{2F91918E-DCFE-4259-8BE4-B675D0157F83}">
-      <dgm:prSet/>
+    <dgm:pt modelId="{5DC46261-2D62-4B16-A3B3-CA5E2D0DBA7F}">
+      <dgm:prSet phldrT="[文字]" custT="1"/>
       <dgm:spPr/>
       <dgm:t>
         <a:bodyPr/>
         <a:lstStyle/>
         <a:p>
-          <a:endParaRPr lang="zh-TW" altLang="en-US" sz="1200">
-            <a:latin typeface="微軟正黑體" panose="020B0604030504040204" pitchFamily="34" charset="-120"/>
-            <a:ea typeface="微軟正黑體" panose="020B0604030504040204" pitchFamily="34" charset="-120"/>
-          </a:endParaRPr>
-        </a:p>
-      </dgm:t>
-    </dgm:pt>
-    <dgm:pt modelId="{5DC46261-2D62-4B16-A3B3-CA5E2D0DBA7F}">
-      <dgm:prSet phldrT="[文字]" custT="1"/>
-      <dgm:spPr/>
-      <dgm:t>
-        <a:bodyPr/>
-        <a:lstStyle/>
-        <a:p>
           <a:r>
-            <a:rPr lang="zh-TW" altLang="en-US" sz="1200">
+            <a:rPr lang="zh-TW" altLang="en-US" sz="1400">
               <a:latin typeface="微軟正黑體" panose="020B0604030504040204" pitchFamily="34" charset="-120"/>
               <a:ea typeface="微軟正黑體" panose="020B0604030504040204" pitchFamily="34" charset="-120"/>
             </a:rPr>
@@ -10538,6 +10738,20 @@
         <a:bodyPr/>
         <a:lstStyle/>
         <a:p>
+          <a:endParaRPr lang="zh-TW" altLang="en-US" sz="1400">
+            <a:latin typeface="微軟正黑體" panose="020B0604030504040204" pitchFamily="34" charset="-120"/>
+            <a:ea typeface="微軟正黑體" panose="020B0604030504040204" pitchFamily="34" charset="-120"/>
+          </a:endParaRPr>
+        </a:p>
+      </dgm:t>
+    </dgm:pt>
+    <dgm:pt modelId="{7DCC00E2-091F-48A7-BC92-9CDE7A4EA0BC}" type="sibTrans" cxnId="{1FC9E53E-D798-45ED-84A6-44A50ECC5266}">
+      <dgm:prSet/>
+      <dgm:spPr/>
+      <dgm:t>
+        <a:bodyPr/>
+        <a:lstStyle/>
+        <a:p>
           <a:endParaRPr lang="zh-TW" altLang="en-US" sz="1200">
             <a:latin typeface="微軟正黑體" panose="020B0604030504040204" pitchFamily="34" charset="-120"/>
             <a:ea typeface="微軟正黑體" panose="020B0604030504040204" pitchFamily="34" charset="-120"/>
@@ -10545,36 +10759,22 @@
         </a:p>
       </dgm:t>
     </dgm:pt>
-    <dgm:pt modelId="{7DCC00E2-091F-48A7-BC92-9CDE7A4EA0BC}" type="sibTrans" cxnId="{1FC9E53E-D798-45ED-84A6-44A50ECC5266}">
-      <dgm:prSet/>
+    <dgm:pt modelId="{719FA1B3-D567-40E0-985E-D24F8A088CD7}">
+      <dgm:prSet phldrT="[文字]" custT="1"/>
       <dgm:spPr/>
       <dgm:t>
         <a:bodyPr/>
         <a:lstStyle/>
         <a:p>
-          <a:endParaRPr lang="zh-TW" altLang="en-US" sz="1200">
-            <a:latin typeface="微軟正黑體" panose="020B0604030504040204" pitchFamily="34" charset="-120"/>
-            <a:ea typeface="微軟正黑體" panose="020B0604030504040204" pitchFamily="34" charset="-120"/>
-          </a:endParaRPr>
-        </a:p>
-      </dgm:t>
-    </dgm:pt>
-    <dgm:pt modelId="{719FA1B3-D567-40E0-985E-D24F8A088CD7}">
-      <dgm:prSet phldrT="[文字]" custT="1"/>
-      <dgm:spPr/>
-      <dgm:t>
-        <a:bodyPr/>
-        <a:lstStyle/>
-        <a:p>
           <a:r>
-            <a:rPr lang="en-US" altLang="zh-TW" sz="1200" dirty="0">
+            <a:rPr lang="en-US" altLang="zh-TW" sz="1400" dirty="0">
               <a:latin typeface="微軟正黑體" panose="020B0604030504040204" pitchFamily="34" charset="-120"/>
               <a:ea typeface="微軟正黑體" panose="020B0604030504040204" pitchFamily="34" charset="-120"/>
             </a:rPr>
             <a:t>NUK</a:t>
           </a:r>
           <a:r>
-            <a:rPr lang="zh-TW" altLang="en-US" sz="1200" dirty="0">
+            <a:rPr lang="zh-TW" altLang="en-US" sz="1400" dirty="0">
               <a:latin typeface="微軟正黑體" panose="020B0604030504040204" pitchFamily="34" charset="-120"/>
               <a:ea typeface="微軟正黑體" panose="020B0604030504040204" pitchFamily="34" charset="-120"/>
             </a:rPr>
@@ -10590,6 +10790,20 @@
         <a:bodyPr/>
         <a:lstStyle/>
         <a:p>
+          <a:endParaRPr lang="zh-TW" altLang="en-US" sz="1400">
+            <a:latin typeface="微軟正黑體" panose="020B0604030504040204" pitchFamily="34" charset="-120"/>
+            <a:ea typeface="微軟正黑體" panose="020B0604030504040204" pitchFamily="34" charset="-120"/>
+          </a:endParaRPr>
+        </a:p>
+      </dgm:t>
+    </dgm:pt>
+    <dgm:pt modelId="{24C4B370-6826-437E-8CF9-D491B0359A3C}" type="sibTrans" cxnId="{875560FE-C55D-4205-9819-E488FC26EB96}">
+      <dgm:prSet/>
+      <dgm:spPr/>
+      <dgm:t>
+        <a:bodyPr/>
+        <a:lstStyle/>
+        <a:p>
           <a:endParaRPr lang="zh-TW" altLang="en-US" sz="1200">
             <a:latin typeface="微軟正黑體" panose="020B0604030504040204" pitchFamily="34" charset="-120"/>
             <a:ea typeface="微軟正黑體" panose="020B0604030504040204" pitchFamily="34" charset="-120"/>
@@ -10597,29 +10811,15 @@
         </a:p>
       </dgm:t>
     </dgm:pt>
-    <dgm:pt modelId="{24C4B370-6826-437E-8CF9-D491B0359A3C}" type="sibTrans" cxnId="{875560FE-C55D-4205-9819-E488FC26EB96}">
-      <dgm:prSet/>
+    <dgm:pt modelId="{AFD8F0DF-079F-42C6-B451-D4B76AF7A6C1}">
+      <dgm:prSet phldrT="[文字]" custT="1"/>
       <dgm:spPr/>
       <dgm:t>
         <a:bodyPr/>
         <a:lstStyle/>
         <a:p>
-          <a:endParaRPr lang="zh-TW" altLang="en-US" sz="1200">
-            <a:latin typeface="微軟正黑體" panose="020B0604030504040204" pitchFamily="34" charset="-120"/>
-            <a:ea typeface="微軟正黑體" panose="020B0604030504040204" pitchFamily="34" charset="-120"/>
-          </a:endParaRPr>
-        </a:p>
-      </dgm:t>
-    </dgm:pt>
-    <dgm:pt modelId="{AFD8F0DF-079F-42C6-B451-D4B76AF7A6C1}">
-      <dgm:prSet phldrT="[文字]" custT="1"/>
-      <dgm:spPr/>
-      <dgm:t>
-        <a:bodyPr/>
-        <a:lstStyle/>
-        <a:p>
           <a:r>
-            <a:rPr lang="zh-TW" altLang="en-US" sz="1200">
+            <a:rPr lang="zh-TW" altLang="en-US" sz="1400">
               <a:latin typeface="微軟正黑體" panose="020B0604030504040204" pitchFamily="34" charset="-120"/>
               <a:ea typeface="微軟正黑體" panose="020B0604030504040204" pitchFamily="34" charset="-120"/>
             </a:rPr>
@@ -10635,6 +10835,20 @@
         <a:bodyPr/>
         <a:lstStyle/>
         <a:p>
+          <a:endParaRPr lang="zh-TW" altLang="en-US" sz="1400">
+            <a:latin typeface="微軟正黑體" panose="020B0604030504040204" pitchFamily="34" charset="-120"/>
+            <a:ea typeface="微軟正黑體" panose="020B0604030504040204" pitchFamily="34" charset="-120"/>
+          </a:endParaRPr>
+        </a:p>
+      </dgm:t>
+    </dgm:pt>
+    <dgm:pt modelId="{62F03ECB-C031-4764-892C-76F4DABE5224}" type="sibTrans" cxnId="{EE71451A-CA55-49DD-925A-D15657B35EB4}">
+      <dgm:prSet/>
+      <dgm:spPr/>
+      <dgm:t>
+        <a:bodyPr/>
+        <a:lstStyle/>
+        <a:p>
           <a:endParaRPr lang="zh-TW" altLang="en-US" sz="1200">
             <a:latin typeface="微軟正黑體" panose="020B0604030504040204" pitchFamily="34" charset="-120"/>
             <a:ea typeface="微軟正黑體" panose="020B0604030504040204" pitchFamily="34" charset="-120"/>
@@ -10642,29 +10856,15 @@
         </a:p>
       </dgm:t>
     </dgm:pt>
-    <dgm:pt modelId="{62F03ECB-C031-4764-892C-76F4DABE5224}" type="sibTrans" cxnId="{EE71451A-CA55-49DD-925A-D15657B35EB4}">
-      <dgm:prSet/>
+    <dgm:pt modelId="{CAA5D61F-4678-4E19-877B-BA14D3DFCDB7}">
+      <dgm:prSet phldrT="[文字]" custT="1"/>
       <dgm:spPr/>
       <dgm:t>
         <a:bodyPr/>
         <a:lstStyle/>
         <a:p>
-          <a:endParaRPr lang="zh-TW" altLang="en-US" sz="1200">
-            <a:latin typeface="微軟正黑體" panose="020B0604030504040204" pitchFamily="34" charset="-120"/>
-            <a:ea typeface="微軟正黑體" panose="020B0604030504040204" pitchFamily="34" charset="-120"/>
-          </a:endParaRPr>
-        </a:p>
-      </dgm:t>
-    </dgm:pt>
-    <dgm:pt modelId="{CAA5D61F-4678-4E19-877B-BA14D3DFCDB7}">
-      <dgm:prSet phldrT="[文字]" custT="1"/>
-      <dgm:spPr/>
-      <dgm:t>
-        <a:bodyPr/>
-        <a:lstStyle/>
-        <a:p>
           <a:r>
-            <a:rPr lang="zh-TW" altLang="en-US" sz="1200">
+            <a:rPr lang="zh-TW" altLang="en-US" sz="1400">
               <a:latin typeface="微軟正黑體" panose="020B0604030504040204" pitchFamily="34" charset="-120"/>
               <a:ea typeface="微軟正黑體" panose="020B0604030504040204" pitchFamily="34" charset="-120"/>
             </a:rPr>
@@ -10680,6 +10880,20 @@
         <a:bodyPr/>
         <a:lstStyle/>
         <a:p>
+          <a:endParaRPr lang="zh-TW" altLang="en-US" sz="1400">
+            <a:latin typeface="微軟正黑體" panose="020B0604030504040204" pitchFamily="34" charset="-120"/>
+            <a:ea typeface="微軟正黑體" panose="020B0604030504040204" pitchFamily="34" charset="-120"/>
+          </a:endParaRPr>
+        </a:p>
+      </dgm:t>
+    </dgm:pt>
+    <dgm:pt modelId="{C464F00E-F853-48C2-AC93-1C3A2242C210}" type="sibTrans" cxnId="{18BE6861-F0EE-4423-A980-18CF36E66CE8}">
+      <dgm:prSet/>
+      <dgm:spPr/>
+      <dgm:t>
+        <a:bodyPr/>
+        <a:lstStyle/>
+        <a:p>
           <a:endParaRPr lang="zh-TW" altLang="en-US" sz="1200">
             <a:latin typeface="微軟正黑體" panose="020B0604030504040204" pitchFamily="34" charset="-120"/>
             <a:ea typeface="微軟正黑體" panose="020B0604030504040204" pitchFamily="34" charset="-120"/>
@@ -10687,29 +10901,15 @@
         </a:p>
       </dgm:t>
     </dgm:pt>
-    <dgm:pt modelId="{C464F00E-F853-48C2-AC93-1C3A2242C210}" type="sibTrans" cxnId="{18BE6861-F0EE-4423-A980-18CF36E66CE8}">
-      <dgm:prSet/>
+    <dgm:pt modelId="{56910360-F0CA-4DFC-BEFC-18A8FE1AEF17}">
+      <dgm:prSet phldrT="[文字]" custT="1"/>
       <dgm:spPr/>
       <dgm:t>
         <a:bodyPr/>
         <a:lstStyle/>
         <a:p>
-          <a:endParaRPr lang="zh-TW" altLang="en-US" sz="1200">
-            <a:latin typeface="微軟正黑體" panose="020B0604030504040204" pitchFamily="34" charset="-120"/>
-            <a:ea typeface="微軟正黑體" panose="020B0604030504040204" pitchFamily="34" charset="-120"/>
-          </a:endParaRPr>
-        </a:p>
-      </dgm:t>
-    </dgm:pt>
-    <dgm:pt modelId="{56910360-F0CA-4DFC-BEFC-18A8FE1AEF17}">
-      <dgm:prSet phldrT="[文字]" custT="1"/>
-      <dgm:spPr/>
-      <dgm:t>
-        <a:bodyPr/>
-        <a:lstStyle/>
-        <a:p>
           <a:r>
-            <a:rPr lang="zh-TW" altLang="en-US" sz="1200" dirty="0">
+            <a:rPr lang="zh-TW" altLang="en-US" sz="1400" dirty="0">
               <a:latin typeface="微軟正黑體" panose="020B0604030504040204" pitchFamily="34" charset="-120"/>
               <a:ea typeface="微軟正黑體" panose="020B0604030504040204" pitchFamily="34" charset="-120"/>
             </a:rPr>
@@ -10725,6 +10925,20 @@
         <a:bodyPr/>
         <a:lstStyle/>
         <a:p>
+          <a:endParaRPr lang="zh-TW" altLang="en-US" sz="1400">
+            <a:latin typeface="微軟正黑體" panose="020B0604030504040204" pitchFamily="34" charset="-120"/>
+            <a:ea typeface="微軟正黑體" panose="020B0604030504040204" pitchFamily="34" charset="-120"/>
+          </a:endParaRPr>
+        </a:p>
+      </dgm:t>
+    </dgm:pt>
+    <dgm:pt modelId="{2EE32B19-2C55-4AD4-99CA-DBD72407125C}" type="sibTrans" cxnId="{3C866C56-96B7-4CC1-9F18-A9C4EA203A5D}">
+      <dgm:prSet/>
+      <dgm:spPr/>
+      <dgm:t>
+        <a:bodyPr/>
+        <a:lstStyle/>
+        <a:p>
           <a:endParaRPr lang="zh-TW" altLang="en-US" sz="1200">
             <a:latin typeface="微軟正黑體" panose="020B0604030504040204" pitchFamily="34" charset="-120"/>
             <a:ea typeface="微軟正黑體" panose="020B0604030504040204" pitchFamily="34" charset="-120"/>
@@ -10732,34 +10946,48 @@
         </a:p>
       </dgm:t>
     </dgm:pt>
-    <dgm:pt modelId="{2EE32B19-2C55-4AD4-99CA-DBD72407125C}" type="sibTrans" cxnId="{3C866C56-96B7-4CC1-9F18-A9C4EA203A5D}">
-      <dgm:prSet/>
+    <dgm:pt modelId="{04B8793C-6786-4D6E-8F7E-BFA50E4BCFB5}">
+      <dgm:prSet phldrT="[文字]" custT="1"/>
       <dgm:spPr/>
       <dgm:t>
         <a:bodyPr/>
         <a:lstStyle/>
         <a:p>
-          <a:endParaRPr lang="zh-TW" altLang="en-US" sz="1200">
-            <a:latin typeface="微軟正黑體" panose="020B0604030504040204" pitchFamily="34" charset="-120"/>
-            <a:ea typeface="微軟正黑體" panose="020B0604030504040204" pitchFamily="34" charset="-120"/>
-          </a:endParaRPr>
-        </a:p>
-      </dgm:t>
-    </dgm:pt>
-    <dgm:pt modelId="{04B8793C-6786-4D6E-8F7E-BFA50E4BCFB5}">
-      <dgm:prSet phldrT="[文字]" custT="1"/>
-      <dgm:spPr/>
-      <dgm:t>
-        <a:bodyPr/>
-        <a:lstStyle/>
-        <a:p>
           <a:r>
-            <a:rPr lang="en-US" altLang="zh-TW" sz="1200">
+            <a:rPr lang="en-US" altLang="zh-TW" sz="1400">
               <a:latin typeface="微軟正黑體" panose="020B0604030504040204" pitchFamily="34" charset="-120"/>
               <a:ea typeface="微軟正黑體" panose="020B0604030504040204" pitchFamily="34" charset="-120"/>
             </a:rPr>
             <a:t>English</a:t>
           </a:r>
+          <a:endParaRPr lang="zh-TW" altLang="en-US" sz="1400">
+            <a:latin typeface="微軟正黑體" panose="020B0604030504040204" pitchFamily="34" charset="-120"/>
+            <a:ea typeface="微軟正黑體" panose="020B0604030504040204" pitchFamily="34" charset="-120"/>
+          </a:endParaRPr>
+        </a:p>
+      </dgm:t>
+    </dgm:pt>
+    <dgm:pt modelId="{15DF1670-BCA7-43CC-9380-B6D175E279C2}" type="parTrans" cxnId="{26003C67-0DEB-4961-A848-415C75EA2CA6}">
+      <dgm:prSet custT="1"/>
+      <dgm:spPr/>
+      <dgm:t>
+        <a:bodyPr/>
+        <a:lstStyle/>
+        <a:p>
+          <a:endParaRPr lang="zh-TW" altLang="en-US" sz="1400">
+            <a:latin typeface="微軟正黑體" panose="020B0604030504040204" pitchFamily="34" charset="-120"/>
+            <a:ea typeface="微軟正黑體" panose="020B0604030504040204" pitchFamily="34" charset="-120"/>
+          </a:endParaRPr>
+        </a:p>
+      </dgm:t>
+    </dgm:pt>
+    <dgm:pt modelId="{8222BF65-B088-4505-B680-4645190D11F4}" type="sibTrans" cxnId="{26003C67-0DEB-4961-A848-415C75EA2CA6}">
+      <dgm:prSet/>
+      <dgm:spPr/>
+      <dgm:t>
+        <a:bodyPr/>
+        <a:lstStyle/>
+        <a:p>
           <a:endParaRPr lang="zh-TW" altLang="en-US" sz="1200">
             <a:latin typeface="微軟正黑體" panose="020B0604030504040204" pitchFamily="34" charset="-120"/>
             <a:ea typeface="微軟正黑體" panose="020B0604030504040204" pitchFamily="34" charset="-120"/>
@@ -10767,43 +10995,15 @@
         </a:p>
       </dgm:t>
     </dgm:pt>
-    <dgm:pt modelId="{15DF1670-BCA7-43CC-9380-B6D175E279C2}" type="parTrans" cxnId="{26003C67-0DEB-4961-A848-415C75EA2CA6}">
-      <dgm:prSet custT="1"/>
+    <dgm:pt modelId="{79F1E622-D555-4CE4-B288-743DD9247D74}">
+      <dgm:prSet phldrT="[文字]" custT="1"/>
       <dgm:spPr/>
       <dgm:t>
         <a:bodyPr/>
         <a:lstStyle/>
         <a:p>
-          <a:endParaRPr lang="zh-TW" altLang="en-US" sz="1200">
-            <a:latin typeface="微軟正黑體" panose="020B0604030504040204" pitchFamily="34" charset="-120"/>
-            <a:ea typeface="微軟正黑體" panose="020B0604030504040204" pitchFamily="34" charset="-120"/>
-          </a:endParaRPr>
-        </a:p>
-      </dgm:t>
-    </dgm:pt>
-    <dgm:pt modelId="{8222BF65-B088-4505-B680-4645190D11F4}" type="sibTrans" cxnId="{26003C67-0DEB-4961-A848-415C75EA2CA6}">
-      <dgm:prSet/>
-      <dgm:spPr/>
-      <dgm:t>
-        <a:bodyPr/>
-        <a:lstStyle/>
-        <a:p>
-          <a:endParaRPr lang="zh-TW" altLang="en-US" sz="1200">
-            <a:latin typeface="微軟正黑體" panose="020B0604030504040204" pitchFamily="34" charset="-120"/>
-            <a:ea typeface="微軟正黑體" panose="020B0604030504040204" pitchFamily="34" charset="-120"/>
-          </a:endParaRPr>
-        </a:p>
-      </dgm:t>
-    </dgm:pt>
-    <dgm:pt modelId="{79F1E622-D555-4CE4-B288-743DD9247D74}">
-      <dgm:prSet phldrT="[文字]" custT="1"/>
-      <dgm:spPr/>
-      <dgm:t>
-        <a:bodyPr/>
-        <a:lstStyle/>
-        <a:p>
           <a:r>
-            <a:rPr lang="zh-TW" altLang="en-US" sz="1200" dirty="0">
+            <a:rPr lang="zh-TW" altLang="en-US" sz="1400" dirty="0">
               <a:latin typeface="微軟正黑體" panose="020B0604030504040204" pitchFamily="34" charset="-120"/>
               <a:ea typeface="微軟正黑體" panose="020B0604030504040204" pitchFamily="34" charset="-120"/>
             </a:rPr>
@@ -10819,6 +11019,20 @@
         <a:bodyPr/>
         <a:lstStyle/>
         <a:p>
+          <a:endParaRPr lang="zh-TW" altLang="en-US" sz="1400">
+            <a:latin typeface="微軟正黑體" panose="020B0604030504040204" pitchFamily="34" charset="-120"/>
+            <a:ea typeface="微軟正黑體" panose="020B0604030504040204" pitchFamily="34" charset="-120"/>
+          </a:endParaRPr>
+        </a:p>
+      </dgm:t>
+    </dgm:pt>
+    <dgm:pt modelId="{24FF19AA-9102-42B3-BA10-994C845E1E37}" type="sibTrans" cxnId="{A440320B-24EF-4652-9F54-7532E479DA7D}">
+      <dgm:prSet/>
+      <dgm:spPr/>
+      <dgm:t>
+        <a:bodyPr/>
+        <a:lstStyle/>
+        <a:p>
           <a:endParaRPr lang="zh-TW" altLang="en-US" sz="1200">
             <a:latin typeface="微軟正黑體" panose="020B0604030504040204" pitchFamily="34" charset="-120"/>
             <a:ea typeface="微軟正黑體" panose="020B0604030504040204" pitchFamily="34" charset="-120"/>
@@ -10826,29 +11040,15 @@
         </a:p>
       </dgm:t>
     </dgm:pt>
-    <dgm:pt modelId="{24FF19AA-9102-42B3-BA10-994C845E1E37}" type="sibTrans" cxnId="{A440320B-24EF-4652-9F54-7532E479DA7D}">
-      <dgm:prSet/>
+    <dgm:pt modelId="{CB284818-E3F3-4A27-A01A-41F3835ECBE1}">
+      <dgm:prSet phldrT="[文字]" custT="1"/>
       <dgm:spPr/>
       <dgm:t>
         <a:bodyPr/>
         <a:lstStyle/>
         <a:p>
-          <a:endParaRPr lang="zh-TW" altLang="en-US" sz="1200">
-            <a:latin typeface="微軟正黑體" panose="020B0604030504040204" pitchFamily="34" charset="-120"/>
-            <a:ea typeface="微軟正黑體" panose="020B0604030504040204" pitchFamily="34" charset="-120"/>
-          </a:endParaRPr>
-        </a:p>
-      </dgm:t>
-    </dgm:pt>
-    <dgm:pt modelId="{CB284818-E3F3-4A27-A01A-41F3835ECBE1}">
-      <dgm:prSet phldrT="[文字]" custT="1"/>
-      <dgm:spPr/>
-      <dgm:t>
-        <a:bodyPr/>
-        <a:lstStyle/>
-        <a:p>
           <a:r>
-            <a:rPr lang="zh-TW" altLang="en-US" sz="1200" dirty="0">
+            <a:rPr lang="zh-TW" altLang="en-US" sz="1400" dirty="0">
               <a:latin typeface="微軟正黑體" panose="020B0604030504040204" pitchFamily="34" charset="-120"/>
               <a:ea typeface="微軟正黑體" panose="020B0604030504040204" pitchFamily="34" charset="-120"/>
             </a:rPr>
@@ -10864,6 +11064,20 @@
         <a:bodyPr/>
         <a:lstStyle/>
         <a:p>
+          <a:endParaRPr lang="zh-TW" altLang="en-US" sz="1400">
+            <a:latin typeface="微軟正黑體" panose="020B0604030504040204" pitchFamily="34" charset="-120"/>
+            <a:ea typeface="微軟正黑體" panose="020B0604030504040204" pitchFamily="34" charset="-120"/>
+          </a:endParaRPr>
+        </a:p>
+      </dgm:t>
+    </dgm:pt>
+    <dgm:pt modelId="{E671CEEA-0282-4C02-91D8-7835B9CFBD18}" type="sibTrans" cxnId="{E4639CF4-FD94-4CD4-A3C4-CCDEA5CE8667}">
+      <dgm:prSet/>
+      <dgm:spPr/>
+      <dgm:t>
+        <a:bodyPr/>
+        <a:lstStyle/>
+        <a:p>
           <a:endParaRPr lang="zh-TW" altLang="en-US" sz="1200">
             <a:latin typeface="微軟正黑體" panose="020B0604030504040204" pitchFamily="34" charset="-120"/>
             <a:ea typeface="微軟正黑體" panose="020B0604030504040204" pitchFamily="34" charset="-120"/>
@@ -10871,29 +11085,15 @@
         </a:p>
       </dgm:t>
     </dgm:pt>
-    <dgm:pt modelId="{E671CEEA-0282-4C02-91D8-7835B9CFBD18}" type="sibTrans" cxnId="{E4639CF4-FD94-4CD4-A3C4-CCDEA5CE8667}">
-      <dgm:prSet/>
+    <dgm:pt modelId="{E018E362-1128-4B9A-AF3A-818275D9ED42}">
+      <dgm:prSet phldrT="[文字]" custT="1"/>
       <dgm:spPr/>
       <dgm:t>
         <a:bodyPr/>
         <a:lstStyle/>
         <a:p>
-          <a:endParaRPr lang="zh-TW" altLang="en-US" sz="1200">
-            <a:latin typeface="微軟正黑體" panose="020B0604030504040204" pitchFamily="34" charset="-120"/>
-            <a:ea typeface="微軟正黑體" panose="020B0604030504040204" pitchFamily="34" charset="-120"/>
-          </a:endParaRPr>
-        </a:p>
-      </dgm:t>
-    </dgm:pt>
-    <dgm:pt modelId="{E018E362-1128-4B9A-AF3A-818275D9ED42}">
-      <dgm:prSet phldrT="[文字]" custT="1"/>
-      <dgm:spPr/>
-      <dgm:t>
-        <a:bodyPr/>
-        <a:lstStyle/>
-        <a:p>
           <a:r>
-            <a:rPr lang="zh-TW" altLang="en-US" sz="1200">
+            <a:rPr lang="zh-TW" altLang="en-US" sz="1400" dirty="0">
               <a:latin typeface="微軟正黑體" panose="020B0604030504040204" pitchFamily="34" charset="-120"/>
               <a:ea typeface="微軟正黑體" panose="020B0604030504040204" pitchFamily="34" charset="-120"/>
             </a:rPr>
@@ -10909,6 +11109,20 @@
         <a:bodyPr/>
         <a:lstStyle/>
         <a:p>
+          <a:endParaRPr lang="zh-TW" altLang="en-US" sz="1400">
+            <a:latin typeface="微軟正黑體" panose="020B0604030504040204" pitchFamily="34" charset="-120"/>
+            <a:ea typeface="微軟正黑體" panose="020B0604030504040204" pitchFamily="34" charset="-120"/>
+          </a:endParaRPr>
+        </a:p>
+      </dgm:t>
+    </dgm:pt>
+    <dgm:pt modelId="{064B05B3-5CA3-4F34-A2DB-AA10AB3A6063}" type="sibTrans" cxnId="{80261DF0-0B38-4CD0-BBEA-A069F0C8130D}">
+      <dgm:prSet/>
+      <dgm:spPr/>
+      <dgm:t>
+        <a:bodyPr/>
+        <a:lstStyle/>
+        <a:p>
           <a:endParaRPr lang="zh-TW" altLang="en-US" sz="1200">
             <a:latin typeface="微軟正黑體" panose="020B0604030504040204" pitchFamily="34" charset="-120"/>
             <a:ea typeface="微軟正黑體" panose="020B0604030504040204" pitchFamily="34" charset="-120"/>
@@ -10916,29 +11130,15 @@
         </a:p>
       </dgm:t>
     </dgm:pt>
-    <dgm:pt modelId="{064B05B3-5CA3-4F34-A2DB-AA10AB3A6063}" type="sibTrans" cxnId="{80261DF0-0B38-4CD0-BBEA-A069F0C8130D}">
-      <dgm:prSet/>
+    <dgm:pt modelId="{A3ED8111-784C-4A95-94F6-3EF6C11F3FE6}">
+      <dgm:prSet phldrT="[文字]" custT="1"/>
       <dgm:spPr/>
       <dgm:t>
         <a:bodyPr/>
         <a:lstStyle/>
         <a:p>
-          <a:endParaRPr lang="zh-TW" altLang="en-US" sz="1200">
-            <a:latin typeface="微軟正黑體" panose="020B0604030504040204" pitchFamily="34" charset="-120"/>
-            <a:ea typeface="微軟正黑體" panose="020B0604030504040204" pitchFamily="34" charset="-120"/>
-          </a:endParaRPr>
-        </a:p>
-      </dgm:t>
-    </dgm:pt>
-    <dgm:pt modelId="{A3ED8111-784C-4A95-94F6-3EF6C11F3FE6}">
-      <dgm:prSet phldrT="[文字]" custT="1"/>
-      <dgm:spPr/>
-      <dgm:t>
-        <a:bodyPr/>
-        <a:lstStyle/>
-        <a:p>
           <a:r>
-            <a:rPr lang="zh-TW" altLang="en-US" sz="1200">
+            <a:rPr lang="zh-TW" altLang="en-US" sz="1400" dirty="0">
               <a:latin typeface="微軟正黑體" panose="020B0604030504040204" pitchFamily="34" charset="-120"/>
               <a:ea typeface="微軟正黑體" panose="020B0604030504040204" pitchFamily="34" charset="-120"/>
             </a:rPr>
@@ -10954,6 +11154,20 @@
         <a:bodyPr/>
         <a:lstStyle/>
         <a:p>
+          <a:endParaRPr lang="zh-TW" altLang="en-US" sz="1400">
+            <a:latin typeface="微軟正黑體" panose="020B0604030504040204" pitchFamily="34" charset="-120"/>
+            <a:ea typeface="微軟正黑體" panose="020B0604030504040204" pitchFamily="34" charset="-120"/>
+          </a:endParaRPr>
+        </a:p>
+      </dgm:t>
+    </dgm:pt>
+    <dgm:pt modelId="{112A2945-67D3-41BB-80DF-D0D58CA67D4F}" type="sibTrans" cxnId="{F2F7617A-5C52-4276-92A0-A4B405CA3BF3}">
+      <dgm:prSet/>
+      <dgm:spPr/>
+      <dgm:t>
+        <a:bodyPr/>
+        <a:lstStyle/>
+        <a:p>
           <a:endParaRPr lang="zh-TW" altLang="en-US" sz="1200">
             <a:latin typeface="微軟正黑體" panose="020B0604030504040204" pitchFamily="34" charset="-120"/>
             <a:ea typeface="微軟正黑體" panose="020B0604030504040204" pitchFamily="34" charset="-120"/>
@@ -10961,29 +11175,15 @@
         </a:p>
       </dgm:t>
     </dgm:pt>
-    <dgm:pt modelId="{112A2945-67D3-41BB-80DF-D0D58CA67D4F}" type="sibTrans" cxnId="{F2F7617A-5C52-4276-92A0-A4B405CA3BF3}">
-      <dgm:prSet/>
+    <dgm:pt modelId="{1C874A55-82BE-468F-9F80-F1E5D51E3171}">
+      <dgm:prSet phldrT="[文字]" custT="1"/>
       <dgm:spPr/>
       <dgm:t>
         <a:bodyPr/>
         <a:lstStyle/>
         <a:p>
-          <a:endParaRPr lang="zh-TW" altLang="en-US" sz="1200">
-            <a:latin typeface="微軟正黑體" panose="020B0604030504040204" pitchFamily="34" charset="-120"/>
-            <a:ea typeface="微軟正黑體" panose="020B0604030504040204" pitchFamily="34" charset="-120"/>
-          </a:endParaRPr>
-        </a:p>
-      </dgm:t>
-    </dgm:pt>
-    <dgm:pt modelId="{1C874A55-82BE-468F-9F80-F1E5D51E3171}">
-      <dgm:prSet phldrT="[文字]" custT="1"/>
-      <dgm:spPr/>
-      <dgm:t>
-        <a:bodyPr/>
-        <a:lstStyle/>
-        <a:p>
           <a:r>
-            <a:rPr lang="zh-TW" altLang="en-US" sz="1200">
+            <a:rPr lang="zh-TW" altLang="en-US" sz="1400">
               <a:latin typeface="微軟正黑體" panose="020B0604030504040204" pitchFamily="34" charset="-120"/>
               <a:ea typeface="微軟正黑體" panose="020B0604030504040204" pitchFamily="34" charset="-120"/>
             </a:rPr>
@@ -10999,6 +11199,20 @@
         <a:bodyPr/>
         <a:lstStyle/>
         <a:p>
+          <a:endParaRPr lang="zh-TW" altLang="en-US" sz="1400">
+            <a:latin typeface="微軟正黑體" panose="020B0604030504040204" pitchFamily="34" charset="-120"/>
+            <a:ea typeface="微軟正黑體" panose="020B0604030504040204" pitchFamily="34" charset="-120"/>
+          </a:endParaRPr>
+        </a:p>
+      </dgm:t>
+    </dgm:pt>
+    <dgm:pt modelId="{2A436FC2-F4E9-401C-9B2A-D6576312497C}" type="sibTrans" cxnId="{F267AEA2-4706-40B4-B530-478D68B9D8B9}">
+      <dgm:prSet/>
+      <dgm:spPr/>
+      <dgm:t>
+        <a:bodyPr/>
+        <a:lstStyle/>
+        <a:p>
           <a:endParaRPr lang="zh-TW" altLang="en-US" sz="1200">
             <a:latin typeface="微軟正黑體" panose="020B0604030504040204" pitchFamily="34" charset="-120"/>
             <a:ea typeface="微軟正黑體" panose="020B0604030504040204" pitchFamily="34" charset="-120"/>
@@ -11006,29 +11220,15 @@
         </a:p>
       </dgm:t>
     </dgm:pt>
-    <dgm:pt modelId="{2A436FC2-F4E9-401C-9B2A-D6576312497C}" type="sibTrans" cxnId="{F267AEA2-4706-40B4-B530-478D68B9D8B9}">
-      <dgm:prSet/>
+    <dgm:pt modelId="{8A963D4C-347E-49C5-9930-4F4EB915BEDE}">
+      <dgm:prSet phldrT="[文字]" custT="1"/>
       <dgm:spPr/>
       <dgm:t>
         <a:bodyPr/>
         <a:lstStyle/>
         <a:p>
-          <a:endParaRPr lang="zh-TW" altLang="en-US" sz="1200">
-            <a:latin typeface="微軟正黑體" panose="020B0604030504040204" pitchFamily="34" charset="-120"/>
-            <a:ea typeface="微軟正黑體" panose="020B0604030504040204" pitchFamily="34" charset="-120"/>
-          </a:endParaRPr>
-        </a:p>
-      </dgm:t>
-    </dgm:pt>
-    <dgm:pt modelId="{8A963D4C-347E-49C5-9930-4F4EB915BEDE}">
-      <dgm:prSet phldrT="[文字]" custT="1"/>
-      <dgm:spPr/>
-      <dgm:t>
-        <a:bodyPr/>
-        <a:lstStyle/>
-        <a:p>
           <a:r>
-            <a:rPr lang="zh-TW" altLang="en-US" sz="1200">
+            <a:rPr lang="zh-TW" altLang="en-US" sz="1400">
               <a:latin typeface="微軟正黑體" panose="020B0604030504040204" pitchFamily="34" charset="-120"/>
               <a:ea typeface="微軟正黑體" panose="020B0604030504040204" pitchFamily="34" charset="-120"/>
             </a:rPr>
@@ -11044,6 +11244,20 @@
         <a:bodyPr/>
         <a:lstStyle/>
         <a:p>
+          <a:endParaRPr lang="zh-TW" altLang="en-US" sz="1400">
+            <a:latin typeface="微軟正黑體" panose="020B0604030504040204" pitchFamily="34" charset="-120"/>
+            <a:ea typeface="微軟正黑體" panose="020B0604030504040204" pitchFamily="34" charset="-120"/>
+          </a:endParaRPr>
+        </a:p>
+      </dgm:t>
+    </dgm:pt>
+    <dgm:pt modelId="{F4F9FE8E-94D2-40B8-880B-5FA81604D288}" type="sibTrans" cxnId="{55031F93-C918-4918-9175-1E021D816EED}">
+      <dgm:prSet/>
+      <dgm:spPr/>
+      <dgm:t>
+        <a:bodyPr/>
+        <a:lstStyle/>
+        <a:p>
           <a:endParaRPr lang="zh-TW" altLang="en-US" sz="1200">
             <a:latin typeface="微軟正黑體" panose="020B0604030504040204" pitchFamily="34" charset="-120"/>
             <a:ea typeface="微軟正黑體" panose="020B0604030504040204" pitchFamily="34" charset="-120"/>
@@ -11051,29 +11265,15 @@
         </a:p>
       </dgm:t>
     </dgm:pt>
-    <dgm:pt modelId="{F4F9FE8E-94D2-40B8-880B-5FA81604D288}" type="sibTrans" cxnId="{55031F93-C918-4918-9175-1E021D816EED}">
-      <dgm:prSet/>
+    <dgm:pt modelId="{54F3CE62-A9FE-4328-A29D-18B3125082BB}">
+      <dgm:prSet phldrT="[文字]" custT="1"/>
       <dgm:spPr/>
       <dgm:t>
         <a:bodyPr/>
         <a:lstStyle/>
         <a:p>
-          <a:endParaRPr lang="zh-TW" altLang="en-US" sz="1200">
-            <a:latin typeface="微軟正黑體" panose="020B0604030504040204" pitchFamily="34" charset="-120"/>
-            <a:ea typeface="微軟正黑體" panose="020B0604030504040204" pitchFamily="34" charset="-120"/>
-          </a:endParaRPr>
-        </a:p>
-      </dgm:t>
-    </dgm:pt>
-    <dgm:pt modelId="{54F3CE62-A9FE-4328-A29D-18B3125082BB}">
-      <dgm:prSet phldrT="[文字]" custT="1"/>
-      <dgm:spPr/>
-      <dgm:t>
-        <a:bodyPr/>
-        <a:lstStyle/>
-        <a:p>
           <a:r>
-            <a:rPr lang="zh-TW" altLang="en-US" sz="1200" dirty="0">
+            <a:rPr lang="zh-TW" altLang="en-US" sz="1400" dirty="0">
               <a:latin typeface="微軟正黑體" panose="020B0604030504040204" pitchFamily="34" charset="-120"/>
               <a:ea typeface="微軟正黑體" panose="020B0604030504040204" pitchFamily="34" charset="-120"/>
             </a:rPr>
@@ -11089,6 +11289,20 @@
         <a:bodyPr/>
         <a:lstStyle/>
         <a:p>
+          <a:endParaRPr lang="zh-TW" altLang="en-US" sz="1400">
+            <a:latin typeface="微軟正黑體" panose="020B0604030504040204" pitchFamily="34" charset="-120"/>
+            <a:ea typeface="微軟正黑體" panose="020B0604030504040204" pitchFamily="34" charset="-120"/>
+          </a:endParaRPr>
+        </a:p>
+      </dgm:t>
+    </dgm:pt>
+    <dgm:pt modelId="{9C0046D6-DB25-4E4C-A8CA-B151CA52D4B8}" type="sibTrans" cxnId="{0C5FD620-5D94-4D67-9C92-19E3CD4AE144}">
+      <dgm:prSet/>
+      <dgm:spPr/>
+      <dgm:t>
+        <a:bodyPr/>
+        <a:lstStyle/>
+        <a:p>
           <a:endParaRPr lang="zh-TW" altLang="en-US" sz="1200">
             <a:latin typeface="微軟正黑體" panose="020B0604030504040204" pitchFamily="34" charset="-120"/>
             <a:ea typeface="微軟正黑體" panose="020B0604030504040204" pitchFamily="34" charset="-120"/>
@@ -11096,29 +11310,15 @@
         </a:p>
       </dgm:t>
     </dgm:pt>
-    <dgm:pt modelId="{9C0046D6-DB25-4E4C-A8CA-B151CA52D4B8}" type="sibTrans" cxnId="{0C5FD620-5D94-4D67-9C92-19E3CD4AE144}">
-      <dgm:prSet/>
+    <dgm:pt modelId="{62B79DBB-3D58-42A1-BEB1-926DF449470F}">
+      <dgm:prSet phldrT="[文字]" custT="1"/>
       <dgm:spPr/>
       <dgm:t>
         <a:bodyPr/>
         <a:lstStyle/>
         <a:p>
-          <a:endParaRPr lang="zh-TW" altLang="en-US" sz="1200">
-            <a:latin typeface="微軟正黑體" panose="020B0604030504040204" pitchFamily="34" charset="-120"/>
-            <a:ea typeface="微軟正黑體" panose="020B0604030504040204" pitchFamily="34" charset="-120"/>
-          </a:endParaRPr>
-        </a:p>
-      </dgm:t>
-    </dgm:pt>
-    <dgm:pt modelId="{62B79DBB-3D58-42A1-BEB1-926DF449470F}">
-      <dgm:prSet phldrT="[文字]" custT="1"/>
-      <dgm:spPr/>
-      <dgm:t>
-        <a:bodyPr/>
-        <a:lstStyle/>
-        <a:p>
           <a:r>
-            <a:rPr lang="zh-TW" altLang="en-US" sz="1200">
+            <a:rPr lang="zh-TW" altLang="en-US" sz="1400">
               <a:latin typeface="微軟正黑體" panose="020B0604030504040204" pitchFamily="34" charset="-120"/>
               <a:ea typeface="微軟正黑體" panose="020B0604030504040204" pitchFamily="34" charset="-120"/>
             </a:rPr>
@@ -11128,13 +11328,13 @@
       </dgm:t>
     </dgm:pt>
     <dgm:pt modelId="{EF6462DE-1DB2-43B2-A720-B10879A62654}" type="parTrans" cxnId="{265E8319-1A53-4D04-8721-93372D0C07C9}">
-      <dgm:prSet/>
+      <dgm:prSet custT="1"/>
       <dgm:spPr/>
       <dgm:t>
         <a:bodyPr/>
         <a:lstStyle/>
         <a:p>
-          <a:endParaRPr lang="zh-TW" altLang="en-US"/>
+          <a:endParaRPr lang="zh-TW" altLang="en-US" sz="1400"/>
         </a:p>
       </dgm:t>
     </dgm:pt>
@@ -11157,7 +11357,7 @@
         <a:lstStyle/>
         <a:p>
           <a:r>
-            <a:rPr lang="zh-TW" altLang="en-US" sz="1200" dirty="0">
+            <a:rPr lang="zh-TW" altLang="en-US" sz="1400" dirty="0">
               <a:latin typeface="微軟正黑體" panose="020B0604030504040204" pitchFamily="34" charset="-120"/>
               <a:ea typeface="微軟正黑體" panose="020B0604030504040204" pitchFamily="34" charset="-120"/>
             </a:rPr>
@@ -11167,13 +11367,13 @@
       </dgm:t>
     </dgm:pt>
     <dgm:pt modelId="{35AACB3F-9DC6-46E9-8D6B-A48A703B7FF1}" type="parTrans" cxnId="{EC7A8EE8-A894-4F83-BD6D-66B78EFFA872}">
-      <dgm:prSet/>
+      <dgm:prSet custT="1"/>
       <dgm:spPr/>
       <dgm:t>
         <a:bodyPr/>
         <a:lstStyle/>
         <a:p>
-          <a:endParaRPr lang="zh-TW" altLang="en-US"/>
+          <a:endParaRPr lang="zh-TW" altLang="en-US" sz="1400"/>
         </a:p>
       </dgm:t>
     </dgm:pt>
@@ -11196,7 +11396,7 @@
         <a:lstStyle/>
         <a:p>
           <a:r>
-            <a:rPr lang="zh-TW" altLang="en-US" sz="1200" dirty="0">
+            <a:rPr lang="zh-TW" altLang="en-US" sz="1400" dirty="0">
               <a:latin typeface="微軟正黑體" panose="020B0604030504040204" pitchFamily="34" charset="-120"/>
               <a:ea typeface="微軟正黑體" panose="020B0604030504040204" pitchFamily="34" charset="-120"/>
             </a:rPr>
@@ -11206,13 +11406,13 @@
       </dgm:t>
     </dgm:pt>
     <dgm:pt modelId="{E0604812-4570-4874-90F4-08D59AA86475}" type="parTrans" cxnId="{36C3E2FF-5CAE-4AAB-AC55-0C283EDA7CB7}">
-      <dgm:prSet/>
+      <dgm:prSet custT="1"/>
       <dgm:spPr/>
       <dgm:t>
         <a:bodyPr/>
         <a:lstStyle/>
         <a:p>
-          <a:endParaRPr lang="zh-TW" altLang="en-US"/>
+          <a:endParaRPr lang="zh-TW" altLang="en-US" sz="1400"/>
         </a:p>
       </dgm:t>
     </dgm:pt>
@@ -11235,7 +11435,7 @@
         <a:lstStyle/>
         <a:p>
           <a:r>
-            <a:rPr lang="zh-TW" altLang="en-US" sz="1200" dirty="0">
+            <a:rPr lang="zh-TW" altLang="en-US" sz="1400" dirty="0">
               <a:latin typeface="微軟正黑體" panose="020B0604030504040204" pitchFamily="34" charset="-120"/>
               <a:ea typeface="微軟正黑體" panose="020B0604030504040204" pitchFamily="34" charset="-120"/>
             </a:rPr>
@@ -11245,13 +11445,13 @@
       </dgm:t>
     </dgm:pt>
     <dgm:pt modelId="{7D8671FF-F462-4572-8A71-508F817FEA8F}" type="parTrans" cxnId="{13771E59-7990-4396-8CB3-1728BF1ABBBD}">
-      <dgm:prSet/>
+      <dgm:prSet custT="1"/>
       <dgm:spPr/>
       <dgm:t>
         <a:bodyPr/>
         <a:lstStyle/>
         <a:p>
-          <a:endParaRPr lang="zh-TW" altLang="en-US"/>
+          <a:endParaRPr lang="zh-TW" altLang="en-US" sz="1400"/>
         </a:p>
       </dgm:t>
     </dgm:pt>
@@ -11274,7 +11474,7 @@
         <a:lstStyle/>
         <a:p>
           <a:r>
-            <a:rPr lang="zh-TW" altLang="en-US" sz="1200">
+            <a:rPr lang="zh-TW" altLang="en-US" sz="1400" dirty="0">
               <a:latin typeface="微軟正黑體" panose="020B0604030504040204" pitchFamily="34" charset="-120"/>
               <a:ea typeface="微軟正黑體" panose="020B0604030504040204" pitchFamily="34" charset="-120"/>
             </a:rPr>
@@ -11284,13 +11484,13 @@
       </dgm:t>
     </dgm:pt>
     <dgm:pt modelId="{292636BE-B4AC-4200-A49E-E65E30C7832D}" type="parTrans" cxnId="{70EA5B2C-FAA8-4097-9EDA-3C3BE1EFE07E}">
-      <dgm:prSet/>
+      <dgm:prSet custT="1"/>
       <dgm:spPr/>
       <dgm:t>
         <a:bodyPr/>
         <a:lstStyle/>
         <a:p>
-          <a:endParaRPr lang="zh-TW" altLang="en-US"/>
+          <a:endParaRPr lang="zh-TW" altLang="en-US" sz="1400"/>
         </a:p>
       </dgm:t>
     </dgm:pt>
@@ -11313,7 +11513,7 @@
         <a:lstStyle/>
         <a:p>
           <a:r>
-            <a:rPr lang="zh-TW" altLang="en-US" sz="1200" dirty="0">
+            <a:rPr lang="zh-TW" altLang="en-US" sz="1400" dirty="0">
               <a:latin typeface="微軟正黑體" panose="020B0604030504040204" pitchFamily="34" charset="-120"/>
               <a:ea typeface="微軟正黑體" panose="020B0604030504040204" pitchFamily="34" charset="-120"/>
             </a:rPr>
@@ -11323,13 +11523,13 @@
       </dgm:t>
     </dgm:pt>
     <dgm:pt modelId="{C4350DA3-A4B9-4AA5-B5F4-06FFB21052E9}" type="parTrans" cxnId="{C3F2458C-7B3B-4CE9-93CE-67B9F9725BA3}">
-      <dgm:prSet/>
+      <dgm:prSet custT="1"/>
       <dgm:spPr/>
       <dgm:t>
         <a:bodyPr/>
         <a:lstStyle/>
         <a:p>
-          <a:endParaRPr lang="zh-TW" altLang="en-US"/>
+          <a:endParaRPr lang="zh-TW" altLang="en-US" sz="1400"/>
         </a:p>
       </dgm:t>
     </dgm:pt>
@@ -11368,7 +11568,7 @@
       <dgm:spPr/>
     </dgm:pt>
     <dgm:pt modelId="{0742638C-2662-4A4D-A7B2-471124F3A103}" type="pres">
-      <dgm:prSet presAssocID="{C33388CE-8CE2-4B6A-9DA6-013786416BC5}" presName="LevelOneTextNode" presStyleLbl="node0" presStyleIdx="0" presStyleCnt="1" custScaleX="28967" custScaleY="28967">
+      <dgm:prSet presAssocID="{C33388CE-8CE2-4B6A-9DA6-013786416BC5}" presName="LevelOneTextNode" presStyleLbl="node0" presStyleIdx="0" presStyleCnt="1" custScaleX="82646" custScaleY="82646" custLinFactX="-74953" custLinFactNeighborX="-100000" custLinFactNeighborY="8174">
         <dgm:presLayoutVars>
           <dgm:chPref val="3"/>
         </dgm:presLayoutVars>
@@ -11413,7 +11613,7 @@
       <dgm:spPr/>
     </dgm:pt>
     <dgm:pt modelId="{CEAD2306-2575-4487-9C99-DD07342A440B}" type="pres">
-      <dgm:prSet presAssocID="{09D3273B-1B89-4143-9B55-A335BFBF5878}" presName="LevelTwoTextNode" presStyleLbl="node2" presStyleIdx="0" presStyleCnt="5" custScaleX="58054" custScaleY="28252" custLinFactNeighborX="-11233" custLinFactNeighborY="-7804">
+      <dgm:prSet presAssocID="{09D3273B-1B89-4143-9B55-A335BFBF5878}" presName="LevelTwoTextNode" presStyleLbl="node2" presStyleIdx="0" presStyleCnt="5" custScaleX="165637" custScaleY="80607" custLinFactX="-21601" custLinFactNeighborX="-100000" custLinFactNeighborY="-59450">
         <dgm:presLayoutVars>
           <dgm:chPref val="3"/>
         </dgm:presLayoutVars>
@@ -11458,7 +11658,7 @@
       <dgm:spPr/>
     </dgm:pt>
     <dgm:pt modelId="{D18F5FF1-9D9D-445A-8A54-144F21FC1D72}" type="pres">
-      <dgm:prSet presAssocID="{719FA1B3-D567-40E0-985E-D24F8A088CD7}" presName="LevelTwoTextNode" presStyleLbl="node3" presStyleIdx="0" presStyleCnt="15" custScaleX="28967" custScaleY="28967" custLinFactNeighborX="-11233" custLinFactNeighborY="-7804">
+      <dgm:prSet presAssocID="{719FA1B3-D567-40E0-985E-D24F8A088CD7}" presName="LevelTwoTextNode" presStyleLbl="node3" presStyleIdx="0" presStyleCnt="15" custScaleX="82646" custScaleY="82646" custLinFactX="26483" custLinFactNeighborX="100000" custLinFactNeighborY="-154">
         <dgm:presLayoutVars>
           <dgm:chPref val="3"/>
         </dgm:presLayoutVars>
@@ -11503,7 +11703,7 @@
       <dgm:spPr/>
     </dgm:pt>
     <dgm:pt modelId="{FF2A7341-7BD1-4872-A316-3391C293C8B4}" type="pres">
-      <dgm:prSet presAssocID="{AFD8F0DF-079F-42C6-B451-D4B76AF7A6C1}" presName="LevelTwoTextNode" presStyleLbl="node3" presStyleIdx="1" presStyleCnt="15" custScaleX="28967" custScaleY="28967" custLinFactNeighborX="-11233" custLinFactNeighborY="-7804">
+      <dgm:prSet presAssocID="{AFD8F0DF-079F-42C6-B451-D4B76AF7A6C1}" presName="LevelTwoTextNode" presStyleLbl="node3" presStyleIdx="1" presStyleCnt="15" custScaleX="82646" custScaleY="82646" custLinFactX="26483" custLinFactNeighborX="100000" custLinFactNeighborY="-7749">
         <dgm:presLayoutVars>
           <dgm:chPref val="3"/>
         </dgm:presLayoutVars>
@@ -11548,7 +11748,7 @@
       <dgm:spPr/>
     </dgm:pt>
     <dgm:pt modelId="{B7FBBC2D-3885-462C-8DF8-A32C5F50B0AE}" type="pres">
-      <dgm:prSet presAssocID="{CAA5D61F-4678-4E19-877B-BA14D3DFCDB7}" presName="LevelTwoTextNode" presStyleLbl="node3" presStyleIdx="2" presStyleCnt="15" custScaleX="28967" custScaleY="28967" custLinFactNeighborX="-11233" custLinFactNeighborY="-7804">
+      <dgm:prSet presAssocID="{CAA5D61F-4678-4E19-877B-BA14D3DFCDB7}" presName="LevelTwoTextNode" presStyleLbl="node3" presStyleIdx="2" presStyleCnt="15" custScaleX="82646" custScaleY="82646" custLinFactX="26483" custLinFactNeighborX="100000" custLinFactNeighborY="-7749">
         <dgm:presLayoutVars>
           <dgm:chPref val="3"/>
         </dgm:presLayoutVars>
@@ -11593,7 +11793,7 @@
       <dgm:spPr/>
     </dgm:pt>
     <dgm:pt modelId="{F33AE60D-8A49-4F27-A1E4-58DD25BB706F}" type="pres">
-      <dgm:prSet presAssocID="{56910360-F0CA-4DFC-BEFC-18A8FE1AEF17}" presName="LevelTwoTextNode" presStyleLbl="node3" presStyleIdx="3" presStyleCnt="15" custScaleX="28967" custScaleY="28967" custLinFactNeighborX="-11233" custLinFactNeighborY="-7804">
+      <dgm:prSet presAssocID="{56910360-F0CA-4DFC-BEFC-18A8FE1AEF17}" presName="LevelTwoTextNode" presStyleLbl="node3" presStyleIdx="3" presStyleCnt="15" custScaleX="82646" custScaleY="82646" custLinFactX="26483" custLinFactNeighborX="100000" custLinFactNeighborY="-7749">
         <dgm:presLayoutVars>
           <dgm:chPref val="3"/>
         </dgm:presLayoutVars>
@@ -11638,7 +11838,7 @@
       <dgm:spPr/>
     </dgm:pt>
     <dgm:pt modelId="{D0790D7C-BD1A-4054-BA56-D42EBEC864C4}" type="pres">
-      <dgm:prSet presAssocID="{04B8793C-6786-4D6E-8F7E-BFA50E4BCFB5}" presName="LevelTwoTextNode" presStyleLbl="node3" presStyleIdx="4" presStyleCnt="15" custScaleX="28967" custScaleY="28967" custLinFactNeighborX="-11233" custLinFactNeighborY="-7804">
+      <dgm:prSet presAssocID="{04B8793C-6786-4D6E-8F7E-BFA50E4BCFB5}" presName="LevelTwoTextNode" presStyleLbl="node3" presStyleIdx="4" presStyleCnt="15" custScaleX="82646" custScaleY="82646" custLinFactX="26483" custLinFactNeighborX="100000" custLinFactNeighborY="-7749">
         <dgm:presLayoutVars>
           <dgm:chPref val="3"/>
         </dgm:presLayoutVars>
@@ -11683,7 +11883,7 @@
       <dgm:spPr/>
     </dgm:pt>
     <dgm:pt modelId="{687E733B-0987-4F71-9584-0094A4C8B245}" type="pres">
-      <dgm:prSet presAssocID="{79F1E622-D555-4CE4-B288-743DD9247D74}" presName="LevelTwoTextNode" presStyleLbl="node2" presStyleIdx="1" presStyleCnt="5" custScaleX="28967" custScaleY="28967" custLinFactY="36619" custLinFactNeighborX="-11554" custLinFactNeighborY="100000">
+      <dgm:prSet presAssocID="{79F1E622-D555-4CE4-B288-743DD9247D74}" presName="LevelTwoTextNode" presStyleLbl="node2" presStyleIdx="1" presStyleCnt="5" custScaleX="82646" custScaleY="82646" custLinFactX="-21601" custLinFactNeighborX="-100000" custLinFactNeighborY="-27394">
         <dgm:presLayoutVars>
           <dgm:chPref val="3"/>
         </dgm:presLayoutVars>
@@ -11728,7 +11928,7 @@
       <dgm:spPr/>
     </dgm:pt>
     <dgm:pt modelId="{82925B72-C91E-428D-9982-CEB0CB6A37DA}" type="pres">
-      <dgm:prSet presAssocID="{CB284818-E3F3-4A27-A01A-41F3835ECBE1}" presName="LevelTwoTextNode" presStyleLbl="node2" presStyleIdx="2" presStyleCnt="5" custScaleX="28967" custScaleY="28967" custLinFactNeighborX="-12555" custLinFactNeighborY="12306">
+      <dgm:prSet presAssocID="{CB284818-E3F3-4A27-A01A-41F3835ECBE1}" presName="LevelTwoTextNode" presStyleLbl="node2" presStyleIdx="2" presStyleCnt="5" custScaleX="82646" custScaleY="82646" custLinFactX="-22602" custLinFactNeighborX="-100000" custLinFactNeighborY="39611">
         <dgm:presLayoutVars>
           <dgm:chPref val="3"/>
         </dgm:presLayoutVars>
@@ -11773,7 +11973,7 @@
       <dgm:spPr/>
     </dgm:pt>
     <dgm:pt modelId="{3309EA87-737C-40C9-83F9-965C6EA45D15}" type="pres">
-      <dgm:prSet presAssocID="{E018E362-1128-4B9A-AF3A-818275D9ED42}" presName="LevelTwoTextNode" presStyleLbl="node3" presStyleIdx="5" presStyleCnt="15" custScaleX="28967" custScaleY="28967" custLinFactNeighborX="-10979" custLinFactNeighborY="-5711">
+      <dgm:prSet presAssocID="{E018E362-1128-4B9A-AF3A-818275D9ED42}" presName="LevelTwoTextNode" presStyleLbl="node3" presStyleIdx="5" presStyleCnt="15" custScaleX="82646" custScaleY="82646" custLinFactNeighborX="-74228" custLinFactNeighborY="20435">
         <dgm:presLayoutVars>
           <dgm:chPref val="3"/>
         </dgm:presLayoutVars>
@@ -11818,7 +12018,7 @@
       <dgm:spPr/>
     </dgm:pt>
     <dgm:pt modelId="{1CD41275-DF31-41B8-BD8A-B81C4EB62B08}" type="pres">
-      <dgm:prSet presAssocID="{A3ED8111-784C-4A95-94F6-3EF6C11F3FE6}" presName="LevelTwoTextNode" presStyleLbl="node3" presStyleIdx="6" presStyleCnt="15" custScaleX="28967" custScaleY="28967" custLinFactNeighborX="-10979" custLinFactNeighborY="-5711">
+      <dgm:prSet presAssocID="{A3ED8111-784C-4A95-94F6-3EF6C11F3FE6}" presName="LevelTwoTextNode" presStyleLbl="node3" presStyleIdx="6" presStyleCnt="15" custScaleX="82646" custScaleY="82646" custLinFactNeighborX="-74228" custLinFactNeighborY="20435">
         <dgm:presLayoutVars>
           <dgm:chPref val="3"/>
         </dgm:presLayoutVars>
@@ -11863,7 +12063,7 @@
       <dgm:spPr/>
     </dgm:pt>
     <dgm:pt modelId="{48D8F85B-09B6-4A13-8355-A5272B06B9CF}" type="pres">
-      <dgm:prSet presAssocID="{1C874A55-82BE-468F-9F80-F1E5D51E3171}" presName="LevelTwoTextNode" presStyleLbl="node3" presStyleIdx="7" presStyleCnt="15" custScaleX="28967" custScaleY="28967" custLinFactNeighborX="-10979" custLinFactNeighborY="-5711">
+      <dgm:prSet presAssocID="{1C874A55-82BE-468F-9F80-F1E5D51E3171}" presName="LevelTwoTextNode" presStyleLbl="node3" presStyleIdx="7" presStyleCnt="15" custScaleX="82646" custScaleY="82646" custLinFactNeighborX="-74228" custLinFactNeighborY="20435">
         <dgm:presLayoutVars>
           <dgm:chPref val="3"/>
         </dgm:presLayoutVars>
@@ -11908,7 +12108,7 @@
       <dgm:spPr/>
     </dgm:pt>
     <dgm:pt modelId="{9A5C41C7-4795-470A-8B07-F158D71AC441}" type="pres">
-      <dgm:prSet presAssocID="{8A963D4C-347E-49C5-9930-4F4EB915BEDE}" presName="LevelTwoTextNode" presStyleLbl="node3" presStyleIdx="8" presStyleCnt="15" custScaleX="28967" custScaleY="28967" custLinFactNeighborX="-10979" custLinFactNeighborY="-5711">
+      <dgm:prSet presAssocID="{8A963D4C-347E-49C5-9930-4F4EB915BEDE}" presName="LevelTwoTextNode" presStyleLbl="node3" presStyleIdx="8" presStyleCnt="15" custScaleX="82646" custScaleY="82646" custLinFactNeighborX="-74228" custLinFactNeighborY="20435">
         <dgm:presLayoutVars>
           <dgm:chPref val="3"/>
         </dgm:presLayoutVars>
@@ -11953,7 +12153,7 @@
       <dgm:spPr/>
     </dgm:pt>
     <dgm:pt modelId="{615C9E36-60C3-4003-85EC-9C81B13B82D6}" type="pres">
-      <dgm:prSet presAssocID="{54F3CE62-A9FE-4328-A29D-18B3125082BB}" presName="LevelTwoTextNode" presStyleLbl="node3" presStyleIdx="9" presStyleCnt="15" custScaleX="28967" custScaleY="28967" custLinFactNeighborX="-10593" custLinFactNeighborY="-8122">
+      <dgm:prSet presAssocID="{54F3CE62-A9FE-4328-A29D-18B3125082BB}" presName="LevelTwoTextNode" presStyleLbl="node3" presStyleIdx="9" presStyleCnt="15" custScaleX="82646" custScaleY="82646" custLinFactNeighborX="-73842" custLinFactNeighborY="18024">
         <dgm:presLayoutVars>
           <dgm:chPref val="3"/>
         </dgm:presLayoutVars>
@@ -11998,7 +12198,7 @@
       <dgm:spPr/>
     </dgm:pt>
     <dgm:pt modelId="{12618767-5CEA-46DC-AAE4-01FDD4ECE21C}" type="pres">
-      <dgm:prSet presAssocID="{979EA343-143E-4843-AA87-05F98DB92034}" presName="LevelTwoTextNode" presStyleLbl="node2" presStyleIdx="3" presStyleCnt="5" custScaleX="32761" custScaleY="23510" custLinFactNeighborX="-13586" custLinFactNeighborY="24284">
+      <dgm:prSet presAssocID="{979EA343-143E-4843-AA87-05F98DB92034}" presName="LevelTwoTextNode" presStyleLbl="node2" presStyleIdx="3" presStyleCnt="5" custScaleX="93473" custScaleY="67077" custLinFactX="-23633" custLinFactNeighborX="-100000" custLinFactNeighborY="51589">
         <dgm:presLayoutVars>
           <dgm:chPref val="3"/>
         </dgm:presLayoutVars>
@@ -12043,7 +12243,7 @@
       <dgm:spPr/>
     </dgm:pt>
     <dgm:pt modelId="{7A721F8D-4D21-4613-A3E3-9804CEE7CE73}" type="pres">
-      <dgm:prSet presAssocID="{D4CB2034-6C95-4781-9925-E1FA4C336138}" presName="LevelTwoTextNode" presStyleLbl="node2" presStyleIdx="4" presStyleCnt="5" custScaleX="28967" custScaleY="28967" custLinFactNeighborX="-11754" custLinFactNeighborY="603">
+      <dgm:prSet presAssocID="{D4CB2034-6C95-4781-9925-E1FA4C336138}" presName="LevelTwoTextNode" presStyleLbl="node2" presStyleIdx="4" presStyleCnt="5" custScaleX="82646" custScaleY="82646" custLinFactX="-21601" custLinFactNeighborX="-100000" custLinFactNeighborY="-43777">
         <dgm:presLayoutVars>
           <dgm:chPref val="3"/>
         </dgm:presLayoutVars>
@@ -12088,7 +12288,7 @@
       <dgm:spPr/>
     </dgm:pt>
     <dgm:pt modelId="{84455419-549D-4F1C-B9F4-4666EEB79F8A}" type="pres">
-      <dgm:prSet presAssocID="{1F1D362F-0C04-4A98-8F86-9CA71E41670C}" presName="LevelTwoTextNode" presStyleLbl="node3" presStyleIdx="10" presStyleCnt="15" custScaleX="28967" custScaleY="28967" custLinFactNeighborX="-11786" custLinFactNeighborY="3627">
+      <dgm:prSet presAssocID="{1F1D362F-0C04-4A98-8F86-9CA71E41670C}" presName="LevelTwoTextNode" presStyleLbl="node3" presStyleIdx="10" presStyleCnt="15" custScaleX="82646" custScaleY="82646" custLinFactX="46984" custLinFactY="-13930" custLinFactNeighborX="100000" custLinFactNeighborY="-100000">
         <dgm:presLayoutVars>
           <dgm:chPref val="3"/>
         </dgm:presLayoutVars>
@@ -12133,7 +12333,7 @@
       <dgm:spPr/>
     </dgm:pt>
     <dgm:pt modelId="{5DC94A99-CB98-4879-AA34-B5974B22174C}" type="pres">
-      <dgm:prSet presAssocID="{5DC46261-2D62-4B16-A3B3-CA5E2D0DBA7F}" presName="LevelTwoTextNode" presStyleLbl="node3" presStyleIdx="11" presStyleCnt="15" custScaleX="28967" custScaleY="28967" custLinFactNeighborX="-11754" custLinFactNeighborY="603">
+      <dgm:prSet presAssocID="{5DC46261-2D62-4B16-A3B3-CA5E2D0DBA7F}" presName="LevelTwoTextNode" presStyleLbl="node3" presStyleIdx="11" presStyleCnt="15" custScaleX="82646" custScaleY="82646" custLinFactX="46231" custLinFactY="-22972" custLinFactNeighborX="100000" custLinFactNeighborY="-100000">
         <dgm:presLayoutVars>
           <dgm:chPref val="3"/>
         </dgm:presLayoutVars>
@@ -12178,7 +12378,7 @@
       <dgm:spPr/>
     </dgm:pt>
     <dgm:pt modelId="{F14D2217-B823-44D2-A8E1-E2DA09A23D1F}" type="pres">
-      <dgm:prSet presAssocID="{62B79DBB-3D58-42A1-BEB1-926DF449470F}" presName="LevelTwoTextNode" presStyleLbl="node3" presStyleIdx="12" presStyleCnt="15" custScaleX="28967" custScaleY="28967" custLinFactNeighborX="-11484" custLinFactNeighborY="354">
+      <dgm:prSet presAssocID="{62B79DBB-3D58-42A1-BEB1-926DF449470F}" presName="LevelTwoTextNode" presStyleLbl="node3" presStyleIdx="12" presStyleCnt="15" custScaleX="82646" custScaleY="82646" custLinFactX="46501" custLinFactY="-23221" custLinFactNeighborX="100000" custLinFactNeighborY="-100000">
         <dgm:presLayoutVars>
           <dgm:chPref val="3"/>
         </dgm:presLayoutVars>
@@ -12223,7 +12423,7 @@
       <dgm:spPr/>
     </dgm:pt>
     <dgm:pt modelId="{BA9201D2-3720-4958-AA29-A75B03914723}" type="pres">
-      <dgm:prSet presAssocID="{7A49DEDE-23BD-45AB-9C88-35CA8EC3B894}" presName="LevelTwoTextNode" presStyleLbl="node3" presStyleIdx="13" presStyleCnt="15" custScaleX="39473" custScaleY="35422">
+      <dgm:prSet presAssocID="{7A49DEDE-23BD-45AB-9C88-35CA8EC3B894}" presName="LevelTwoTextNode" presStyleLbl="node3" presStyleIdx="13" presStyleCnt="15" custScaleX="112619" custScaleY="101063" custLinFactX="57985" custLinFactY="-23575" custLinFactNeighborX="100000" custLinFactNeighborY="-100000">
         <dgm:presLayoutVars>
           <dgm:chPref val="3"/>
         </dgm:presLayoutVars>
@@ -12268,7 +12468,7 @@
       <dgm:spPr/>
     </dgm:pt>
     <dgm:pt modelId="{28E2A27E-74D6-423F-9E7B-F366FF5A6BA1}" type="pres">
-      <dgm:prSet presAssocID="{510704B5-133E-43DB-A339-A9C1C50763EE}" presName="LevelTwoTextNode" presStyleLbl="node3" presStyleIdx="14" presStyleCnt="15" custScaleX="30452" custScaleY="36326" custLinFactNeighborY="-13016">
+      <dgm:prSet presAssocID="{510704B5-133E-43DB-A339-A9C1C50763EE}" presName="LevelTwoTextNode" presStyleLbl="node3" presStyleIdx="14" presStyleCnt="15" custScaleX="86885" custScaleY="103646" custLinFactX="57985" custLinFactY="-36591" custLinFactNeighborX="100000" custLinFactNeighborY="-100000">
         <dgm:presLayoutVars>
           <dgm:chPref val="3"/>
         </dgm:presLayoutVars>
@@ -14891,7 +15091,7 @@
       </dsp:nvSpPr>
       <dsp:spPr>
         <a:xfrm rot="16200000">
-          <a:off x="2420459" y="683944"/>
+          <a:off x="2426160" y="742191"/>
           <a:ext cx="900512" cy="280224"/>
         </a:xfrm>
         <a:prstGeom prst="leftArrow">
@@ -15394,9 +15594,9 @@
         <dsp:cNvSpPr/>
       </dsp:nvSpPr>
       <dsp:spPr>
-        <a:xfrm rot="16921107">
-          <a:off x="-53547" y="2406155"/>
-          <a:ext cx="2382992" cy="12139"/>
+        <a:xfrm rot="17121560">
+          <a:off x="1412" y="2406155"/>
+          <a:ext cx="2417088" cy="12139"/>
         </a:xfrm>
         <a:custGeom>
           <a:avLst/>
@@ -15410,7 +15610,7 @@
                 <a:pt x="0" y="6069"/>
               </a:moveTo>
               <a:lnTo>
-                <a:pt x="2382992" y="6069"/>
+                <a:pt x="2417088" y="6069"/>
               </a:lnTo>
             </a:path>
           </a:pathLst>
@@ -15465,8 +15665,8 @@
         </a:p>
       </dsp:txBody>
       <dsp:txXfrm>
-        <a:off x="1078373" y="2352650"/>
-        <a:ext cx="119149" cy="119149"/>
+        <a:off x="1149529" y="2351798"/>
+        <a:ext cx="120854" cy="120854"/>
       </dsp:txXfrm>
     </dsp:sp>
     <dsp:sp modelId="{34C3BED3-6D65-4B5F-BB24-EBD2D8EFB173}">
@@ -15476,7 +15676,7 @@
       </dsp:nvSpPr>
       <dsp:spPr>
         <a:xfrm>
-          <a:off x="1386050" y="1024384"/>
+          <a:off x="1530066" y="1024384"/>
           <a:ext cx="889847" cy="444923"/>
         </a:xfrm>
         <a:prstGeom prst="roundRect">
@@ -15546,7 +15746,7 @@
         </a:p>
       </dsp:txBody>
       <dsp:txXfrm>
-        <a:off x="1399081" y="1037415"/>
+        <a:off x="1543097" y="1037415"/>
         <a:ext cx="863785" cy="418861"/>
       </dsp:txXfrm>
     </dsp:sp>
@@ -15557,7 +15757,7 @@
       </dsp:nvSpPr>
       <dsp:spPr>
         <a:xfrm rot="17350740">
-          <a:off x="1912136" y="729114"/>
+          <a:off x="2056152" y="729114"/>
           <a:ext cx="1083459" cy="12139"/>
         </a:xfrm>
         <a:custGeom>
@@ -15627,7 +15827,7 @@
         </a:p>
       </dsp:txBody>
       <dsp:txXfrm>
-        <a:off x="2426780" y="708097"/>
+        <a:off x="2570796" y="708097"/>
         <a:ext cx="54172" cy="54172"/>
       </dsp:txXfrm>
     </dsp:sp>
@@ -15638,7 +15838,7 @@
       </dsp:nvSpPr>
       <dsp:spPr>
         <a:xfrm>
-          <a:off x="2631836" y="1059"/>
+          <a:off x="2775852" y="1059"/>
           <a:ext cx="889847" cy="444923"/>
         </a:xfrm>
         <a:prstGeom prst="roundRect">
@@ -15715,7 +15915,7 @@
         </a:p>
       </dsp:txBody>
       <dsp:txXfrm>
-        <a:off x="2644867" y="14090"/>
+        <a:off x="2788883" y="14090"/>
         <a:ext cx="863785" cy="418861"/>
       </dsp:txXfrm>
     </dsp:sp>
@@ -15726,7 +15926,7 @@
       </dsp:nvSpPr>
       <dsp:spPr>
         <a:xfrm rot="18289469">
-          <a:off x="2142221" y="984945"/>
+          <a:off x="2286237" y="984945"/>
           <a:ext cx="623290" cy="12139"/>
         </a:xfrm>
         <a:custGeom>
@@ -15796,7 +15996,7 @@
         </a:p>
       </dsp:txBody>
       <dsp:txXfrm>
-        <a:off x="2438284" y="975432"/>
+        <a:off x="2582300" y="975432"/>
         <a:ext cx="31164" cy="31164"/>
       </dsp:txXfrm>
     </dsp:sp>
@@ -15807,7 +16007,7 @@
       </dsp:nvSpPr>
       <dsp:spPr>
         <a:xfrm>
-          <a:off x="2631836" y="512721"/>
+          <a:off x="2775852" y="512721"/>
           <a:ext cx="889847" cy="444923"/>
         </a:xfrm>
         <a:prstGeom prst="roundRect">
@@ -15877,7 +16077,7 @@
         </a:p>
       </dsp:txBody>
       <dsp:txXfrm>
-        <a:off x="2644867" y="525752"/>
+        <a:off x="2788883" y="525752"/>
         <a:ext cx="863785" cy="418861"/>
       </dsp:txXfrm>
     </dsp:sp>
@@ -15888,7 +16088,7 @@
       </dsp:nvSpPr>
       <dsp:spPr>
         <a:xfrm>
-          <a:off x="2275897" y="1240776"/>
+          <a:off x="2419913" y="1240776"/>
           <a:ext cx="355938" cy="12139"/>
         </a:xfrm>
         <a:custGeom>
@@ -15958,7 +16158,7 @@
         </a:p>
       </dsp:txBody>
       <dsp:txXfrm>
-        <a:off x="2444968" y="1237947"/>
+        <a:off x="2588984" y="1237947"/>
         <a:ext cx="17796" cy="17796"/>
       </dsp:txXfrm>
     </dsp:sp>
@@ -15969,7 +16169,7 @@
       </dsp:nvSpPr>
       <dsp:spPr>
         <a:xfrm>
-          <a:off x="2631836" y="1024384"/>
+          <a:off x="2775852" y="1024384"/>
           <a:ext cx="889847" cy="444923"/>
         </a:xfrm>
         <a:prstGeom prst="roundRect">
@@ -16039,7 +16239,7 @@
         </a:p>
       </dsp:txBody>
       <dsp:txXfrm>
-        <a:off x="2644867" y="1037415"/>
+        <a:off x="2788883" y="1037415"/>
         <a:ext cx="863785" cy="418861"/>
       </dsp:txXfrm>
     </dsp:sp>
@@ -16050,7 +16250,7 @@
       </dsp:nvSpPr>
       <dsp:spPr>
         <a:xfrm rot="3310531">
-          <a:off x="2142221" y="1496607"/>
+          <a:off x="2286237" y="1496607"/>
           <a:ext cx="623290" cy="12139"/>
         </a:xfrm>
         <a:custGeom>
@@ -16120,7 +16320,7 @@
         </a:p>
       </dsp:txBody>
       <dsp:txXfrm>
-        <a:off x="2438284" y="1487094"/>
+        <a:off x="2582300" y="1487094"/>
         <a:ext cx="31164" cy="31164"/>
       </dsp:txXfrm>
     </dsp:sp>
@@ -16131,7 +16331,7 @@
       </dsp:nvSpPr>
       <dsp:spPr>
         <a:xfrm>
-          <a:off x="2631836" y="1536046"/>
+          <a:off x="2775852" y="1536046"/>
           <a:ext cx="889847" cy="444923"/>
         </a:xfrm>
         <a:prstGeom prst="roundRect">
@@ -16201,7 +16401,7 @@
         </a:p>
       </dsp:txBody>
       <dsp:txXfrm>
-        <a:off x="2644867" y="1549077"/>
+        <a:off x="2788883" y="1549077"/>
         <a:ext cx="863785" cy="418861"/>
       </dsp:txXfrm>
     </dsp:sp>
@@ -16212,7 +16412,7 @@
       </dsp:nvSpPr>
       <dsp:spPr>
         <a:xfrm rot="4249260">
-          <a:off x="1912136" y="1752438"/>
+          <a:off x="2056152" y="1752438"/>
           <a:ext cx="1083459" cy="12139"/>
         </a:xfrm>
         <a:custGeom>
@@ -16282,7 +16482,7 @@
         </a:p>
       </dsp:txBody>
       <dsp:txXfrm>
-        <a:off x="2426780" y="1731421"/>
+        <a:off x="2570796" y="1731421"/>
         <a:ext cx="54172" cy="54172"/>
       </dsp:txXfrm>
     </dsp:sp>
@@ -16293,7 +16493,7 @@
       </dsp:nvSpPr>
       <dsp:spPr>
         <a:xfrm>
-          <a:off x="2631836" y="2047708"/>
+          <a:off x="2775852" y="2047708"/>
           <a:ext cx="889847" cy="444923"/>
         </a:xfrm>
         <a:prstGeom prst="roundRect">
@@ -16367,7 +16567,7 @@
         </a:p>
       </dsp:txBody>
       <dsp:txXfrm>
-        <a:off x="2644867" y="2060739"/>
+        <a:off x="2788883" y="2060739"/>
         <a:ext cx="863785" cy="418861"/>
       </dsp:txXfrm>
     </dsp:sp>
@@ -16377,9 +16577,9 @@
         <dsp:cNvSpPr/>
       </dsp:nvSpPr>
       <dsp:spPr>
-        <a:xfrm rot="17383936">
-          <a:off x="391793" y="2863766"/>
-          <a:ext cx="1503842" cy="12139"/>
+        <a:xfrm rot="17683356">
+          <a:off x="436536" y="2863766"/>
+          <a:ext cx="1558373" cy="12139"/>
         </a:xfrm>
         <a:custGeom>
           <a:avLst/>
@@ -16393,7 +16593,7 @@
                 <a:pt x="0" y="6069"/>
               </a:moveTo>
               <a:lnTo>
-                <a:pt x="1503842" y="6069"/>
+                <a:pt x="1558373" y="6069"/>
               </a:lnTo>
             </a:path>
           </a:pathLst>
@@ -16448,8 +16648,8 @@
         </a:p>
       </dsp:txBody>
       <dsp:txXfrm>
-        <a:off x="1106118" y="2832239"/>
-        <a:ext cx="75192" cy="75192"/>
+        <a:off x="1176763" y="2830876"/>
+        <a:ext cx="77918" cy="77918"/>
       </dsp:txXfrm>
     </dsp:sp>
     <dsp:sp modelId="{7714C038-3051-4836-803A-E8A204E45EA8}">
@@ -16459,7 +16659,7 @@
       </dsp:nvSpPr>
       <dsp:spPr>
         <a:xfrm>
-          <a:off x="1397582" y="1939605"/>
+          <a:off x="1541598" y="1939605"/>
           <a:ext cx="889847" cy="444923"/>
         </a:xfrm>
         <a:prstGeom prst="roundRect">
@@ -16529,7 +16729,7 @@
         </a:p>
       </dsp:txBody>
       <dsp:txXfrm>
-        <a:off x="1410613" y="1952636"/>
+        <a:off x="1554629" y="1952636"/>
         <a:ext cx="863785" cy="418861"/>
       </dsp:txXfrm>
     </dsp:sp>
@@ -16539,9 +16739,9 @@
         <dsp:cNvSpPr/>
       </dsp:nvSpPr>
       <dsp:spPr>
-        <a:xfrm rot="20845375">
-          <a:off x="867730" y="3370837"/>
-          <a:ext cx="1843359" cy="12139"/>
+        <a:xfrm rot="20227747">
+          <a:off x="806948" y="3161709"/>
+          <a:ext cx="2108940" cy="12139"/>
         </a:xfrm>
         <a:custGeom>
           <a:avLst/>
@@ -16555,7 +16755,7 @@
                 <a:pt x="0" y="6069"/>
               </a:moveTo>
               <a:lnTo>
-                <a:pt x="1843359" y="6069"/>
+                <a:pt x="2108940" y="6069"/>
               </a:lnTo>
             </a:path>
           </a:pathLst>
@@ -16610,8 +16810,8 @@
         </a:p>
       </dsp:txBody>
       <dsp:txXfrm>
-        <a:off x="1743326" y="3330822"/>
-        <a:ext cx="92167" cy="92167"/>
+        <a:off x="1808694" y="3115055"/>
+        <a:ext cx="105447" cy="105447"/>
       </dsp:txXfrm>
     </dsp:sp>
     <dsp:sp modelId="{92A01BC4-C7D3-4D97-8F9E-70161BEA9773}">
@@ -16621,7 +16821,7 @@
       </dsp:nvSpPr>
       <dsp:spPr>
         <a:xfrm>
-          <a:off x="2688973" y="2953746"/>
+          <a:off x="2832989" y="2535491"/>
           <a:ext cx="889847" cy="444923"/>
         </a:xfrm>
         <a:prstGeom prst="roundRect">
@@ -16682,7 +16882,7 @@
             </a:spcAft>
           </a:pPr>
           <a:r>
-            <a:rPr lang="zh-TW" altLang="en-US" sz="1200" kern="1200">
+            <a:rPr lang="zh-TW" altLang="en-US" sz="1200" kern="1200" dirty="0">
               <a:latin typeface="微軟正黑體" panose="020B0604030504040204" pitchFamily="34" charset="-120"/>
               <a:ea typeface="微軟正黑體" panose="020B0604030504040204" pitchFamily="34" charset="-120"/>
             </a:rPr>
@@ -16691,7 +16891,7 @@
         </a:p>
       </dsp:txBody>
       <dsp:txXfrm>
-        <a:off x="2702004" y="2966777"/>
+        <a:off x="2846020" y="2548522"/>
         <a:ext cx="863785" cy="418861"/>
       </dsp:txXfrm>
     </dsp:sp>
@@ -16701,9 +16901,9 @@
         <dsp:cNvSpPr/>
       </dsp:nvSpPr>
       <dsp:spPr>
-        <a:xfrm rot="16901781">
-          <a:off x="3162234" y="2658476"/>
-          <a:ext cx="1045023" cy="12139"/>
+        <a:xfrm rot="17350527">
+          <a:off x="3359052" y="2240221"/>
+          <a:ext cx="1083436" cy="12139"/>
         </a:xfrm>
         <a:custGeom>
           <a:avLst/>
@@ -16717,7 +16917,7 @@
                 <a:pt x="0" y="6069"/>
               </a:moveTo>
               <a:lnTo>
-                <a:pt x="1045023" y="6069"/>
+                <a:pt x="1083436" y="6069"/>
               </a:lnTo>
             </a:path>
           </a:pathLst>
@@ -16772,8 +16972,8 @@
         </a:p>
       </dsp:txBody>
       <dsp:txXfrm>
-        <a:off x="3658621" y="2638420"/>
-        <a:ext cx="52251" cy="52251"/>
+        <a:off x="3873684" y="2219205"/>
+        <a:ext cx="54171" cy="54171"/>
       </dsp:txXfrm>
     </dsp:sp>
     <dsp:sp modelId="{340F566F-6FB8-4191-A03A-4AF20AE77B9B}">
@@ -16783,7 +16983,7 @@
       </dsp:nvSpPr>
       <dsp:spPr>
         <a:xfrm>
-          <a:off x="3790672" y="1930422"/>
+          <a:off x="4078704" y="1512167"/>
           <a:ext cx="889847" cy="444923"/>
         </a:xfrm>
         <a:prstGeom prst="roundRect">
@@ -16853,7 +17053,7 @@
         </a:p>
       </dsp:txBody>
       <dsp:txXfrm>
-        <a:off x="3803703" y="1943453"/>
+        <a:off x="4091735" y="1525198"/>
         <a:ext cx="863785" cy="418861"/>
       </dsp:txXfrm>
     </dsp:sp>
@@ -16863,9 +17063,9 @@
         <dsp:cNvSpPr/>
       </dsp:nvSpPr>
       <dsp:spPr>
-        <a:xfrm rot="17549511">
-          <a:off x="3407853" y="2914307"/>
-          <a:ext cx="553786" cy="12139"/>
+        <a:xfrm rot="18289147">
+          <a:off x="3589145" y="2496052"/>
+          <a:ext cx="623249" cy="12139"/>
         </a:xfrm>
         <a:custGeom>
           <a:avLst/>
@@ -16879,7 +17079,7 @@
                 <a:pt x="0" y="6069"/>
               </a:moveTo>
               <a:lnTo>
-                <a:pt x="553786" y="6069"/>
+                <a:pt x="623249" y="6069"/>
               </a:lnTo>
             </a:path>
           </a:pathLst>
@@ -16934,8 +17134,8 @@
         </a:p>
       </dsp:txBody>
       <dsp:txXfrm>
-        <a:off x="3670902" y="2906532"/>
-        <a:ext cx="27689" cy="27689"/>
+        <a:off x="3885189" y="2486541"/>
+        <a:ext cx="31162" cy="31162"/>
       </dsp:txXfrm>
     </dsp:sp>
     <dsp:sp modelId="{96FA0196-0B2D-4137-A790-DD1673C46F35}">
@@ -16945,7 +17145,7 @@
       </dsp:nvSpPr>
       <dsp:spPr>
         <a:xfrm>
-          <a:off x="3790672" y="2442084"/>
+          <a:off x="4078704" y="2023829"/>
           <a:ext cx="889847" cy="444923"/>
         </a:xfrm>
         <a:prstGeom prst="roundRect">
@@ -17015,7 +17215,7 @@
         </a:p>
       </dsp:txBody>
       <dsp:txXfrm>
-        <a:off x="3803703" y="2455115"/>
+        <a:off x="4091735" y="2036860"/>
         <a:ext cx="863785" cy="418861"/>
       </dsp:txXfrm>
     </dsp:sp>
@@ -17026,8 +17226,8 @@
       </dsp:nvSpPr>
       <dsp:spPr>
         <a:xfrm>
-          <a:off x="3578820" y="3170138"/>
-          <a:ext cx="211852" cy="12139"/>
+          <a:off x="3722836" y="2751883"/>
+          <a:ext cx="355867" cy="12139"/>
         </a:xfrm>
         <a:custGeom>
           <a:avLst/>
@@ -17041,7 +17241,7 @@
                 <a:pt x="0" y="6069"/>
               </a:moveTo>
               <a:lnTo>
-                <a:pt x="211852" y="6069"/>
+                <a:pt x="355867" y="6069"/>
               </a:lnTo>
             </a:path>
           </a:pathLst>
@@ -17096,8 +17296,8 @@
         </a:p>
       </dsp:txBody>
       <dsp:txXfrm>
-        <a:off x="3679450" y="3170911"/>
-        <a:ext cx="10592" cy="10592"/>
+        <a:off x="3891873" y="2749056"/>
+        <a:ext cx="17793" cy="17793"/>
       </dsp:txXfrm>
     </dsp:sp>
     <dsp:sp modelId="{2565E88F-ED17-4BE6-A286-814686EEAA58}">
@@ -17107,7 +17307,7 @@
       </dsp:nvSpPr>
       <dsp:spPr>
         <a:xfrm>
-          <a:off x="3790672" y="2953746"/>
+          <a:off x="4078704" y="2535491"/>
           <a:ext cx="889847" cy="444923"/>
         </a:xfrm>
         <a:prstGeom prst="roundRect">
@@ -17168,7 +17368,7 @@
             </a:spcAft>
           </a:pPr>
           <a:r>
-            <a:rPr lang="zh-TW" altLang="en-US" sz="1200" kern="1200">
+            <a:rPr lang="zh-TW" altLang="en-US" sz="1200" kern="1200" dirty="0">
               <a:latin typeface="微軟正黑體" panose="020B0604030504040204" pitchFamily="34" charset="-120"/>
               <a:ea typeface="微軟正黑體" panose="020B0604030504040204" pitchFamily="34" charset="-120"/>
             </a:rPr>
@@ -17177,7 +17377,7 @@
         </a:p>
       </dsp:txBody>
       <dsp:txXfrm>
-        <a:off x="3803703" y="2966777"/>
+        <a:off x="4091735" y="2548522"/>
         <a:ext cx="863785" cy="418861"/>
       </dsp:txXfrm>
     </dsp:sp>
@@ -17187,9 +17387,9 @@
         <dsp:cNvSpPr/>
       </dsp:nvSpPr>
       <dsp:spPr>
-        <a:xfrm rot="4050489">
-          <a:off x="3407853" y="3425969"/>
-          <a:ext cx="553786" cy="12139"/>
+        <a:xfrm rot="3310853">
+          <a:off x="3589145" y="3007714"/>
+          <a:ext cx="623249" cy="12139"/>
         </a:xfrm>
         <a:custGeom>
           <a:avLst/>
@@ -17203,7 +17403,7 @@
                 <a:pt x="0" y="6069"/>
               </a:moveTo>
               <a:lnTo>
-                <a:pt x="553786" y="6069"/>
+                <a:pt x="623249" y="6069"/>
               </a:lnTo>
             </a:path>
           </a:pathLst>
@@ -17258,8 +17458,8 @@
         </a:p>
       </dsp:txBody>
       <dsp:txXfrm>
-        <a:off x="3670902" y="3418194"/>
-        <a:ext cx="27689" cy="27689"/>
+        <a:off x="3885189" y="2998203"/>
+        <a:ext cx="31162" cy="31162"/>
       </dsp:txXfrm>
     </dsp:sp>
     <dsp:sp modelId="{6EE0ADE5-E0CD-43CA-92E9-05AE1C176E44}">
@@ -17269,7 +17469,7 @@
       </dsp:nvSpPr>
       <dsp:spPr>
         <a:xfrm>
-          <a:off x="3790672" y="3465408"/>
+          <a:off x="4078704" y="3047153"/>
           <a:ext cx="889847" cy="444923"/>
         </a:xfrm>
         <a:prstGeom prst="roundRect">
@@ -17339,7 +17539,7 @@
         </a:p>
       </dsp:txBody>
       <dsp:txXfrm>
-        <a:off x="3803703" y="3478439"/>
+        <a:off x="4091735" y="3060184"/>
         <a:ext cx="863785" cy="418861"/>
       </dsp:txXfrm>
     </dsp:sp>
@@ -17349,9 +17549,9 @@
         <dsp:cNvSpPr/>
       </dsp:nvSpPr>
       <dsp:spPr>
-        <a:xfrm rot="4698219">
-          <a:off x="3162234" y="3681800"/>
-          <a:ext cx="1045023" cy="12139"/>
+        <a:xfrm rot="4249473">
+          <a:off x="3359052" y="3263545"/>
+          <a:ext cx="1083436" cy="12139"/>
         </a:xfrm>
         <a:custGeom>
           <a:avLst/>
@@ -17365,7 +17565,7 @@
                 <a:pt x="0" y="6069"/>
               </a:moveTo>
               <a:lnTo>
-                <a:pt x="1045023" y="6069"/>
+                <a:pt x="1083436" y="6069"/>
               </a:lnTo>
             </a:path>
           </a:pathLst>
@@ -17420,8 +17620,8 @@
         </a:p>
       </dsp:txBody>
       <dsp:txXfrm>
-        <a:off x="3658621" y="3661744"/>
-        <a:ext cx="52251" cy="52251"/>
+        <a:off x="3873684" y="3242529"/>
+        <a:ext cx="54171" cy="54171"/>
       </dsp:txXfrm>
     </dsp:sp>
     <dsp:sp modelId="{4A1246BE-B9B4-40C2-8101-9DE77AE4353C}">
@@ -17431,7 +17631,7 @@
       </dsp:nvSpPr>
       <dsp:spPr>
         <a:xfrm>
-          <a:off x="3790672" y="3977070"/>
+          <a:off x="4078704" y="3558815"/>
           <a:ext cx="889847" cy="444923"/>
         </a:xfrm>
         <a:prstGeom prst="roundRect">
@@ -17492,7 +17692,7 @@
             </a:spcAft>
           </a:pPr>
           <a:r>
-            <a:rPr lang="zh-TW" altLang="en-US" sz="1200" kern="1200">
+            <a:rPr lang="zh-TW" altLang="en-US" sz="1200" kern="1200" dirty="0">
               <a:latin typeface="微軟正黑體" panose="020B0604030504040204" pitchFamily="34" charset="-120"/>
               <a:ea typeface="微軟正黑體" panose="020B0604030504040204" pitchFamily="34" charset="-120"/>
             </a:rPr>
@@ -17501,7 +17701,7 @@
         </a:p>
       </dsp:txBody>
       <dsp:txXfrm>
-        <a:off x="3803703" y="3990101"/>
+        <a:off x="4091735" y="3571846"/>
         <a:ext cx="863785" cy="418861"/>
       </dsp:txXfrm>
     </dsp:sp>
@@ -17511,9 +17711,9 @@
         <dsp:cNvSpPr/>
       </dsp:nvSpPr>
       <dsp:spPr>
-        <a:xfrm rot="1039489">
-          <a:off x="854219" y="3805387"/>
-          <a:ext cx="1570591" cy="12139"/>
+        <a:xfrm rot="21063026">
+          <a:off x="879720" y="3442136"/>
+          <a:ext cx="1663605" cy="12139"/>
         </a:xfrm>
         <a:custGeom>
           <a:avLst/>
@@ -17527,7 +17727,7 @@
                 <a:pt x="0" y="6069"/>
               </a:moveTo>
               <a:lnTo>
-                <a:pt x="1570591" y="6069"/>
+                <a:pt x="1663605" y="6069"/>
               </a:lnTo>
             </a:path>
           </a:pathLst>
@@ -17582,8 +17782,8 @@
         </a:p>
       </dsp:txBody>
       <dsp:txXfrm>
-        <a:off x="1600250" y="3772192"/>
-        <a:ext cx="78529" cy="78529"/>
+        <a:off x="1669933" y="3406615"/>
+        <a:ext cx="83180" cy="83180"/>
       </dsp:txXfrm>
     </dsp:sp>
     <dsp:sp modelId="{708F0C8E-E961-4129-8F68-B1C0D0A4A31C}">
@@ -17593,7 +17793,7 @@
       </dsp:nvSpPr>
       <dsp:spPr>
         <a:xfrm>
-          <a:off x="2389183" y="3822846"/>
+          <a:off x="2533199" y="3096344"/>
           <a:ext cx="1099299" cy="444923"/>
         </a:xfrm>
         <a:prstGeom prst="roundRect">
@@ -17654,7 +17854,7 @@
             </a:spcAft>
           </a:pPr>
           <a:r>
-            <a:rPr lang="zh-TW" altLang="en-US" sz="1200" kern="1200">
+            <a:rPr lang="zh-TW" altLang="en-US" sz="1200" kern="1200" dirty="0">
               <a:latin typeface="微軟正黑體" panose="020B0604030504040204" pitchFamily="34" charset="-120"/>
               <a:ea typeface="微軟正黑體" panose="020B0604030504040204" pitchFamily="34" charset="-120"/>
             </a:rPr>
@@ -17663,7 +17863,7 @@
         </a:p>
       </dsp:txBody>
       <dsp:txXfrm>
-        <a:off x="2402214" y="3835877"/>
+        <a:off x="2546230" y="3109375"/>
         <a:ext cx="1073237" cy="418861"/>
       </dsp:txXfrm>
     </dsp:sp>
@@ -17673,9 +17873,9 @@
         <dsp:cNvSpPr/>
       </dsp:nvSpPr>
       <dsp:spPr>
-        <a:xfrm rot="2001776">
-          <a:off x="739652" y="4072748"/>
-          <a:ext cx="1822790" cy="12139"/>
+        <a:xfrm rot="564101">
+          <a:off x="878502" y="3709497"/>
+          <a:ext cx="1689106" cy="12139"/>
         </a:xfrm>
         <a:custGeom>
           <a:avLst/>
@@ -17689,7 +17889,7 @@
                 <a:pt x="0" y="6069"/>
               </a:moveTo>
               <a:lnTo>
-                <a:pt x="1822790" y="6069"/>
+                <a:pt x="1689106" y="6069"/>
               </a:lnTo>
             </a:path>
           </a:pathLst>
@@ -17744,8 +17944,8 @@
         </a:p>
       </dsp:txBody>
       <dsp:txXfrm>
-        <a:off x="1605478" y="4033248"/>
-        <a:ext cx="91139" cy="91139"/>
+        <a:off x="1680828" y="3673339"/>
+        <a:ext cx="84455" cy="84455"/>
       </dsp:txXfrm>
     </dsp:sp>
     <dsp:sp modelId="{2AF5E555-51EE-4919-8F64-85B2487C9400}">
@@ -17755,7 +17955,7 @@
       </dsp:nvSpPr>
       <dsp:spPr>
         <a:xfrm>
-          <a:off x="2412248" y="4357569"/>
+          <a:off x="2556264" y="3631066"/>
           <a:ext cx="889847" cy="444923"/>
         </a:xfrm>
         <a:prstGeom prst="roundRect">
@@ -17825,7 +18025,7 @@
         </a:p>
       </dsp:txBody>
       <dsp:txXfrm>
-        <a:off x="2425279" y="4370600"/>
+        <a:off x="2569295" y="3644097"/>
         <a:ext cx="863785" cy="418861"/>
       </dsp:txXfrm>
     </dsp:sp>
@@ -17835,9 +18035,9 @@
         <dsp:cNvSpPr/>
       </dsp:nvSpPr>
       <dsp:spPr>
-        <a:xfrm rot="2690589">
-          <a:off x="577482" y="4328579"/>
-          <a:ext cx="2147130" cy="12139"/>
+        <a:xfrm rot="1517788">
+          <a:off x="801475" y="3965328"/>
+          <a:ext cx="1843159" cy="12139"/>
         </a:xfrm>
         <a:custGeom>
           <a:avLst/>
@@ -17851,7 +18051,7 @@
                 <a:pt x="0" y="6069"/>
               </a:moveTo>
               <a:lnTo>
-                <a:pt x="2147130" y="6069"/>
+                <a:pt x="1843159" y="6069"/>
               </a:lnTo>
             </a:path>
           </a:pathLst>
@@ -17906,8 +18106,8 @@
         </a:p>
       </dsp:txBody>
       <dsp:txXfrm>
-        <a:off x="1597369" y="4280970"/>
-        <a:ext cx="107356" cy="107356"/>
+        <a:off x="1676976" y="3925318"/>
+        <a:ext cx="92157" cy="92157"/>
       </dsp:txXfrm>
     </dsp:sp>
     <dsp:sp modelId="{08C122BC-E676-4C1F-8875-337EC6A52306}">
@@ -17917,7 +18117,7 @@
       </dsp:nvSpPr>
       <dsp:spPr>
         <a:xfrm>
-          <a:off x="2412248" y="4869231"/>
+          <a:off x="2556264" y="4142729"/>
           <a:ext cx="889847" cy="444923"/>
         </a:xfrm>
         <a:prstGeom prst="roundRect">
@@ -17987,7 +18187,7 @@
         </a:p>
       </dsp:txBody>
       <dsp:txXfrm>
-        <a:off x="2425279" y="4882262"/>
+        <a:off x="2569295" y="4155760"/>
         <a:ext cx="863785" cy="418861"/>
       </dsp:txXfrm>
     </dsp:sp>
@@ -17997,9 +18197,9 @@
         <dsp:cNvSpPr/>
       </dsp:nvSpPr>
       <dsp:spPr>
-        <a:xfrm rot="2656857">
-          <a:off x="484822" y="4566974"/>
-          <a:ext cx="2851535" cy="12139"/>
+        <a:xfrm rot="2078326">
+          <a:off x="683196" y="4234224"/>
+          <a:ext cx="2331768" cy="12139"/>
         </a:xfrm>
         <a:custGeom>
           <a:avLst/>
@@ -18013,7 +18213,7 @@
                 <a:pt x="0" y="6069"/>
               </a:moveTo>
               <a:lnTo>
-                <a:pt x="2851535" y="6069"/>
+                <a:pt x="2331768" y="6069"/>
               </a:lnTo>
             </a:path>
           </a:pathLst>
@@ -18068,8 +18268,8 @@
         </a:p>
       </dsp:txBody>
       <dsp:txXfrm>
-        <a:off x="1839301" y="4501755"/>
-        <a:ext cx="142576" cy="142576"/>
+        <a:off x="1790786" y="4182000"/>
+        <a:ext cx="116588" cy="116588"/>
       </dsp:txXfrm>
     </dsp:sp>
     <dsp:sp modelId="{CD60D6AB-4044-4A46-A5F7-FCD2394DBD13}">
@@ -18079,7 +18279,7 @@
       </dsp:nvSpPr>
       <dsp:spPr>
         <a:xfrm>
-          <a:off x="2931332" y="5346020"/>
+          <a:off x="2808313" y="4680521"/>
           <a:ext cx="889847" cy="444923"/>
         </a:xfrm>
         <a:prstGeom prst="roundRect">
@@ -18140,7 +18340,7 @@
             </a:spcAft>
           </a:pPr>
           <a:r>
-            <a:rPr lang="zh-TW" altLang="en-US" sz="1200" kern="1200">
+            <a:rPr lang="zh-TW" altLang="en-US" sz="1200" kern="1200" dirty="0">
               <a:latin typeface="微軟正黑體" panose="020B0604030504040204" pitchFamily="34" charset="-120"/>
               <a:ea typeface="微軟正黑體" panose="020B0604030504040204" pitchFamily="34" charset="-120"/>
             </a:rPr>
@@ -18149,7 +18349,7 @@
         </a:p>
       </dsp:txBody>
       <dsp:txXfrm>
-        <a:off x="2944363" y="5359051"/>
+        <a:off x="2821344" y="4693552"/>
         <a:ext cx="863785" cy="418861"/>
       </dsp:txXfrm>
     </dsp:sp>
@@ -18159,9 +18359,9 @@
         <dsp:cNvSpPr/>
       </dsp:nvSpPr>
       <dsp:spPr>
-        <a:xfrm rot="15513228">
-          <a:off x="3508357" y="5306581"/>
-          <a:ext cx="522044" cy="12139"/>
+        <a:xfrm rot="17843558">
+          <a:off x="3544902" y="4644884"/>
+          <a:ext cx="567713" cy="12139"/>
         </a:xfrm>
         <a:custGeom>
           <a:avLst/>
@@ -18175,7 +18375,7 @@
                 <a:pt x="0" y="6069"/>
               </a:moveTo>
               <a:lnTo>
-                <a:pt x="522044" y="6069"/>
+                <a:pt x="567713" y="6069"/>
               </a:lnTo>
             </a:path>
           </a:pathLst>
@@ -18229,9 +18429,9 @@
           </a:endParaRPr>
         </a:p>
       </dsp:txBody>
-      <dsp:txXfrm rot="10800000">
-        <a:off x="3756328" y="5299600"/>
-        <a:ext cx="26102" cy="26102"/>
+      <dsp:txXfrm>
+        <a:off x="3814566" y="4636761"/>
+        <a:ext cx="28385" cy="28385"/>
       </dsp:txXfrm>
     </dsp:sp>
     <dsp:sp modelId="{944372C6-B2FF-43EF-8291-2C7825362B5A}">
@@ -18241,7 +18441,7 @@
       </dsp:nvSpPr>
       <dsp:spPr>
         <a:xfrm>
-          <a:off x="3717580" y="4834358"/>
+          <a:off x="3959357" y="4176463"/>
           <a:ext cx="962939" cy="444923"/>
         </a:xfrm>
         <a:prstGeom prst="roundRect">
@@ -18325,7 +18525,7 @@
         </a:p>
       </dsp:txBody>
       <dsp:txXfrm>
-        <a:off x="3730611" y="4847389"/>
+        <a:off x="3972388" y="4189494"/>
         <a:ext cx="936877" cy="418861"/>
       </dsp:txXfrm>
     </dsp:sp>
@@ -18335,9 +18535,9 @@
         <dsp:cNvSpPr/>
       </dsp:nvSpPr>
       <dsp:spPr>
-        <a:xfrm rot="10800000">
-          <a:off x="3790672" y="5562412"/>
-          <a:ext cx="30506" cy="12139"/>
+        <a:xfrm rot="78182">
+          <a:off x="3698117" y="4900715"/>
+          <a:ext cx="334375" cy="12139"/>
         </a:xfrm>
         <a:custGeom>
           <a:avLst/>
@@ -18351,7 +18551,7 @@
                 <a:pt x="0" y="6069"/>
               </a:moveTo>
               <a:lnTo>
-                <a:pt x="30506" y="6069"/>
+                <a:pt x="334375" y="6069"/>
               </a:lnTo>
             </a:path>
           </a:pathLst>
@@ -18405,9 +18605,9 @@
           </a:endParaRPr>
         </a:p>
       </dsp:txBody>
-      <dsp:txXfrm rot="10800000">
-        <a:off x="3805163" y="5567719"/>
-        <a:ext cx="1525" cy="1525"/>
+      <dsp:txXfrm>
+        <a:off x="3856946" y="4898425"/>
+        <a:ext cx="16718" cy="16718"/>
       </dsp:txXfrm>
     </dsp:sp>
     <dsp:sp modelId="{EF115853-C335-4E89-95FF-7D618D1563EF}">
@@ -18417,7 +18617,7 @@
       </dsp:nvSpPr>
       <dsp:spPr>
         <a:xfrm>
-          <a:off x="3790672" y="5346020"/>
+          <a:off x="4032450" y="4688125"/>
           <a:ext cx="889847" cy="444923"/>
         </a:xfrm>
         <a:prstGeom prst="roundRect">
@@ -18478,7 +18678,7 @@
             </a:spcAft>
           </a:pPr>
           <a:r>
-            <a:rPr lang="zh-TW" altLang="en-US" sz="1200" kern="1200">
+            <a:rPr lang="zh-TW" altLang="en-US" sz="1200" kern="1200" dirty="0">
               <a:latin typeface="微軟正黑體" panose="020B0604030504040204" pitchFamily="34" charset="-120"/>
               <a:ea typeface="微軟正黑體" panose="020B0604030504040204" pitchFamily="34" charset="-120"/>
             </a:rPr>
@@ -18487,7 +18687,7 @@
         </a:p>
       </dsp:txBody>
       <dsp:txXfrm>
-        <a:off x="3803703" y="5359051"/>
+        <a:off x="4045481" y="4701156"/>
         <a:ext cx="863785" cy="418861"/>
       </dsp:txXfrm>
     </dsp:sp>
@@ -18497,9 +18697,9 @@
         <dsp:cNvSpPr/>
       </dsp:nvSpPr>
       <dsp:spPr>
-        <a:xfrm rot="5604725">
-          <a:off x="3549640" y="5818244"/>
-          <a:ext cx="512570" cy="12139"/>
+        <a:xfrm rot="3433662">
+          <a:off x="3556523" y="5156546"/>
+          <a:ext cx="617564" cy="12139"/>
         </a:xfrm>
         <a:custGeom>
           <a:avLst/>
@@ -18513,7 +18713,7 @@
                 <a:pt x="0" y="6069"/>
               </a:moveTo>
               <a:lnTo>
-                <a:pt x="512570" y="6069"/>
+                <a:pt x="617564" y="6069"/>
               </a:lnTo>
             </a:path>
           </a:pathLst>
@@ -18567,9 +18767,9 @@
           </a:endParaRPr>
         </a:p>
       </dsp:txBody>
-      <dsp:txXfrm rot="10800000">
-        <a:off x="3793111" y="5811499"/>
-        <a:ext cx="25628" cy="25628"/>
+      <dsp:txXfrm>
+        <a:off x="3849866" y="5147177"/>
+        <a:ext cx="30878" cy="30878"/>
       </dsp:txXfrm>
     </dsp:sp>
     <dsp:sp modelId="{A104B2A0-FE43-4762-BD31-C25C73F4D274}">
@@ -18579,7 +18779,7 @@
       </dsp:nvSpPr>
       <dsp:spPr>
         <a:xfrm>
-          <a:off x="3790672" y="5857682"/>
+          <a:off x="4032450" y="5199787"/>
           <a:ext cx="889847" cy="444923"/>
         </a:xfrm>
         <a:prstGeom prst="roundRect">
@@ -18649,7 +18849,7 @@
         </a:p>
       </dsp:txBody>
       <dsp:txXfrm>
-        <a:off x="3803703" y="5870713"/>
+        <a:off x="4045481" y="5212818"/>
         <a:ext cx="863785" cy="418861"/>
       </dsp:txXfrm>
     </dsp:sp>
@@ -20278,8 +20478,8 @@
       </dsp:nvSpPr>
       <dsp:spPr>
         <a:xfrm>
-          <a:off x="1951716" y="2853888"/>
-          <a:ext cx="673523" cy="336761"/>
+          <a:off x="919893" y="2859368"/>
+          <a:ext cx="781745" cy="390872"/>
         </a:xfrm>
         <a:prstGeom prst="roundRect">
           <a:avLst>
@@ -20322,12 +20522,12 @@
         </a:fontRef>
       </dsp:style>
       <dsp:txBody>
-        <a:bodyPr spcFirstLastPara="0" vert="horz" wrap="square" lIns="7620" tIns="7620" rIns="7620" bIns="7620" numCol="1" spcCol="1270" anchor="ctr" anchorCtr="0">
+        <a:bodyPr spcFirstLastPara="0" vert="horz" wrap="square" lIns="8890" tIns="8890" rIns="8890" bIns="8890" numCol="1" spcCol="1270" anchor="ctr" anchorCtr="0">
           <a:noAutofit/>
         </a:bodyPr>
         <a:lstStyle/>
         <a:p>
-          <a:pPr lvl="0" algn="ctr" defTabSz="533400">
+          <a:pPr lvl="0" algn="ctr" defTabSz="622300">
             <a:lnSpc>
               <a:spcPct val="90000"/>
             </a:lnSpc>
@@ -20339,7 +20539,7 @@
             </a:spcAft>
           </a:pPr>
           <a:r>
-            <a:rPr lang="zh-TW" altLang="en-US" sz="1200" kern="1200">
+            <a:rPr lang="zh-TW" altLang="en-US" sz="1400" kern="1200" dirty="0">
               <a:latin typeface="微軟正黑體" panose="020B0604030504040204" pitchFamily="34" charset="-120"/>
               <a:ea typeface="微軟正黑體" panose="020B0604030504040204" pitchFamily="34" charset="-120"/>
             </a:rPr>
@@ -20348,8 +20548,8 @@
         </a:p>
       </dsp:txBody>
       <dsp:txXfrm>
-        <a:off x="1961579" y="2863751"/>
-        <a:ext cx="653797" cy="317035"/>
+        <a:off x="931341" y="2870816"/>
+        <a:ext cx="758849" cy="367976"/>
       </dsp:txXfrm>
     </dsp:sp>
     <dsp:sp modelId="{03F9D833-C8E1-469B-8126-5F8F58A00191}">
@@ -20358,9 +20558,9 @@
         <dsp:cNvSpPr/>
       </dsp:nvSpPr>
       <dsp:spPr>
-        <a:xfrm rot="17352473">
-          <a:off x="1943141" y="2045228"/>
-          <a:ext cx="2033071" cy="34189"/>
+        <a:xfrm rot="17504785">
+          <a:off x="951492" y="1941004"/>
+          <a:ext cx="2383305" cy="13908"/>
         </a:xfrm>
         <a:custGeom>
           <a:avLst/>
@@ -20371,10 +20571,10 @@
           <a:pathLst>
             <a:path>
               <a:moveTo>
-                <a:pt x="0" y="17094"/>
+                <a:pt x="0" y="6954"/>
               </a:moveTo>
               <a:lnTo>
-                <a:pt x="2033071" y="17094"/>
+                <a:pt x="2383305" y="6954"/>
               </a:lnTo>
             </a:path>
           </a:pathLst>
@@ -20411,7 +20611,7 @@
         </a:bodyPr>
         <a:lstStyle/>
         <a:p>
-          <a:pPr lvl="0" algn="ctr" defTabSz="533400">
+          <a:pPr lvl="0" algn="ctr" defTabSz="622300">
             <a:lnSpc>
               <a:spcPct val="90000"/>
             </a:lnSpc>
@@ -20422,15 +20622,15 @@
               <a:spcPct val="35000"/>
             </a:spcAft>
           </a:pPr>
-          <a:endParaRPr lang="zh-TW" altLang="en-US" sz="1200" kern="1200">
+          <a:endParaRPr lang="zh-TW" altLang="en-US" sz="1400" kern="1200">
             <a:latin typeface="微軟正黑體" panose="020B0604030504040204" pitchFamily="34" charset="-120"/>
             <a:ea typeface="微軟正黑體" panose="020B0604030504040204" pitchFamily="34" charset="-120"/>
           </a:endParaRPr>
         </a:p>
       </dsp:txBody>
       <dsp:txXfrm>
-        <a:off x="2908850" y="2011496"/>
-        <a:ext cx="101653" cy="101653"/>
+        <a:off x="2083562" y="1888376"/>
+        <a:ext cx="119165" cy="119165"/>
       </dsp:txXfrm>
     </dsp:sp>
     <dsp:sp modelId="{CEAD2306-2575-4487-9C99-DD07342A440B}">
@@ -20440,8 +20640,8 @@
       </dsp:nvSpPr>
       <dsp:spPr>
         <a:xfrm>
-          <a:off x="3294114" y="938151"/>
-          <a:ext cx="1349837" cy="328449"/>
+          <a:off x="2584651" y="650498"/>
+          <a:ext cx="1566754" cy="381229"/>
         </a:xfrm>
         <a:prstGeom prst="roundRect">
           <a:avLst>
@@ -20484,12 +20684,12 @@
         </a:fontRef>
       </dsp:style>
       <dsp:txBody>
-        <a:bodyPr spcFirstLastPara="0" vert="horz" wrap="square" lIns="7620" tIns="7620" rIns="7620" bIns="7620" numCol="1" spcCol="1270" anchor="ctr" anchorCtr="0">
+        <a:bodyPr spcFirstLastPara="0" vert="horz" wrap="square" lIns="8890" tIns="8890" rIns="8890" bIns="8890" numCol="1" spcCol="1270" anchor="ctr" anchorCtr="0">
           <a:noAutofit/>
         </a:bodyPr>
         <a:lstStyle/>
         <a:p>
-          <a:pPr lvl="0" algn="ctr" defTabSz="533400">
+          <a:pPr lvl="0" algn="ctr" defTabSz="622300">
             <a:lnSpc>
               <a:spcPct val="90000"/>
             </a:lnSpc>
@@ -20501,7 +20701,7 @@
             </a:spcAft>
           </a:pPr>
           <a:r>
-            <a:rPr lang="zh-TW" altLang="en-US" sz="1200" kern="1200" dirty="0">
+            <a:rPr lang="zh-TW" altLang="en-US" sz="1400" kern="1200" dirty="0">
               <a:latin typeface="微軟正黑體" panose="020B0604030504040204" pitchFamily="34" charset="-120"/>
               <a:ea typeface="微軟正黑體" panose="020B0604030504040204" pitchFamily="34" charset="-120"/>
             </a:rPr>
@@ -20510,8 +20710,8 @@
         </a:p>
       </dsp:txBody>
       <dsp:txXfrm>
-        <a:off x="3303734" y="947771"/>
-        <a:ext cx="1330597" cy="309209"/>
+        <a:off x="2595817" y="661664"/>
+        <a:ext cx="1544422" cy="358897"/>
       </dsp:txXfrm>
     </dsp:sp>
     <dsp:sp modelId="{E3D640C8-3E16-4C2E-9383-592F56D141DD}">
@@ -20520,9 +20720,9 @@
         <dsp:cNvSpPr/>
       </dsp:nvSpPr>
       <dsp:spPr>
-        <a:xfrm rot="18892735">
-          <a:off x="4449936" y="618284"/>
-          <a:ext cx="1318086" cy="34189"/>
+        <a:xfrm rot="20803155">
+          <a:off x="4113966" y="512563"/>
+          <a:ext cx="2799854" cy="13908"/>
         </a:xfrm>
         <a:custGeom>
           <a:avLst/>
@@ -20533,10 +20733,10 @@
           <a:pathLst>
             <a:path>
               <a:moveTo>
-                <a:pt x="0" y="17094"/>
+                <a:pt x="0" y="6954"/>
               </a:moveTo>
               <a:lnTo>
-                <a:pt x="1318086" y="17094"/>
+                <a:pt x="2799854" y="6954"/>
               </a:lnTo>
             </a:path>
           </a:pathLst>
@@ -20573,7 +20773,7 @@
         </a:bodyPr>
         <a:lstStyle/>
         <a:p>
-          <a:pPr lvl="0" algn="ctr" defTabSz="533400">
+          <a:pPr lvl="0" algn="ctr" defTabSz="622300">
             <a:lnSpc>
               <a:spcPct val="90000"/>
             </a:lnSpc>
@@ -20584,15 +20784,15 @@
               <a:spcPct val="35000"/>
             </a:spcAft>
           </a:pPr>
-          <a:endParaRPr lang="zh-TW" altLang="en-US" sz="1200" kern="1200">
+          <a:endParaRPr lang="zh-TW" altLang="en-US" sz="1400" kern="1200">
             <a:latin typeface="微軟正黑體" panose="020B0604030504040204" pitchFamily="34" charset="-120"/>
             <a:ea typeface="微軟正黑體" panose="020B0604030504040204" pitchFamily="34" charset="-120"/>
           </a:endParaRPr>
         </a:p>
       </dsp:txBody>
       <dsp:txXfrm>
-        <a:off x="5076027" y="602426"/>
-        <a:ext cx="65904" cy="65904"/>
+        <a:off x="5443897" y="449521"/>
+        <a:ext cx="139992" cy="139992"/>
       </dsp:txXfrm>
     </dsp:sp>
     <dsp:sp modelId="{D18F5FF1-9D9D-445A-8A54-144F21FC1D72}">
@@ -20602,8 +20802,8 @@
       </dsp:nvSpPr>
       <dsp:spPr>
         <a:xfrm>
-          <a:off x="5574008" y="0"/>
-          <a:ext cx="673523" cy="336761"/>
+          <a:off x="6876381" y="2486"/>
+          <a:ext cx="781745" cy="390872"/>
         </a:xfrm>
         <a:prstGeom prst="roundRect">
           <a:avLst>
@@ -20646,12 +20846,12 @@
         </a:fontRef>
       </dsp:style>
       <dsp:txBody>
-        <a:bodyPr spcFirstLastPara="0" vert="horz" wrap="square" lIns="7620" tIns="7620" rIns="7620" bIns="7620" numCol="1" spcCol="1270" anchor="ctr" anchorCtr="0">
+        <a:bodyPr spcFirstLastPara="0" vert="horz" wrap="square" lIns="8890" tIns="8890" rIns="8890" bIns="8890" numCol="1" spcCol="1270" anchor="ctr" anchorCtr="0">
           <a:noAutofit/>
         </a:bodyPr>
         <a:lstStyle/>
         <a:p>
-          <a:pPr lvl="0" algn="ctr" defTabSz="533400">
+          <a:pPr lvl="0" algn="ctr" defTabSz="622300">
             <a:lnSpc>
               <a:spcPct val="90000"/>
             </a:lnSpc>
@@ -20663,14 +20863,14 @@
             </a:spcAft>
           </a:pPr>
           <a:r>
-            <a:rPr lang="en-US" altLang="zh-TW" sz="1200" kern="1200" dirty="0">
+            <a:rPr lang="en-US" altLang="zh-TW" sz="1400" kern="1200" dirty="0">
               <a:latin typeface="微軟正黑體" panose="020B0604030504040204" pitchFamily="34" charset="-120"/>
               <a:ea typeface="微軟正黑體" panose="020B0604030504040204" pitchFamily="34" charset="-120"/>
             </a:rPr>
             <a:t>NUK</a:t>
           </a:r>
           <a:r>
-            <a:rPr lang="zh-TW" altLang="en-US" sz="1200" kern="1200" dirty="0">
+            <a:rPr lang="zh-TW" altLang="en-US" sz="1400" kern="1200" dirty="0">
               <a:latin typeface="微軟正黑體" panose="020B0604030504040204" pitchFamily="34" charset="-120"/>
               <a:ea typeface="微軟正黑體" panose="020B0604030504040204" pitchFamily="34" charset="-120"/>
             </a:rPr>
@@ -20679,8 +20879,8 @@
         </a:p>
       </dsp:txBody>
       <dsp:txXfrm>
-        <a:off x="5583871" y="9863"/>
-        <a:ext cx="653797" cy="317035"/>
+        <a:off x="6887829" y="13934"/>
+        <a:ext cx="758849" cy="367976"/>
       </dsp:txXfrm>
     </dsp:sp>
     <dsp:sp modelId="{2D3D0D4D-C53C-4B9A-B696-B9812B58B400}">
@@ -20689,9 +20889,9 @@
         <dsp:cNvSpPr/>
       </dsp:nvSpPr>
       <dsp:spPr>
-        <a:xfrm rot="19872441">
-          <a:off x="4578348" y="829708"/>
-          <a:ext cx="1061262" cy="34189"/>
+        <a:xfrm rot="21326445">
+          <a:off x="4147080" y="725510"/>
+          <a:ext cx="2733625" cy="13908"/>
         </a:xfrm>
         <a:custGeom>
           <a:avLst/>
@@ -20702,10 +20902,10 @@
           <a:pathLst>
             <a:path>
               <a:moveTo>
-                <a:pt x="0" y="17094"/>
+                <a:pt x="0" y="6954"/>
               </a:moveTo>
               <a:lnTo>
-                <a:pt x="1061262" y="17094"/>
+                <a:pt x="2733625" y="6954"/>
               </a:lnTo>
             </a:path>
           </a:pathLst>
@@ -20742,7 +20942,7 @@
         </a:bodyPr>
         <a:lstStyle/>
         <a:p>
-          <a:pPr lvl="0" algn="ctr" defTabSz="533400">
+          <a:pPr lvl="0" algn="ctr" defTabSz="622300">
             <a:lnSpc>
               <a:spcPct val="90000"/>
             </a:lnSpc>
@@ -20753,15 +20953,15 @@
               <a:spcPct val="35000"/>
             </a:spcAft>
           </a:pPr>
-          <a:endParaRPr lang="zh-TW" altLang="en-US" sz="1200" kern="1200">
+          <a:endParaRPr lang="zh-TW" altLang="en-US" sz="1400" kern="1200">
             <a:latin typeface="微軟正黑體" panose="020B0604030504040204" pitchFamily="34" charset="-120"/>
             <a:ea typeface="微軟正黑體" panose="020B0604030504040204" pitchFamily="34" charset="-120"/>
           </a:endParaRPr>
         </a:p>
       </dsp:txBody>
       <dsp:txXfrm>
-        <a:off x="5082448" y="820271"/>
-        <a:ext cx="53063" cy="53063"/>
+        <a:off x="5445553" y="664124"/>
+        <a:ext cx="136681" cy="136681"/>
       </dsp:txXfrm>
     </dsp:sp>
     <dsp:sp modelId="{FF2A7341-7BD1-4872-A316-3391C293C8B4}">
@@ -20771,8 +20971,8 @@
       </dsp:nvSpPr>
       <dsp:spPr>
         <a:xfrm>
-          <a:off x="5574008" y="422848"/>
-          <a:ext cx="673523" cy="336761"/>
+          <a:off x="6876381" y="428380"/>
+          <a:ext cx="781745" cy="390872"/>
         </a:xfrm>
         <a:prstGeom prst="roundRect">
           <a:avLst>
@@ -20815,12 +21015,12 @@
         </a:fontRef>
       </dsp:style>
       <dsp:txBody>
-        <a:bodyPr spcFirstLastPara="0" vert="horz" wrap="square" lIns="7620" tIns="7620" rIns="7620" bIns="7620" numCol="1" spcCol="1270" anchor="ctr" anchorCtr="0">
+        <a:bodyPr spcFirstLastPara="0" vert="horz" wrap="square" lIns="8890" tIns="8890" rIns="8890" bIns="8890" numCol="1" spcCol="1270" anchor="ctr" anchorCtr="0">
           <a:noAutofit/>
         </a:bodyPr>
         <a:lstStyle/>
         <a:p>
-          <a:pPr lvl="0" algn="ctr" defTabSz="533400">
+          <a:pPr lvl="0" algn="ctr" defTabSz="622300">
             <a:lnSpc>
               <a:spcPct val="90000"/>
             </a:lnSpc>
@@ -20832,7 +21032,7 @@
             </a:spcAft>
           </a:pPr>
           <a:r>
-            <a:rPr lang="zh-TW" altLang="en-US" sz="1200" kern="1200">
+            <a:rPr lang="zh-TW" altLang="en-US" sz="1400" kern="1200">
               <a:latin typeface="微軟正黑體" panose="020B0604030504040204" pitchFamily="34" charset="-120"/>
               <a:ea typeface="微軟正黑體" panose="020B0604030504040204" pitchFamily="34" charset="-120"/>
             </a:rPr>
@@ -20841,8 +21041,8 @@
         </a:p>
       </dsp:txBody>
       <dsp:txXfrm>
-        <a:off x="5583871" y="432711"/>
-        <a:ext cx="653797" cy="317035"/>
+        <a:off x="6887829" y="439828"/>
+        <a:ext cx="758849" cy="367976"/>
       </dsp:txXfrm>
     </dsp:sp>
     <dsp:sp modelId="{48D75141-BC66-4CB5-B871-20445EAE3398}">
@@ -20851,9 +21051,9 @@
         <dsp:cNvSpPr/>
       </dsp:nvSpPr>
       <dsp:spPr>
-        <a:xfrm>
-          <a:off x="4643951" y="1085281"/>
-          <a:ext cx="930056" cy="34189"/>
+        <a:xfrm rot="307654">
+          <a:off x="4145931" y="956418"/>
+          <a:ext cx="2735924" cy="13908"/>
         </a:xfrm>
         <a:custGeom>
           <a:avLst/>
@@ -20864,10 +21064,10 @@
           <a:pathLst>
             <a:path>
               <a:moveTo>
-                <a:pt x="0" y="17094"/>
+                <a:pt x="0" y="6954"/>
               </a:moveTo>
               <a:lnTo>
-                <a:pt x="930056" y="17094"/>
+                <a:pt x="2735924" y="6954"/>
               </a:lnTo>
             </a:path>
           </a:pathLst>
@@ -20904,7 +21104,7 @@
         </a:bodyPr>
         <a:lstStyle/>
         <a:p>
-          <a:pPr lvl="0" algn="ctr" defTabSz="533400">
+          <a:pPr lvl="0" algn="ctr" defTabSz="622300">
             <a:lnSpc>
               <a:spcPct val="90000"/>
             </a:lnSpc>
@@ -20915,15 +21115,15 @@
               <a:spcPct val="35000"/>
             </a:spcAft>
           </a:pPr>
-          <a:endParaRPr lang="zh-TW" altLang="en-US" sz="1200" kern="1200">
+          <a:endParaRPr lang="zh-TW" altLang="en-US" sz="1400" kern="1200">
             <a:latin typeface="微軟正黑體" panose="020B0604030504040204" pitchFamily="34" charset="-120"/>
             <a:ea typeface="微軟正黑體" panose="020B0604030504040204" pitchFamily="34" charset="-120"/>
           </a:endParaRPr>
         </a:p>
       </dsp:txBody>
       <dsp:txXfrm>
-        <a:off x="5085728" y="1079125"/>
-        <a:ext cx="46502" cy="46502"/>
+        <a:off x="5445495" y="894974"/>
+        <a:ext cx="136796" cy="136796"/>
       </dsp:txXfrm>
     </dsp:sp>
     <dsp:sp modelId="{B7FBBC2D-3885-462C-8DF8-A32C5F50B0AE}">
@@ -20933,8 +21133,8 @@
       </dsp:nvSpPr>
       <dsp:spPr>
         <a:xfrm>
-          <a:off x="5574008" y="933995"/>
-          <a:ext cx="673523" cy="336761"/>
+          <a:off x="6876381" y="890195"/>
+          <a:ext cx="781745" cy="390872"/>
         </a:xfrm>
         <a:prstGeom prst="roundRect">
           <a:avLst>
@@ -20977,12 +21177,12 @@
         </a:fontRef>
       </dsp:style>
       <dsp:txBody>
-        <a:bodyPr spcFirstLastPara="0" vert="horz" wrap="square" lIns="7620" tIns="7620" rIns="7620" bIns="7620" numCol="1" spcCol="1270" anchor="ctr" anchorCtr="0">
+        <a:bodyPr spcFirstLastPara="0" vert="horz" wrap="square" lIns="8890" tIns="8890" rIns="8890" bIns="8890" numCol="1" spcCol="1270" anchor="ctr" anchorCtr="0">
           <a:noAutofit/>
         </a:bodyPr>
         <a:lstStyle/>
         <a:p>
-          <a:pPr lvl="0" algn="ctr" defTabSz="533400">
+          <a:pPr lvl="0" algn="ctr" defTabSz="622300">
             <a:lnSpc>
               <a:spcPct val="90000"/>
             </a:lnSpc>
@@ -20994,7 +21194,7 @@
             </a:spcAft>
           </a:pPr>
           <a:r>
-            <a:rPr lang="zh-TW" altLang="en-US" sz="1200" kern="1200">
+            <a:rPr lang="zh-TW" altLang="en-US" sz="1400" kern="1200">
               <a:latin typeface="微軟正黑體" panose="020B0604030504040204" pitchFamily="34" charset="-120"/>
               <a:ea typeface="微軟正黑體" panose="020B0604030504040204" pitchFamily="34" charset="-120"/>
             </a:rPr>
@@ -21003,8 +21203,8 @@
         </a:p>
       </dsp:txBody>
       <dsp:txXfrm>
-        <a:off x="5583871" y="943858"/>
-        <a:ext cx="653797" cy="317035"/>
+        <a:off x="6887829" y="901643"/>
+        <a:ext cx="758849" cy="367976"/>
       </dsp:txXfrm>
     </dsp:sp>
     <dsp:sp modelId="{E4DA6F8D-CFF2-4A16-A1FE-22B86A631499}">
@@ -21013,9 +21213,9 @@
         <dsp:cNvSpPr/>
       </dsp:nvSpPr>
       <dsp:spPr>
-        <a:xfrm rot="1727559">
-          <a:off x="4578348" y="1340855"/>
-          <a:ext cx="1061262" cy="34189"/>
+        <a:xfrm rot="871900">
+          <a:off x="4106378" y="1187325"/>
+          <a:ext cx="2815031" cy="13908"/>
         </a:xfrm>
         <a:custGeom>
           <a:avLst/>
@@ -21026,10 +21226,10 @@
           <a:pathLst>
             <a:path>
               <a:moveTo>
-                <a:pt x="0" y="17094"/>
+                <a:pt x="0" y="6954"/>
               </a:moveTo>
               <a:lnTo>
-                <a:pt x="1061262" y="17094"/>
+                <a:pt x="2815031" y="6954"/>
               </a:lnTo>
             </a:path>
           </a:pathLst>
@@ -21066,7 +21266,7 @@
         </a:bodyPr>
         <a:lstStyle/>
         <a:p>
-          <a:pPr lvl="0" algn="ctr" defTabSz="533400">
+          <a:pPr lvl="0" algn="ctr" defTabSz="622300">
             <a:lnSpc>
               <a:spcPct val="90000"/>
             </a:lnSpc>
@@ -21077,15 +21277,15 @@
               <a:spcPct val="35000"/>
             </a:spcAft>
           </a:pPr>
-          <a:endParaRPr lang="zh-TW" altLang="en-US" sz="1200" kern="1200">
+          <a:endParaRPr lang="zh-TW" altLang="en-US" sz="1400" kern="1200">
             <a:latin typeface="微軟正黑體" panose="020B0604030504040204" pitchFamily="34" charset="-120"/>
             <a:ea typeface="微軟正黑體" panose="020B0604030504040204" pitchFamily="34" charset="-120"/>
           </a:endParaRPr>
         </a:p>
       </dsp:txBody>
       <dsp:txXfrm>
-        <a:off x="5082448" y="1331418"/>
-        <a:ext cx="53063" cy="53063"/>
+        <a:off x="5443517" y="1123904"/>
+        <a:ext cx="140751" cy="140751"/>
       </dsp:txXfrm>
     </dsp:sp>
     <dsp:sp modelId="{F33AE60D-8A49-4F27-A1E4-58DD25BB706F}">
@@ -21095,8 +21295,8 @@
       </dsp:nvSpPr>
       <dsp:spPr>
         <a:xfrm>
-          <a:off x="5574008" y="1445143"/>
-          <a:ext cx="673523" cy="336761"/>
+          <a:off x="6876381" y="1352010"/>
+          <a:ext cx="781745" cy="390872"/>
         </a:xfrm>
         <a:prstGeom prst="roundRect">
           <a:avLst>
@@ -21139,12 +21339,12 @@
         </a:fontRef>
       </dsp:style>
       <dsp:txBody>
-        <a:bodyPr spcFirstLastPara="0" vert="horz" wrap="square" lIns="7620" tIns="7620" rIns="7620" bIns="7620" numCol="1" spcCol="1270" anchor="ctr" anchorCtr="0">
+        <a:bodyPr spcFirstLastPara="0" vert="horz" wrap="square" lIns="8890" tIns="8890" rIns="8890" bIns="8890" numCol="1" spcCol="1270" anchor="ctr" anchorCtr="0">
           <a:noAutofit/>
         </a:bodyPr>
         <a:lstStyle/>
         <a:p>
-          <a:pPr lvl="0" algn="ctr" defTabSz="533400">
+          <a:pPr lvl="0" algn="ctr" defTabSz="622300">
             <a:lnSpc>
               <a:spcPct val="90000"/>
             </a:lnSpc>
@@ -21156,7 +21356,7 @@
             </a:spcAft>
           </a:pPr>
           <a:r>
-            <a:rPr lang="zh-TW" altLang="en-US" sz="1200" kern="1200" dirty="0">
+            <a:rPr lang="zh-TW" altLang="en-US" sz="1400" kern="1200" dirty="0">
               <a:latin typeface="微軟正黑體" panose="020B0604030504040204" pitchFamily="34" charset="-120"/>
               <a:ea typeface="微軟正黑體" panose="020B0604030504040204" pitchFamily="34" charset="-120"/>
             </a:rPr>
@@ -21165,8 +21365,8 @@
         </a:p>
       </dsp:txBody>
       <dsp:txXfrm>
-        <a:off x="5583871" y="1455006"/>
-        <a:ext cx="653797" cy="317035"/>
+        <a:off x="6887829" y="1363458"/>
+        <a:ext cx="758849" cy="367976"/>
       </dsp:txXfrm>
     </dsp:sp>
     <dsp:sp modelId="{EE762D9E-D5B3-4533-93DA-15AFB24F2A57}">
@@ -21175,9 +21375,9 @@
         <dsp:cNvSpPr/>
       </dsp:nvSpPr>
       <dsp:spPr>
-        <a:xfrm rot="2862295">
-          <a:off x="4417949" y="1596429"/>
-          <a:ext cx="1382060" cy="34189"/>
+        <a:xfrm rot="1392237">
+          <a:off x="4031491" y="1418233"/>
+          <a:ext cx="2964804" cy="13908"/>
         </a:xfrm>
         <a:custGeom>
           <a:avLst/>
@@ -21188,10 +21388,10 @@
           <a:pathLst>
             <a:path>
               <a:moveTo>
-                <a:pt x="0" y="17094"/>
+                <a:pt x="0" y="6954"/>
               </a:moveTo>
               <a:lnTo>
-                <a:pt x="1382060" y="17094"/>
+                <a:pt x="2964804" y="6954"/>
               </a:lnTo>
             </a:path>
           </a:pathLst>
@@ -21228,7 +21428,7 @@
         </a:bodyPr>
         <a:lstStyle/>
         <a:p>
-          <a:pPr lvl="0" algn="ctr" defTabSz="533400">
+          <a:pPr lvl="0" algn="ctr" defTabSz="622300">
             <a:lnSpc>
               <a:spcPct val="90000"/>
             </a:lnSpc>
@@ -21239,15 +21439,15 @@
               <a:spcPct val="35000"/>
             </a:spcAft>
           </a:pPr>
-          <a:endParaRPr lang="zh-TW" altLang="en-US" sz="1200" kern="1200">
+          <a:endParaRPr lang="zh-TW" altLang="en-US" sz="1400" kern="1200">
             <a:latin typeface="微軟正黑體" panose="020B0604030504040204" pitchFamily="34" charset="-120"/>
             <a:ea typeface="微軟正黑體" panose="020B0604030504040204" pitchFamily="34" charset="-120"/>
           </a:endParaRPr>
         </a:p>
       </dsp:txBody>
       <dsp:txXfrm>
-        <a:off x="5074428" y="1578972"/>
-        <a:ext cx="69103" cy="69103"/>
+        <a:off x="5439773" y="1351067"/>
+        <a:ext cx="148240" cy="148240"/>
       </dsp:txXfrm>
     </dsp:sp>
     <dsp:sp modelId="{D0790D7C-BD1A-4054-BA56-D42EBEC864C4}">
@@ -21257,8 +21457,8 @@
       </dsp:nvSpPr>
       <dsp:spPr>
         <a:xfrm>
-          <a:off x="5574008" y="1956290"/>
-          <a:ext cx="673523" cy="336761"/>
+          <a:off x="6876381" y="1813825"/>
+          <a:ext cx="781745" cy="390872"/>
         </a:xfrm>
         <a:prstGeom prst="roundRect">
           <a:avLst>
@@ -21301,12 +21501,12 @@
         </a:fontRef>
       </dsp:style>
       <dsp:txBody>
-        <a:bodyPr spcFirstLastPara="0" vert="horz" wrap="square" lIns="7620" tIns="7620" rIns="7620" bIns="7620" numCol="1" spcCol="1270" anchor="ctr" anchorCtr="0">
+        <a:bodyPr spcFirstLastPara="0" vert="horz" wrap="square" lIns="8890" tIns="8890" rIns="8890" bIns="8890" numCol="1" spcCol="1270" anchor="ctr" anchorCtr="0">
           <a:noAutofit/>
         </a:bodyPr>
         <a:lstStyle/>
         <a:p>
-          <a:pPr lvl="0" algn="ctr" defTabSz="533400">
+          <a:pPr lvl="0" algn="ctr" defTabSz="622300">
             <a:lnSpc>
               <a:spcPct val="90000"/>
             </a:lnSpc>
@@ -21318,21 +21518,21 @@
             </a:spcAft>
           </a:pPr>
           <a:r>
-            <a:rPr lang="en-US" altLang="zh-TW" sz="1200" kern="1200">
+            <a:rPr lang="en-US" altLang="zh-TW" sz="1400" kern="1200">
               <a:latin typeface="微軟正黑體" panose="020B0604030504040204" pitchFamily="34" charset="-120"/>
               <a:ea typeface="微軟正黑體" panose="020B0604030504040204" pitchFamily="34" charset="-120"/>
             </a:rPr>
             <a:t>English</a:t>
           </a:r>
-          <a:endParaRPr lang="zh-TW" altLang="en-US" sz="1200" kern="1200">
+          <a:endParaRPr lang="zh-TW" altLang="en-US" sz="1400" kern="1200">
             <a:latin typeface="微軟正黑體" panose="020B0604030504040204" pitchFamily="34" charset="-120"/>
             <a:ea typeface="微軟正黑體" panose="020B0604030504040204" pitchFamily="34" charset="-120"/>
           </a:endParaRPr>
         </a:p>
       </dsp:txBody>
       <dsp:txXfrm>
-        <a:off x="5583871" y="1966153"/>
-        <a:ext cx="653797" cy="317035"/>
+        <a:off x="6887829" y="1825273"/>
+        <a:ext cx="758849" cy="367976"/>
       </dsp:txXfrm>
     </dsp:sp>
     <dsp:sp modelId="{BD818CDC-0505-46CA-8F35-0D324CE0EE6B}">
@@ -21341,9 +21541,9 @@
         <dsp:cNvSpPr/>
       </dsp:nvSpPr>
       <dsp:spPr>
-        <a:xfrm rot="1315044">
-          <a:off x="2599476" y="3138233"/>
-          <a:ext cx="712938" cy="34189"/>
+        <a:xfrm rot="17928999">
+          <a:off x="1227172" y="2245305"/>
+          <a:ext cx="1831946" cy="13908"/>
         </a:xfrm>
         <a:custGeom>
           <a:avLst/>
@@ -21354,10 +21554,10 @@
           <a:pathLst>
             <a:path>
               <a:moveTo>
-                <a:pt x="0" y="17094"/>
+                <a:pt x="0" y="6954"/>
               </a:moveTo>
               <a:lnTo>
-                <a:pt x="712938" y="17094"/>
+                <a:pt x="1831946" y="6954"/>
               </a:lnTo>
             </a:path>
           </a:pathLst>
@@ -21394,7 +21594,7 @@
         </a:bodyPr>
         <a:lstStyle/>
         <a:p>
-          <a:pPr lvl="0" algn="ctr" defTabSz="533400">
+          <a:pPr lvl="0" algn="ctr" defTabSz="622300">
             <a:lnSpc>
               <a:spcPct val="90000"/>
             </a:lnSpc>
@@ -21405,15 +21605,15 @@
               <a:spcPct val="35000"/>
             </a:spcAft>
           </a:pPr>
-          <a:endParaRPr lang="zh-TW" altLang="en-US" sz="1200" kern="1200">
+          <a:endParaRPr lang="zh-TW" altLang="en-US" sz="1400" kern="1200">
             <a:latin typeface="微軟正黑體" panose="020B0604030504040204" pitchFamily="34" charset="-120"/>
             <a:ea typeface="微軟正黑體" panose="020B0604030504040204" pitchFamily="34" charset="-120"/>
           </a:endParaRPr>
         </a:p>
       </dsp:txBody>
       <dsp:txXfrm>
-        <a:off x="2938121" y="3137504"/>
-        <a:ext cx="35646" cy="35646"/>
+        <a:off x="2097346" y="2206460"/>
+        <a:ext cx="91597" cy="91597"/>
       </dsp:txXfrm>
     </dsp:sp>
     <dsp:sp modelId="{687E733B-0987-4F71-9584-0094A4C8B245}">
@@ -21423,8 +21623,8 @@
       </dsp:nvSpPr>
       <dsp:spPr>
         <a:xfrm>
-          <a:off x="3286650" y="3120006"/>
-          <a:ext cx="673523" cy="336761"/>
+          <a:off x="2584651" y="1254278"/>
+          <a:ext cx="781745" cy="390872"/>
         </a:xfrm>
         <a:prstGeom prst="roundRect">
           <a:avLst>
@@ -21467,12 +21667,12 @@
         </a:fontRef>
       </dsp:style>
       <dsp:txBody>
-        <a:bodyPr spcFirstLastPara="0" vert="horz" wrap="square" lIns="7620" tIns="7620" rIns="7620" bIns="7620" numCol="1" spcCol="1270" anchor="ctr" anchorCtr="0">
+        <a:bodyPr spcFirstLastPara="0" vert="horz" wrap="square" lIns="8890" tIns="8890" rIns="8890" bIns="8890" numCol="1" spcCol="1270" anchor="ctr" anchorCtr="0">
           <a:noAutofit/>
         </a:bodyPr>
         <a:lstStyle/>
         <a:p>
-          <a:pPr lvl="0" algn="ctr" defTabSz="533400">
+          <a:pPr lvl="0" algn="ctr" defTabSz="622300">
             <a:lnSpc>
               <a:spcPct val="90000"/>
             </a:lnSpc>
@@ -21484,7 +21684,7 @@
             </a:spcAft>
           </a:pPr>
           <a:r>
-            <a:rPr lang="zh-TW" altLang="en-US" sz="1200" kern="1200" dirty="0">
+            <a:rPr lang="zh-TW" altLang="en-US" sz="1400" kern="1200" dirty="0">
               <a:latin typeface="微軟正黑體" panose="020B0604030504040204" pitchFamily="34" charset="-120"/>
               <a:ea typeface="微軟正黑體" panose="020B0604030504040204" pitchFamily="34" charset="-120"/>
             </a:rPr>
@@ -21493,8 +21693,8 @@
         </a:p>
       </dsp:txBody>
       <dsp:txXfrm>
-        <a:off x="3296513" y="3129869"/>
-        <a:ext cx="653797" cy="317035"/>
+        <a:off x="2596099" y="1265726"/>
+        <a:ext cx="758849" cy="367976"/>
       </dsp:txXfrm>
     </dsp:sp>
     <dsp:sp modelId="{CE0A4774-4F15-4A3A-98AF-C3655FF2F774}">
@@ -21503,9 +21703,9 @@
         <dsp:cNvSpPr/>
       </dsp:nvSpPr>
       <dsp:spPr>
-        <a:xfrm rot="18821510">
-          <a:off x="2482413" y="2671194"/>
-          <a:ext cx="923790" cy="34189"/>
+        <a:xfrm rot="20240849">
+          <a:off x="1665128" y="2865569"/>
+          <a:ext cx="946564" cy="13908"/>
         </a:xfrm>
         <a:custGeom>
           <a:avLst/>
@@ -21516,10 +21716,10 @@
           <a:pathLst>
             <a:path>
               <a:moveTo>
-                <a:pt x="0" y="17094"/>
+                <a:pt x="0" y="6954"/>
               </a:moveTo>
               <a:lnTo>
-                <a:pt x="923790" y="17094"/>
+                <a:pt x="946564" y="6954"/>
               </a:lnTo>
             </a:path>
           </a:pathLst>
@@ -21556,7 +21756,7 @@
         </a:bodyPr>
         <a:lstStyle/>
         <a:p>
-          <a:pPr lvl="0" algn="ctr" defTabSz="533400">
+          <a:pPr lvl="0" algn="ctr" defTabSz="622300">
             <a:lnSpc>
               <a:spcPct val="90000"/>
             </a:lnSpc>
@@ -21567,15 +21767,15 @@
               <a:spcPct val="35000"/>
             </a:spcAft>
           </a:pPr>
-          <a:endParaRPr lang="zh-TW" altLang="en-US" sz="1200" kern="1200">
+          <a:endParaRPr lang="zh-TW" altLang="en-US" sz="1400" kern="1200">
             <a:latin typeface="微軟正黑體" panose="020B0604030504040204" pitchFamily="34" charset="-120"/>
             <a:ea typeface="微軟正黑體" panose="020B0604030504040204" pitchFamily="34" charset="-120"/>
           </a:endParaRPr>
         </a:p>
       </dsp:txBody>
       <dsp:txXfrm>
-        <a:off x="2921213" y="2665194"/>
-        <a:ext cx="46189" cy="46189"/>
+        <a:off x="2114746" y="2848859"/>
+        <a:ext cx="47328" cy="47328"/>
       </dsp:txXfrm>
     </dsp:sp>
     <dsp:sp modelId="{82925B72-C91E-428D-9982-CEB0CB6A37DA}">
@@ -21585,8 +21785,8 @@
       </dsp:nvSpPr>
       <dsp:spPr>
         <a:xfrm>
-          <a:off x="3263375" y="2185927"/>
-          <a:ext cx="673523" cy="336761"/>
+          <a:off x="2575183" y="2494806"/>
+          <a:ext cx="781745" cy="390872"/>
         </a:xfrm>
         <a:prstGeom prst="roundRect">
           <a:avLst>
@@ -21629,12 +21829,12 @@
         </a:fontRef>
       </dsp:style>
       <dsp:txBody>
-        <a:bodyPr spcFirstLastPara="0" vert="horz" wrap="square" lIns="7620" tIns="7620" rIns="7620" bIns="7620" numCol="1" spcCol="1270" anchor="ctr" anchorCtr="0">
+        <a:bodyPr spcFirstLastPara="0" vert="horz" wrap="square" lIns="8890" tIns="8890" rIns="8890" bIns="8890" numCol="1" spcCol="1270" anchor="ctr" anchorCtr="0">
           <a:noAutofit/>
         </a:bodyPr>
         <a:lstStyle/>
         <a:p>
-          <a:pPr lvl="0" algn="ctr" defTabSz="533400">
+          <a:pPr lvl="0" algn="ctr" defTabSz="622300">
             <a:lnSpc>
               <a:spcPct val="90000"/>
             </a:lnSpc>
@@ -21646,7 +21846,7 @@
             </a:spcAft>
           </a:pPr>
           <a:r>
-            <a:rPr lang="zh-TW" altLang="en-US" sz="1200" kern="1200" dirty="0">
+            <a:rPr lang="zh-TW" altLang="en-US" sz="1400" kern="1200" dirty="0">
               <a:latin typeface="微軟正黑體" panose="020B0604030504040204" pitchFamily="34" charset="-120"/>
               <a:ea typeface="微軟正黑體" panose="020B0604030504040204" pitchFamily="34" charset="-120"/>
             </a:rPr>
@@ -21655,8 +21855,8 @@
         </a:p>
       </dsp:txBody>
       <dsp:txXfrm>
-        <a:off x="3273238" y="2195790"/>
-        <a:ext cx="653797" cy="317035"/>
+        <a:off x="2586631" y="2506254"/>
+        <a:ext cx="758849" cy="367976"/>
       </dsp:txXfrm>
     </dsp:sp>
     <dsp:sp modelId="{F77CE990-27FE-4D52-8A81-756C09CE6978}">
@@ -21665,9 +21865,9 @@
         <dsp:cNvSpPr/>
       </dsp:nvSpPr>
       <dsp:spPr>
-        <a:xfrm rot="18487523">
-          <a:off x="3637349" y="1721335"/>
-          <a:ext cx="1565800" cy="34189"/>
+        <a:xfrm rot="18569563">
+          <a:off x="3117696" y="2176127"/>
+          <a:ext cx="1314390" cy="13908"/>
         </a:xfrm>
         <a:custGeom>
           <a:avLst/>
@@ -21678,10 +21878,10 @@
           <a:pathLst>
             <a:path>
               <a:moveTo>
-                <a:pt x="0" y="17094"/>
+                <a:pt x="0" y="6954"/>
               </a:moveTo>
               <a:lnTo>
-                <a:pt x="1565800" y="17094"/>
+                <a:pt x="1314390" y="6954"/>
               </a:lnTo>
             </a:path>
           </a:pathLst>
@@ -21718,7 +21918,7 @@
         </a:bodyPr>
         <a:lstStyle/>
         <a:p>
-          <a:pPr lvl="0" algn="ctr" defTabSz="533400">
+          <a:pPr lvl="0" algn="ctr" defTabSz="622300">
             <a:lnSpc>
               <a:spcPct val="90000"/>
             </a:lnSpc>
@@ -21729,15 +21929,15 @@
               <a:spcPct val="35000"/>
             </a:spcAft>
           </a:pPr>
-          <a:endParaRPr lang="zh-TW" altLang="en-US" sz="1200" kern="1200">
+          <a:endParaRPr lang="zh-TW" altLang="en-US" sz="1400" kern="1200">
             <a:latin typeface="微軟正黑體" panose="020B0604030504040204" pitchFamily="34" charset="-120"/>
             <a:ea typeface="微軟正黑體" panose="020B0604030504040204" pitchFamily="34" charset="-120"/>
           </a:endParaRPr>
         </a:p>
       </dsp:txBody>
       <dsp:txXfrm>
-        <a:off x="4381104" y="1699285"/>
-        <a:ext cx="78290" cy="78290"/>
+        <a:off x="3742032" y="2150222"/>
+        <a:ext cx="65719" cy="65719"/>
       </dsp:txXfrm>
     </dsp:sp>
     <dsp:sp modelId="{3309EA87-737C-40C9-83F9-965C6EA45D15}">
@@ -21747,8 +21947,8 @@
       </dsp:nvSpPr>
       <dsp:spPr>
         <a:xfrm>
-          <a:off x="4903600" y="954172"/>
-          <a:ext cx="673523" cy="336761"/>
+          <a:off x="4192854" y="1480484"/>
+          <a:ext cx="781745" cy="390872"/>
         </a:xfrm>
         <a:prstGeom prst="roundRect">
           <a:avLst>
@@ -21791,12 +21991,12 @@
         </a:fontRef>
       </dsp:style>
       <dsp:txBody>
-        <a:bodyPr spcFirstLastPara="0" vert="horz" wrap="square" lIns="7620" tIns="7620" rIns="7620" bIns="7620" numCol="1" spcCol="1270" anchor="ctr" anchorCtr="0">
+        <a:bodyPr spcFirstLastPara="0" vert="horz" wrap="square" lIns="8890" tIns="8890" rIns="8890" bIns="8890" numCol="1" spcCol="1270" anchor="ctr" anchorCtr="0">
           <a:noAutofit/>
         </a:bodyPr>
         <a:lstStyle/>
         <a:p>
-          <a:pPr lvl="0" algn="ctr" defTabSz="533400">
+          <a:pPr lvl="0" algn="ctr" defTabSz="622300">
             <a:lnSpc>
               <a:spcPct val="90000"/>
             </a:lnSpc>
@@ -21808,7 +22008,7 @@
             </a:spcAft>
           </a:pPr>
           <a:r>
-            <a:rPr lang="zh-TW" altLang="en-US" sz="1200" kern="1200">
+            <a:rPr lang="zh-TW" altLang="en-US" sz="1400" kern="1200" dirty="0">
               <a:latin typeface="微軟正黑體" panose="020B0604030504040204" pitchFamily="34" charset="-120"/>
               <a:ea typeface="微軟正黑體" panose="020B0604030504040204" pitchFamily="34" charset="-120"/>
             </a:rPr>
@@ -21817,8 +22017,8 @@
         </a:p>
       </dsp:txBody>
       <dsp:txXfrm>
-        <a:off x="4913463" y="964035"/>
-        <a:ext cx="653797" cy="317035"/>
+        <a:off x="4204302" y="1491932"/>
+        <a:ext cx="758849" cy="367976"/>
       </dsp:txXfrm>
     </dsp:sp>
     <dsp:sp modelId="{456A4306-68C2-45EE-8393-5ABA6E253AF5}">
@@ -21827,9 +22027,9 @@
         <dsp:cNvSpPr/>
       </dsp:nvSpPr>
       <dsp:spPr>
-        <a:xfrm rot="19397883">
-          <a:off x="3817384" y="1976909"/>
-          <a:ext cx="1205730" cy="34189"/>
+        <a:xfrm rot="19592232">
+          <a:off x="3273883" y="2407035"/>
+          <a:ext cx="1002016" cy="13908"/>
         </a:xfrm>
         <a:custGeom>
           <a:avLst/>
@@ -21840,10 +22040,10 @@
           <a:pathLst>
             <a:path>
               <a:moveTo>
-                <a:pt x="0" y="17094"/>
+                <a:pt x="0" y="6954"/>
               </a:moveTo>
               <a:lnTo>
-                <a:pt x="1205730" y="17094"/>
+                <a:pt x="1002016" y="6954"/>
               </a:lnTo>
             </a:path>
           </a:pathLst>
@@ -21880,7 +22080,7 @@
         </a:bodyPr>
         <a:lstStyle/>
         <a:p>
-          <a:pPr lvl="0" algn="ctr" defTabSz="533400">
+          <a:pPr lvl="0" algn="ctr" defTabSz="622300">
             <a:lnSpc>
               <a:spcPct val="90000"/>
             </a:lnSpc>
@@ -21891,15 +22091,15 @@
               <a:spcPct val="35000"/>
             </a:spcAft>
           </a:pPr>
-          <a:endParaRPr lang="zh-TW" altLang="en-US" sz="1200" kern="1200">
+          <a:endParaRPr lang="zh-TW" altLang="en-US" sz="1400" kern="1200">
             <a:latin typeface="微軟正黑體" panose="020B0604030504040204" pitchFamily="34" charset="-120"/>
             <a:ea typeface="微軟正黑體" panose="020B0604030504040204" pitchFamily="34" charset="-120"/>
           </a:endParaRPr>
         </a:p>
       </dsp:txBody>
       <dsp:txXfrm>
-        <a:off x="4390106" y="1963861"/>
-        <a:ext cx="60286" cy="60286"/>
+        <a:off x="3749841" y="2388939"/>
+        <a:ext cx="50100" cy="50100"/>
       </dsp:txXfrm>
     </dsp:sp>
     <dsp:sp modelId="{1CD41275-DF31-41B8-BD8A-B81C4EB62B08}">
@@ -21909,8 +22109,8 @@
       </dsp:nvSpPr>
       <dsp:spPr>
         <a:xfrm>
-          <a:off x="4903600" y="1465319"/>
-          <a:ext cx="673523" cy="336761"/>
+          <a:off x="4192854" y="1942299"/>
+          <a:ext cx="781745" cy="390872"/>
         </a:xfrm>
         <a:prstGeom prst="roundRect">
           <a:avLst>
@@ -21953,12 +22153,12 @@
         </a:fontRef>
       </dsp:style>
       <dsp:txBody>
-        <a:bodyPr spcFirstLastPara="0" vert="horz" wrap="square" lIns="7620" tIns="7620" rIns="7620" bIns="7620" numCol="1" spcCol="1270" anchor="ctr" anchorCtr="0">
+        <a:bodyPr spcFirstLastPara="0" vert="horz" wrap="square" lIns="8890" tIns="8890" rIns="8890" bIns="8890" numCol="1" spcCol="1270" anchor="ctr" anchorCtr="0">
           <a:noAutofit/>
         </a:bodyPr>
         <a:lstStyle/>
         <a:p>
-          <a:pPr lvl="0" algn="ctr" defTabSz="533400">
+          <a:pPr lvl="0" algn="ctr" defTabSz="622300">
             <a:lnSpc>
               <a:spcPct val="90000"/>
             </a:lnSpc>
@@ -21970,7 +22170,7 @@
             </a:spcAft>
           </a:pPr>
           <a:r>
-            <a:rPr lang="zh-TW" altLang="en-US" sz="1200" kern="1200">
+            <a:rPr lang="zh-TW" altLang="en-US" sz="1400" kern="1200" dirty="0">
               <a:latin typeface="微軟正黑體" panose="020B0604030504040204" pitchFamily="34" charset="-120"/>
               <a:ea typeface="微軟正黑體" panose="020B0604030504040204" pitchFamily="34" charset="-120"/>
             </a:rPr>
@@ -21979,8 +22179,8 @@
         </a:p>
       </dsp:txBody>
       <dsp:txXfrm>
-        <a:off x="4913463" y="1475182"/>
-        <a:ext cx="653797" cy="317035"/>
+        <a:off x="4204302" y="1953747"/>
+        <a:ext cx="758849" cy="367976"/>
       </dsp:txXfrm>
     </dsp:sp>
     <dsp:sp modelId="{71A1DF7E-0FD8-46CA-8950-F6F1D0398B31}">
@@ -21989,9 +22189,9 @@
         <dsp:cNvSpPr/>
       </dsp:nvSpPr>
       <dsp:spPr>
-        <a:xfrm rot="20866464">
-          <a:off x="3925683" y="2232483"/>
-          <a:ext cx="989133" cy="34189"/>
+        <a:xfrm rot="21228480">
+          <a:off x="3354475" y="2637942"/>
+          <a:ext cx="840831" cy="13908"/>
         </a:xfrm>
         <a:custGeom>
           <a:avLst/>
@@ -22002,10 +22202,10 @@
           <a:pathLst>
             <a:path>
               <a:moveTo>
-                <a:pt x="0" y="17094"/>
+                <a:pt x="0" y="6954"/>
               </a:moveTo>
               <a:lnTo>
-                <a:pt x="989133" y="17094"/>
+                <a:pt x="840831" y="6954"/>
               </a:lnTo>
             </a:path>
           </a:pathLst>
@@ -22042,7 +22242,7 @@
         </a:bodyPr>
         <a:lstStyle/>
         <a:p>
-          <a:pPr lvl="0" algn="ctr" defTabSz="533400">
+          <a:pPr lvl="0" algn="ctr" defTabSz="622300">
             <a:lnSpc>
               <a:spcPct val="90000"/>
             </a:lnSpc>
@@ -22053,15 +22253,15 @@
               <a:spcPct val="35000"/>
             </a:spcAft>
           </a:pPr>
-          <a:endParaRPr lang="zh-TW" altLang="en-US" sz="1200" kern="1200">
+          <a:endParaRPr lang="zh-TW" altLang="en-US" sz="1400" kern="1200">
             <a:latin typeface="微軟正黑體" panose="020B0604030504040204" pitchFamily="34" charset="-120"/>
             <a:ea typeface="微軟正黑體" panose="020B0604030504040204" pitchFamily="34" charset="-120"/>
           </a:endParaRPr>
         </a:p>
       </dsp:txBody>
       <dsp:txXfrm>
-        <a:off x="4395521" y="2224849"/>
-        <a:ext cx="49456" cy="49456"/>
+        <a:off x="3753870" y="2623876"/>
+        <a:ext cx="42041" cy="42041"/>
       </dsp:txXfrm>
     </dsp:sp>
     <dsp:sp modelId="{48D8F85B-09B6-4A13-8355-A5272B06B9CF}">
@@ -22071,8 +22271,8 @@
       </dsp:nvSpPr>
       <dsp:spPr>
         <a:xfrm>
-          <a:off x="4903600" y="1976467"/>
-          <a:ext cx="673523" cy="336761"/>
+          <a:off x="4192854" y="2404114"/>
+          <a:ext cx="781745" cy="390872"/>
         </a:xfrm>
         <a:prstGeom prst="roundRect">
           <a:avLst>
@@ -22115,12 +22315,12 @@
         </a:fontRef>
       </dsp:style>
       <dsp:txBody>
-        <a:bodyPr spcFirstLastPara="0" vert="horz" wrap="square" lIns="7620" tIns="7620" rIns="7620" bIns="7620" numCol="1" spcCol="1270" anchor="ctr" anchorCtr="0">
+        <a:bodyPr spcFirstLastPara="0" vert="horz" wrap="square" lIns="8890" tIns="8890" rIns="8890" bIns="8890" numCol="1" spcCol="1270" anchor="ctr" anchorCtr="0">
           <a:noAutofit/>
         </a:bodyPr>
         <a:lstStyle/>
         <a:p>
-          <a:pPr lvl="0" algn="ctr" defTabSz="533400">
+          <a:pPr lvl="0" algn="ctr" defTabSz="622300">
             <a:lnSpc>
               <a:spcPct val="90000"/>
             </a:lnSpc>
@@ -22132,7 +22332,7 @@
             </a:spcAft>
           </a:pPr>
           <a:r>
-            <a:rPr lang="zh-TW" altLang="en-US" sz="1200" kern="1200">
+            <a:rPr lang="zh-TW" altLang="en-US" sz="1400" kern="1200">
               <a:latin typeface="微軟正黑體" panose="020B0604030504040204" pitchFamily="34" charset="-120"/>
               <a:ea typeface="微軟正黑體" panose="020B0604030504040204" pitchFamily="34" charset="-120"/>
             </a:rPr>
@@ -22141,8 +22341,8 @@
         </a:p>
       </dsp:txBody>
       <dsp:txXfrm>
-        <a:off x="4913463" y="1986330"/>
-        <a:ext cx="653797" cy="317035"/>
+        <a:off x="4204302" y="2415562"/>
+        <a:ext cx="758849" cy="367976"/>
       </dsp:txXfrm>
     </dsp:sp>
     <dsp:sp modelId="{9791443C-4588-42D2-9AF4-817FCBD09948}">
@@ -22151,9 +22351,9 @@
         <dsp:cNvSpPr/>
       </dsp:nvSpPr>
       <dsp:spPr>
-        <a:xfrm rot="1039923">
-          <a:off x="3913908" y="2488057"/>
-          <a:ext cx="1012682" cy="34189"/>
+        <a:xfrm rot="1436374">
+          <a:off x="3317588" y="2868850"/>
+          <a:ext cx="914606" cy="13908"/>
         </a:xfrm>
         <a:custGeom>
           <a:avLst/>
@@ -22164,10 +22364,10 @@
           <a:pathLst>
             <a:path>
               <a:moveTo>
-                <a:pt x="0" y="17094"/>
+                <a:pt x="0" y="6954"/>
               </a:moveTo>
               <a:lnTo>
-                <a:pt x="1012682" y="17094"/>
+                <a:pt x="914606" y="6954"/>
               </a:lnTo>
             </a:path>
           </a:pathLst>
@@ -22204,7 +22404,7 @@
         </a:bodyPr>
         <a:lstStyle/>
         <a:p>
-          <a:pPr lvl="0" algn="ctr" defTabSz="533400">
+          <a:pPr lvl="0" algn="ctr" defTabSz="622300">
             <a:lnSpc>
               <a:spcPct val="90000"/>
             </a:lnSpc>
@@ -22215,15 +22415,15 @@
               <a:spcPct val="35000"/>
             </a:spcAft>
           </a:pPr>
-          <a:endParaRPr lang="zh-TW" altLang="en-US" sz="1200" kern="1200">
+          <a:endParaRPr lang="zh-TW" altLang="en-US" sz="1400" kern="1200">
             <a:latin typeface="微軟正黑體" panose="020B0604030504040204" pitchFamily="34" charset="-120"/>
             <a:ea typeface="微軟正黑體" panose="020B0604030504040204" pitchFamily="34" charset="-120"/>
           </a:endParaRPr>
         </a:p>
       </dsp:txBody>
       <dsp:txXfrm>
-        <a:off x="4394932" y="2479834"/>
-        <a:ext cx="50634" cy="50634"/>
+        <a:off x="3752026" y="2852939"/>
+        <a:ext cx="45730" cy="45730"/>
       </dsp:txXfrm>
     </dsp:sp>
     <dsp:sp modelId="{9A5C41C7-4795-470A-8B07-F158D71AC441}">
@@ -22233,8 +22433,8 @@
       </dsp:nvSpPr>
       <dsp:spPr>
         <a:xfrm>
-          <a:off x="4903600" y="2487614"/>
-          <a:ext cx="673523" cy="336761"/>
+          <a:off x="4192854" y="2865929"/>
+          <a:ext cx="781745" cy="390872"/>
         </a:xfrm>
         <a:prstGeom prst="roundRect">
           <a:avLst>
@@ -22277,12 +22477,12 @@
         </a:fontRef>
       </dsp:style>
       <dsp:txBody>
-        <a:bodyPr spcFirstLastPara="0" vert="horz" wrap="square" lIns="7620" tIns="7620" rIns="7620" bIns="7620" numCol="1" spcCol="1270" anchor="ctr" anchorCtr="0">
+        <a:bodyPr spcFirstLastPara="0" vert="horz" wrap="square" lIns="8890" tIns="8890" rIns="8890" bIns="8890" numCol="1" spcCol="1270" anchor="ctr" anchorCtr="0">
           <a:noAutofit/>
         </a:bodyPr>
         <a:lstStyle/>
         <a:p>
-          <a:pPr lvl="0" algn="ctr" defTabSz="533400">
+          <a:pPr lvl="0" algn="ctr" defTabSz="622300">
             <a:lnSpc>
               <a:spcPct val="90000"/>
             </a:lnSpc>
@@ -22294,7 +22494,7 @@
             </a:spcAft>
           </a:pPr>
           <a:r>
-            <a:rPr lang="zh-TW" altLang="en-US" sz="1200" kern="1200">
+            <a:rPr lang="zh-TW" altLang="en-US" sz="1400" kern="1200">
               <a:latin typeface="微軟正黑體" panose="020B0604030504040204" pitchFamily="34" charset="-120"/>
               <a:ea typeface="微軟正黑體" panose="020B0604030504040204" pitchFamily="34" charset="-120"/>
             </a:rPr>
@@ -22303,8 +22503,8 @@
         </a:p>
       </dsp:txBody>
       <dsp:txXfrm>
-        <a:off x="4913463" y="2497477"/>
-        <a:ext cx="653797" cy="317035"/>
+        <a:off x="4204302" y="2877377"/>
+        <a:ext cx="758849" cy="367976"/>
       </dsp:txXfrm>
     </dsp:sp>
     <dsp:sp modelId="{EABEB553-EDE1-4E6F-A0BF-C567289A83E9}">
@@ -22313,9 +22513,9 @@
         <dsp:cNvSpPr/>
       </dsp:nvSpPr>
       <dsp:spPr>
-        <a:xfrm rot="2328731">
-          <a:off x="3798665" y="2729616"/>
-          <a:ext cx="1252143" cy="34189"/>
+        <a:xfrm rot="2662661">
+          <a:off x="3189390" y="3094056"/>
+          <a:ext cx="1174652" cy="13908"/>
         </a:xfrm>
         <a:custGeom>
           <a:avLst/>
@@ -22326,10 +22526,10 @@
           <a:pathLst>
             <a:path>
               <a:moveTo>
-                <a:pt x="0" y="17094"/>
+                <a:pt x="0" y="6954"/>
               </a:moveTo>
               <a:lnTo>
-                <a:pt x="1252143" y="17094"/>
+                <a:pt x="1174652" y="6954"/>
               </a:lnTo>
             </a:path>
           </a:pathLst>
@@ -22366,7 +22566,7 @@
         </a:bodyPr>
         <a:lstStyle/>
         <a:p>
-          <a:pPr lvl="0" algn="ctr" defTabSz="533400">
+          <a:pPr lvl="0" algn="ctr" defTabSz="622300">
             <a:lnSpc>
               <a:spcPct val="90000"/>
             </a:lnSpc>
@@ -22377,15 +22577,15 @@
               <a:spcPct val="35000"/>
             </a:spcAft>
           </a:pPr>
-          <a:endParaRPr lang="zh-TW" altLang="en-US" sz="1200" kern="1200">
+          <a:endParaRPr lang="zh-TW" altLang="en-US" sz="1400" kern="1200">
             <a:latin typeface="微軟正黑體" panose="020B0604030504040204" pitchFamily="34" charset="-120"/>
             <a:ea typeface="微軟正黑體" panose="020B0604030504040204" pitchFamily="34" charset="-120"/>
           </a:endParaRPr>
         </a:p>
       </dsp:txBody>
       <dsp:txXfrm>
-        <a:off x="4393433" y="2715407"/>
-        <a:ext cx="62607" cy="62607"/>
+        <a:off x="3747351" y="3071644"/>
+        <a:ext cx="58732" cy="58732"/>
       </dsp:txXfrm>
     </dsp:sp>
     <dsp:sp modelId="{615C9E36-60C3-4003-85EC-9C81B13B82D6}">
@@ -22395,8 +22595,8 @@
       </dsp:nvSpPr>
       <dsp:spPr>
         <a:xfrm>
-          <a:off x="4912575" y="2970732"/>
-          <a:ext cx="673523" cy="336761"/>
+          <a:off x="4196506" y="3316341"/>
+          <a:ext cx="781745" cy="390872"/>
         </a:xfrm>
         <a:prstGeom prst="roundRect">
           <a:avLst>
@@ -22439,12 +22639,12 @@
         </a:fontRef>
       </dsp:style>
       <dsp:txBody>
-        <a:bodyPr spcFirstLastPara="0" vert="horz" wrap="square" lIns="7620" tIns="7620" rIns="7620" bIns="7620" numCol="1" spcCol="1270" anchor="ctr" anchorCtr="0">
+        <a:bodyPr spcFirstLastPara="0" vert="horz" wrap="square" lIns="8890" tIns="8890" rIns="8890" bIns="8890" numCol="1" spcCol="1270" anchor="ctr" anchorCtr="0">
           <a:noAutofit/>
         </a:bodyPr>
         <a:lstStyle/>
         <a:p>
-          <a:pPr lvl="0" algn="ctr" defTabSz="533400">
+          <a:pPr lvl="0" algn="ctr" defTabSz="622300">
             <a:lnSpc>
               <a:spcPct val="90000"/>
             </a:lnSpc>
@@ -22456,7 +22656,7 @@
             </a:spcAft>
           </a:pPr>
           <a:r>
-            <a:rPr lang="zh-TW" altLang="en-US" sz="1200" kern="1200" dirty="0">
+            <a:rPr lang="zh-TW" altLang="en-US" sz="1400" kern="1200" dirty="0">
               <a:latin typeface="微軟正黑體" panose="020B0604030504040204" pitchFamily="34" charset="-120"/>
               <a:ea typeface="微軟正黑體" panose="020B0604030504040204" pitchFamily="34" charset="-120"/>
             </a:rPr>
@@ -22465,8 +22665,8 @@
         </a:p>
       </dsp:txBody>
       <dsp:txXfrm>
-        <a:off x="4922438" y="2980595"/>
-        <a:ext cx="653797" cy="317035"/>
+        <a:off x="4207954" y="3327789"/>
+        <a:ext cx="758849" cy="367976"/>
       </dsp:txXfrm>
     </dsp:sp>
     <dsp:sp modelId="{8DC808D9-C89B-4D02-9C5E-B76463ECE3B9}">
@@ -22475,9 +22675,9 @@
         <dsp:cNvSpPr/>
       </dsp:nvSpPr>
       <dsp:spPr>
-        <a:xfrm rot="21324740">
-          <a:off x="2624253" y="2980533"/>
-          <a:ext cx="616136" cy="34189"/>
+        <a:xfrm rot="463162">
+          <a:off x="1697688" y="3106393"/>
+          <a:ext cx="871691" cy="13908"/>
         </a:xfrm>
         <a:custGeom>
           <a:avLst/>
@@ -22488,10 +22688,10 @@
           <a:pathLst>
             <a:path>
               <a:moveTo>
-                <a:pt x="0" y="17094"/>
+                <a:pt x="0" y="6954"/>
               </a:moveTo>
               <a:lnTo>
-                <a:pt x="616136" y="17094"/>
+                <a:pt x="871691" y="6954"/>
               </a:lnTo>
             </a:path>
           </a:pathLst>
@@ -22528,7 +22728,7 @@
         </a:bodyPr>
         <a:lstStyle/>
         <a:p>
-          <a:pPr lvl="0" algn="ctr" defTabSz="222250">
+          <a:pPr lvl="0" algn="ctr" defTabSz="622300">
             <a:lnSpc>
               <a:spcPct val="90000"/>
             </a:lnSpc>
@@ -22539,12 +22739,12 @@
               <a:spcPct val="35000"/>
             </a:spcAft>
           </a:pPr>
-          <a:endParaRPr lang="zh-TW" altLang="en-US" sz="500" kern="1200"/>
+          <a:endParaRPr lang="zh-TW" altLang="en-US" sz="1400" kern="1200"/>
         </a:p>
       </dsp:txBody>
       <dsp:txXfrm>
-        <a:off x="2916918" y="2982225"/>
-        <a:ext cx="30806" cy="30806"/>
+        <a:off x="2111742" y="3091555"/>
+        <a:ext cx="43584" cy="43584"/>
       </dsp:txXfrm>
     </dsp:sp>
     <dsp:sp modelId="{12618767-5CEA-46DC-AAE4-01FDD4ECE21C}">
@@ -22554,8 +22754,8 @@
       </dsp:nvSpPr>
       <dsp:spPr>
         <a:xfrm>
-          <a:off x="3239403" y="2836327"/>
-          <a:ext cx="761739" cy="273320"/>
+          <a:off x="2565430" y="3013271"/>
+          <a:ext cx="884157" cy="317239"/>
         </a:xfrm>
         <a:prstGeom prst="roundRect">
           <a:avLst>
@@ -22598,12 +22798,12 @@
         </a:fontRef>
       </dsp:style>
       <dsp:txBody>
-        <a:bodyPr spcFirstLastPara="0" vert="horz" wrap="square" lIns="7620" tIns="7620" rIns="7620" bIns="7620" numCol="1" spcCol="1270" anchor="ctr" anchorCtr="0">
+        <a:bodyPr spcFirstLastPara="0" vert="horz" wrap="square" lIns="8890" tIns="8890" rIns="8890" bIns="8890" numCol="1" spcCol="1270" anchor="ctr" anchorCtr="0">
           <a:noAutofit/>
         </a:bodyPr>
         <a:lstStyle/>
         <a:p>
-          <a:pPr lvl="0" algn="ctr" defTabSz="533400">
+          <a:pPr lvl="0" algn="ctr" defTabSz="622300">
             <a:lnSpc>
               <a:spcPct val="90000"/>
             </a:lnSpc>
@@ -22615,7 +22815,7 @@
             </a:spcAft>
           </a:pPr>
           <a:r>
-            <a:rPr lang="zh-TW" altLang="en-US" sz="1200" kern="1200" dirty="0">
+            <a:rPr lang="zh-TW" altLang="en-US" sz="1400" kern="1200" dirty="0">
               <a:latin typeface="微軟正黑體" panose="020B0604030504040204" pitchFamily="34" charset="-120"/>
               <a:ea typeface="微軟正黑體" panose="020B0604030504040204" pitchFamily="34" charset="-120"/>
             </a:rPr>
@@ -22624,8 +22824,8 @@
         </a:p>
       </dsp:txBody>
       <dsp:txXfrm>
-        <a:off x="3247408" y="2844332"/>
-        <a:ext cx="745729" cy="257310"/>
+        <a:off x="2574722" y="3022563"/>
+        <a:ext cx="865573" cy="298655"/>
       </dsp:txXfrm>
     </dsp:sp>
     <dsp:sp modelId="{A56DBBC7-C452-4803-BE77-D323E6303127}">
@@ -22634,9 +22834,9 @@
         <dsp:cNvSpPr/>
       </dsp:nvSpPr>
       <dsp:spPr>
-        <a:xfrm rot="4216667">
-          <a:off x="1980528" y="3921184"/>
-          <a:ext cx="1946183" cy="34189"/>
+        <a:xfrm rot="3704978">
+          <a:off x="1210368" y="3869521"/>
+          <a:ext cx="1865552" cy="13908"/>
         </a:xfrm>
         <a:custGeom>
           <a:avLst/>
@@ -22647,10 +22847,10 @@
           <a:pathLst>
             <a:path>
               <a:moveTo>
-                <a:pt x="0" y="17094"/>
+                <a:pt x="0" y="6954"/>
               </a:moveTo>
               <a:lnTo>
-                <a:pt x="1946183" y="17094"/>
+                <a:pt x="1865552" y="6954"/>
               </a:lnTo>
             </a:path>
           </a:pathLst>
@@ -22687,7 +22887,7 @@
         </a:bodyPr>
         <a:lstStyle/>
         <a:p>
-          <a:pPr lvl="0" algn="ctr" defTabSz="311150">
+          <a:pPr lvl="0" algn="ctr" defTabSz="622300">
             <a:lnSpc>
               <a:spcPct val="90000"/>
             </a:lnSpc>
@@ -22698,12 +22898,12 @@
               <a:spcPct val="35000"/>
             </a:spcAft>
           </a:pPr>
-          <a:endParaRPr lang="zh-TW" altLang="en-US" sz="700" kern="1200"/>
+          <a:endParaRPr lang="zh-TW" altLang="en-US" sz="1400" kern="1200"/>
         </a:p>
       </dsp:txBody>
       <dsp:txXfrm>
-        <a:off x="2904965" y="3889624"/>
-        <a:ext cx="97309" cy="97309"/>
+        <a:off x="2096506" y="3829836"/>
+        <a:ext cx="93277" cy="93277"/>
       </dsp:txXfrm>
     </dsp:sp>
     <dsp:sp modelId="{7A721F8D-4D21-4613-A3E3-9804CEE7CE73}">
@@ -22713,8 +22913,8 @@
       </dsp:nvSpPr>
       <dsp:spPr>
         <a:xfrm>
-          <a:off x="3282000" y="4685907"/>
-          <a:ext cx="673523" cy="336761"/>
+          <a:off x="2584651" y="4502710"/>
+          <a:ext cx="781745" cy="390872"/>
         </a:xfrm>
         <a:prstGeom prst="roundRect">
           <a:avLst>
@@ -22757,12 +22957,12 @@
         </a:fontRef>
       </dsp:style>
       <dsp:txBody>
-        <a:bodyPr spcFirstLastPara="0" vert="horz" wrap="square" lIns="7620" tIns="7620" rIns="7620" bIns="7620" numCol="1" spcCol="1270" anchor="ctr" anchorCtr="0">
+        <a:bodyPr spcFirstLastPara="0" vert="horz" wrap="square" lIns="8890" tIns="8890" rIns="8890" bIns="8890" numCol="1" spcCol="1270" anchor="ctr" anchorCtr="0">
           <a:noAutofit/>
         </a:bodyPr>
         <a:lstStyle/>
         <a:p>
-          <a:pPr lvl="0" algn="ctr" defTabSz="533400">
+          <a:pPr lvl="0" algn="ctr" defTabSz="622300">
             <a:lnSpc>
               <a:spcPct val="90000"/>
             </a:lnSpc>
@@ -22774,7 +22974,7 @@
             </a:spcAft>
           </a:pPr>
           <a:r>
-            <a:rPr lang="zh-TW" altLang="en-US" sz="1200" kern="1200">
+            <a:rPr lang="zh-TW" altLang="en-US" sz="1400" kern="1200" dirty="0">
               <a:latin typeface="微軟正黑體" panose="020B0604030504040204" pitchFamily="34" charset="-120"/>
               <a:ea typeface="微軟正黑體" panose="020B0604030504040204" pitchFamily="34" charset="-120"/>
             </a:rPr>
@@ -22783,8 +22983,8 @@
         </a:p>
       </dsp:txBody>
       <dsp:txXfrm>
-        <a:off x="3291863" y="4695770"/>
-        <a:ext cx="653797" cy="317035"/>
+        <a:off x="2596099" y="4514158"/>
+        <a:ext cx="758849" cy="367976"/>
       </dsp:txXfrm>
     </dsp:sp>
     <dsp:sp modelId="{95D73BED-9391-45E1-9A14-A64851051800}">
@@ -22793,9 +22993,9 @@
         <dsp:cNvSpPr/>
       </dsp:nvSpPr>
       <dsp:spPr>
-        <a:xfrm rot="18662572">
-          <a:off x="3712535" y="4303475"/>
-          <a:ext cx="1415289" cy="34189"/>
+        <a:xfrm rot="20112088">
+          <a:off x="3218148" y="4016878"/>
+          <a:ext cx="3215391" cy="13908"/>
         </a:xfrm>
         <a:custGeom>
           <a:avLst/>
@@ -22806,10 +23006,10 @@
           <a:pathLst>
             <a:path>
               <a:moveTo>
-                <a:pt x="0" y="17094"/>
+                <a:pt x="0" y="6954"/>
               </a:moveTo>
               <a:lnTo>
-                <a:pt x="1415289" y="17094"/>
+                <a:pt x="3215391" y="6954"/>
               </a:lnTo>
             </a:path>
           </a:pathLst>
@@ -22846,7 +23046,7 @@
         </a:bodyPr>
         <a:lstStyle/>
         <a:p>
-          <a:pPr lvl="0" algn="ctr" defTabSz="222250">
+          <a:pPr lvl="0" algn="ctr" defTabSz="622300">
             <a:lnSpc>
               <a:spcPct val="90000"/>
             </a:lnSpc>
@@ -22857,12 +23057,12 @@
               <a:spcPct val="35000"/>
             </a:spcAft>
           </a:pPr>
-          <a:endParaRPr lang="zh-TW" altLang="en-US" sz="500" kern="1200"/>
+          <a:endParaRPr lang="zh-TW" altLang="en-US" sz="1400" kern="1200"/>
         </a:p>
       </dsp:txBody>
       <dsp:txXfrm>
-        <a:off x="4384797" y="4285187"/>
-        <a:ext cx="70764" cy="70764"/>
+        <a:off x="4745459" y="3943448"/>
+        <a:ext cx="160769" cy="160769"/>
       </dsp:txXfrm>
     </dsp:sp>
     <dsp:sp modelId="{84455419-549D-4F1C-B9F4-4666EEB79F8A}">
@@ -22872,8 +23072,8 @@
       </dsp:nvSpPr>
       <dsp:spPr>
         <a:xfrm>
-          <a:off x="4884836" y="3618470"/>
-          <a:ext cx="673523" cy="336761"/>
+          <a:off x="6285290" y="3154082"/>
+          <a:ext cx="781745" cy="390872"/>
         </a:xfrm>
         <a:prstGeom prst="roundRect">
           <a:avLst>
@@ -22916,12 +23116,12 @@
         </a:fontRef>
       </dsp:style>
       <dsp:txBody>
-        <a:bodyPr spcFirstLastPara="0" vert="horz" wrap="square" lIns="7620" tIns="7620" rIns="7620" bIns="7620" numCol="1" spcCol="1270" anchor="ctr" anchorCtr="0">
+        <a:bodyPr spcFirstLastPara="0" vert="horz" wrap="square" lIns="8890" tIns="8890" rIns="8890" bIns="8890" numCol="1" spcCol="1270" anchor="ctr" anchorCtr="0">
           <a:noAutofit/>
         </a:bodyPr>
         <a:lstStyle/>
         <a:p>
-          <a:pPr lvl="0" algn="ctr" defTabSz="533400">
+          <a:pPr lvl="0" algn="ctr" defTabSz="622300">
             <a:lnSpc>
               <a:spcPct val="90000"/>
             </a:lnSpc>
@@ -22933,7 +23133,7 @@
             </a:spcAft>
           </a:pPr>
           <a:r>
-            <a:rPr lang="zh-TW" altLang="en-US" sz="1200" kern="1200" dirty="0">
+            <a:rPr lang="zh-TW" altLang="en-US" sz="1400" kern="1200" dirty="0">
               <a:latin typeface="微軟正黑體" panose="020B0604030504040204" pitchFamily="34" charset="-120"/>
               <a:ea typeface="微軟正黑體" panose="020B0604030504040204" pitchFamily="34" charset="-120"/>
             </a:rPr>
@@ -22942,8 +23142,8 @@
         </a:p>
       </dsp:txBody>
       <dsp:txXfrm>
-        <a:off x="4894699" y="3628333"/>
-        <a:ext cx="653797" cy="317035"/>
+        <a:off x="6296738" y="3165530"/>
+        <a:ext cx="758849" cy="367976"/>
       </dsp:txXfrm>
     </dsp:sp>
     <dsp:sp modelId="{C36A28C4-CD9A-4872-A11A-573654C578A3}">
@@ -22952,9 +23152,9 @@
         <dsp:cNvSpPr/>
       </dsp:nvSpPr>
       <dsp:spPr>
-        <a:xfrm rot="19652802">
-          <a:off x="3869459" y="4541471"/>
-          <a:ext cx="1102185" cy="34189"/>
+        <a:xfrm rot="20537665">
+          <a:off x="3294005" y="4226403"/>
+          <a:ext cx="3056554" cy="13908"/>
         </a:xfrm>
         <a:custGeom>
           <a:avLst/>
@@ -22965,10 +23165,10 @@
           <a:pathLst>
             <a:path>
               <a:moveTo>
-                <a:pt x="0" y="17094"/>
+                <a:pt x="0" y="6954"/>
               </a:moveTo>
               <a:lnTo>
-                <a:pt x="1102185" y="17094"/>
+                <a:pt x="3056554" y="6954"/>
               </a:lnTo>
             </a:path>
           </a:pathLst>
@@ -23005,7 +23205,7 @@
         </a:bodyPr>
         <a:lstStyle/>
         <a:p>
-          <a:pPr lvl="0" algn="ctr" defTabSz="533400">
+          <a:pPr lvl="0" algn="ctr" defTabSz="622300">
             <a:lnSpc>
               <a:spcPct val="90000"/>
             </a:lnSpc>
@@ -23016,15 +23216,15 @@
               <a:spcPct val="35000"/>
             </a:spcAft>
           </a:pPr>
-          <a:endParaRPr lang="zh-TW" altLang="en-US" sz="1200" kern="1200">
+          <a:endParaRPr lang="zh-TW" altLang="en-US" sz="1400" kern="1200">
             <a:latin typeface="微軟正黑體" panose="020B0604030504040204" pitchFamily="34" charset="-120"/>
             <a:ea typeface="微軟正黑體" panose="020B0604030504040204" pitchFamily="34" charset="-120"/>
           </a:endParaRPr>
         </a:p>
       </dsp:txBody>
       <dsp:txXfrm>
-        <a:off x="4392997" y="4531011"/>
-        <a:ext cx="55109" cy="55109"/>
+        <a:off x="4745868" y="4156944"/>
+        <a:ext cx="152827" cy="152827"/>
       </dsp:txXfrm>
     </dsp:sp>
     <dsp:sp modelId="{5DC94A99-CB98-4879-AA34-B5974B22174C}">
@@ -23034,8 +23234,8 @@
       </dsp:nvSpPr>
       <dsp:spPr>
         <a:xfrm>
-          <a:off x="4885580" y="4094461"/>
-          <a:ext cx="673523" cy="336761"/>
+          <a:off x="6278168" y="3573133"/>
+          <a:ext cx="781745" cy="390872"/>
         </a:xfrm>
         <a:prstGeom prst="roundRect">
           <a:avLst>
@@ -23078,12 +23278,12 @@
         </a:fontRef>
       </dsp:style>
       <dsp:txBody>
-        <a:bodyPr spcFirstLastPara="0" vert="horz" wrap="square" lIns="7620" tIns="7620" rIns="7620" bIns="7620" numCol="1" spcCol="1270" anchor="ctr" anchorCtr="0">
+        <a:bodyPr spcFirstLastPara="0" vert="horz" wrap="square" lIns="8890" tIns="8890" rIns="8890" bIns="8890" numCol="1" spcCol="1270" anchor="ctr" anchorCtr="0">
           <a:noAutofit/>
         </a:bodyPr>
         <a:lstStyle/>
         <a:p>
-          <a:pPr lvl="0" algn="ctr" defTabSz="533400">
+          <a:pPr lvl="0" algn="ctr" defTabSz="622300">
             <a:lnSpc>
               <a:spcPct val="90000"/>
             </a:lnSpc>
@@ -23095,7 +23295,7 @@
             </a:spcAft>
           </a:pPr>
           <a:r>
-            <a:rPr lang="zh-TW" altLang="en-US" sz="1200" kern="1200">
+            <a:rPr lang="zh-TW" altLang="en-US" sz="1400" kern="1200">
               <a:latin typeface="微軟正黑體" panose="020B0604030504040204" pitchFamily="34" charset="-120"/>
               <a:ea typeface="微軟正黑體" panose="020B0604030504040204" pitchFamily="34" charset="-120"/>
             </a:rPr>
@@ -23104,8 +23304,8 @@
         </a:p>
       </dsp:txBody>
       <dsp:txXfrm>
-        <a:off x="4895443" y="4104324"/>
-        <a:ext cx="653797" cy="317035"/>
+        <a:off x="6289616" y="3584581"/>
+        <a:ext cx="758849" cy="367976"/>
       </dsp:txXfrm>
     </dsp:sp>
     <dsp:sp modelId="{D9B09960-DBC4-4888-A502-7C1871460A94}">
@@ -23114,9 +23314,9 @@
         <dsp:cNvSpPr/>
       </dsp:nvSpPr>
       <dsp:spPr>
-        <a:xfrm rot="21295355">
-          <a:off x="3953679" y="4795597"/>
-          <a:ext cx="940023" cy="34189"/>
+        <a:xfrm rot="21051538">
+          <a:off x="3347653" y="4456722"/>
+          <a:ext cx="2951812" cy="13908"/>
         </a:xfrm>
         <a:custGeom>
           <a:avLst/>
@@ -23127,10 +23327,10 @@
           <a:pathLst>
             <a:path>
               <a:moveTo>
-                <a:pt x="0" y="17094"/>
+                <a:pt x="0" y="6954"/>
               </a:moveTo>
               <a:lnTo>
-                <a:pt x="940023" y="17094"/>
+                <a:pt x="2951812" y="6954"/>
               </a:lnTo>
             </a:path>
           </a:pathLst>
@@ -23167,7 +23367,7 @@
         </a:bodyPr>
         <a:lstStyle/>
         <a:p>
-          <a:pPr lvl="0" algn="ctr" defTabSz="222250">
+          <a:pPr lvl="0" algn="ctr" defTabSz="622300">
             <a:lnSpc>
               <a:spcPct val="90000"/>
             </a:lnSpc>
@@ -23178,12 +23378,12 @@
               <a:spcPct val="35000"/>
             </a:spcAft>
           </a:pPr>
-          <a:endParaRPr lang="zh-TW" altLang="en-US" sz="500" kern="1200"/>
+          <a:endParaRPr lang="zh-TW" altLang="en-US" sz="1400" kern="1200"/>
         </a:p>
       </dsp:txBody>
       <dsp:txXfrm>
-        <a:off x="4400190" y="4789191"/>
-        <a:ext cx="47001" cy="47001"/>
+        <a:off x="4749764" y="4389881"/>
+        <a:ext cx="147590" cy="147590"/>
       </dsp:txXfrm>
     </dsp:sp>
     <dsp:sp modelId="{F14D2217-B823-44D2-A8E1-E2DA09A23D1F}">
@@ -23193,8 +23393,8 @@
       </dsp:nvSpPr>
       <dsp:spPr>
         <a:xfrm>
-          <a:off x="4891858" y="4602714"/>
-          <a:ext cx="673523" cy="336761"/>
+          <a:off x="6280722" y="4033770"/>
+          <a:ext cx="781745" cy="390872"/>
         </a:xfrm>
         <a:prstGeom prst="roundRect">
           <a:avLst>
@@ -23237,12 +23437,12 @@
         </a:fontRef>
       </dsp:style>
       <dsp:txBody>
-        <a:bodyPr spcFirstLastPara="0" vert="horz" wrap="square" lIns="7620" tIns="7620" rIns="7620" bIns="7620" numCol="1" spcCol="1270" anchor="ctr" anchorCtr="0">
+        <a:bodyPr spcFirstLastPara="0" vert="horz" wrap="square" lIns="8890" tIns="8890" rIns="8890" bIns="8890" numCol="1" spcCol="1270" anchor="ctr" anchorCtr="0">
           <a:noAutofit/>
         </a:bodyPr>
         <a:lstStyle/>
         <a:p>
-          <a:pPr lvl="0" algn="ctr" defTabSz="533400">
+          <a:pPr lvl="0" algn="ctr" defTabSz="622300">
             <a:lnSpc>
               <a:spcPct val="90000"/>
             </a:lnSpc>
@@ -23254,7 +23454,7 @@
             </a:spcAft>
           </a:pPr>
           <a:r>
-            <a:rPr lang="zh-TW" altLang="en-US" sz="1200" kern="1200">
+            <a:rPr lang="zh-TW" altLang="en-US" sz="1400" kern="1200">
               <a:latin typeface="微軟正黑體" panose="020B0604030504040204" pitchFamily="34" charset="-120"/>
               <a:ea typeface="微軟正黑體" panose="020B0604030504040204" pitchFamily="34" charset="-120"/>
             </a:rPr>
@@ -23263,8 +23463,8 @@
         </a:p>
       </dsp:txBody>
       <dsp:txXfrm>
-        <a:off x="4901721" y="4612577"/>
-        <a:ext cx="653797" cy="317035"/>
+        <a:off x="6292170" y="4045218"/>
+        <a:ext cx="758849" cy="367976"/>
       </dsp:txXfrm>
     </dsp:sp>
     <dsp:sp modelId="{47D097B7-3B8F-45F9-9D9D-53F6BE63DB1E}">
@@ -23273,9 +23473,9 @@
         <dsp:cNvSpPr/>
       </dsp:nvSpPr>
       <dsp:spPr>
-        <a:xfrm rot="1258596">
-          <a:off x="3912818" y="5067874"/>
-          <a:ext cx="1288764" cy="34189"/>
+        <a:xfrm rot="39519">
+          <a:off x="3366297" y="4708568"/>
+          <a:ext cx="3023151" cy="13908"/>
         </a:xfrm>
         <a:custGeom>
           <a:avLst/>
@@ -23286,10 +23486,10 @@
           <a:pathLst>
             <a:path>
               <a:moveTo>
-                <a:pt x="0" y="17094"/>
+                <a:pt x="0" y="6954"/>
               </a:moveTo>
               <a:lnTo>
-                <a:pt x="1288764" y="17094"/>
+                <a:pt x="3023151" y="6954"/>
               </a:lnTo>
             </a:path>
           </a:pathLst>
@@ -23326,7 +23526,7 @@
         </a:bodyPr>
         <a:lstStyle/>
         <a:p>
-          <a:pPr lvl="0" algn="ctr" defTabSz="222250">
+          <a:pPr lvl="0" algn="ctr" defTabSz="622300">
             <a:lnSpc>
               <a:spcPct val="90000"/>
             </a:lnSpc>
@@ -23337,12 +23537,12 @@
               <a:spcPct val="35000"/>
             </a:spcAft>
           </a:pPr>
-          <a:endParaRPr lang="zh-TW" altLang="en-US" sz="500" kern="1200"/>
+          <a:endParaRPr lang="zh-TW" altLang="en-US" sz="1400" kern="1200"/>
         </a:p>
       </dsp:txBody>
       <dsp:txXfrm>
-        <a:off x="4524981" y="5052749"/>
-        <a:ext cx="64438" cy="64438"/>
+        <a:off x="4802294" y="4639944"/>
+        <a:ext cx="151157" cy="151157"/>
       </dsp:txXfrm>
     </dsp:sp>
     <dsp:sp modelId="{BA9201D2-3720-4958-AA29-A75B03914723}">
@@ -23352,8 +23552,8 @@
       </dsp:nvSpPr>
       <dsp:spPr>
         <a:xfrm>
-          <a:off x="5158877" y="5109746"/>
-          <a:ext cx="917803" cy="411805"/>
+          <a:off x="6389349" y="4493911"/>
+          <a:ext cx="1065258" cy="477975"/>
         </a:xfrm>
         <a:prstGeom prst="roundRect">
           <a:avLst>
@@ -23396,12 +23596,12 @@
         </a:fontRef>
       </dsp:style>
       <dsp:txBody>
-        <a:bodyPr spcFirstLastPara="0" vert="horz" wrap="square" lIns="7620" tIns="7620" rIns="7620" bIns="7620" numCol="1" spcCol="1270" anchor="ctr" anchorCtr="0">
+        <a:bodyPr spcFirstLastPara="0" vert="horz" wrap="square" lIns="8890" tIns="8890" rIns="8890" bIns="8890" numCol="1" spcCol="1270" anchor="ctr" anchorCtr="0">
           <a:noAutofit/>
         </a:bodyPr>
         <a:lstStyle/>
         <a:p>
-          <a:pPr lvl="0" algn="ctr" defTabSz="533400">
+          <a:pPr lvl="0" algn="ctr" defTabSz="622300">
             <a:lnSpc>
               <a:spcPct val="90000"/>
             </a:lnSpc>
@@ -23413,7 +23613,7 @@
             </a:spcAft>
           </a:pPr>
           <a:r>
-            <a:rPr lang="zh-TW" altLang="en-US" sz="1200" kern="1200" dirty="0">
+            <a:rPr lang="zh-TW" altLang="en-US" sz="1400" kern="1200" dirty="0">
               <a:latin typeface="微軟正黑體" panose="020B0604030504040204" pitchFamily="34" charset="-120"/>
               <a:ea typeface="微軟正黑體" panose="020B0604030504040204" pitchFamily="34" charset="-120"/>
             </a:rPr>
@@ -23422,8 +23622,8 @@
         </a:p>
       </dsp:txBody>
       <dsp:txXfrm>
-        <a:off x="5170938" y="5121807"/>
-        <a:ext cx="893681" cy="387683"/>
+        <a:off x="6403348" y="4507910"/>
+        <a:ext cx="1037260" cy="449977"/>
       </dsp:txXfrm>
     </dsp:sp>
     <dsp:sp modelId="{95031CB6-B34F-46BC-B711-A5238C8CDF8F}">
@@ -23432,9 +23632,9 @@
         <dsp:cNvSpPr/>
       </dsp:nvSpPr>
       <dsp:spPr>
-        <a:xfrm rot="2210312">
-          <a:off x="3805413" y="5287937"/>
-          <a:ext cx="1503575" cy="34189"/>
+        <a:xfrm rot="594695">
+          <a:off x="3343495" y="4955302"/>
+          <a:ext cx="3068754" cy="13908"/>
         </a:xfrm>
         <a:custGeom>
           <a:avLst/>
@@ -23445,10 +23645,10 @@
           <a:pathLst>
             <a:path>
               <a:moveTo>
-                <a:pt x="0" y="17094"/>
+                <a:pt x="0" y="6954"/>
               </a:moveTo>
               <a:lnTo>
-                <a:pt x="1503575" y="17094"/>
+                <a:pt x="3068754" y="6954"/>
               </a:lnTo>
             </a:path>
           </a:pathLst>
@@ -23485,7 +23685,7 @@
         </a:bodyPr>
         <a:lstStyle/>
         <a:p>
-          <a:pPr lvl="0" algn="ctr" defTabSz="222250">
+          <a:pPr lvl="0" algn="ctr" defTabSz="622300">
             <a:lnSpc>
               <a:spcPct val="90000"/>
             </a:lnSpc>
@@ -23496,12 +23696,12 @@
               <a:spcPct val="35000"/>
             </a:spcAft>
           </a:pPr>
-          <a:endParaRPr lang="zh-TW" altLang="en-US" sz="500" kern="1200"/>
+          <a:endParaRPr lang="zh-TW" altLang="en-US" sz="1400" kern="1200"/>
         </a:p>
       </dsp:txBody>
       <dsp:txXfrm>
-        <a:off x="4519611" y="5267442"/>
-        <a:ext cx="75178" cy="75178"/>
+        <a:off x="4801154" y="4885537"/>
+        <a:ext cx="153437" cy="153437"/>
       </dsp:txXfrm>
     </dsp:sp>
     <dsp:sp modelId="{28E2A27E-74D6-423F-9E7B-F366FF5A6BA1}">
@@ -23511,8 +23711,8 @@
       </dsp:nvSpPr>
       <dsp:spPr>
         <a:xfrm>
-          <a:off x="5158877" y="5544617"/>
-          <a:ext cx="708052" cy="422315"/>
+          <a:off x="6389349" y="4981270"/>
+          <a:ext cx="821841" cy="490191"/>
         </a:xfrm>
         <a:prstGeom prst="roundRect">
           <a:avLst>
@@ -23555,12 +23755,12 @@
         </a:fontRef>
       </dsp:style>
       <dsp:txBody>
-        <a:bodyPr spcFirstLastPara="0" vert="horz" wrap="square" lIns="7620" tIns="7620" rIns="7620" bIns="7620" numCol="1" spcCol="1270" anchor="ctr" anchorCtr="0">
+        <a:bodyPr spcFirstLastPara="0" vert="horz" wrap="square" lIns="8890" tIns="8890" rIns="8890" bIns="8890" numCol="1" spcCol="1270" anchor="ctr" anchorCtr="0">
           <a:noAutofit/>
         </a:bodyPr>
         <a:lstStyle/>
         <a:p>
-          <a:pPr lvl="0" algn="ctr" defTabSz="533400">
+          <a:pPr lvl="0" algn="ctr" defTabSz="622300">
             <a:lnSpc>
               <a:spcPct val="90000"/>
             </a:lnSpc>
@@ -23572,7 +23772,7 @@
             </a:spcAft>
           </a:pPr>
           <a:r>
-            <a:rPr lang="zh-TW" altLang="en-US" sz="1200" kern="1200" dirty="0">
+            <a:rPr lang="zh-TW" altLang="en-US" sz="1400" kern="1200" dirty="0">
               <a:latin typeface="微軟正黑體" panose="020B0604030504040204" pitchFamily="34" charset="-120"/>
               <a:ea typeface="微軟正黑體" panose="020B0604030504040204" pitchFamily="34" charset="-120"/>
             </a:rPr>
@@ -23581,8 +23781,8 @@
         </a:p>
       </dsp:txBody>
       <dsp:txXfrm>
-        <a:off x="5171246" y="5556986"/>
-        <a:ext cx="683314" cy="397577"/>
+        <a:off x="6403706" y="4995627"/>
+        <a:ext cx="793127" cy="461477"/>
       </dsp:txXfrm>
     </dsp:sp>
   </dsp:spTree>
@@ -32827,6 +33027,356 @@
 </dgm:styleDef>
 </file>
 
+<file path=ppt/notesMasters/notesMaster1.xml><?xml version="1.0" encoding="utf-8"?>
+<p:notesMaster xmlns:a="http://schemas.openxmlformats.org/drawingml/2006/main" xmlns:r="http://schemas.openxmlformats.org/officeDocument/2006/relationships" xmlns:p="http://schemas.openxmlformats.org/presentationml/2006/main">
+  <p:cSld>
+    <p:bg>
+      <p:bgRef idx="1001">
+        <a:schemeClr val="bg1"/>
+      </p:bgRef>
+    </p:bg>
+    <p:spTree>
+      <p:nvGrpSpPr>
+        <p:cNvPr id="1" name=""/>
+        <p:cNvGrpSpPr/>
+        <p:nvPr/>
+      </p:nvGrpSpPr>
+      <p:grpSpPr>
+        <a:xfrm>
+          <a:off x="0" y="0"/>
+          <a:ext cx="0" cy="0"/>
+          <a:chOff x="0" y="0"/>
+          <a:chExt cx="0" cy="0"/>
+        </a:xfrm>
+      </p:grpSpPr>
+      <p:sp>
+        <p:nvSpPr>
+          <p:cNvPr id="2" name="頁首版面配置區 1"/>
+          <p:cNvSpPr>
+            <a:spLocks noGrp="1"/>
+          </p:cNvSpPr>
+          <p:nvPr>
+            <p:ph type="hdr" sz="quarter"/>
+          </p:nvPr>
+        </p:nvSpPr>
+        <p:spPr>
+          <a:xfrm>
+            <a:off x="0" y="0"/>
+            <a:ext cx="2971800" cy="457200"/>
+          </a:xfrm>
+          <a:prstGeom prst="rect">
+            <a:avLst/>
+          </a:prstGeom>
+        </p:spPr>
+        <p:txBody>
+          <a:bodyPr vert="horz" lIns="91440" tIns="45720" rIns="91440" bIns="45720" rtlCol="0"/>
+          <a:lstStyle>
+            <a:lvl1pPr algn="l">
+              <a:defRPr sz="1200"/>
+            </a:lvl1pPr>
+          </a:lstStyle>
+          <a:p>
+            <a:endParaRPr lang="zh-TW" altLang="en-US"/>
+          </a:p>
+        </p:txBody>
+      </p:sp>
+      <p:sp>
+        <p:nvSpPr>
+          <p:cNvPr id="3" name="日期版面配置區 2"/>
+          <p:cNvSpPr>
+            <a:spLocks noGrp="1"/>
+          </p:cNvSpPr>
+          <p:nvPr>
+            <p:ph type="dt" idx="1"/>
+          </p:nvPr>
+        </p:nvSpPr>
+        <p:spPr>
+          <a:xfrm>
+            <a:off x="3884613" y="0"/>
+            <a:ext cx="2971800" cy="457200"/>
+          </a:xfrm>
+          <a:prstGeom prst="rect">
+            <a:avLst/>
+          </a:prstGeom>
+        </p:spPr>
+        <p:txBody>
+          <a:bodyPr vert="horz" lIns="91440" tIns="45720" rIns="91440" bIns="45720" rtlCol="0"/>
+          <a:lstStyle>
+            <a:lvl1pPr algn="r">
+              <a:defRPr sz="1200"/>
+            </a:lvl1pPr>
+          </a:lstStyle>
+          <a:p>
+            <a:fld id="{5C343588-4B58-4FCE-A5BF-2B9528F63A50}" type="datetimeFigureOut">
+              <a:rPr lang="zh-TW" altLang="en-US" smtClean="0"/>
+              <a:t>2014/11/10</a:t>
+            </a:fld>
+            <a:endParaRPr lang="zh-TW" altLang="en-US"/>
+          </a:p>
+        </p:txBody>
+      </p:sp>
+      <p:sp>
+        <p:nvSpPr>
+          <p:cNvPr id="4" name="投影片圖像版面配置區 3"/>
+          <p:cNvSpPr>
+            <a:spLocks noGrp="1" noRot="1" noChangeAspect="1"/>
+          </p:cNvSpPr>
+          <p:nvPr>
+            <p:ph type="sldImg" idx="2"/>
+          </p:nvPr>
+        </p:nvSpPr>
+        <p:spPr>
+          <a:xfrm>
+            <a:off x="1143000" y="685800"/>
+            <a:ext cx="4572000" cy="3429000"/>
+          </a:xfrm>
+          <a:prstGeom prst="rect">
+            <a:avLst/>
+          </a:prstGeom>
+          <a:noFill/>
+          <a:ln w="12700">
+            <a:solidFill>
+              <a:prstClr val="black"/>
+            </a:solidFill>
+          </a:ln>
+        </p:spPr>
+        <p:txBody>
+          <a:bodyPr vert="horz" lIns="91440" tIns="45720" rIns="91440" bIns="45720" rtlCol="0" anchor="ctr"/>
+          <a:lstStyle/>
+          <a:p>
+            <a:endParaRPr lang="zh-TW" altLang="en-US"/>
+          </a:p>
+        </p:txBody>
+      </p:sp>
+      <p:sp>
+        <p:nvSpPr>
+          <p:cNvPr id="5" name="備忘稿版面配置區 4"/>
+          <p:cNvSpPr>
+            <a:spLocks noGrp="1"/>
+          </p:cNvSpPr>
+          <p:nvPr>
+            <p:ph type="body" sz="quarter" idx="3"/>
+          </p:nvPr>
+        </p:nvSpPr>
+        <p:spPr>
+          <a:xfrm>
+            <a:off x="685800" y="4343400"/>
+            <a:ext cx="5486400" cy="4114800"/>
+          </a:xfrm>
+          <a:prstGeom prst="rect">
+            <a:avLst/>
+          </a:prstGeom>
+        </p:spPr>
+        <p:txBody>
+          <a:bodyPr vert="horz" lIns="91440" tIns="45720" rIns="91440" bIns="45720" rtlCol="0"/>
+          <a:lstStyle/>
+          <a:p>
+            <a:pPr lvl="0"/>
+            <a:r>
+              <a:rPr lang="zh-TW" altLang="en-US" smtClean="0"/>
+              <a:t>按一下以編輯母片文字樣式</a:t>
+            </a:r>
+          </a:p>
+          <a:p>
+            <a:pPr lvl="1"/>
+            <a:r>
+              <a:rPr lang="zh-TW" altLang="en-US" smtClean="0"/>
+              <a:t>第二層</a:t>
+            </a:r>
+          </a:p>
+          <a:p>
+            <a:pPr lvl="2"/>
+            <a:r>
+              <a:rPr lang="zh-TW" altLang="en-US" smtClean="0"/>
+              <a:t>第三層</a:t>
+            </a:r>
+          </a:p>
+          <a:p>
+            <a:pPr lvl="3"/>
+            <a:r>
+              <a:rPr lang="zh-TW" altLang="en-US" smtClean="0"/>
+              <a:t>第四層</a:t>
+            </a:r>
+          </a:p>
+          <a:p>
+            <a:pPr lvl="4"/>
+            <a:r>
+              <a:rPr lang="zh-TW" altLang="en-US" smtClean="0"/>
+              <a:t>第五層</a:t>
+            </a:r>
+            <a:endParaRPr lang="zh-TW" altLang="en-US"/>
+          </a:p>
+        </p:txBody>
+      </p:sp>
+      <p:sp>
+        <p:nvSpPr>
+          <p:cNvPr id="6" name="頁尾版面配置區 5"/>
+          <p:cNvSpPr>
+            <a:spLocks noGrp="1"/>
+          </p:cNvSpPr>
+          <p:nvPr>
+            <p:ph type="ftr" sz="quarter" idx="4"/>
+          </p:nvPr>
+        </p:nvSpPr>
+        <p:spPr>
+          <a:xfrm>
+            <a:off x="0" y="8685213"/>
+            <a:ext cx="2971800" cy="457200"/>
+          </a:xfrm>
+          <a:prstGeom prst="rect">
+            <a:avLst/>
+          </a:prstGeom>
+        </p:spPr>
+        <p:txBody>
+          <a:bodyPr vert="horz" lIns="91440" tIns="45720" rIns="91440" bIns="45720" rtlCol="0" anchor="b"/>
+          <a:lstStyle>
+            <a:lvl1pPr algn="l">
+              <a:defRPr sz="1200"/>
+            </a:lvl1pPr>
+          </a:lstStyle>
+          <a:p>
+            <a:endParaRPr lang="zh-TW" altLang="en-US"/>
+          </a:p>
+        </p:txBody>
+      </p:sp>
+      <p:sp>
+        <p:nvSpPr>
+          <p:cNvPr id="7" name="投影片編號版面配置區 6"/>
+          <p:cNvSpPr>
+            <a:spLocks noGrp="1"/>
+          </p:cNvSpPr>
+          <p:nvPr>
+            <p:ph type="sldNum" sz="quarter" idx="5"/>
+          </p:nvPr>
+        </p:nvSpPr>
+        <p:spPr>
+          <a:xfrm>
+            <a:off x="3884613" y="8685213"/>
+            <a:ext cx="2971800" cy="457200"/>
+          </a:xfrm>
+          <a:prstGeom prst="rect">
+            <a:avLst/>
+          </a:prstGeom>
+        </p:spPr>
+        <p:txBody>
+          <a:bodyPr vert="horz" lIns="91440" tIns="45720" rIns="91440" bIns="45720" rtlCol="0" anchor="b"/>
+          <a:lstStyle>
+            <a:lvl1pPr algn="r">
+              <a:defRPr sz="1200"/>
+            </a:lvl1pPr>
+          </a:lstStyle>
+          <a:p>
+            <a:fld id="{65B545C8-D5CA-4535-BFBB-DB5D5519B8DE}" type="slidenum">
+              <a:rPr lang="zh-TW" altLang="en-US" smtClean="0"/>
+              <a:t>‹#›</a:t>
+            </a:fld>
+            <a:endParaRPr lang="zh-TW" altLang="en-US"/>
+          </a:p>
+        </p:txBody>
+      </p:sp>
+    </p:spTree>
+    <p:extLst>
+      <p:ext uri="{BB962C8B-B14F-4D97-AF65-F5344CB8AC3E}">
+        <p14:creationId xmlns:p14="http://schemas.microsoft.com/office/powerpoint/2010/main" val="3500813943"/>
+      </p:ext>
+    </p:extLst>
+  </p:cSld>
+  <p:clrMap bg1="lt1" tx1="dk1" bg2="lt2" tx2="dk2" accent1="accent1" accent2="accent2" accent3="accent3" accent4="accent4" accent5="accent5" accent6="accent6" hlink="hlink" folHlink="folHlink"/>
+  <p:notesStyle>
+    <a:lvl1pPr marL="0" algn="l" defTabSz="914400" rtl="0" eaLnBrk="1" latinLnBrk="0" hangingPunct="1">
+      <a:defRPr sz="1200" kern="1200">
+        <a:solidFill>
+          <a:schemeClr val="tx1"/>
+        </a:solidFill>
+        <a:latin typeface="+mn-lt"/>
+        <a:ea typeface="+mn-ea"/>
+        <a:cs typeface="+mn-cs"/>
+      </a:defRPr>
+    </a:lvl1pPr>
+    <a:lvl2pPr marL="457200" algn="l" defTabSz="914400" rtl="0" eaLnBrk="1" latinLnBrk="0" hangingPunct="1">
+      <a:defRPr sz="1200" kern="1200">
+        <a:solidFill>
+          <a:schemeClr val="tx1"/>
+        </a:solidFill>
+        <a:latin typeface="+mn-lt"/>
+        <a:ea typeface="+mn-ea"/>
+        <a:cs typeface="+mn-cs"/>
+      </a:defRPr>
+    </a:lvl2pPr>
+    <a:lvl3pPr marL="914400" algn="l" defTabSz="914400" rtl="0" eaLnBrk="1" latinLnBrk="0" hangingPunct="1">
+      <a:defRPr sz="1200" kern="1200">
+        <a:solidFill>
+          <a:schemeClr val="tx1"/>
+        </a:solidFill>
+        <a:latin typeface="+mn-lt"/>
+        <a:ea typeface="+mn-ea"/>
+        <a:cs typeface="+mn-cs"/>
+      </a:defRPr>
+    </a:lvl3pPr>
+    <a:lvl4pPr marL="1371600" algn="l" defTabSz="914400" rtl="0" eaLnBrk="1" latinLnBrk="0" hangingPunct="1">
+      <a:defRPr sz="1200" kern="1200">
+        <a:solidFill>
+          <a:schemeClr val="tx1"/>
+        </a:solidFill>
+        <a:latin typeface="+mn-lt"/>
+        <a:ea typeface="+mn-ea"/>
+        <a:cs typeface="+mn-cs"/>
+      </a:defRPr>
+    </a:lvl4pPr>
+    <a:lvl5pPr marL="1828800" algn="l" defTabSz="914400" rtl="0" eaLnBrk="1" latinLnBrk="0" hangingPunct="1">
+      <a:defRPr sz="1200" kern="1200">
+        <a:solidFill>
+          <a:schemeClr val="tx1"/>
+        </a:solidFill>
+        <a:latin typeface="+mn-lt"/>
+        <a:ea typeface="+mn-ea"/>
+        <a:cs typeface="+mn-cs"/>
+      </a:defRPr>
+    </a:lvl5pPr>
+    <a:lvl6pPr marL="2286000" algn="l" defTabSz="914400" rtl="0" eaLnBrk="1" latinLnBrk="0" hangingPunct="1">
+      <a:defRPr sz="1200" kern="1200">
+        <a:solidFill>
+          <a:schemeClr val="tx1"/>
+        </a:solidFill>
+        <a:latin typeface="+mn-lt"/>
+        <a:ea typeface="+mn-ea"/>
+        <a:cs typeface="+mn-cs"/>
+      </a:defRPr>
+    </a:lvl6pPr>
+    <a:lvl7pPr marL="2743200" algn="l" defTabSz="914400" rtl="0" eaLnBrk="1" latinLnBrk="0" hangingPunct="1">
+      <a:defRPr sz="1200" kern="1200">
+        <a:solidFill>
+          <a:schemeClr val="tx1"/>
+        </a:solidFill>
+        <a:latin typeface="+mn-lt"/>
+        <a:ea typeface="+mn-ea"/>
+        <a:cs typeface="+mn-cs"/>
+      </a:defRPr>
+    </a:lvl7pPr>
+    <a:lvl8pPr marL="3200400" algn="l" defTabSz="914400" rtl="0" eaLnBrk="1" latinLnBrk="0" hangingPunct="1">
+      <a:defRPr sz="1200" kern="1200">
+        <a:solidFill>
+          <a:schemeClr val="tx1"/>
+        </a:solidFill>
+        <a:latin typeface="+mn-lt"/>
+        <a:ea typeface="+mn-ea"/>
+        <a:cs typeface="+mn-cs"/>
+      </a:defRPr>
+    </a:lvl8pPr>
+    <a:lvl9pPr marL="3657600" algn="l" defTabSz="914400" rtl="0" eaLnBrk="1" latinLnBrk="0" hangingPunct="1">
+      <a:defRPr sz="1200" kern="1200">
+        <a:solidFill>
+          <a:schemeClr val="tx1"/>
+        </a:solidFill>
+        <a:latin typeface="+mn-lt"/>
+        <a:ea typeface="+mn-ea"/>
+        <a:cs typeface="+mn-cs"/>
+      </a:defRPr>
+    </a:lvl9pPr>
+  </p:notesStyle>
+</p:notesMaster>
+</file>
+
 <file path=ppt/slideLayouts/slideLayout1.xml><?xml version="1.0" encoding="utf-8"?>
 <p:sldLayout xmlns:a="http://schemas.openxmlformats.org/drawingml/2006/main" xmlns:r="http://schemas.openxmlformats.org/officeDocument/2006/relationships" xmlns:p="http://schemas.openxmlformats.org/presentationml/2006/main" showMasterSp="0" type="title" preserve="1">
   <p:cSld name="標題投影片">
@@ -33105,7 +33655,7 @@
           <a:bodyPr/>
           <a:lstStyle/>
           <a:p>
-            <a:fld id="{5BBEAD13-0566-4C6C-97E7-55F17F24B09F}" type="datetimeFigureOut">
+            <a:fld id="{D5BD1134-522D-41DF-A983-20975A5A95ED}" type="datetime1">
               <a:rPr lang="zh-TW" altLang="en-US" smtClean="0"/>
               <a:t>2014/11/10</a:t>
             </a:fld>
@@ -33498,7 +34048,7 @@
           <a:bodyPr/>
           <a:lstStyle/>
           <a:p>
-            <a:fld id="{5BBEAD13-0566-4C6C-97E7-55F17F24B09F}" type="datetimeFigureOut">
+            <a:fld id="{854B8C20-1652-4BC4-8BB4-B49F92D0F1E9}" type="datetime1">
               <a:rPr lang="zh-TW" altLang="en-US" smtClean="0"/>
               <a:t>2014/11/10</a:t>
             </a:fld>
@@ -34030,7 +34580,7 @@
           <a:bodyPr/>
           <a:lstStyle/>
           <a:p>
-            <a:fld id="{5BBEAD13-0566-4C6C-97E7-55F17F24B09F}" type="datetimeFigureOut">
+            <a:fld id="{A00A998B-00D4-4AF8-8477-580A609D05BF}" type="datetime1">
               <a:rPr lang="zh-TW" altLang="en-US" smtClean="0"/>
               <a:t>2014/11/10</a:t>
             </a:fld>
@@ -34163,7 +34713,7 @@
           <a:bodyPr/>
           <a:lstStyle/>
           <a:p>
-            <a:fld id="{5BBEAD13-0566-4C6C-97E7-55F17F24B09F}" type="datetimeFigureOut">
+            <a:fld id="{4D14BBB0-74B0-41C2-A304-D57A124491B0}" type="datetime1">
               <a:rPr lang="zh-TW" altLang="en-US" smtClean="0"/>
               <a:t>2014/11/10</a:t>
             </a:fld>
@@ -34706,7 +35256,7 @@
           <a:bodyPr/>
           <a:lstStyle/>
           <a:p>
-            <a:fld id="{5BBEAD13-0566-4C6C-97E7-55F17F24B09F}" type="datetimeFigureOut">
+            <a:fld id="{D90ABEC9-FCE0-43B5-8147-29F8878E26B4}" type="datetime1">
               <a:rPr lang="zh-TW" altLang="en-US" smtClean="0"/>
               <a:t>2014/11/10</a:t>
             </a:fld>
@@ -35001,7 +35551,7 @@
           <a:bodyPr/>
           <a:lstStyle/>
           <a:p>
-            <a:fld id="{5BBEAD13-0566-4C6C-97E7-55F17F24B09F}" type="datetimeFigureOut">
+            <a:fld id="{016CBBD2-E2C5-4937-941C-C1373D096219}" type="datetime1">
               <a:rPr lang="zh-TW" altLang="en-US" smtClean="0"/>
               <a:t>2014/11/10</a:t>
             </a:fld>
@@ -35660,7 +36210,7 @@
           <a:bodyPr/>
           <a:lstStyle/>
           <a:p>
-            <a:fld id="{5BBEAD13-0566-4C6C-97E7-55F17F24B09F}" type="datetimeFigureOut">
+            <a:fld id="{F6BFF9CD-8D2A-447B-B6A7-87484E38D22C}" type="datetime1">
               <a:rPr lang="zh-TW" altLang="en-US" smtClean="0"/>
               <a:t>2014/11/10</a:t>
             </a:fld>
@@ -36096,7 +36646,7 @@
           <a:bodyPr/>
           <a:lstStyle/>
           <a:p>
-            <a:fld id="{5BBEAD13-0566-4C6C-97E7-55F17F24B09F}" type="datetimeFigureOut">
+            <a:fld id="{754785DB-B26B-4870-9F60-3C594BC159C4}" type="datetime1">
               <a:rPr lang="zh-TW" altLang="en-US" smtClean="0"/>
               <a:t>2014/11/10</a:t>
             </a:fld>
@@ -36409,7 +36959,7 @@
           <a:bodyPr/>
           <a:lstStyle/>
           <a:p>
-            <a:fld id="{5BBEAD13-0566-4C6C-97E7-55F17F24B09F}" type="datetimeFigureOut">
+            <a:fld id="{E59F2C6C-DB59-43F0-A681-F49408F2AB3C}" type="datetime1">
               <a:rPr lang="zh-TW" altLang="en-US" smtClean="0"/>
               <a:t>2014/11/10</a:t>
             </a:fld>
@@ -37141,7 +37691,7 @@
           <a:bodyPr/>
           <a:lstStyle/>
           <a:p>
-            <a:fld id="{5BBEAD13-0566-4C6C-97E7-55F17F24B09F}" type="datetimeFigureOut">
+            <a:fld id="{D3219420-EC5E-426C-A943-9FA3C02AA189}" type="datetime1">
               <a:rPr lang="zh-TW" altLang="en-US" smtClean="0"/>
               <a:t>2014/11/10</a:t>
             </a:fld>
@@ -37805,7 +38355,7 @@
           <a:bodyPr/>
           <a:lstStyle/>
           <a:p>
-            <a:fld id="{5BBEAD13-0566-4C6C-97E7-55F17F24B09F}" type="datetimeFigureOut">
+            <a:fld id="{6ECAA5E7-1D2B-4A61-A960-4C5D59E075A7}" type="datetime1">
               <a:rPr lang="zh-TW" altLang="en-US" smtClean="0"/>
               <a:t>2014/11/10</a:t>
             </a:fld>
@@ -38078,7 +38628,7 @@
             </a:lvl1pPr>
           </a:lstStyle>
           <a:p>
-            <a:fld id="{5BBEAD13-0566-4C6C-97E7-55F17F24B09F}" type="datetimeFigureOut">
+            <a:fld id="{98D6E594-D832-46E6-A681-3BEE6C8867CA}" type="datetime1">
               <a:rPr lang="zh-TW" altLang="en-US" smtClean="0"/>
               <a:t>2014/11/10</a:t>
             </a:fld>
@@ -38447,6 +38997,7 @@
     <p:sldLayoutId id="2147483682" r:id="rId10"/>
     <p:sldLayoutId id="2147483683" r:id="rId11"/>
   </p:sldLayoutIdLst>
+  <p:hf hdr="0" ftr="0" dt="0"/>
   <p:txStyles>
     <p:titleStyle>
       <a:lvl1pPr algn="ctr" rtl="0" eaLnBrk="1" latinLnBrk="0" hangingPunct="1">
@@ -38963,6 +39514,29 @@
           </a:p>
         </p:txBody>
       </p:sp>
+      <p:sp>
+        <p:nvSpPr>
+          <p:cNvPr id="4" name="投影片編號版面配置區 3"/>
+          <p:cNvSpPr>
+            <a:spLocks noGrp="1"/>
+          </p:cNvSpPr>
+          <p:nvPr>
+            <p:ph type="sldNum" sz="quarter" idx="12"/>
+          </p:nvPr>
+        </p:nvSpPr>
+        <p:spPr/>
+        <p:txBody>
+          <a:bodyPr/>
+          <a:lstStyle/>
+          <a:p>
+            <a:fld id="{73DA0BB7-265A-403C-9275-D587AB510EDC}" type="slidenum">
+              <a:rPr lang="zh-TW" altLang="en-US" smtClean="0"/>
+              <a:t>1</a:t>
+            </a:fld>
+            <a:endParaRPr lang="zh-TW" altLang="en-US"/>
+          </a:p>
+        </p:txBody>
+      </p:sp>
     </p:spTree>
     <p:extLst>
       <p:ext uri="{BB962C8B-B14F-4D97-AF65-F5344CB8AC3E}">
@@ -39059,14 +39633,14 @@
           <p:nvPr>
             <p:extLst>
               <p:ext uri="{D42A27DB-BD31-4B8C-83A1-F6EECF244321}">
-                <p14:modId xmlns:p14="http://schemas.microsoft.com/office/powerpoint/2010/main" val="2976384801"/>
+                <p14:modId xmlns:p14="http://schemas.microsoft.com/office/powerpoint/2010/main" val="3394045170"/>
               </p:ext>
             </p:extLst>
           </p:nvPr>
         </p:nvGraphicFramePr>
         <p:xfrm>
-          <a:off x="683568" y="836711"/>
-          <a:ext cx="8460432" cy="6120681"/>
+          <a:off x="107504" y="836711"/>
+          <a:ext cx="9036496" cy="6120681"/>
         </p:xfrm>
         <a:graphic>
           <a:graphicData uri="http://schemas.openxmlformats.org/drawingml/2006/diagram">
@@ -39074,6 +39648,29 @@
           </a:graphicData>
         </a:graphic>
       </p:graphicFrame>
+      <p:sp>
+        <p:nvSpPr>
+          <p:cNvPr id="4" name="投影片編號版面配置區 3"/>
+          <p:cNvSpPr>
+            <a:spLocks noGrp="1"/>
+          </p:cNvSpPr>
+          <p:nvPr>
+            <p:ph type="sldNum" sz="quarter" idx="12"/>
+          </p:nvPr>
+        </p:nvSpPr>
+        <p:spPr/>
+        <p:txBody>
+          <a:bodyPr/>
+          <a:lstStyle/>
+          <a:p>
+            <a:fld id="{73DA0BB7-265A-403C-9275-D587AB510EDC}" type="slidenum">
+              <a:rPr lang="zh-TW" altLang="en-US" smtClean="0"/>
+              <a:t>10</a:t>
+            </a:fld>
+            <a:endParaRPr lang="zh-TW" altLang="en-US"/>
+          </a:p>
+        </p:txBody>
+      </p:sp>
     </p:spTree>
     <p:extLst>
       <p:ext uri="{BB962C8B-B14F-4D97-AF65-F5344CB8AC3E}">
@@ -39214,6 +39811,29 @@
           </a:effectLst>
         </p:spPr>
       </p:pic>
+      <p:sp>
+        <p:nvSpPr>
+          <p:cNvPr id="3" name="投影片編號版面配置區 2"/>
+          <p:cNvSpPr>
+            <a:spLocks noGrp="1"/>
+          </p:cNvSpPr>
+          <p:nvPr>
+            <p:ph type="sldNum" sz="quarter" idx="12"/>
+          </p:nvPr>
+        </p:nvSpPr>
+        <p:spPr/>
+        <p:txBody>
+          <a:bodyPr/>
+          <a:lstStyle/>
+          <a:p>
+            <a:fld id="{73DA0BB7-265A-403C-9275-D587AB510EDC}" type="slidenum">
+              <a:rPr lang="zh-TW" altLang="en-US" smtClean="0"/>
+              <a:t>11</a:t>
+            </a:fld>
+            <a:endParaRPr lang="zh-TW" altLang="en-US"/>
+          </a:p>
+        </p:txBody>
+      </p:sp>
     </p:spTree>
     <p:extLst>
       <p:ext uri="{BB962C8B-B14F-4D97-AF65-F5344CB8AC3E}">
@@ -39479,6 +40099,29 @@
           </a:effectLst>
         </p:spPr>
       </p:pic>
+      <p:sp>
+        <p:nvSpPr>
+          <p:cNvPr id="3" name="投影片編號版面配置區 2"/>
+          <p:cNvSpPr>
+            <a:spLocks noGrp="1"/>
+          </p:cNvSpPr>
+          <p:nvPr>
+            <p:ph type="sldNum" sz="quarter" idx="12"/>
+          </p:nvPr>
+        </p:nvSpPr>
+        <p:spPr/>
+        <p:txBody>
+          <a:bodyPr/>
+          <a:lstStyle/>
+          <a:p>
+            <a:fld id="{73DA0BB7-265A-403C-9275-D587AB510EDC}" type="slidenum">
+              <a:rPr lang="zh-TW" altLang="en-US" smtClean="0"/>
+              <a:t>12</a:t>
+            </a:fld>
+            <a:endParaRPr lang="zh-TW" altLang="en-US"/>
+          </a:p>
+        </p:txBody>
+      </p:sp>
     </p:spTree>
     <p:extLst>
       <p:ext uri="{BB962C8B-B14F-4D97-AF65-F5344CB8AC3E}">
@@ -39615,6 +40258,305 @@
             </p:seq>
           </p:childTnLst>
         </p:cTn>
+      </p:par>
+    </p:tnLst>
+  </p:timing>
+</p:sld>
+</file>
+
+<file path=ppt/slides/slide13.xml><?xml version="1.0" encoding="utf-8"?>
+<p:sld xmlns:a="http://schemas.openxmlformats.org/drawingml/2006/main" xmlns:r="http://schemas.openxmlformats.org/officeDocument/2006/relationships" xmlns:p="http://schemas.openxmlformats.org/presentationml/2006/main">
+  <p:cSld>
+    <p:spTree>
+      <p:nvGrpSpPr>
+        <p:cNvPr id="1" name=""/>
+        <p:cNvGrpSpPr/>
+        <p:nvPr/>
+      </p:nvGrpSpPr>
+      <p:grpSpPr>
+        <a:xfrm>
+          <a:off x="0" y="0"/>
+          <a:ext cx="0" cy="0"/>
+          <a:chOff x="0" y="0"/>
+          <a:chExt cx="0" cy="0"/>
+        </a:xfrm>
+      </p:grpSpPr>
+      <p:sp>
+        <p:nvSpPr>
+          <p:cNvPr id="2" name="標題 1"/>
+          <p:cNvSpPr>
+            <a:spLocks noGrp="1"/>
+          </p:cNvSpPr>
+          <p:nvPr>
+            <p:ph type="title"/>
+          </p:nvPr>
+        </p:nvSpPr>
+        <p:spPr>
+          <a:xfrm>
+            <a:off x="251520" y="44624"/>
+            <a:ext cx="8534400" cy="1256184"/>
+          </a:xfrm>
+        </p:spPr>
+        <p:txBody>
+          <a:bodyPr>
+            <a:normAutofit/>
+          </a:bodyPr>
+          <a:lstStyle/>
+          <a:p>
+            <a:pPr algn="l"/>
+            <a:r>
+              <a:rPr lang="zh-TW" altLang="en-US" b="1" dirty="0" smtClean="0">
+                <a:latin typeface="Times New Roman" panose="02020603050405020304" pitchFamily="18" charset="0"/>
+                <a:ea typeface="微軟正黑體" panose="020B0604030504040204" pitchFamily="34" charset="-120"/>
+                <a:cs typeface="Times New Roman" panose="02020603050405020304" pitchFamily="18" charset="0"/>
+              </a:rPr>
+              <a:t>小組分工</a:t>
+            </a:r>
+            <a:endParaRPr lang="zh-TW" altLang="en-US" b="1" dirty="0">
+              <a:latin typeface="Times New Roman" panose="02020603050405020304" pitchFamily="18" charset="0"/>
+              <a:ea typeface="微軟正黑體" panose="020B0604030504040204" pitchFamily="34" charset="-120"/>
+              <a:cs typeface="Times New Roman" panose="02020603050405020304" pitchFamily="18" charset="0"/>
+            </a:endParaRPr>
+          </a:p>
+        </p:txBody>
+      </p:sp>
+      <p:graphicFrame>
+        <p:nvGraphicFramePr>
+          <p:cNvPr id="4" name="表格 3"/>
+          <p:cNvGraphicFramePr>
+            <a:graphicFrameLocks noGrp="1"/>
+          </p:cNvGraphicFramePr>
+          <p:nvPr>
+            <p:extLst>
+              <p:ext uri="{D42A27DB-BD31-4B8C-83A1-F6EECF244321}">
+                <p14:modId xmlns:p14="http://schemas.microsoft.com/office/powerpoint/2010/main" val="464777783"/>
+              </p:ext>
+            </p:extLst>
+          </p:nvPr>
+        </p:nvGraphicFramePr>
+        <p:xfrm>
+          <a:off x="1331640" y="2708920"/>
+          <a:ext cx="6096000" cy="1483360"/>
+        </p:xfrm>
+        <a:graphic>
+          <a:graphicData uri="http://schemas.openxmlformats.org/drawingml/2006/table">
+            <a:tbl>
+              <a:tblPr firstRow="1" bandRow="1">
+                <a:tableStyleId>{21E4AEA4-8DFA-4A89-87EB-49C32662AFE0}</a:tableStyleId>
+              </a:tblPr>
+              <a:tblGrid>
+                <a:gridCol w="3048000"/>
+                <a:gridCol w="3048000"/>
+              </a:tblGrid>
+              <a:tr h="370840">
+                <a:tc>
+                  <a:txBody>
+                    <a:bodyPr/>
+                    <a:lstStyle/>
+                    <a:p>
+                      <a:r>
+                        <a:rPr lang="zh-TW" altLang="en-US" dirty="0" smtClean="0"/>
+                        <a:t>姓名</a:t>
+                      </a:r>
+                      <a:endParaRPr lang="zh-TW" altLang="en-US" dirty="0"/>
+                    </a:p>
+                  </a:txBody>
+                  <a:tcPr/>
+                </a:tc>
+                <a:tc>
+                  <a:txBody>
+                    <a:bodyPr/>
+                    <a:lstStyle/>
+                    <a:p>
+                      <a:r>
+                        <a:rPr lang="zh-TW" altLang="en-US" dirty="0" smtClean="0"/>
+                        <a:t>分工</a:t>
+                      </a:r>
+                      <a:endParaRPr lang="zh-TW" altLang="en-US" dirty="0"/>
+                    </a:p>
+                  </a:txBody>
+                  <a:tcPr/>
+                </a:tc>
+              </a:tr>
+              <a:tr h="370840">
+                <a:tc>
+                  <a:txBody>
+                    <a:bodyPr/>
+                    <a:lstStyle/>
+                    <a:p>
+                      <a:r>
+                        <a:rPr lang="zh-TW" altLang="en-US" dirty="0" smtClean="0"/>
+                        <a:t>金芝萱</a:t>
+                      </a:r>
+                      <a:endParaRPr lang="zh-TW" altLang="en-US" dirty="0"/>
+                    </a:p>
+                  </a:txBody>
+                  <a:tcPr/>
+                </a:tc>
+                <a:tc>
+                  <a:txBody>
+                    <a:bodyPr/>
+                    <a:lstStyle/>
+                    <a:p>
+                      <a:r>
+                        <a:rPr lang="en-US" altLang="zh-TW" dirty="0" smtClean="0"/>
+                        <a:t>Wireframe</a:t>
+                      </a:r>
+                      <a:r>
+                        <a:rPr lang="zh-TW" altLang="en-US" dirty="0" smtClean="0"/>
+                        <a:t>、首頁</a:t>
+                      </a:r>
+                      <a:r>
+                        <a:rPr lang="en-US" altLang="zh-TW" dirty="0" smtClean="0"/>
+                        <a:t>(</a:t>
+                      </a:r>
+                      <a:r>
+                        <a:rPr lang="zh-TW" altLang="en-US" dirty="0" smtClean="0"/>
+                        <a:t>中</a:t>
+                      </a:r>
+                      <a:r>
+                        <a:rPr lang="en-US" altLang="zh-TW" dirty="0" smtClean="0"/>
+                        <a:t>)</a:t>
+                      </a:r>
+                      <a:endParaRPr lang="zh-TW" altLang="en-US" dirty="0"/>
+                    </a:p>
+                  </a:txBody>
+                  <a:tcPr/>
+                </a:tc>
+              </a:tr>
+              <a:tr h="370840">
+                <a:tc>
+                  <a:txBody>
+                    <a:bodyPr/>
+                    <a:lstStyle/>
+                    <a:p>
+                      <a:r>
+                        <a:rPr lang="zh-TW" altLang="en-US" dirty="0" smtClean="0"/>
+                        <a:t>劉秀鳳</a:t>
+                      </a:r>
+                      <a:endParaRPr lang="en-US" altLang="zh-TW" dirty="0" smtClean="0"/>
+                    </a:p>
+                  </a:txBody>
+                  <a:tcPr/>
+                </a:tc>
+                <a:tc>
+                  <a:txBody>
+                    <a:bodyPr/>
+                    <a:lstStyle/>
+                    <a:p>
+                      <a:r>
+                        <a:rPr lang="zh-TW" altLang="en-US" dirty="0" smtClean="0"/>
+                        <a:t>首頁、新聞</a:t>
+                      </a:r>
+                      <a:r>
+                        <a:rPr lang="en-US" altLang="zh-TW" dirty="0" smtClean="0"/>
+                        <a:t>(</a:t>
+                      </a:r>
+                      <a:r>
+                        <a:rPr lang="zh-TW" altLang="en-US" dirty="0" smtClean="0"/>
+                        <a:t>上下</a:t>
+                      </a:r>
+                      <a:r>
+                        <a:rPr lang="en-US" altLang="zh-TW" dirty="0" smtClean="0"/>
+                        <a:t>)</a:t>
+                      </a:r>
+                      <a:endParaRPr lang="zh-TW" altLang="en-US" dirty="0"/>
+                    </a:p>
+                  </a:txBody>
+                  <a:tcPr/>
+                </a:tc>
+              </a:tr>
+              <a:tr h="370840">
+                <a:tc>
+                  <a:txBody>
+                    <a:bodyPr/>
+                    <a:lstStyle/>
+                    <a:p>
+                      <a:r>
+                        <a:rPr lang="zh-TW" altLang="en-US" dirty="0" smtClean="0"/>
+                        <a:t>楊欣宜</a:t>
+                      </a:r>
+                      <a:endParaRPr lang="zh-TW" altLang="en-US" dirty="0"/>
+                    </a:p>
+                  </a:txBody>
+                  <a:tcPr/>
+                </a:tc>
+                <a:tc>
+                  <a:txBody>
+                    <a:bodyPr/>
+                    <a:lstStyle/>
+                    <a:p>
+                      <a:r>
+                        <a:rPr lang="zh-TW" altLang="en-US" dirty="0" smtClean="0"/>
+                        <a:t>新聞</a:t>
+                      </a:r>
+                      <a:r>
+                        <a:rPr lang="en-US" altLang="zh-TW" dirty="0" smtClean="0"/>
+                        <a:t>(</a:t>
+                      </a:r>
+                      <a:r>
+                        <a:rPr lang="zh-TW" altLang="en-US" dirty="0" smtClean="0"/>
+                        <a:t>中</a:t>
+                      </a:r>
+                      <a:r>
+                        <a:rPr lang="en-US" altLang="zh-TW" dirty="0" smtClean="0"/>
+                        <a:t>)</a:t>
+                      </a:r>
+                      <a:r>
+                        <a:rPr lang="zh-TW" altLang="en-US" dirty="0" smtClean="0"/>
+                        <a:t>、</a:t>
+                      </a:r>
+                      <a:r>
+                        <a:rPr lang="en-US" altLang="zh-TW" dirty="0" smtClean="0"/>
+                        <a:t>PPT</a:t>
+                      </a:r>
+                      <a:endParaRPr lang="zh-TW" altLang="en-US" dirty="0"/>
+                    </a:p>
+                  </a:txBody>
+                  <a:tcPr/>
+                </a:tc>
+              </a:tr>
+            </a:tbl>
+          </a:graphicData>
+        </a:graphic>
+      </p:graphicFrame>
+      <p:sp>
+        <p:nvSpPr>
+          <p:cNvPr id="5" name="投影片編號版面配置區 4"/>
+          <p:cNvSpPr>
+            <a:spLocks noGrp="1"/>
+          </p:cNvSpPr>
+          <p:nvPr>
+            <p:ph type="sldNum" sz="quarter" idx="12"/>
+          </p:nvPr>
+        </p:nvSpPr>
+        <p:spPr/>
+        <p:txBody>
+          <a:bodyPr/>
+          <a:lstStyle/>
+          <a:p>
+            <a:fld id="{73DA0BB7-265A-403C-9275-D587AB510EDC}" type="slidenum">
+              <a:rPr lang="zh-TW" altLang="en-US" smtClean="0"/>
+              <a:t>13</a:t>
+            </a:fld>
+            <a:endParaRPr lang="zh-TW" altLang="en-US"/>
+          </a:p>
+        </p:txBody>
+      </p:sp>
+    </p:spTree>
+    <p:extLst>
+      <p:ext uri="{BB962C8B-B14F-4D97-AF65-F5344CB8AC3E}">
+        <p14:creationId xmlns:p14="http://schemas.microsoft.com/office/powerpoint/2010/main" val="2246985632"/>
+      </p:ext>
+    </p:extLst>
+  </p:cSld>
+  <p:clrMapOvr>
+    <a:masterClrMapping/>
+  </p:clrMapOvr>
+  <p:timing>
+    <p:tnLst>
+      <p:par>
+        <p:cTn id="1" dur="indefinite" restart="never" nodeType="tmRoot"/>
       </p:par>
     </p:tnLst>
   </p:timing>
@@ -39793,6 +40735,29 @@
           </a:effectLst>
         </p:spPr>
       </p:pic>
+      <p:sp>
+        <p:nvSpPr>
+          <p:cNvPr id="5" name="投影片編號版面配置區 4"/>
+          <p:cNvSpPr>
+            <a:spLocks noGrp="1"/>
+          </p:cNvSpPr>
+          <p:nvPr>
+            <p:ph type="sldNum" sz="quarter" idx="12"/>
+          </p:nvPr>
+        </p:nvSpPr>
+        <p:spPr/>
+        <p:txBody>
+          <a:bodyPr/>
+          <a:lstStyle/>
+          <a:p>
+            <a:fld id="{73DA0BB7-265A-403C-9275-D587AB510EDC}" type="slidenum">
+              <a:rPr lang="zh-TW" altLang="en-US" smtClean="0"/>
+              <a:t>2</a:t>
+            </a:fld>
+            <a:endParaRPr lang="zh-TW" altLang="en-US"/>
+          </a:p>
+        </p:txBody>
+      </p:sp>
     </p:spTree>
     <p:extLst>
       <p:ext uri="{BB962C8B-B14F-4D97-AF65-F5344CB8AC3E}">
@@ -40171,6 +41136,29 @@
           </a:effectLst>
         </p:spPr>
       </p:pic>
+      <p:sp>
+        <p:nvSpPr>
+          <p:cNvPr id="5" name="投影片編號版面配置區 4"/>
+          <p:cNvSpPr>
+            <a:spLocks noGrp="1"/>
+          </p:cNvSpPr>
+          <p:nvPr>
+            <p:ph type="sldNum" sz="quarter" idx="12"/>
+          </p:nvPr>
+        </p:nvSpPr>
+        <p:spPr/>
+        <p:txBody>
+          <a:bodyPr/>
+          <a:lstStyle/>
+          <a:p>
+            <a:fld id="{73DA0BB7-265A-403C-9275-D587AB510EDC}" type="slidenum">
+              <a:rPr lang="zh-TW" altLang="en-US" smtClean="0"/>
+              <a:t>3</a:t>
+            </a:fld>
+            <a:endParaRPr lang="zh-TW" altLang="en-US"/>
+          </a:p>
+        </p:txBody>
+      </p:sp>
     </p:spTree>
     <p:extLst>
       <p:ext uri="{BB962C8B-B14F-4D97-AF65-F5344CB8AC3E}">
@@ -40553,6 +41541,29 @@
           </a:effectLst>
         </p:spPr>
       </p:pic>
+      <p:sp>
+        <p:nvSpPr>
+          <p:cNvPr id="4" name="投影片編號版面配置區 3"/>
+          <p:cNvSpPr>
+            <a:spLocks noGrp="1"/>
+          </p:cNvSpPr>
+          <p:nvPr>
+            <p:ph type="sldNum" sz="quarter" idx="12"/>
+          </p:nvPr>
+        </p:nvSpPr>
+        <p:spPr/>
+        <p:txBody>
+          <a:bodyPr/>
+          <a:lstStyle/>
+          <a:p>
+            <a:fld id="{73DA0BB7-265A-403C-9275-D587AB510EDC}" type="slidenum">
+              <a:rPr lang="zh-TW" altLang="en-US" smtClean="0"/>
+              <a:t>4</a:t>
+            </a:fld>
+            <a:endParaRPr lang="zh-TW" altLang="en-US"/>
+          </a:p>
+        </p:txBody>
+      </p:sp>
     </p:spTree>
     <p:extLst>
       <p:ext uri="{BB962C8B-B14F-4D97-AF65-F5344CB8AC3E}">
@@ -40802,14 +41813,7 @@
                 <a:latin typeface="微軟正黑體" panose="020B0604030504040204" pitchFamily="34" charset="-120"/>
                 <a:ea typeface="微軟正黑體" panose="020B0604030504040204" pitchFamily="34" charset="-120"/>
               </a:rPr>
-              <a:t>功能列</a:t>
-            </a:r>
-            <a:r>
-              <a:rPr lang="zh-TW" altLang="en-US" dirty="0">
-                <a:latin typeface="微軟正黑體" panose="020B0604030504040204" pitchFamily="34" charset="-120"/>
-                <a:ea typeface="微軟正黑體" panose="020B0604030504040204" pitchFamily="34" charset="-120"/>
-              </a:rPr>
-              <a:t>可以直接顯示</a:t>
+              <a:t>功能列可以直接顯示</a:t>
             </a:r>
             <a:r>
               <a:rPr lang="en-US" altLang="zh-TW" dirty="0">
@@ -40884,6 +41888,29 @@
           </a:prstGeom>
         </p:spPr>
       </p:pic>
+      <p:sp>
+        <p:nvSpPr>
+          <p:cNvPr id="5" name="投影片編號版面配置區 4"/>
+          <p:cNvSpPr>
+            <a:spLocks noGrp="1"/>
+          </p:cNvSpPr>
+          <p:nvPr>
+            <p:ph type="sldNum" sz="quarter" idx="12"/>
+          </p:nvPr>
+        </p:nvSpPr>
+        <p:spPr/>
+        <p:txBody>
+          <a:bodyPr/>
+          <a:lstStyle/>
+          <a:p>
+            <a:fld id="{73DA0BB7-265A-403C-9275-D587AB510EDC}" type="slidenum">
+              <a:rPr lang="zh-TW" altLang="en-US" smtClean="0"/>
+              <a:t>5</a:t>
+            </a:fld>
+            <a:endParaRPr lang="zh-TW" altLang="en-US"/>
+          </a:p>
+        </p:txBody>
+      </p:sp>
     </p:spTree>
     <p:extLst>
       <p:ext uri="{BB962C8B-B14F-4D97-AF65-F5344CB8AC3E}">
@@ -41124,13 +42151,13 @@
           <p:nvPr>
             <p:extLst>
               <p:ext uri="{D42A27DB-BD31-4B8C-83A1-F6EECF244321}">
-                <p14:modId xmlns:p14="http://schemas.microsoft.com/office/powerpoint/2010/main" val="260959561"/>
+                <p14:modId xmlns:p14="http://schemas.microsoft.com/office/powerpoint/2010/main" val="4185293361"/>
               </p:ext>
             </p:extLst>
           </p:nvPr>
         </p:nvGraphicFramePr>
         <p:xfrm>
-          <a:off x="1475656" y="4293096"/>
+          <a:off x="3059832" y="4293096"/>
           <a:ext cx="5891063" cy="2310135"/>
         </p:xfrm>
         <a:graphic>
@@ -41139,6 +42166,29 @@
           </a:graphicData>
         </a:graphic>
       </p:graphicFrame>
+      <p:sp>
+        <p:nvSpPr>
+          <p:cNvPr id="3" name="投影片編號版面配置區 2"/>
+          <p:cNvSpPr>
+            <a:spLocks noGrp="1"/>
+          </p:cNvSpPr>
+          <p:nvPr>
+            <p:ph type="sldNum" sz="quarter" idx="12"/>
+          </p:nvPr>
+        </p:nvSpPr>
+        <p:spPr/>
+        <p:txBody>
+          <a:bodyPr/>
+          <a:lstStyle/>
+          <a:p>
+            <a:fld id="{73DA0BB7-265A-403C-9275-D587AB510EDC}" type="slidenum">
+              <a:rPr lang="zh-TW" altLang="en-US" smtClean="0"/>
+              <a:t>6</a:t>
+            </a:fld>
+            <a:endParaRPr lang="zh-TW" altLang="en-US"/>
+          </a:p>
+        </p:txBody>
+      </p:sp>
     </p:spTree>
     <p:extLst>
       <p:ext uri="{BB962C8B-B14F-4D97-AF65-F5344CB8AC3E}">
@@ -41379,6 +42429,29 @@
           </a:effectLst>
         </p:spPr>
       </p:pic>
+      <p:sp>
+        <p:nvSpPr>
+          <p:cNvPr id="5" name="投影片編號版面配置區 4"/>
+          <p:cNvSpPr>
+            <a:spLocks noGrp="1"/>
+          </p:cNvSpPr>
+          <p:nvPr>
+            <p:ph type="sldNum" sz="quarter" idx="12"/>
+          </p:nvPr>
+        </p:nvSpPr>
+        <p:spPr/>
+        <p:txBody>
+          <a:bodyPr/>
+          <a:lstStyle/>
+          <a:p>
+            <a:fld id="{73DA0BB7-265A-403C-9275-D587AB510EDC}" type="slidenum">
+              <a:rPr lang="zh-TW" altLang="en-US" smtClean="0"/>
+              <a:t>7</a:t>
+            </a:fld>
+            <a:endParaRPr lang="zh-TW" altLang="en-US"/>
+          </a:p>
+        </p:txBody>
+      </p:sp>
     </p:spTree>
     <p:extLst>
       <p:ext uri="{BB962C8B-B14F-4D97-AF65-F5344CB8AC3E}">
@@ -41619,13 +42692,13 @@
           <p:nvPr>
             <p:extLst>
               <p:ext uri="{D42A27DB-BD31-4B8C-83A1-F6EECF244321}">
-                <p14:modId xmlns:p14="http://schemas.microsoft.com/office/powerpoint/2010/main" val="549494777"/>
+                <p14:modId xmlns:p14="http://schemas.microsoft.com/office/powerpoint/2010/main" val="4098593428"/>
               </p:ext>
             </p:extLst>
           </p:nvPr>
         </p:nvGraphicFramePr>
         <p:xfrm>
-          <a:off x="1475656" y="4293096"/>
+          <a:off x="2987824" y="3789040"/>
           <a:ext cx="5891063" cy="2310135"/>
         </p:xfrm>
         <a:graphic>
@@ -41634,6 +42707,29 @@
           </a:graphicData>
         </a:graphic>
       </p:graphicFrame>
+      <p:sp>
+        <p:nvSpPr>
+          <p:cNvPr id="3" name="投影片編號版面配置區 2"/>
+          <p:cNvSpPr>
+            <a:spLocks noGrp="1"/>
+          </p:cNvSpPr>
+          <p:nvPr>
+            <p:ph type="sldNum" sz="quarter" idx="12"/>
+          </p:nvPr>
+        </p:nvSpPr>
+        <p:spPr/>
+        <p:txBody>
+          <a:bodyPr/>
+          <a:lstStyle/>
+          <a:p>
+            <a:fld id="{73DA0BB7-265A-403C-9275-D587AB510EDC}" type="slidenum">
+              <a:rPr lang="zh-TW" altLang="en-US" smtClean="0"/>
+              <a:t>8</a:t>
+            </a:fld>
+            <a:endParaRPr lang="zh-TW" altLang="en-US"/>
+          </a:p>
+        </p:txBody>
+      </p:sp>
     </p:spTree>
     <p:extLst>
       <p:ext uri="{BB962C8B-B14F-4D97-AF65-F5344CB8AC3E}">
@@ -41730,14 +42826,14 @@
           <p:nvPr>
             <p:extLst>
               <p:ext uri="{D42A27DB-BD31-4B8C-83A1-F6EECF244321}">
-                <p14:modId xmlns:p14="http://schemas.microsoft.com/office/powerpoint/2010/main" val="1466110986"/>
+                <p14:modId xmlns:p14="http://schemas.microsoft.com/office/powerpoint/2010/main" val="3039407801"/>
               </p:ext>
             </p:extLst>
           </p:nvPr>
         </p:nvGraphicFramePr>
         <p:xfrm>
           <a:off x="107504" y="692696"/>
-          <a:ext cx="4680520" cy="6597427"/>
+          <a:ext cx="4968552" cy="6597427"/>
         </p:xfrm>
         <a:graphic>
           <a:graphicData uri="http://schemas.openxmlformats.org/drawingml/2006/diagram">
@@ -41752,13 +42848,13 @@
           <p:nvPr>
             <p:extLst>
               <p:ext uri="{D42A27DB-BD31-4B8C-83A1-F6EECF244321}">
-                <p14:modId xmlns:p14="http://schemas.microsoft.com/office/powerpoint/2010/main" val="343355612"/>
+                <p14:modId xmlns:p14="http://schemas.microsoft.com/office/powerpoint/2010/main" val="2463133213"/>
               </p:ext>
             </p:extLst>
           </p:nvPr>
         </p:nvGraphicFramePr>
         <p:xfrm>
-          <a:off x="5004048" y="548680"/>
+          <a:off x="5292080" y="116632"/>
           <a:ext cx="3635896" cy="7389515"/>
         </p:xfrm>
         <a:graphic>
@@ -41767,6 +42863,29 @@
           </a:graphicData>
         </a:graphic>
       </p:graphicFrame>
+      <p:sp>
+        <p:nvSpPr>
+          <p:cNvPr id="6" name="投影片編號版面配置區 5"/>
+          <p:cNvSpPr>
+            <a:spLocks noGrp="1"/>
+          </p:cNvSpPr>
+          <p:nvPr>
+            <p:ph type="sldNum" sz="quarter" idx="12"/>
+          </p:nvPr>
+        </p:nvSpPr>
+        <p:spPr/>
+        <p:txBody>
+          <a:bodyPr/>
+          <a:lstStyle/>
+          <a:p>
+            <a:fld id="{73DA0BB7-265A-403C-9275-D587AB510EDC}" type="slidenum">
+              <a:rPr lang="zh-TW" altLang="en-US" smtClean="0"/>
+              <a:t>9</a:t>
+            </a:fld>
+            <a:endParaRPr lang="zh-TW" altLang="en-US"/>
+          </a:p>
+        </p:txBody>
+      </p:sp>
     </p:spTree>
     <p:extLst>
       <p:ext uri="{BB962C8B-B14F-4D97-AF65-F5344CB8AC3E}">
@@ -42034,4 +43153,289 @@
   <a:objectDefaults/>
   <a:extraClrSchemeLst/>
 </a:theme>
+</file>
+
+<file path=ppt/theme/theme2.xml><?xml version="1.0" encoding="utf-8"?>
+<a:theme xmlns:a="http://schemas.openxmlformats.org/drawingml/2006/main" name="Office 佈景主題">
+  <a:themeElements>
+    <a:clrScheme name="Office">
+      <a:dk1>
+        <a:sysClr val="windowText" lastClr="000000"/>
+      </a:dk1>
+      <a:lt1>
+        <a:sysClr val="window" lastClr="FFFFFF"/>
+      </a:lt1>
+      <a:dk2>
+        <a:srgbClr val="1F497D"/>
+      </a:dk2>
+      <a:lt2>
+        <a:srgbClr val="EEECE1"/>
+      </a:lt2>
+      <a:accent1>
+        <a:srgbClr val="4F81BD"/>
+      </a:accent1>
+      <a:accent2>
+        <a:srgbClr val="C0504D"/>
+      </a:accent2>
+      <a:accent3>
+        <a:srgbClr val="9BBB59"/>
+      </a:accent3>
+      <a:accent4>
+        <a:srgbClr val="8064A2"/>
+      </a:accent4>
+      <a:accent5>
+        <a:srgbClr val="4BACC6"/>
+      </a:accent5>
+      <a:accent6>
+        <a:srgbClr val="F79646"/>
+      </a:accent6>
+      <a:hlink>
+        <a:srgbClr val="0000FF"/>
+      </a:hlink>
+      <a:folHlink>
+        <a:srgbClr val="800080"/>
+      </a:folHlink>
+    </a:clrScheme>
+    <a:fontScheme name="Office">
+      <a:majorFont>
+        <a:latin typeface="Calibri"/>
+        <a:ea typeface=""/>
+        <a:cs typeface=""/>
+        <a:font script="Jpan" typeface="ＭＳ Ｐゴシック"/>
+        <a:font script="Hang" typeface="맑은 고딕"/>
+        <a:font script="Hans" typeface="宋体"/>
+        <a:font script="Hant" typeface="新細明體"/>
+        <a:font script="Arab" typeface="Times New Roman"/>
+        <a:font script="Hebr" typeface="Times New Roman"/>
+        <a:font script="Thai" typeface="Angsana New"/>
+        <a:font script="Ethi" typeface="Nyala"/>
+        <a:font script="Beng" typeface="Vrinda"/>
+        <a:font script="Gujr" typeface="Shruti"/>
+        <a:font script="Khmr" typeface="MoolBoran"/>
+        <a:font script="Knda" typeface="Tunga"/>
+        <a:font script="Guru" typeface="Raavi"/>
+        <a:font script="Cans" typeface="Euphemia"/>
+        <a:font script="Cher" typeface="Plantagenet Cherokee"/>
+        <a:font script="Yiii" typeface="Microsoft Yi Baiti"/>
+        <a:font script="Tibt" typeface="Microsoft Himalaya"/>
+        <a:font script="Thaa" typeface="MV Boli"/>
+        <a:font script="Deva" typeface="Mangal"/>
+        <a:font script="Telu" typeface="Gautami"/>
+        <a:font script="Taml" typeface="Latha"/>
+        <a:font script="Syrc" typeface="Estrangelo Edessa"/>
+        <a:font script="Orya" typeface="Kalinga"/>
+        <a:font script="Mlym" typeface="Kartika"/>
+        <a:font script="Laoo" typeface="DokChampa"/>
+        <a:font script="Sinh" typeface="Iskoola Pota"/>
+        <a:font script="Mong" typeface="Mongolian Baiti"/>
+        <a:font script="Viet" typeface="Times New Roman"/>
+        <a:font script="Uigh" typeface="Microsoft Uighur"/>
+        <a:font script="Geor" typeface="Sylfaen"/>
+      </a:majorFont>
+      <a:minorFont>
+        <a:latin typeface="Calibri"/>
+        <a:ea typeface=""/>
+        <a:cs typeface=""/>
+        <a:font script="Jpan" typeface="ＭＳ Ｐゴシック"/>
+        <a:font script="Hang" typeface="맑은 고딕"/>
+        <a:font script="Hans" typeface="宋体"/>
+        <a:font script="Hant" typeface="新細明體"/>
+        <a:font script="Arab" typeface="Arial"/>
+        <a:font script="Hebr" typeface="Arial"/>
+        <a:font script="Thai" typeface="Cordia New"/>
+        <a:font script="Ethi" typeface="Nyala"/>
+        <a:font script="Beng" typeface="Vrinda"/>
+        <a:font script="Gujr" typeface="Shruti"/>
+        <a:font script="Khmr" typeface="DaunPenh"/>
+        <a:font script="Knda" typeface="Tunga"/>
+        <a:font script="Guru" typeface="Raavi"/>
+        <a:font script="Cans" typeface="Euphemia"/>
+        <a:font script="Cher" typeface="Plantagenet Cherokee"/>
+        <a:font script="Yiii" typeface="Microsoft Yi Baiti"/>
+        <a:font script="Tibt" typeface="Microsoft Himalaya"/>
+        <a:font script="Thaa" typeface="MV Boli"/>
+        <a:font script="Deva" typeface="Mangal"/>
+        <a:font script="Telu" typeface="Gautami"/>
+        <a:font script="Taml" typeface="Latha"/>
+        <a:font script="Syrc" typeface="Estrangelo Edessa"/>
+        <a:font script="Orya" typeface="Kalinga"/>
+        <a:font script="Mlym" typeface="Kartika"/>
+        <a:font script="Laoo" typeface="DokChampa"/>
+        <a:font script="Sinh" typeface="Iskoola Pota"/>
+        <a:font script="Mong" typeface="Mongolian Baiti"/>
+        <a:font script="Viet" typeface="Arial"/>
+        <a:font script="Uigh" typeface="Microsoft Uighur"/>
+        <a:font script="Geor" typeface="Sylfaen"/>
+      </a:minorFont>
+    </a:fontScheme>
+    <a:fmtScheme name="Office">
+      <a:fillStyleLst>
+        <a:solidFill>
+          <a:schemeClr val="phClr"/>
+        </a:solidFill>
+        <a:gradFill rotWithShape="1">
+          <a:gsLst>
+            <a:gs pos="0">
+              <a:schemeClr val="phClr">
+                <a:tint val="50000"/>
+                <a:satMod val="300000"/>
+              </a:schemeClr>
+            </a:gs>
+            <a:gs pos="35000">
+              <a:schemeClr val="phClr">
+                <a:tint val="37000"/>
+                <a:satMod val="300000"/>
+              </a:schemeClr>
+            </a:gs>
+            <a:gs pos="100000">
+              <a:schemeClr val="phClr">
+                <a:tint val="15000"/>
+                <a:satMod val="350000"/>
+              </a:schemeClr>
+            </a:gs>
+          </a:gsLst>
+          <a:lin ang="16200000" scaled="1"/>
+        </a:gradFill>
+        <a:gradFill rotWithShape="1">
+          <a:gsLst>
+            <a:gs pos="0">
+              <a:schemeClr val="phClr">
+                <a:shade val="51000"/>
+                <a:satMod val="130000"/>
+              </a:schemeClr>
+            </a:gs>
+            <a:gs pos="80000">
+              <a:schemeClr val="phClr">
+                <a:shade val="93000"/>
+                <a:satMod val="130000"/>
+              </a:schemeClr>
+            </a:gs>
+            <a:gs pos="100000">
+              <a:schemeClr val="phClr">
+                <a:shade val="94000"/>
+                <a:satMod val="135000"/>
+              </a:schemeClr>
+            </a:gs>
+          </a:gsLst>
+          <a:lin ang="16200000" scaled="0"/>
+        </a:gradFill>
+      </a:fillStyleLst>
+      <a:lnStyleLst>
+        <a:ln w="9525" cap="flat" cmpd="sng" algn="ctr">
+          <a:solidFill>
+            <a:schemeClr val="phClr">
+              <a:shade val="95000"/>
+              <a:satMod val="105000"/>
+            </a:schemeClr>
+          </a:solidFill>
+          <a:prstDash val="solid"/>
+        </a:ln>
+        <a:ln w="25400" cap="flat" cmpd="sng" algn="ctr">
+          <a:solidFill>
+            <a:schemeClr val="phClr"/>
+          </a:solidFill>
+          <a:prstDash val="solid"/>
+        </a:ln>
+        <a:ln w="38100" cap="flat" cmpd="sng" algn="ctr">
+          <a:solidFill>
+            <a:schemeClr val="phClr"/>
+          </a:solidFill>
+          <a:prstDash val="solid"/>
+        </a:ln>
+      </a:lnStyleLst>
+      <a:effectStyleLst>
+        <a:effectStyle>
+          <a:effectLst>
+            <a:outerShdw blurRad="40000" dist="20000" dir="5400000" rotWithShape="0">
+              <a:srgbClr val="000000">
+                <a:alpha val="38000"/>
+              </a:srgbClr>
+            </a:outerShdw>
+          </a:effectLst>
+        </a:effectStyle>
+        <a:effectStyle>
+          <a:effectLst>
+            <a:outerShdw blurRad="40000" dist="23000" dir="5400000" rotWithShape="0">
+              <a:srgbClr val="000000">
+                <a:alpha val="35000"/>
+              </a:srgbClr>
+            </a:outerShdw>
+          </a:effectLst>
+        </a:effectStyle>
+        <a:effectStyle>
+          <a:effectLst>
+            <a:outerShdw blurRad="40000" dist="23000" dir="5400000" rotWithShape="0">
+              <a:srgbClr val="000000">
+                <a:alpha val="35000"/>
+              </a:srgbClr>
+            </a:outerShdw>
+          </a:effectLst>
+          <a:scene3d>
+            <a:camera prst="orthographicFront">
+              <a:rot lat="0" lon="0" rev="0"/>
+            </a:camera>
+            <a:lightRig rig="threePt" dir="t">
+              <a:rot lat="0" lon="0" rev="1200000"/>
+            </a:lightRig>
+          </a:scene3d>
+          <a:sp3d>
+            <a:bevelT w="63500" h="25400"/>
+          </a:sp3d>
+        </a:effectStyle>
+      </a:effectStyleLst>
+      <a:bgFillStyleLst>
+        <a:solidFill>
+          <a:schemeClr val="phClr"/>
+        </a:solidFill>
+        <a:gradFill rotWithShape="1">
+          <a:gsLst>
+            <a:gs pos="0">
+              <a:schemeClr val="phClr">
+                <a:tint val="40000"/>
+                <a:satMod val="350000"/>
+              </a:schemeClr>
+            </a:gs>
+            <a:gs pos="40000">
+              <a:schemeClr val="phClr">
+                <a:tint val="45000"/>
+                <a:shade val="99000"/>
+                <a:satMod val="350000"/>
+              </a:schemeClr>
+            </a:gs>
+            <a:gs pos="100000">
+              <a:schemeClr val="phClr">
+                <a:shade val="20000"/>
+                <a:satMod val="255000"/>
+              </a:schemeClr>
+            </a:gs>
+          </a:gsLst>
+          <a:path path="circle">
+            <a:fillToRect l="50000" t="-80000" r="50000" b="180000"/>
+          </a:path>
+        </a:gradFill>
+        <a:gradFill rotWithShape="1">
+          <a:gsLst>
+            <a:gs pos="0">
+              <a:schemeClr val="phClr">
+                <a:tint val="80000"/>
+                <a:satMod val="300000"/>
+              </a:schemeClr>
+            </a:gs>
+            <a:gs pos="100000">
+              <a:schemeClr val="phClr">
+                <a:shade val="30000"/>
+                <a:satMod val="200000"/>
+              </a:schemeClr>
+            </a:gs>
+          </a:gsLst>
+          <a:path path="circle">
+            <a:fillToRect l="50000" t="50000" r="50000" b="50000"/>
+          </a:path>
+        </a:gradFill>
+      </a:bgFillStyleLst>
+    </a:fmtScheme>
+  </a:themeElements>
+  <a:objectDefaults/>
+  <a:extraClrSchemeLst/>
+</a:theme>
 </file>